--- a/插图制作.pptx
+++ b/插图制作.pptx
@@ -9,11 +9,12 @@
     <p:sldId id="257" r:id="rId4"/>
     <p:sldId id="258" r:id="rId5"/>
     <p:sldId id="259" r:id="rId6"/>
+    <p:sldId id="260" r:id="rId7"/>
   </p:sldIdLst>
   <p:sldSz cx="12192000" cy="6858000"/>
   <p:notesSz cx="6858000" cy="9144000"/>
   <p:custDataLst>
-    <p:tags r:id="rId10"/>
+    <p:tags r:id="rId11"/>
   </p:custDataLst>
   <p:defaultTextStyle>
     <a:defPPr>
@@ -8052,11 +8053,14 @@
         </p:nvSpPr>
         <p:spPr>
           <a:xfrm rot="5400000">
-            <a:off x="3014345" y="1559560"/>
-            <a:ext cx="116205" cy="795655"/>
+            <a:off x="3172460" y="1402080"/>
+            <a:ext cx="116205" cy="1111250"/>
           </a:xfrm>
           <a:prstGeom prst="leftBrace">
-            <a:avLst/>
+            <a:avLst>
+              <a:gd name="adj1" fmla="val 8333"/>
+              <a:gd name="adj2" fmla="val 61971"/>
+            </a:avLst>
           </a:prstGeom>
           <a:ln>
             <a:solidFill>
@@ -8111,181 +8115,229 @@
               <a:p>
                 <a:pPr algn="l"/>
                 <a14:m>
-                  <m:oMathPara xmlns:m="http://schemas.openxmlformats.org/officeDocument/2006/math">
-                    <m:oMathParaPr>
-                      <m:jc m:val="centerGroup"/>
-                    </m:oMathParaPr>
-                    <m:oMath xmlns:m="http://schemas.openxmlformats.org/officeDocument/2006/math">
-                      <m:sSub>
-                        <m:sSubPr>
-                          <m:ctrlPr>
-                            <a:rPr lang="en-US" altLang="zh-CN" sz="900" i="1">
-                              <a:latin typeface="Cambria Math" panose="02040503050406030204" charset="0"/>
-                              <a:cs typeface="Cambria Math" panose="02040503050406030204" charset="0"/>
-                            </a:rPr>
-                          </m:ctrlPr>
-                        </m:sSubPr>
-                        <m:e>
-                          <m:sSub>
-                            <m:sSubPr>
-                              <m:ctrlPr>
-                                <a:rPr lang="en-US" altLang="zh-CN" sz="900" i="1">
-                                  <a:latin typeface="Cambria Math" panose="02040503050406030204" charset="0"/>
-                                  <a:cs typeface="Cambria Math" panose="02040503050406030204" charset="0"/>
-                                </a:rPr>
-                              </m:ctrlPr>
-                            </m:sSubPr>
-                            <m:e>
-                              <m:r>
-                                <a:rPr lang="en-US" altLang="zh-CN" sz="900" i="1">
-                                  <a:latin typeface="Cambria Math" panose="02040503050406030204" charset="0"/>
-                                  <a:cs typeface="Cambria Math" panose="02040503050406030204" charset="0"/>
-                                </a:rPr>
-                                <m:t>𝛷</m:t>
-                              </m:r>
-                            </m:e>
-                            <m:sub>
-                              <m:r>
-                                <a:rPr lang="en-US" altLang="zh-CN" sz="900" i="1">
-                                  <a:latin typeface="Cambria Math" panose="02040503050406030204" charset="0"/>
-                                  <a:cs typeface="Cambria Math" panose="02040503050406030204" charset="0"/>
-                                </a:rPr>
-                                <m:t>2</m:t>
-                              </m:r>
-                            </m:sub>
-                          </m:sSub>
-                          <m:r>
-                            <a:rPr lang="en-US" altLang="zh-CN" sz="900" i="1">
-                              <a:latin typeface="Cambria Math" panose="02040503050406030204" charset="0"/>
-                              <a:cs typeface="Cambria Math" panose="02040503050406030204" charset="0"/>
-                            </a:rPr>
-                            <m:t>: </m:t>
-                          </m:r>
-                          <m:r>
-                            <a:rPr lang="en-US" altLang="zh-CN" sz="900" i="1">
-                              <a:latin typeface="Cambria Math" panose="02040503050406030204" charset="0"/>
-                              <a:cs typeface="Cambria Math" panose="02040503050406030204" charset="0"/>
-                            </a:rPr>
-                            <m:t>𝑥</m:t>
-                          </m:r>
-                        </m:e>
-                        <m:sub>
-                          <m:r>
-                            <a:rPr lang="en-US" altLang="zh-CN" sz="900" i="1">
-                              <a:latin typeface="Cambria Math" panose="02040503050406030204" charset="0"/>
-                              <a:cs typeface="Cambria Math" panose="02040503050406030204" charset="0"/>
-                            </a:rPr>
-                            <m:t>2</m:t>
-                          </m:r>
-                        </m:sub>
-                      </m:sSub>
-                      <m:r>
-                        <a:rPr lang="en-US" altLang="zh-CN" sz="900" i="1">
-                          <a:latin typeface="Cambria Math" panose="02040503050406030204" charset="0"/>
-                          <a:cs typeface="Cambria Math" panose="02040503050406030204" charset="0"/>
-                        </a:rPr>
-                        <m:t>=</m:t>
-                      </m:r>
-                      <m:sSub>
-                        <m:sSubPr>
-                          <m:ctrlPr>
-                            <a:rPr lang="en-US" altLang="zh-CN" sz="900" i="1">
-                              <a:latin typeface="Cambria Math" panose="02040503050406030204" charset="0"/>
-                              <a:cs typeface="Cambria Math" panose="02040503050406030204" charset="0"/>
-                            </a:rPr>
-                          </m:ctrlPr>
-                        </m:sSubPr>
-                        <m:e>
-                          <m:r>
-                            <a:rPr lang="en-US" altLang="zh-CN" sz="900" i="1">
-                              <a:latin typeface="Cambria Math" panose="02040503050406030204" charset="0"/>
-                              <a:cs typeface="Cambria Math" panose="02040503050406030204" charset="0"/>
-                            </a:rPr>
-                            <m:t>𝑤</m:t>
-                          </m:r>
-                        </m:e>
-                        <m:sub>
-                          <m:r>
-                            <a:rPr lang="en-US" altLang="zh-CN" sz="900" i="1">
-                              <a:latin typeface="Cambria Math" panose="02040503050406030204" charset="0"/>
-                              <a:cs typeface="Cambria Math" panose="02040503050406030204" charset="0"/>
-                            </a:rPr>
-                            <m:t>2</m:t>
-                          </m:r>
-                        </m:sub>
-                      </m:sSub>
-                      <m:r>
-                        <a:rPr lang="en-US" altLang="zh-CN" sz="900" i="1">
-                          <a:latin typeface="Cambria Math" panose="02040503050406030204" charset="0"/>
-                          <a:cs typeface="Cambria Math" panose="02040503050406030204" charset="0"/>
-                        </a:rPr>
-                        <m:t>∙</m:t>
-                      </m:r>
-                      <m:sSub>
-                        <m:sSubPr>
-                          <m:ctrlPr>
-                            <a:rPr lang="en-US" altLang="zh-CN" sz="900" i="1">
-                              <a:latin typeface="Cambria Math" panose="02040503050406030204" charset="0"/>
-                              <a:cs typeface="Cambria Math" panose="02040503050406030204" charset="0"/>
-                            </a:rPr>
-                          </m:ctrlPr>
-                        </m:sSubPr>
-                        <m:e>
-                          <m:r>
-                            <a:rPr lang="en-US" altLang="zh-CN" sz="900" i="1">
-                              <a:latin typeface="Cambria Math" panose="02040503050406030204" charset="0"/>
-                              <a:cs typeface="Cambria Math" panose="02040503050406030204" charset="0"/>
-                            </a:rPr>
-                            <m:t>𝑥</m:t>
-                          </m:r>
-                        </m:e>
-                        <m:sub>
-                          <m:r>
-                            <a:rPr lang="en-US" altLang="zh-CN" sz="900" i="1">
-                              <a:latin typeface="Cambria Math" panose="02040503050406030204" charset="0"/>
-                              <a:cs typeface="Cambria Math" panose="02040503050406030204" charset="0"/>
-                            </a:rPr>
-                            <m:t>1</m:t>
-                          </m:r>
-                        </m:sub>
-                      </m:sSub>
-                      <m:r>
-                        <a:rPr lang="en-US" altLang="zh-CN" sz="900" i="1">
-                          <a:latin typeface="Cambria Math" panose="02040503050406030204" charset="0"/>
-                          <a:cs typeface="Cambria Math" panose="02040503050406030204" charset="0"/>
-                        </a:rPr>
-                        <m:t>+</m:t>
-                      </m:r>
-                      <m:sSub>
-                        <m:sSubPr>
-                          <m:ctrlPr>
-                            <a:rPr lang="en-US" altLang="zh-CN" sz="900" i="1">
-                              <a:latin typeface="Cambria Math" panose="02040503050406030204" charset="0"/>
-                              <a:cs typeface="Cambria Math" panose="02040503050406030204" charset="0"/>
-                            </a:rPr>
-                          </m:ctrlPr>
-                        </m:sSubPr>
-                        <m:e>
-                          <m:r>
-                            <a:rPr lang="en-US" altLang="zh-CN" sz="900" i="1">
-                              <a:latin typeface="Cambria Math" panose="02040503050406030204" charset="0"/>
-                              <a:cs typeface="Cambria Math" panose="02040503050406030204" charset="0"/>
-                            </a:rPr>
-                            <m:t>𝑏</m:t>
-                          </m:r>
-                        </m:e>
-                        <m:sub>
-                          <m:r>
-                            <a:rPr lang="en-US" altLang="zh-CN" sz="900" i="1">
-                              <a:latin typeface="Cambria Math" panose="02040503050406030204" charset="0"/>
-                              <a:cs typeface="Cambria Math" panose="02040503050406030204" charset="0"/>
-                            </a:rPr>
-                            <m:t>2</m:t>
-                          </m:r>
-                        </m:sub>
-                      </m:sSub>
-                    </m:oMath>
-                  </m:oMathPara>
+                  <m:oMath xmlns:m="http://schemas.openxmlformats.org/officeDocument/2006/math">
+                    <m:sSub>
+                      <m:sSubPr>
+                        <m:ctrlPr>
+                          <a:rPr lang="en-US" altLang="zh-CN" sz="900" i="1">
+                            <a:latin typeface="Cambria Math" panose="02040503050406030204" charset="0"/>
+                            <a:cs typeface="Cambria Math" panose="02040503050406030204" charset="0"/>
+                          </a:rPr>
+                        </m:ctrlPr>
+                      </m:sSubPr>
+                      <m:e>
+                        <m:r>
+                          <a:rPr lang="en-US" altLang="zh-CN" sz="900" i="1">
+                            <a:latin typeface="Cambria Math" panose="02040503050406030204" charset="0"/>
+                            <a:cs typeface="Cambria Math" panose="02040503050406030204" charset="0"/>
+                          </a:rPr>
+                          <m:t>𝐿</m:t>
+                        </m:r>
+                      </m:e>
+                      <m:sub>
+                        <m:r>
+                          <a:rPr lang="en-US" altLang="zh-CN" sz="900" i="1">
+                            <a:latin typeface="Cambria Math" panose="02040503050406030204" charset="0"/>
+                            <a:cs typeface="Cambria Math" panose="02040503050406030204" charset="0"/>
+                          </a:rPr>
+                          <m:t>2</m:t>
+                        </m:r>
+                      </m:sub>
+                    </m:sSub>
+                  </m:oMath>
+                </a14:m>
+                <a:r>
+                  <a:rPr lang="en-US" altLang="zh-CN" sz="900">
+                    <a:latin typeface="Cambria Math" panose="02040503050406030204" charset="0"/>
+                    <a:cs typeface="Cambria Math" panose="02040503050406030204" charset="0"/>
+                  </a:rPr>
+                  <a:t>:</a:t>
+                </a:r>
+                <a14:m>
+                  <m:oMath xmlns:m="http://schemas.openxmlformats.org/officeDocument/2006/math">
+                    <m:sSub>
+                      <m:sSubPr>
+                        <m:ctrlPr>
+                          <a:rPr lang="en-US" altLang="zh-CN" sz="900" i="1">
+                            <a:latin typeface="Cambria Math" panose="02040503050406030204" charset="0"/>
+                            <a:cs typeface="Cambria Math" panose="02040503050406030204" charset="0"/>
+                          </a:rPr>
+                        </m:ctrlPr>
+                      </m:sSubPr>
+                      <m:e>
+                        <m:r>
+                          <a:rPr lang="en-US" altLang="zh-CN" sz="900" i="1">
+                            <a:latin typeface="Cambria Math" panose="02040503050406030204" charset="0"/>
+                            <a:cs typeface="Cambria Math" panose="02040503050406030204" charset="0"/>
+                          </a:rPr>
+                          <m:t> </m:t>
+                        </m:r>
+                        <m:r>
+                          <a:rPr lang="en-US" altLang="zh-CN" sz="900" i="1">
+                            <a:latin typeface="Cambria Math" panose="02040503050406030204" charset="0"/>
+                            <a:cs typeface="Cambria Math" panose="02040503050406030204" charset="0"/>
+                          </a:rPr>
+                          <m:t>𝑥</m:t>
+                        </m:r>
+                      </m:e>
+                      <m:sub>
+                        <m:r>
+                          <a:rPr lang="en-US" altLang="zh-CN" sz="900" i="1">
+                            <a:latin typeface="Cambria Math" panose="02040503050406030204" charset="0"/>
+                            <a:cs typeface="Cambria Math" panose="02040503050406030204" charset="0"/>
+                          </a:rPr>
+                          <m:t>2</m:t>
+                        </m:r>
+                      </m:sub>
+                    </m:sSub>
+                    <m:r>
+                      <a:rPr lang="en-US" altLang="zh-CN" sz="900" i="1">
+                        <a:latin typeface="Cambria Math" panose="02040503050406030204" charset="0"/>
+                        <a:cs typeface="Cambria Math" panose="02040503050406030204" charset="0"/>
+                      </a:rPr>
+                      <m:t>=</m:t>
+                    </m:r>
+                    <m:sSub>
+                      <m:sSubPr>
+                        <m:ctrlPr>
+                          <a:rPr lang="en-US" altLang="zh-CN" sz="900" i="1">
+                            <a:latin typeface="Cambria Math" panose="02040503050406030204" charset="0"/>
+                            <a:cs typeface="Cambria Math" panose="02040503050406030204" charset="0"/>
+                          </a:rPr>
+                        </m:ctrlPr>
+                      </m:sSubPr>
+                      <m:e>
+                        <m:sSub>
+                          <m:sSubPr>
+                            <m:ctrlPr>
+                              <a:rPr lang="en-US" altLang="zh-CN" sz="900" i="1">
+                                <a:latin typeface="Cambria Math" panose="02040503050406030204" charset="0"/>
+                                <a:cs typeface="Cambria Math" panose="02040503050406030204" charset="0"/>
+                              </a:rPr>
+                            </m:ctrlPr>
+                          </m:sSubPr>
+                          <m:e>
+                            <m:r>
+                              <a:rPr lang="en-US" altLang="zh-CN" sz="900" i="1">
+                                <a:latin typeface="Cambria Math" panose="02040503050406030204" charset="0"/>
+                                <a:cs typeface="Cambria Math" panose="02040503050406030204" charset="0"/>
+                              </a:rPr>
+                              <m:t>𝛷</m:t>
+                            </m:r>
+                          </m:e>
+                          <m:sub>
+                            <m:r>
+                              <a:rPr lang="en-US" altLang="zh-CN" sz="900" i="1">
+                                <a:latin typeface="Cambria Math" panose="02040503050406030204" charset="0"/>
+                                <a:cs typeface="Cambria Math" panose="02040503050406030204" charset="0"/>
+                              </a:rPr>
+                              <m:t>2</m:t>
+                            </m:r>
+                          </m:sub>
+                        </m:sSub>
+                        <m:r>
+                          <a:rPr lang="en-US" altLang="zh-CN" sz="900" i="1">
+                            <a:latin typeface="Cambria Math" panose="02040503050406030204" charset="0"/>
+                            <a:cs typeface="Cambria Math" panose="02040503050406030204" charset="0"/>
+                          </a:rPr>
+                          <m:t>(</m:t>
+                        </m:r>
+                        <m:r>
+                          <a:rPr lang="en-US" altLang="zh-CN" sz="900" i="1">
+                            <a:latin typeface="Cambria Math" panose="02040503050406030204" charset="0"/>
+                            <a:cs typeface="Cambria Math" panose="02040503050406030204" charset="0"/>
+                          </a:rPr>
+                          <m:t>𝑤</m:t>
+                        </m:r>
+                      </m:e>
+                      <m:sub>
+                        <m:r>
+                          <a:rPr lang="en-US" altLang="zh-CN" sz="900" i="1">
+                            <a:latin typeface="Cambria Math" panose="02040503050406030204" charset="0"/>
+                            <a:cs typeface="Cambria Math" panose="02040503050406030204" charset="0"/>
+                          </a:rPr>
+                          <m:t>2</m:t>
+                        </m:r>
+                      </m:sub>
+                    </m:sSub>
+                    <m:r>
+                      <a:rPr lang="en-US" altLang="zh-CN" sz="900" i="1">
+                        <a:latin typeface="Cambria Math" panose="02040503050406030204" charset="0"/>
+                        <a:cs typeface="Cambria Math" panose="02040503050406030204" charset="0"/>
+                      </a:rPr>
+                      <m:t>∙</m:t>
+                    </m:r>
+                    <m:sSub>
+                      <m:sSubPr>
+                        <m:ctrlPr>
+                          <a:rPr lang="en-US" altLang="zh-CN" sz="900" i="1">
+                            <a:latin typeface="Cambria Math" panose="02040503050406030204" charset="0"/>
+                            <a:cs typeface="Cambria Math" panose="02040503050406030204" charset="0"/>
+                          </a:rPr>
+                        </m:ctrlPr>
+                      </m:sSubPr>
+                      <m:e>
+                        <m:r>
+                          <a:rPr lang="en-US" altLang="zh-CN" sz="900" i="1">
+                            <a:latin typeface="Cambria Math" panose="02040503050406030204" charset="0"/>
+                            <a:cs typeface="Cambria Math" panose="02040503050406030204" charset="0"/>
+                          </a:rPr>
+                          <m:t>𝑥</m:t>
+                        </m:r>
+                      </m:e>
+                      <m:sub>
+                        <m:r>
+                          <a:rPr lang="en-US" altLang="zh-CN" sz="900" i="1">
+                            <a:latin typeface="Cambria Math" panose="02040503050406030204" charset="0"/>
+                            <a:cs typeface="Cambria Math" panose="02040503050406030204" charset="0"/>
+                          </a:rPr>
+                          <m:t>1</m:t>
+                        </m:r>
+                      </m:sub>
+                    </m:sSub>
+                    <m:r>
+                      <a:rPr lang="en-US" altLang="zh-CN" sz="900" i="1">
+                        <a:latin typeface="Cambria Math" panose="02040503050406030204" charset="0"/>
+                        <a:cs typeface="Cambria Math" panose="02040503050406030204" charset="0"/>
+                      </a:rPr>
+                      <m:t>+</m:t>
+                    </m:r>
+                    <m:sSub>
+                      <m:sSubPr>
+                        <m:ctrlPr>
+                          <a:rPr lang="en-US" altLang="zh-CN" sz="900" i="1">
+                            <a:latin typeface="Cambria Math" panose="02040503050406030204" charset="0"/>
+                            <a:cs typeface="Cambria Math" panose="02040503050406030204" charset="0"/>
+                          </a:rPr>
+                        </m:ctrlPr>
+                      </m:sSubPr>
+                      <m:e>
+                        <m:r>
+                          <a:rPr lang="en-US" altLang="zh-CN" sz="900" i="1">
+                            <a:latin typeface="Cambria Math" panose="02040503050406030204" charset="0"/>
+                            <a:cs typeface="Cambria Math" panose="02040503050406030204" charset="0"/>
+                          </a:rPr>
+                          <m:t>𝑏</m:t>
+                        </m:r>
+                      </m:e>
+                      <m:sub>
+                        <m:r>
+                          <a:rPr lang="en-US" altLang="zh-CN" sz="900" i="1">
+                            <a:latin typeface="Cambria Math" panose="02040503050406030204" charset="0"/>
+                            <a:cs typeface="Cambria Math" panose="02040503050406030204" charset="0"/>
+                          </a:rPr>
+                          <m:t>2</m:t>
+                        </m:r>
+                      </m:sub>
+                    </m:sSub>
+                    <m:r>
+                      <a:rPr lang="en-US" altLang="zh-CN" sz="900" i="1">
+                        <a:latin typeface="Cambria Math" panose="02040503050406030204" charset="0"/>
+                        <a:cs typeface="Cambria Math" panose="02040503050406030204" charset="0"/>
+                      </a:rPr>
+                      <m:t>)</m:t>
+                    </m:r>
+                  </m:oMath>
                 </a14:m>
                 <a:endParaRPr lang="en-US" altLang="zh-CN" sz="900" i="1">
                   <a:latin typeface="Cambria Math" panose="02040503050406030204" charset="0"/>
@@ -8315,7 +8367,5096 @@
               <a:blipFill rotWithShape="1">
                 <a:blip r:embed="rId6"/>
                 <a:stretch>
-                  <a:fillRect/>
+                  <a:fillRect r="-12658"/>
+                </a:stretch>
+              </a:blipFill>
+            </p:spPr>
+            <p:txBody>
+              <a:bodyPr/>
+              <a:lstStyle/>
+              <a:p>
+                <a:r>
+                  <a:rPr lang="zh-CN" altLang="en-US">
+                    <a:noFill/>
+                  </a:rPr>
+                  <a:t> </a:t>
+                </a:r>
+              </a:p>
+            </p:txBody>
+          </p:sp>
+        </mc:Fallback>
+      </mc:AlternateContent>
+      <p:sp>
+        <p:nvSpPr>
+          <p:cNvPr id="44" name="左大括号 43"/>
+          <p:cNvSpPr/>
+          <p:nvPr/>
+        </p:nvSpPr>
+        <p:spPr>
+          <a:xfrm rot="16200000">
+            <a:off x="3354070" y="1577340"/>
+            <a:ext cx="127635" cy="1483995"/>
+          </a:xfrm>
+          <a:prstGeom prst="leftBrace">
+            <a:avLst/>
+          </a:prstGeom>
+          <a:ln>
+            <a:solidFill>
+              <a:schemeClr val="tx1"/>
+            </a:solidFill>
+          </a:ln>
+        </p:spPr>
+        <p:style>
+          <a:lnRef idx="2">
+            <a:schemeClr val="accent1"/>
+          </a:lnRef>
+          <a:fillRef idx="0">
+            <a:srgbClr val="FFFFFF"/>
+          </a:fillRef>
+          <a:effectRef idx="0">
+            <a:srgbClr val="FFFFFF"/>
+          </a:effectRef>
+          <a:fontRef idx="minor">
+            <a:schemeClr val="tx1"/>
+          </a:fontRef>
+        </p:style>
+        <p:txBody>
+          <a:bodyPr rtlCol="0" anchor="ctr"/>
+          <a:p>
+            <a:pPr algn="ctr"/>
+            <a:endParaRPr lang="zh-CN" altLang="en-US"/>
+          </a:p>
+        </p:txBody>
+      </p:sp>
+      <mc:AlternateContent xmlns:mc="http://schemas.openxmlformats.org/markup-compatibility/2006">
+        <mc:Choice xmlns:a14="http://schemas.microsoft.com/office/drawing/2010/main" Requires="a14">
+          <p:sp>
+            <p:nvSpPr>
+              <p:cNvPr id="45" name="文本框 44"/>
+              <p:cNvSpPr txBox="1"/>
+              <p:nvPr/>
+            </p:nvSpPr>
+            <p:spPr>
+              <a:xfrm>
+                <a:off x="2846705" y="2444115"/>
+                <a:ext cx="1209040" cy="220345"/>
+              </a:xfrm>
+              <a:prstGeom prst="rect">
+                <a:avLst/>
+              </a:prstGeom>
+              <a:noFill/>
+            </p:spPr>
+            <p:txBody>
+              <a:bodyPr wrap="none" rtlCol="0" anchor="t">
+                <a:noAutofit/>
+              </a:bodyPr>
+              <a:p>
+                <a:pPr algn="l"/>
+                <a14:m>
+                  <m:oMath xmlns:m="http://schemas.openxmlformats.org/officeDocument/2006/math">
+                    <m:sSub>
+                      <m:sSubPr>
+                        <m:ctrlPr>
+                          <a:rPr lang="en-US" altLang="zh-CN" sz="900" i="1">
+                            <a:latin typeface="Cambria Math" panose="02040503050406030204" charset="0"/>
+                            <a:cs typeface="Cambria Math" panose="02040503050406030204" charset="0"/>
+                          </a:rPr>
+                        </m:ctrlPr>
+                      </m:sSubPr>
+                      <m:e>
+                        <m:r>
+                          <a:rPr lang="en-US" altLang="zh-CN" sz="900" i="1">
+                            <a:latin typeface="Cambria Math" panose="02040503050406030204" charset="0"/>
+                            <a:cs typeface="Cambria Math" panose="02040503050406030204" charset="0"/>
+                          </a:rPr>
+                          <m:t>𝐿</m:t>
+                        </m:r>
+                      </m:e>
+                      <m:sub>
+                        <m:r>
+                          <a:rPr lang="en-US" altLang="zh-CN" sz="900" i="1">
+                            <a:latin typeface="Cambria Math" panose="02040503050406030204" charset="0"/>
+                            <a:cs typeface="Cambria Math" panose="02040503050406030204" charset="0"/>
+                          </a:rPr>
+                          <m:t>2</m:t>
+                        </m:r>
+                      </m:sub>
+                    </m:sSub>
+                    <m:sSub>
+                      <m:sSubPr>
+                        <m:ctrlPr>
+                          <a:rPr lang="en-US" altLang="zh-CN" sz="900" i="1">
+                            <a:latin typeface="Cambria Math" panose="02040503050406030204" charset="0"/>
+                            <a:cs typeface="Cambria Math" panose="02040503050406030204" charset="0"/>
+                          </a:rPr>
+                        </m:ctrlPr>
+                      </m:sSubPr>
+                      <m:e>
+                        <m:r>
+                          <a:rPr lang="en-US" altLang="zh-CN" sz="900" i="1">
+                            <a:latin typeface="Cambria Math" panose="02040503050406030204" charset="0"/>
+                            <a:cs typeface="Cambria Math" panose="02040503050406030204" charset="0"/>
+                          </a:rPr>
+                          <m:t>𝐿</m:t>
+                        </m:r>
+                      </m:e>
+                      <m:sub>
+                        <m:r>
+                          <a:rPr lang="en-US" altLang="zh-CN" sz="900" i="1">
+                            <a:latin typeface="Cambria Math" panose="02040503050406030204" charset="0"/>
+                            <a:cs typeface="Cambria Math" panose="02040503050406030204" charset="0"/>
+                          </a:rPr>
+                          <m:t>3</m:t>
+                        </m:r>
+                      </m:sub>
+                    </m:sSub>
+                  </m:oMath>
+                </a14:m>
+                <a:r>
+                  <a:rPr lang="en-US" altLang="zh-CN" sz="900">
+                    <a:latin typeface="Cambria Math" panose="02040503050406030204" charset="0"/>
+                    <a:cs typeface="Cambria Math" panose="02040503050406030204" charset="0"/>
+                  </a:rPr>
+                  <a:t>:</a:t>
+                </a:r>
+                <a14:m>
+                  <m:oMath xmlns:m="http://schemas.openxmlformats.org/officeDocument/2006/math">
+                    <m:sSub>
+                      <m:sSubPr>
+                        <m:ctrlPr>
+                          <a:rPr lang="en-US" altLang="zh-CN" sz="900" i="1">
+                            <a:latin typeface="Cambria Math" panose="02040503050406030204" charset="0"/>
+                            <a:cs typeface="Cambria Math" panose="02040503050406030204" charset="0"/>
+                          </a:rPr>
+                        </m:ctrlPr>
+                      </m:sSubPr>
+                      <m:e>
+                        <m:r>
+                          <a:rPr lang="en-US" altLang="zh-CN" sz="900" i="1">
+                            <a:latin typeface="Cambria Math" panose="02040503050406030204" charset="0"/>
+                            <a:cs typeface="Cambria Math" panose="02040503050406030204" charset="0"/>
+                          </a:rPr>
+                          <m:t> </m:t>
+                        </m:r>
+                        <m:r>
+                          <a:rPr lang="en-US" altLang="zh-CN" sz="900" i="1">
+                            <a:latin typeface="Cambria Math" panose="02040503050406030204" charset="0"/>
+                            <a:cs typeface="Cambria Math" panose="02040503050406030204" charset="0"/>
+                          </a:rPr>
+                          <m:t>𝑥</m:t>
+                        </m:r>
+                      </m:e>
+                      <m:sub>
+                        <m:r>
+                          <a:rPr lang="en-US" altLang="zh-CN" sz="900" i="1">
+                            <a:latin typeface="Cambria Math" panose="02040503050406030204" charset="0"/>
+                            <a:cs typeface="Cambria Math" panose="02040503050406030204" charset="0"/>
+                          </a:rPr>
+                          <m:t>3</m:t>
+                        </m:r>
+                      </m:sub>
+                    </m:sSub>
+                    <m:r>
+                      <a:rPr lang="en-US" altLang="zh-CN" sz="900" i="1">
+                        <a:latin typeface="Cambria Math" panose="02040503050406030204" charset="0"/>
+                        <a:cs typeface="Cambria Math" panose="02040503050406030204" charset="0"/>
+                      </a:rPr>
+                      <m:t>=</m:t>
+                    </m:r>
+                    <m:sSub>
+                      <m:sSubPr>
+                        <m:ctrlPr>
+                          <a:rPr lang="en-US" altLang="zh-CN" sz="900" i="1">
+                            <a:latin typeface="Cambria Math" panose="02040503050406030204" charset="0"/>
+                            <a:cs typeface="Cambria Math" panose="02040503050406030204" charset="0"/>
+                          </a:rPr>
+                        </m:ctrlPr>
+                      </m:sSubPr>
+                      <m:e>
+                        <m:sSub>
+                          <m:sSubPr>
+                            <m:ctrlPr>
+                              <a:rPr lang="en-US" altLang="zh-CN" sz="900" i="1">
+                                <a:latin typeface="Cambria Math" panose="02040503050406030204" charset="0"/>
+                                <a:cs typeface="Cambria Math" panose="02040503050406030204" charset="0"/>
+                              </a:rPr>
+                            </m:ctrlPr>
+                          </m:sSubPr>
+                          <m:e>
+                            <m:r>
+                              <a:rPr lang="en-US" altLang="zh-CN" sz="900" i="1">
+                                <a:latin typeface="Cambria Math" panose="02040503050406030204" charset="0"/>
+                                <a:cs typeface="Cambria Math" panose="02040503050406030204" charset="0"/>
+                              </a:rPr>
+                              <m:t>𝛷</m:t>
+                            </m:r>
+                          </m:e>
+                          <m:sub>
+                            <m:r>
+                              <a:rPr lang="en-US" altLang="zh-CN" sz="900" i="1">
+                                <a:latin typeface="Cambria Math" panose="02040503050406030204" charset="0"/>
+                                <a:cs typeface="Cambria Math" panose="02040503050406030204" charset="0"/>
+                              </a:rPr>
+                              <m:t>3</m:t>
+                            </m:r>
+                          </m:sub>
+                        </m:sSub>
+                        <m:r>
+                          <a:rPr lang="en-US" altLang="zh-CN" sz="900" i="1">
+                            <a:latin typeface="Cambria Math" panose="02040503050406030204" charset="0"/>
+                            <a:cs typeface="Cambria Math" panose="02040503050406030204" charset="0"/>
+                          </a:rPr>
+                          <m:t>(</m:t>
+                        </m:r>
+                        <m:sSub>
+                          <m:sSubPr>
+                            <m:ctrlPr>
+                              <a:rPr lang="en-US" altLang="zh-CN" sz="900" i="1">
+                                <a:latin typeface="Cambria Math" panose="02040503050406030204" charset="0"/>
+                                <a:cs typeface="Cambria Math" panose="02040503050406030204" charset="0"/>
+                              </a:rPr>
+                            </m:ctrlPr>
+                          </m:sSubPr>
+                          <m:e>
+                            <m:r>
+                              <a:rPr lang="en-US" altLang="zh-CN" sz="900" i="1">
+                                <a:latin typeface="Cambria Math" panose="02040503050406030204" charset="0"/>
+                                <a:cs typeface="Cambria Math" panose="02040503050406030204" charset="0"/>
+                              </a:rPr>
+                              <m:t>𝛷</m:t>
+                            </m:r>
+                          </m:e>
+                          <m:sub>
+                            <m:r>
+                              <a:rPr lang="en-US" altLang="zh-CN" sz="900" i="1">
+                                <a:latin typeface="Cambria Math" panose="02040503050406030204" charset="0"/>
+                                <a:cs typeface="Cambria Math" panose="02040503050406030204" charset="0"/>
+                              </a:rPr>
+                              <m:t>2</m:t>
+                            </m:r>
+                          </m:sub>
+                        </m:sSub>
+                        <m:r>
+                          <a:rPr lang="en-US" altLang="zh-CN" sz="900" i="1">
+                            <a:latin typeface="Cambria Math" panose="02040503050406030204" charset="0"/>
+                            <a:cs typeface="Cambria Math" panose="02040503050406030204" charset="0"/>
+                          </a:rPr>
+                          <m:t>(</m:t>
+                        </m:r>
+                        <m:r>
+                          <a:rPr lang="en-US" altLang="zh-CN" sz="900" i="1">
+                            <a:latin typeface="Cambria Math" panose="02040503050406030204" charset="0"/>
+                            <a:cs typeface="Cambria Math" panose="02040503050406030204" charset="0"/>
+                          </a:rPr>
+                          <m:t>𝑤</m:t>
+                        </m:r>
+                      </m:e>
+                      <m:sub>
+                        <m:r>
+                          <a:rPr lang="en-US" altLang="zh-CN" sz="900" i="1">
+                            <a:latin typeface="Cambria Math" panose="02040503050406030204" charset="0"/>
+                            <a:cs typeface="Cambria Math" panose="02040503050406030204" charset="0"/>
+                          </a:rPr>
+                          <m:t>2</m:t>
+                        </m:r>
+                      </m:sub>
+                    </m:sSub>
+                    <m:r>
+                      <a:rPr lang="en-US" altLang="zh-CN" sz="900" i="1">
+                        <a:latin typeface="Cambria Math" panose="02040503050406030204" charset="0"/>
+                        <a:cs typeface="Cambria Math" panose="02040503050406030204" charset="0"/>
+                      </a:rPr>
+                      <m:t>∙</m:t>
+                    </m:r>
+                    <m:sSub>
+                      <m:sSubPr>
+                        <m:ctrlPr>
+                          <a:rPr lang="en-US" altLang="zh-CN" sz="900" i="1">
+                            <a:latin typeface="Cambria Math" panose="02040503050406030204" charset="0"/>
+                            <a:cs typeface="Cambria Math" panose="02040503050406030204" charset="0"/>
+                          </a:rPr>
+                        </m:ctrlPr>
+                      </m:sSubPr>
+                      <m:e>
+                        <m:r>
+                          <a:rPr lang="en-US" altLang="zh-CN" sz="900" i="1">
+                            <a:latin typeface="Cambria Math" panose="02040503050406030204" charset="0"/>
+                            <a:cs typeface="Cambria Math" panose="02040503050406030204" charset="0"/>
+                          </a:rPr>
+                          <m:t>𝑥</m:t>
+                        </m:r>
+                      </m:e>
+                      <m:sub>
+                        <m:r>
+                          <a:rPr lang="en-US" altLang="zh-CN" sz="900" i="1">
+                            <a:latin typeface="Cambria Math" panose="02040503050406030204" charset="0"/>
+                            <a:cs typeface="Cambria Math" panose="02040503050406030204" charset="0"/>
+                          </a:rPr>
+                          <m:t>1</m:t>
+                        </m:r>
+                      </m:sub>
+                    </m:sSub>
+                    <m:r>
+                      <a:rPr lang="en-US" altLang="zh-CN" sz="900" i="1">
+                        <a:latin typeface="Cambria Math" panose="02040503050406030204" charset="0"/>
+                        <a:cs typeface="Cambria Math" panose="02040503050406030204" charset="0"/>
+                      </a:rPr>
+                      <m:t>+</m:t>
+                    </m:r>
+                    <m:sSub>
+                      <m:sSubPr>
+                        <m:ctrlPr>
+                          <a:rPr lang="en-US" altLang="zh-CN" sz="900" i="1">
+                            <a:latin typeface="Cambria Math" panose="02040503050406030204" charset="0"/>
+                            <a:cs typeface="Cambria Math" panose="02040503050406030204" charset="0"/>
+                          </a:rPr>
+                        </m:ctrlPr>
+                      </m:sSubPr>
+                      <m:e>
+                        <m:r>
+                          <a:rPr lang="en-US" altLang="zh-CN" sz="900" i="1">
+                            <a:latin typeface="Cambria Math" panose="02040503050406030204" charset="0"/>
+                            <a:cs typeface="Cambria Math" panose="02040503050406030204" charset="0"/>
+                          </a:rPr>
+                          <m:t>𝑏</m:t>
+                        </m:r>
+                      </m:e>
+                      <m:sub>
+                        <m:r>
+                          <a:rPr lang="en-US" altLang="zh-CN" sz="900" i="1">
+                            <a:latin typeface="Cambria Math" panose="02040503050406030204" charset="0"/>
+                            <a:cs typeface="Cambria Math" panose="02040503050406030204" charset="0"/>
+                          </a:rPr>
+                          <m:t>2</m:t>
+                        </m:r>
+                      </m:sub>
+                    </m:sSub>
+                    <m:r>
+                      <a:rPr lang="en-US" altLang="zh-CN" sz="900" i="1">
+                        <a:latin typeface="Cambria Math" panose="02040503050406030204" charset="0"/>
+                        <a:cs typeface="Cambria Math" panose="02040503050406030204" charset="0"/>
+                      </a:rPr>
+                      <m:t>))+</m:t>
+                    </m:r>
+                    <m:sSub>
+                      <m:sSubPr>
+                        <m:ctrlPr>
+                          <a:rPr lang="en-US" altLang="zh-CN" sz="900" i="1">
+                            <a:latin typeface="Cambria Math" panose="02040503050406030204" charset="0"/>
+                            <a:cs typeface="Cambria Math" panose="02040503050406030204" charset="0"/>
+                          </a:rPr>
+                        </m:ctrlPr>
+                      </m:sSubPr>
+                      <m:e>
+                        <m:r>
+                          <a:rPr lang="en-US" altLang="zh-CN" sz="900" i="1">
+                            <a:latin typeface="Cambria Math" panose="02040503050406030204" charset="0"/>
+                            <a:cs typeface="Cambria Math" panose="02040503050406030204" charset="0"/>
+                          </a:rPr>
+                          <m:t>𝑏</m:t>
+                        </m:r>
+                      </m:e>
+                      <m:sub>
+                        <m:r>
+                          <a:rPr lang="en-US" altLang="zh-CN" sz="900" i="1">
+                            <a:latin typeface="Cambria Math" panose="02040503050406030204" charset="0"/>
+                            <a:cs typeface="Cambria Math" panose="02040503050406030204" charset="0"/>
+                          </a:rPr>
+                          <m:t>3</m:t>
+                        </m:r>
+                      </m:sub>
+                    </m:sSub>
+                  </m:oMath>
+                </a14:m>
+                <a:endParaRPr lang="en-US" altLang="zh-CN" sz="900" i="1">
+                  <a:latin typeface="Cambria Math" panose="02040503050406030204" charset="0"/>
+                  <a:cs typeface="Cambria Math" panose="02040503050406030204" charset="0"/>
+                </a:endParaRPr>
+              </a:p>
+            </p:txBody>
+          </p:sp>
+        </mc:Choice>
+        <mc:Fallback>
+          <p:sp>
+            <p:nvSpPr>
+              <p:cNvPr id="45" name="文本框 44"/>
+              <p:cNvSpPr txBox="1">
+                <a:spLocks noRot="1" noChangeAspect="1" noMove="1" noResize="1" noEditPoints="1" noAdjustHandles="1" noChangeArrowheads="1" noChangeShapeType="1" noTextEdit="1"/>
+              </p:cNvSpPr>
+              <p:nvPr/>
+            </p:nvSpPr>
+            <p:spPr>
+              <a:xfrm>
+                <a:off x="2846705" y="2444115"/>
+                <a:ext cx="1209040" cy="220345"/>
+              </a:xfrm>
+              <a:prstGeom prst="rect">
+                <a:avLst/>
+              </a:prstGeom>
+              <a:blipFill rotWithShape="1">
+                <a:blip r:embed="rId7"/>
+                <a:stretch>
+                  <a:fillRect r="-61765"/>
+                </a:stretch>
+              </a:blipFill>
+            </p:spPr>
+            <p:txBody>
+              <a:bodyPr/>
+              <a:lstStyle/>
+              <a:p>
+                <a:r>
+                  <a:rPr lang="zh-CN" altLang="en-US">
+                    <a:noFill/>
+                  </a:rPr>
+                  <a:t> </a:t>
+                </a:r>
+              </a:p>
+            </p:txBody>
+          </p:sp>
+        </mc:Fallback>
+      </mc:AlternateContent>
+      <p:sp>
+        <p:nvSpPr>
+          <p:cNvPr id="46" name="左大括号 45"/>
+          <p:cNvSpPr/>
+          <p:nvPr/>
+        </p:nvSpPr>
+        <p:spPr>
+          <a:xfrm rot="16200000">
+            <a:off x="3973195" y="1381760"/>
+            <a:ext cx="127635" cy="2721610"/>
+          </a:xfrm>
+          <a:prstGeom prst="leftBrace">
+            <a:avLst/>
+          </a:prstGeom>
+          <a:ln>
+            <a:solidFill>
+              <a:schemeClr val="tx1"/>
+            </a:solidFill>
+          </a:ln>
+        </p:spPr>
+        <p:style>
+          <a:lnRef idx="2">
+            <a:schemeClr val="accent1"/>
+          </a:lnRef>
+          <a:fillRef idx="0">
+            <a:srgbClr val="FFFFFF"/>
+          </a:fillRef>
+          <a:effectRef idx="0">
+            <a:srgbClr val="FFFFFF"/>
+          </a:effectRef>
+          <a:fontRef idx="minor">
+            <a:schemeClr val="tx1"/>
+          </a:fontRef>
+        </p:style>
+        <p:txBody>
+          <a:bodyPr rtlCol="0" anchor="ctr"/>
+          <a:p>
+            <a:pPr algn="ctr"/>
+            <a:endParaRPr lang="zh-CN" altLang="en-US"/>
+          </a:p>
+        </p:txBody>
+      </p:sp>
+      <p:sp>
+        <p:nvSpPr>
+          <p:cNvPr id="47" name="文本框 46"/>
+          <p:cNvSpPr txBox="1"/>
+          <p:nvPr/>
+        </p:nvSpPr>
+        <p:spPr>
+          <a:xfrm>
+            <a:off x="3870325" y="2799080"/>
+            <a:ext cx="334010" cy="220345"/>
+          </a:xfrm>
+          <a:prstGeom prst="rect">
+            <a:avLst/>
+          </a:prstGeom>
+          <a:noFill/>
+        </p:spPr>
+        <p:txBody>
+          <a:bodyPr wrap="none" rtlCol="0" anchor="t">
+            <a:noAutofit/>
+          </a:bodyPr>
+          <a:p>
+            <a:pPr algn="l"/>
+            <a:r>
+              <a:rPr lang="en-US" altLang="zh-CN" sz="900">
+                <a:latin typeface="Cambria Math" panose="02040503050406030204" charset="0"/>
+                <a:cs typeface="Cambria Math" panose="02040503050406030204" charset="0"/>
+              </a:rPr>
+              <a:t>.......</a:t>
+            </a:r>
+            <a:endParaRPr lang="en-US" altLang="zh-CN" sz="900" i="1">
+              <a:latin typeface="Cambria Math" panose="02040503050406030204" charset="0"/>
+              <a:cs typeface="Cambria Math" panose="02040503050406030204" charset="0"/>
+            </a:endParaRPr>
+          </a:p>
+        </p:txBody>
+      </p:sp>
+      <p:sp>
+        <p:nvSpPr>
+          <p:cNvPr id="48" name="矩形 47"/>
+          <p:cNvSpPr/>
+          <p:nvPr/>
+        </p:nvSpPr>
+        <p:spPr>
+          <a:xfrm>
+            <a:off x="1886585" y="3405505"/>
+            <a:ext cx="694055" cy="340995"/>
+          </a:xfrm>
+          <a:prstGeom prst="rect">
+            <a:avLst/>
+          </a:prstGeom>
+          <a:noFill/>
+          <a:ln>
+            <a:solidFill>
+              <a:schemeClr val="tx1"/>
+            </a:solidFill>
+          </a:ln>
+          <a:extLst>
+            <a:ext uri="{909E8E84-426E-40DD-AFC4-6F175D3DCCD1}">
+              <a14:hiddenFill xmlns:a14="http://schemas.microsoft.com/office/drawing/2010/main">
+                <a:solidFill>
+                  <a:schemeClr val="accent1"/>
+                </a:solidFill>
+              </a14:hiddenFill>
+            </a:ext>
+          </a:extLst>
+        </p:spPr>
+        <p:style>
+          <a:lnRef idx="2">
+            <a:schemeClr val="accent1">
+              <a:lumMod val="75000"/>
+            </a:schemeClr>
+          </a:lnRef>
+          <a:fillRef idx="1">
+            <a:schemeClr val="accent1"/>
+          </a:fillRef>
+          <a:effectRef idx="0">
+            <a:srgbClr val="FFFFFF"/>
+          </a:effectRef>
+          <a:fontRef idx="minor">
+            <a:schemeClr val="lt1"/>
+          </a:fontRef>
+        </p:style>
+        <p:txBody>
+          <a:bodyPr rtlCol="0" anchor="ctr"/>
+          <a:p>
+            <a:pPr algn="ctr"/>
+            <a:r>
+              <a:rPr lang="en-US" altLang="zh-CN" sz="1400">
+                <a:solidFill>
+                  <a:schemeClr val="tx1"/>
+                </a:solidFill>
+              </a:rPr>
+              <a:t>layer 1</a:t>
+            </a:r>
+            <a:endParaRPr lang="en-US" altLang="zh-CN" sz="1400">
+              <a:solidFill>
+                <a:schemeClr val="tx1"/>
+              </a:solidFill>
+            </a:endParaRPr>
+          </a:p>
+        </p:txBody>
+      </p:sp>
+      <p:sp>
+        <p:nvSpPr>
+          <p:cNvPr id="49" name="矩形 48"/>
+          <p:cNvSpPr/>
+          <p:nvPr/>
+        </p:nvSpPr>
+        <p:spPr>
+          <a:xfrm>
+            <a:off x="8279130" y="2976880"/>
+            <a:ext cx="549910" cy="281305"/>
+          </a:xfrm>
+          <a:prstGeom prst="rect">
+            <a:avLst/>
+          </a:prstGeom>
+          <a:noFill/>
+          <a:ln>
+            <a:solidFill>
+              <a:schemeClr val="tx1"/>
+            </a:solidFill>
+          </a:ln>
+          <a:extLst>
+            <a:ext uri="{909E8E84-426E-40DD-AFC4-6F175D3DCCD1}">
+              <a14:hiddenFill xmlns:a14="http://schemas.microsoft.com/office/drawing/2010/main">
+                <a:solidFill>
+                  <a:schemeClr val="accent1"/>
+                </a:solidFill>
+              </a14:hiddenFill>
+            </a:ext>
+          </a:extLst>
+        </p:spPr>
+        <p:style>
+          <a:lnRef idx="2">
+            <a:schemeClr val="accent1">
+              <a:lumMod val="75000"/>
+            </a:schemeClr>
+          </a:lnRef>
+          <a:fillRef idx="1">
+            <a:schemeClr val="accent1"/>
+          </a:fillRef>
+          <a:effectRef idx="0">
+            <a:srgbClr val="FFFFFF"/>
+          </a:effectRef>
+          <a:fontRef idx="minor">
+            <a:schemeClr val="lt1"/>
+          </a:fontRef>
+        </p:style>
+        <p:txBody>
+          <a:bodyPr rtlCol="0" anchor="ctr"/>
+          <a:p>
+            <a:pPr algn="ctr"/>
+            <a:r>
+              <a:rPr lang="en-US" altLang="zh-CN" sz="1000">
+                <a:solidFill>
+                  <a:schemeClr val="tx1"/>
+                </a:solidFill>
+              </a:rPr>
+              <a:t>layer 2</a:t>
+            </a:r>
+            <a:endParaRPr lang="en-US" altLang="zh-CN" sz="1000">
+              <a:solidFill>
+                <a:schemeClr val="tx1"/>
+              </a:solidFill>
+            </a:endParaRPr>
+          </a:p>
+        </p:txBody>
+      </p:sp>
+      <p:cxnSp>
+        <p:nvCxnSpPr>
+          <p:cNvPr id="50" name="直接箭头连接符 49"/>
+          <p:cNvCxnSpPr/>
+          <p:nvPr/>
+        </p:nvCxnSpPr>
+        <p:spPr>
+          <a:xfrm flipV="1">
+            <a:off x="7924800" y="3117850"/>
+            <a:ext cx="354330" cy="635"/>
+          </a:xfrm>
+          <a:prstGeom prst="straightConnector1">
+            <a:avLst/>
+          </a:prstGeom>
+          <a:ln>
+            <a:solidFill>
+              <a:schemeClr val="tx1"/>
+            </a:solidFill>
+            <a:tailEnd type="arrow"/>
+          </a:ln>
+        </p:spPr>
+        <p:style>
+          <a:lnRef idx="2">
+            <a:schemeClr val="accent1"/>
+          </a:lnRef>
+          <a:fillRef idx="0">
+            <a:srgbClr val="FFFFFF"/>
+          </a:fillRef>
+          <a:effectRef idx="0">
+            <a:srgbClr val="FFFFFF"/>
+          </a:effectRef>
+          <a:fontRef idx="minor">
+            <a:schemeClr val="tx1"/>
+          </a:fontRef>
+        </p:style>
+      </p:cxnSp>
+      <p:sp>
+        <p:nvSpPr>
+          <p:cNvPr id="51" name="矩形 50"/>
+          <p:cNvSpPr/>
+          <p:nvPr/>
+        </p:nvSpPr>
+        <p:spPr>
+          <a:xfrm>
+            <a:off x="9083040" y="2981960"/>
+            <a:ext cx="549910" cy="281305"/>
+          </a:xfrm>
+          <a:prstGeom prst="rect">
+            <a:avLst/>
+          </a:prstGeom>
+          <a:noFill/>
+          <a:ln>
+            <a:solidFill>
+              <a:schemeClr val="tx1"/>
+            </a:solidFill>
+          </a:ln>
+          <a:extLst>
+            <a:ext uri="{909E8E84-426E-40DD-AFC4-6F175D3DCCD1}">
+              <a14:hiddenFill xmlns:a14="http://schemas.microsoft.com/office/drawing/2010/main">
+                <a:solidFill>
+                  <a:schemeClr val="accent1"/>
+                </a:solidFill>
+              </a14:hiddenFill>
+            </a:ext>
+          </a:extLst>
+        </p:spPr>
+        <p:style>
+          <a:lnRef idx="2">
+            <a:schemeClr val="accent1">
+              <a:lumMod val="75000"/>
+            </a:schemeClr>
+          </a:lnRef>
+          <a:fillRef idx="1">
+            <a:schemeClr val="accent1"/>
+          </a:fillRef>
+          <a:effectRef idx="0">
+            <a:srgbClr val="FFFFFF"/>
+          </a:effectRef>
+          <a:fontRef idx="minor">
+            <a:schemeClr val="lt1"/>
+          </a:fontRef>
+        </p:style>
+        <p:txBody>
+          <a:bodyPr rtlCol="0" anchor="ctr"/>
+          <a:p>
+            <a:pPr algn="ctr"/>
+            <a:r>
+              <a:rPr lang="en-US" altLang="zh-CN" sz="1000">
+                <a:solidFill>
+                  <a:schemeClr val="tx1"/>
+                </a:solidFill>
+              </a:rPr>
+              <a:t>layer 3</a:t>
+            </a:r>
+            <a:endParaRPr lang="en-US" altLang="zh-CN" sz="1000">
+              <a:solidFill>
+                <a:schemeClr val="tx1"/>
+              </a:solidFill>
+            </a:endParaRPr>
+          </a:p>
+        </p:txBody>
+      </p:sp>
+      <p:cxnSp>
+        <p:nvCxnSpPr>
+          <p:cNvPr id="52" name="直接箭头连接符 51"/>
+          <p:cNvCxnSpPr/>
+          <p:nvPr/>
+        </p:nvCxnSpPr>
+        <p:spPr>
+          <a:xfrm flipV="1">
+            <a:off x="8820150" y="3122930"/>
+            <a:ext cx="262890" cy="2540"/>
+          </a:xfrm>
+          <a:prstGeom prst="straightConnector1">
+            <a:avLst/>
+          </a:prstGeom>
+          <a:ln>
+            <a:solidFill>
+              <a:schemeClr val="tx1"/>
+            </a:solidFill>
+            <a:tailEnd type="arrow"/>
+          </a:ln>
+        </p:spPr>
+        <p:style>
+          <a:lnRef idx="2">
+            <a:schemeClr val="accent1"/>
+          </a:lnRef>
+          <a:fillRef idx="0">
+            <a:srgbClr val="FFFFFF"/>
+          </a:fillRef>
+          <a:effectRef idx="0">
+            <a:srgbClr val="FFFFFF"/>
+          </a:effectRef>
+          <a:fontRef idx="minor">
+            <a:schemeClr val="tx1"/>
+          </a:fontRef>
+        </p:style>
+      </p:cxnSp>
+      <p:sp>
+        <p:nvSpPr>
+          <p:cNvPr id="53" name="矩形 52"/>
+          <p:cNvSpPr/>
+          <p:nvPr/>
+        </p:nvSpPr>
+        <p:spPr>
+          <a:xfrm>
+            <a:off x="9902190" y="2976880"/>
+            <a:ext cx="549910" cy="281305"/>
+          </a:xfrm>
+          <a:prstGeom prst="rect">
+            <a:avLst/>
+          </a:prstGeom>
+          <a:noFill/>
+          <a:ln>
+            <a:solidFill>
+              <a:schemeClr val="tx1"/>
+            </a:solidFill>
+          </a:ln>
+          <a:extLst>
+            <a:ext uri="{909E8E84-426E-40DD-AFC4-6F175D3DCCD1}">
+              <a14:hiddenFill xmlns:a14="http://schemas.microsoft.com/office/drawing/2010/main">
+                <a:solidFill>
+                  <a:schemeClr val="accent1"/>
+                </a:solidFill>
+              </a14:hiddenFill>
+            </a:ext>
+          </a:extLst>
+        </p:spPr>
+        <p:style>
+          <a:lnRef idx="2">
+            <a:schemeClr val="accent1">
+              <a:lumMod val="75000"/>
+            </a:schemeClr>
+          </a:lnRef>
+          <a:fillRef idx="1">
+            <a:schemeClr val="accent1"/>
+          </a:fillRef>
+          <a:effectRef idx="0">
+            <a:srgbClr val="FFFFFF"/>
+          </a:effectRef>
+          <a:fontRef idx="minor">
+            <a:schemeClr val="lt1"/>
+          </a:fontRef>
+        </p:style>
+        <p:txBody>
+          <a:bodyPr rtlCol="0" anchor="ctr"/>
+          <a:p>
+            <a:pPr algn="ctr"/>
+            <a:r>
+              <a:rPr lang="en-US" altLang="zh-CN" sz="1000">
+                <a:solidFill>
+                  <a:schemeClr val="tx1"/>
+                </a:solidFill>
+              </a:rPr>
+              <a:t>layer 4</a:t>
+            </a:r>
+            <a:endParaRPr lang="en-US" altLang="zh-CN" sz="1000">
+              <a:solidFill>
+                <a:schemeClr val="tx1"/>
+              </a:solidFill>
+            </a:endParaRPr>
+          </a:p>
+        </p:txBody>
+      </p:sp>
+      <p:cxnSp>
+        <p:nvCxnSpPr>
+          <p:cNvPr id="54" name="直接箭头连接符 53"/>
+          <p:cNvCxnSpPr/>
+          <p:nvPr/>
+        </p:nvCxnSpPr>
+        <p:spPr>
+          <a:xfrm flipV="1">
+            <a:off x="9639300" y="3117850"/>
+            <a:ext cx="262890" cy="2540"/>
+          </a:xfrm>
+          <a:prstGeom prst="straightConnector1">
+            <a:avLst/>
+          </a:prstGeom>
+          <a:ln>
+            <a:solidFill>
+              <a:schemeClr val="tx1"/>
+            </a:solidFill>
+            <a:tailEnd type="arrow"/>
+          </a:ln>
+        </p:spPr>
+        <p:style>
+          <a:lnRef idx="2">
+            <a:schemeClr val="accent1"/>
+          </a:lnRef>
+          <a:fillRef idx="0">
+            <a:srgbClr val="FFFFFF"/>
+          </a:fillRef>
+          <a:effectRef idx="0">
+            <a:srgbClr val="FFFFFF"/>
+          </a:effectRef>
+          <a:fontRef idx="minor">
+            <a:schemeClr val="tx1"/>
+          </a:fontRef>
+        </p:style>
+      </p:cxnSp>
+      <p:cxnSp>
+        <p:nvCxnSpPr>
+          <p:cNvPr id="55" name="直接箭头连接符 54"/>
+          <p:cNvCxnSpPr/>
+          <p:nvPr/>
+        </p:nvCxnSpPr>
+        <p:spPr>
+          <a:xfrm flipV="1">
+            <a:off x="10452100" y="3115310"/>
+            <a:ext cx="262890" cy="2540"/>
+          </a:xfrm>
+          <a:prstGeom prst="straightConnector1">
+            <a:avLst/>
+          </a:prstGeom>
+          <a:ln>
+            <a:solidFill>
+              <a:schemeClr val="tx1"/>
+            </a:solidFill>
+            <a:tailEnd type="arrow"/>
+          </a:ln>
+        </p:spPr>
+        <p:style>
+          <a:lnRef idx="2">
+            <a:schemeClr val="accent1"/>
+          </a:lnRef>
+          <a:fillRef idx="0">
+            <a:srgbClr val="FFFFFF"/>
+          </a:fillRef>
+          <a:effectRef idx="0">
+            <a:srgbClr val="FFFFFF"/>
+          </a:effectRef>
+          <a:fontRef idx="minor">
+            <a:schemeClr val="tx1"/>
+          </a:fontRef>
+        </p:style>
+      </p:cxnSp>
+      <p:sp>
+        <p:nvSpPr>
+          <p:cNvPr id="56" name="文本框 55"/>
+          <p:cNvSpPr txBox="1"/>
+          <p:nvPr/>
+        </p:nvSpPr>
+        <p:spPr>
+          <a:xfrm>
+            <a:off x="10646410" y="2867025"/>
+            <a:ext cx="469900" cy="368300"/>
+          </a:xfrm>
+          <a:prstGeom prst="rect">
+            <a:avLst/>
+          </a:prstGeom>
+          <a:noFill/>
+        </p:spPr>
+        <p:txBody>
+          <a:bodyPr wrap="square" rtlCol="0">
+            <a:spAutoFit/>
+          </a:bodyPr>
+          <a:p>
+            <a:r>
+              <a:rPr lang="en-US" altLang="zh-CN"/>
+              <a:t>.....</a:t>
+            </a:r>
+            <a:endParaRPr lang="en-US" altLang="zh-CN"/>
+          </a:p>
+        </p:txBody>
+      </p:sp>
+      <p:cxnSp>
+        <p:nvCxnSpPr>
+          <p:cNvPr id="57" name="直接箭头连接符 56"/>
+          <p:cNvCxnSpPr/>
+          <p:nvPr/>
+        </p:nvCxnSpPr>
+        <p:spPr>
+          <a:xfrm flipV="1">
+            <a:off x="1488440" y="3566160"/>
+            <a:ext cx="398145" cy="5080"/>
+          </a:xfrm>
+          <a:prstGeom prst="straightConnector1">
+            <a:avLst/>
+          </a:prstGeom>
+          <a:ln>
+            <a:solidFill>
+              <a:schemeClr val="tx1"/>
+            </a:solidFill>
+            <a:tailEnd type="arrow"/>
+          </a:ln>
+        </p:spPr>
+        <p:style>
+          <a:lnRef idx="2">
+            <a:schemeClr val="accent1"/>
+          </a:lnRef>
+          <a:fillRef idx="0">
+            <a:srgbClr val="FFFFFF"/>
+          </a:fillRef>
+          <a:effectRef idx="0">
+            <a:srgbClr val="FFFFFF"/>
+          </a:effectRef>
+          <a:fontRef idx="minor">
+            <a:schemeClr val="tx1"/>
+          </a:fontRef>
+        </p:style>
+      </p:cxnSp>
+      <mc:AlternateContent xmlns:mc="http://schemas.openxmlformats.org/markup-compatibility/2006">
+        <mc:Choice xmlns:a14="http://schemas.microsoft.com/office/drawing/2010/main" Requires="a14">
+          <p:sp>
+            <p:nvSpPr>
+              <p:cNvPr id="58" name="文本框 57"/>
+              <p:cNvSpPr txBox="1"/>
+              <p:nvPr/>
+            </p:nvSpPr>
+            <p:spPr>
+              <a:xfrm>
+                <a:off x="1525270" y="3348355"/>
+                <a:ext cx="302895" cy="244475"/>
+              </a:xfrm>
+              <a:prstGeom prst="rect">
+                <a:avLst/>
+              </a:prstGeom>
+              <a:noFill/>
+            </p:spPr>
+            <p:txBody>
+              <a:bodyPr wrap="none" rtlCol="0" anchor="t">
+                <a:noAutofit/>
+              </a:bodyPr>
+              <a:p>
+                <a:pPr algn="l"/>
+                <a14:m>
+                  <m:oMathPara xmlns:m="http://schemas.openxmlformats.org/officeDocument/2006/math">
+                    <m:oMathParaPr>
+                      <m:jc m:val="centerGroup"/>
+                    </m:oMathParaPr>
+                    <m:oMath xmlns:m="http://schemas.openxmlformats.org/officeDocument/2006/math">
+                      <m:sSub>
+                        <m:sSubPr>
+                          <m:ctrlPr>
+                            <a:rPr lang="en-US" altLang="zh-CN" sz="1000" i="1">
+                              <a:latin typeface="Cambria Math" panose="02040503050406030204" charset="0"/>
+                              <a:cs typeface="Cambria Math" panose="02040503050406030204" charset="0"/>
+                            </a:rPr>
+                          </m:ctrlPr>
+                        </m:sSubPr>
+                        <m:e>
+                          <m:r>
+                            <a:rPr lang="en-US" altLang="zh-CN" sz="1000" i="1">
+                              <a:latin typeface="Cambria Math" panose="02040503050406030204" charset="0"/>
+                              <a:cs typeface="Cambria Math" panose="02040503050406030204" charset="0"/>
+                            </a:rPr>
+                            <m:t>𝑥</m:t>
+                          </m:r>
+                        </m:e>
+                        <m:sub>
+                          <m:r>
+                            <a:rPr lang="en-US" altLang="zh-CN" sz="1000" i="1">
+                              <a:latin typeface="Cambria Math" panose="02040503050406030204" charset="0"/>
+                              <a:cs typeface="Cambria Math" panose="02040503050406030204" charset="0"/>
+                            </a:rPr>
+                            <m:t>0</m:t>
+                          </m:r>
+                        </m:sub>
+                      </m:sSub>
+                    </m:oMath>
+                  </m:oMathPara>
+                </a14:m>
+                <a:endParaRPr lang="en-US" altLang="zh-CN" i="1">
+                  <a:latin typeface="Cambria Math" panose="02040503050406030204" charset="0"/>
+                  <a:cs typeface="Cambria Math" panose="02040503050406030204" charset="0"/>
+                </a:endParaRPr>
+              </a:p>
+              <a:p>
+                <a:pPr algn="l"/>
+                <a:r>
+                  <a:rPr lang="en-US" altLang="zh-CN"/>
+                  <a:t> </a:t>
+                </a:r>
+                <a:endParaRPr lang="en-US" altLang="zh-CN"/>
+              </a:p>
+            </p:txBody>
+          </p:sp>
+        </mc:Choice>
+        <mc:Fallback>
+          <p:sp>
+            <p:nvSpPr>
+              <p:cNvPr id="58" name="文本框 57"/>
+              <p:cNvSpPr txBox="1">
+                <a:spLocks noRot="1" noChangeAspect="1" noMove="1" noResize="1" noEditPoints="1" noAdjustHandles="1" noChangeArrowheads="1" noChangeShapeType="1" noTextEdit="1"/>
+              </p:cNvSpPr>
+              <p:nvPr/>
+            </p:nvSpPr>
+            <p:spPr>
+              <a:xfrm>
+                <a:off x="1525270" y="3348355"/>
+                <a:ext cx="302895" cy="244475"/>
+              </a:xfrm>
+              <a:prstGeom prst="rect">
+                <a:avLst/>
+              </a:prstGeom>
+              <a:blipFill rotWithShape="1">
+                <a:blip r:embed="rId1"/>
+                <a:stretch>
+                  <a:fillRect b="-93247"/>
+                </a:stretch>
+              </a:blipFill>
+            </p:spPr>
+            <p:txBody>
+              <a:bodyPr/>
+              <a:lstStyle/>
+              <a:p>
+                <a:r>
+                  <a:rPr lang="zh-CN" altLang="en-US">
+                    <a:noFill/>
+                  </a:rPr>
+                  <a:t> </a:t>
+                </a:r>
+              </a:p>
+            </p:txBody>
+          </p:sp>
+        </mc:Fallback>
+      </mc:AlternateContent>
+      <mc:AlternateContent xmlns:mc="http://schemas.openxmlformats.org/markup-compatibility/2006">
+        <mc:Choice xmlns:a14="http://schemas.microsoft.com/office/drawing/2010/main" Requires="a14">
+          <p:sp>
+            <p:nvSpPr>
+              <p:cNvPr id="59" name="文本框 58"/>
+              <p:cNvSpPr txBox="1"/>
+              <p:nvPr/>
+            </p:nvSpPr>
+            <p:spPr>
+              <a:xfrm>
+                <a:off x="7992110" y="2880995"/>
+                <a:ext cx="302895" cy="244475"/>
+              </a:xfrm>
+              <a:prstGeom prst="rect">
+                <a:avLst/>
+              </a:prstGeom>
+              <a:noFill/>
+            </p:spPr>
+            <p:txBody>
+              <a:bodyPr wrap="none" rtlCol="0" anchor="t">
+                <a:noAutofit/>
+              </a:bodyPr>
+              <a:p>
+                <a:pPr algn="l"/>
+                <a14:m>
+                  <m:oMathPara xmlns:m="http://schemas.openxmlformats.org/officeDocument/2006/math">
+                    <m:oMathParaPr>
+                      <m:jc m:val="centerGroup"/>
+                    </m:oMathParaPr>
+                    <m:oMath xmlns:m="http://schemas.openxmlformats.org/officeDocument/2006/math">
+                      <m:sSub>
+                        <m:sSubPr>
+                          <m:ctrlPr>
+                            <a:rPr lang="en-US" altLang="zh-CN" sz="1000" i="1">
+                              <a:latin typeface="Cambria Math" panose="02040503050406030204" charset="0"/>
+                              <a:cs typeface="Cambria Math" panose="02040503050406030204" charset="0"/>
+                            </a:rPr>
+                          </m:ctrlPr>
+                        </m:sSubPr>
+                        <m:e>
+                          <m:r>
+                            <a:rPr lang="en-US" altLang="zh-CN" sz="1000" i="1">
+                              <a:latin typeface="Cambria Math" panose="02040503050406030204" charset="0"/>
+                              <a:cs typeface="Cambria Math" panose="02040503050406030204" charset="0"/>
+                            </a:rPr>
+                            <m:t>𝑥</m:t>
+                          </m:r>
+                        </m:e>
+                        <m:sub>
+                          <m:r>
+                            <a:rPr lang="en-US" altLang="zh-CN" sz="1000" i="1">
+                              <a:latin typeface="Cambria Math" panose="02040503050406030204" charset="0"/>
+                              <a:cs typeface="Cambria Math" panose="02040503050406030204" charset="0"/>
+                            </a:rPr>
+                            <m:t>1</m:t>
+                          </m:r>
+                        </m:sub>
+                      </m:sSub>
+                    </m:oMath>
+                  </m:oMathPara>
+                </a14:m>
+                <a:endParaRPr lang="en-US" altLang="zh-CN" i="1">
+                  <a:latin typeface="Cambria Math" panose="02040503050406030204" charset="0"/>
+                  <a:cs typeface="Cambria Math" panose="02040503050406030204" charset="0"/>
+                </a:endParaRPr>
+              </a:p>
+              <a:p>
+                <a:pPr algn="l"/>
+                <a:r>
+                  <a:rPr lang="en-US" altLang="zh-CN"/>
+                  <a:t> </a:t>
+                </a:r>
+                <a:endParaRPr lang="en-US" altLang="zh-CN"/>
+              </a:p>
+            </p:txBody>
+          </p:sp>
+        </mc:Choice>
+        <mc:Fallback>
+          <p:sp>
+            <p:nvSpPr>
+              <p:cNvPr id="59" name="文本框 58"/>
+              <p:cNvSpPr txBox="1">
+                <a:spLocks noRot="1" noChangeAspect="1" noMove="1" noResize="1" noEditPoints="1" noAdjustHandles="1" noChangeArrowheads="1" noChangeShapeType="1" noTextEdit="1"/>
+              </p:cNvSpPr>
+              <p:nvPr/>
+            </p:nvSpPr>
+            <p:spPr>
+              <a:xfrm>
+                <a:off x="7992110" y="2880995"/>
+                <a:ext cx="302895" cy="244475"/>
+              </a:xfrm>
+              <a:prstGeom prst="rect">
+                <a:avLst/>
+              </a:prstGeom>
+              <a:blipFill rotWithShape="1">
+                <a:blip r:embed="rId2"/>
+                <a:stretch>
+                  <a:fillRect b="-93247"/>
+                </a:stretch>
+              </a:blipFill>
+            </p:spPr>
+            <p:txBody>
+              <a:bodyPr/>
+              <a:lstStyle/>
+              <a:p>
+                <a:r>
+                  <a:rPr lang="zh-CN" altLang="en-US">
+                    <a:noFill/>
+                  </a:rPr>
+                  <a:t> </a:t>
+                </a:r>
+              </a:p>
+            </p:txBody>
+          </p:sp>
+        </mc:Fallback>
+      </mc:AlternateContent>
+      <mc:AlternateContent xmlns:mc="http://schemas.openxmlformats.org/markup-compatibility/2006">
+        <mc:Choice xmlns:a14="http://schemas.microsoft.com/office/drawing/2010/main" Requires="a14">
+          <p:sp>
+            <p:nvSpPr>
+              <p:cNvPr id="60" name="文本框 59"/>
+              <p:cNvSpPr txBox="1"/>
+              <p:nvPr/>
+            </p:nvSpPr>
+            <p:spPr>
+              <a:xfrm>
+                <a:off x="8820785" y="2880995"/>
+                <a:ext cx="302895" cy="244475"/>
+              </a:xfrm>
+              <a:prstGeom prst="rect">
+                <a:avLst/>
+              </a:prstGeom>
+              <a:noFill/>
+            </p:spPr>
+            <p:txBody>
+              <a:bodyPr wrap="none" rtlCol="0" anchor="t">
+                <a:noAutofit/>
+              </a:bodyPr>
+              <a:p>
+                <a:pPr algn="l"/>
+                <a14:m>
+                  <m:oMathPara xmlns:m="http://schemas.openxmlformats.org/officeDocument/2006/math">
+                    <m:oMathParaPr>
+                      <m:jc m:val="centerGroup"/>
+                    </m:oMathParaPr>
+                    <m:oMath xmlns:m="http://schemas.openxmlformats.org/officeDocument/2006/math">
+                      <m:sSub>
+                        <m:sSubPr>
+                          <m:ctrlPr>
+                            <a:rPr lang="en-US" altLang="zh-CN" sz="1000" i="1">
+                              <a:latin typeface="Cambria Math" panose="02040503050406030204" charset="0"/>
+                              <a:cs typeface="Cambria Math" panose="02040503050406030204" charset="0"/>
+                            </a:rPr>
+                          </m:ctrlPr>
+                        </m:sSubPr>
+                        <m:e>
+                          <m:r>
+                            <a:rPr lang="en-US" altLang="zh-CN" sz="1000" i="1">
+                              <a:latin typeface="Cambria Math" panose="02040503050406030204" charset="0"/>
+                              <a:cs typeface="Cambria Math" panose="02040503050406030204" charset="0"/>
+                            </a:rPr>
+                            <m:t>𝑥</m:t>
+                          </m:r>
+                        </m:e>
+                        <m:sub>
+                          <m:r>
+                            <a:rPr lang="en-US" altLang="zh-CN" sz="1000" i="1">
+                              <a:latin typeface="Cambria Math" panose="02040503050406030204" charset="0"/>
+                              <a:cs typeface="Cambria Math" panose="02040503050406030204" charset="0"/>
+                            </a:rPr>
+                            <m:t>2</m:t>
+                          </m:r>
+                        </m:sub>
+                      </m:sSub>
+                    </m:oMath>
+                  </m:oMathPara>
+                </a14:m>
+                <a:endParaRPr lang="en-US" altLang="zh-CN" i="1">
+                  <a:latin typeface="Cambria Math" panose="02040503050406030204" charset="0"/>
+                  <a:cs typeface="Cambria Math" panose="02040503050406030204" charset="0"/>
+                </a:endParaRPr>
+              </a:p>
+              <a:p>
+                <a:pPr algn="l"/>
+                <a:r>
+                  <a:rPr lang="en-US" altLang="zh-CN"/>
+                  <a:t> </a:t>
+                </a:r>
+                <a:endParaRPr lang="en-US" altLang="zh-CN"/>
+              </a:p>
+            </p:txBody>
+          </p:sp>
+        </mc:Choice>
+        <mc:Fallback>
+          <p:sp>
+            <p:nvSpPr>
+              <p:cNvPr id="60" name="文本框 59"/>
+              <p:cNvSpPr txBox="1">
+                <a:spLocks noRot="1" noChangeAspect="1" noMove="1" noResize="1" noEditPoints="1" noAdjustHandles="1" noChangeArrowheads="1" noChangeShapeType="1" noTextEdit="1"/>
+              </p:cNvSpPr>
+              <p:nvPr/>
+            </p:nvSpPr>
+            <p:spPr>
+              <a:xfrm>
+                <a:off x="8820785" y="2880995"/>
+                <a:ext cx="302895" cy="244475"/>
+              </a:xfrm>
+              <a:prstGeom prst="rect">
+                <a:avLst/>
+              </a:prstGeom>
+              <a:blipFill rotWithShape="1">
+                <a:blip r:embed="rId3"/>
+                <a:stretch>
+                  <a:fillRect b="-93247"/>
+                </a:stretch>
+              </a:blipFill>
+            </p:spPr>
+            <p:txBody>
+              <a:bodyPr/>
+              <a:lstStyle/>
+              <a:p>
+                <a:r>
+                  <a:rPr lang="zh-CN" altLang="en-US">
+                    <a:noFill/>
+                  </a:rPr>
+                  <a:t> </a:t>
+                </a:r>
+              </a:p>
+            </p:txBody>
+          </p:sp>
+        </mc:Fallback>
+      </mc:AlternateContent>
+      <mc:AlternateContent xmlns:mc="http://schemas.openxmlformats.org/markup-compatibility/2006">
+        <mc:Choice xmlns:a14="http://schemas.microsoft.com/office/drawing/2010/main" Requires="a14">
+          <p:sp>
+            <p:nvSpPr>
+              <p:cNvPr id="61" name="文本框 60"/>
+              <p:cNvSpPr txBox="1"/>
+              <p:nvPr/>
+            </p:nvSpPr>
+            <p:spPr>
+              <a:xfrm>
+                <a:off x="9636125" y="2880995"/>
+                <a:ext cx="302895" cy="244475"/>
+              </a:xfrm>
+              <a:prstGeom prst="rect">
+                <a:avLst/>
+              </a:prstGeom>
+              <a:noFill/>
+            </p:spPr>
+            <p:txBody>
+              <a:bodyPr wrap="none" rtlCol="0" anchor="t">
+                <a:noAutofit/>
+              </a:bodyPr>
+              <a:p>
+                <a:pPr algn="l"/>
+                <a14:m>
+                  <m:oMathPara xmlns:m="http://schemas.openxmlformats.org/officeDocument/2006/math">
+                    <m:oMathParaPr>
+                      <m:jc m:val="centerGroup"/>
+                    </m:oMathParaPr>
+                    <m:oMath xmlns:m="http://schemas.openxmlformats.org/officeDocument/2006/math">
+                      <m:sSub>
+                        <m:sSubPr>
+                          <m:ctrlPr>
+                            <a:rPr lang="en-US" altLang="zh-CN" sz="1000" i="1">
+                              <a:latin typeface="Cambria Math" panose="02040503050406030204" charset="0"/>
+                              <a:cs typeface="Cambria Math" panose="02040503050406030204" charset="0"/>
+                            </a:rPr>
+                          </m:ctrlPr>
+                        </m:sSubPr>
+                        <m:e>
+                          <m:r>
+                            <a:rPr lang="en-US" altLang="zh-CN" sz="1000" i="1">
+                              <a:latin typeface="Cambria Math" panose="02040503050406030204" charset="0"/>
+                              <a:cs typeface="Cambria Math" panose="02040503050406030204" charset="0"/>
+                            </a:rPr>
+                            <m:t>𝑥</m:t>
+                          </m:r>
+                        </m:e>
+                        <m:sub>
+                          <m:r>
+                            <a:rPr lang="en-US" altLang="zh-CN" sz="1000" i="1">
+                              <a:latin typeface="Cambria Math" panose="02040503050406030204" charset="0"/>
+                              <a:cs typeface="Cambria Math" panose="02040503050406030204" charset="0"/>
+                            </a:rPr>
+                            <m:t>3</m:t>
+                          </m:r>
+                        </m:sub>
+                      </m:sSub>
+                    </m:oMath>
+                  </m:oMathPara>
+                </a14:m>
+                <a:endParaRPr lang="en-US" altLang="zh-CN" i="1">
+                  <a:latin typeface="Cambria Math" panose="02040503050406030204" charset="0"/>
+                  <a:cs typeface="Cambria Math" panose="02040503050406030204" charset="0"/>
+                </a:endParaRPr>
+              </a:p>
+              <a:p>
+                <a:pPr algn="l"/>
+                <a:r>
+                  <a:rPr lang="en-US" altLang="zh-CN"/>
+                  <a:t> </a:t>
+                </a:r>
+                <a:endParaRPr lang="en-US" altLang="zh-CN"/>
+              </a:p>
+            </p:txBody>
+          </p:sp>
+        </mc:Choice>
+        <mc:Fallback>
+          <p:sp>
+            <p:nvSpPr>
+              <p:cNvPr id="61" name="文本框 60"/>
+              <p:cNvSpPr txBox="1">
+                <a:spLocks noRot="1" noChangeAspect="1" noMove="1" noResize="1" noEditPoints="1" noAdjustHandles="1" noChangeArrowheads="1" noChangeShapeType="1" noTextEdit="1"/>
+              </p:cNvSpPr>
+              <p:nvPr/>
+            </p:nvSpPr>
+            <p:spPr>
+              <a:xfrm>
+                <a:off x="9636125" y="2880995"/>
+                <a:ext cx="302895" cy="244475"/>
+              </a:xfrm>
+              <a:prstGeom prst="rect">
+                <a:avLst/>
+              </a:prstGeom>
+              <a:blipFill rotWithShape="1">
+                <a:blip r:embed="rId4"/>
+                <a:stretch>
+                  <a:fillRect b="-93247"/>
+                </a:stretch>
+              </a:blipFill>
+            </p:spPr>
+            <p:txBody>
+              <a:bodyPr/>
+              <a:lstStyle/>
+              <a:p>
+                <a:r>
+                  <a:rPr lang="zh-CN" altLang="en-US">
+                    <a:noFill/>
+                  </a:rPr>
+                  <a:t> </a:t>
+                </a:r>
+              </a:p>
+            </p:txBody>
+          </p:sp>
+        </mc:Fallback>
+      </mc:AlternateContent>
+      <mc:AlternateContent xmlns:mc="http://schemas.openxmlformats.org/markup-compatibility/2006">
+        <mc:Choice xmlns:a14="http://schemas.microsoft.com/office/drawing/2010/main" Requires="a14">
+          <p:sp>
+            <p:nvSpPr>
+              <p:cNvPr id="62" name="文本框 61"/>
+              <p:cNvSpPr txBox="1"/>
+              <p:nvPr/>
+            </p:nvSpPr>
+            <p:spPr>
+              <a:xfrm>
+                <a:off x="10417810" y="2880995"/>
+                <a:ext cx="302895" cy="244475"/>
+              </a:xfrm>
+              <a:prstGeom prst="rect">
+                <a:avLst/>
+              </a:prstGeom>
+              <a:noFill/>
+            </p:spPr>
+            <p:txBody>
+              <a:bodyPr wrap="none" rtlCol="0" anchor="t">
+                <a:noAutofit/>
+              </a:bodyPr>
+              <a:p>
+                <a:pPr algn="l"/>
+                <a14:m>
+                  <m:oMathPara xmlns:m="http://schemas.openxmlformats.org/officeDocument/2006/math">
+                    <m:oMathParaPr>
+                      <m:jc m:val="centerGroup"/>
+                    </m:oMathParaPr>
+                    <m:oMath xmlns:m="http://schemas.openxmlformats.org/officeDocument/2006/math">
+                      <m:sSub>
+                        <m:sSubPr>
+                          <m:ctrlPr>
+                            <a:rPr lang="en-US" altLang="zh-CN" sz="1000" i="1">
+                              <a:latin typeface="Cambria Math" panose="02040503050406030204" charset="0"/>
+                              <a:cs typeface="Cambria Math" panose="02040503050406030204" charset="0"/>
+                            </a:rPr>
+                          </m:ctrlPr>
+                        </m:sSubPr>
+                        <m:e>
+                          <m:r>
+                            <a:rPr lang="en-US" altLang="zh-CN" sz="1000" i="1">
+                              <a:latin typeface="Cambria Math" panose="02040503050406030204" charset="0"/>
+                              <a:cs typeface="Cambria Math" panose="02040503050406030204" charset="0"/>
+                            </a:rPr>
+                            <m:t>𝑥</m:t>
+                          </m:r>
+                        </m:e>
+                        <m:sub>
+                          <m:r>
+                            <a:rPr lang="en-US" altLang="zh-CN" sz="1000" i="1">
+                              <a:latin typeface="Cambria Math" panose="02040503050406030204" charset="0"/>
+                              <a:cs typeface="Cambria Math" panose="02040503050406030204" charset="0"/>
+                            </a:rPr>
+                            <m:t>4</m:t>
+                          </m:r>
+                        </m:sub>
+                      </m:sSub>
+                    </m:oMath>
+                  </m:oMathPara>
+                </a14:m>
+                <a:endParaRPr lang="en-US" altLang="zh-CN" i="1">
+                  <a:latin typeface="Cambria Math" panose="02040503050406030204" charset="0"/>
+                  <a:cs typeface="Cambria Math" panose="02040503050406030204" charset="0"/>
+                </a:endParaRPr>
+              </a:p>
+              <a:p>
+                <a:pPr algn="l"/>
+                <a:r>
+                  <a:rPr lang="en-US" altLang="zh-CN"/>
+                  <a:t> </a:t>
+                </a:r>
+                <a:endParaRPr lang="en-US" altLang="zh-CN"/>
+              </a:p>
+            </p:txBody>
+          </p:sp>
+        </mc:Choice>
+        <mc:Fallback>
+          <p:sp>
+            <p:nvSpPr>
+              <p:cNvPr id="62" name="文本框 61"/>
+              <p:cNvSpPr txBox="1">
+                <a:spLocks noRot="1" noChangeAspect="1" noMove="1" noResize="1" noEditPoints="1" noAdjustHandles="1" noChangeArrowheads="1" noChangeShapeType="1" noTextEdit="1"/>
+              </p:cNvSpPr>
+              <p:nvPr/>
+            </p:nvSpPr>
+            <p:spPr>
+              <a:xfrm>
+                <a:off x="10417810" y="2880995"/>
+                <a:ext cx="302895" cy="244475"/>
+              </a:xfrm>
+              <a:prstGeom prst="rect">
+                <a:avLst/>
+              </a:prstGeom>
+              <a:blipFill rotWithShape="1">
+                <a:blip r:embed="rId5"/>
+                <a:stretch>
+                  <a:fillRect b="-93247"/>
+                </a:stretch>
+              </a:blipFill>
+            </p:spPr>
+            <p:txBody>
+              <a:bodyPr/>
+              <a:lstStyle/>
+              <a:p>
+                <a:r>
+                  <a:rPr lang="zh-CN" altLang="en-US">
+                    <a:noFill/>
+                  </a:rPr>
+                  <a:t> </a:t>
+                </a:r>
+              </a:p>
+            </p:txBody>
+          </p:sp>
+        </mc:Fallback>
+      </mc:AlternateContent>
+      <p:sp>
+        <p:nvSpPr>
+          <p:cNvPr id="63" name="左大括号 62"/>
+          <p:cNvSpPr/>
+          <p:nvPr/>
+        </p:nvSpPr>
+        <p:spPr>
+          <a:xfrm rot="5400000">
+            <a:off x="3416300" y="3282315"/>
+            <a:ext cx="116205" cy="1163320"/>
+          </a:xfrm>
+          <a:prstGeom prst="leftBrace">
+            <a:avLst>
+              <a:gd name="adj1" fmla="val 8333"/>
+              <a:gd name="adj2" fmla="val 61971"/>
+            </a:avLst>
+          </a:prstGeom>
+          <a:ln>
+            <a:solidFill>
+              <a:schemeClr val="tx1"/>
+            </a:solidFill>
+          </a:ln>
+        </p:spPr>
+        <p:style>
+          <a:lnRef idx="2">
+            <a:schemeClr val="accent1"/>
+          </a:lnRef>
+          <a:fillRef idx="0">
+            <a:srgbClr val="FFFFFF"/>
+          </a:fillRef>
+          <a:effectRef idx="0">
+            <a:srgbClr val="FFFFFF"/>
+          </a:effectRef>
+          <a:fontRef idx="minor">
+            <a:schemeClr val="tx1"/>
+          </a:fontRef>
+        </p:style>
+        <p:txBody>
+          <a:bodyPr rtlCol="0" anchor="ctr"/>
+          <a:p>
+            <a:pPr algn="ctr"/>
+            <a:endParaRPr lang="zh-CN" altLang="en-US"/>
+          </a:p>
+        </p:txBody>
+      </p:sp>
+      <mc:AlternateContent xmlns:mc="http://schemas.openxmlformats.org/markup-compatibility/2006">
+        <mc:Choice xmlns:a14="http://schemas.microsoft.com/office/drawing/2010/main" Requires="a14">
+          <p:sp>
+            <p:nvSpPr>
+              <p:cNvPr id="64" name="文本框 63"/>
+              <p:cNvSpPr txBox="1"/>
+              <p:nvPr/>
+            </p:nvSpPr>
+            <p:spPr>
+              <a:xfrm>
+                <a:off x="2695575" y="3898900"/>
+                <a:ext cx="1209040" cy="220345"/>
+              </a:xfrm>
+              <a:prstGeom prst="rect">
+                <a:avLst/>
+              </a:prstGeom>
+              <a:noFill/>
+            </p:spPr>
+            <p:txBody>
+              <a:bodyPr wrap="none" rtlCol="0" anchor="t">
+                <a:noAutofit/>
+              </a:bodyPr>
+              <a:p>
+                <a:pPr algn="l"/>
+                <a14:m>
+                  <m:oMath xmlns:m="http://schemas.openxmlformats.org/officeDocument/2006/math">
+                    <m:sSub>
+                      <m:sSubPr>
+                        <m:ctrlPr>
+                          <a:rPr lang="en-US" altLang="zh-CN" sz="1000" i="1">
+                            <a:latin typeface="Cambria Math" panose="02040503050406030204" charset="0"/>
+                            <a:cs typeface="Cambria Math" panose="02040503050406030204" charset="0"/>
+                          </a:rPr>
+                        </m:ctrlPr>
+                      </m:sSubPr>
+                      <m:e>
+                        <m:r>
+                          <a:rPr lang="en-US" altLang="zh-CN" sz="1000" i="1">
+                            <a:latin typeface="Cambria Math" panose="02040503050406030204" charset="0"/>
+                            <a:cs typeface="Cambria Math" panose="02040503050406030204" charset="0"/>
+                          </a:rPr>
+                          <m:t>𝐿</m:t>
+                        </m:r>
+                      </m:e>
+                      <m:sub>
+                        <m:r>
+                          <a:rPr lang="en-US" altLang="zh-CN" sz="1000" i="1">
+                            <a:latin typeface="Cambria Math" panose="02040503050406030204" charset="0"/>
+                            <a:cs typeface="Cambria Math" panose="02040503050406030204" charset="0"/>
+                          </a:rPr>
+                          <m:t>2</m:t>
+                        </m:r>
+                      </m:sub>
+                    </m:sSub>
+                  </m:oMath>
+                </a14:m>
+                <a:r>
+                  <a:rPr lang="en-US" altLang="zh-CN" sz="1000">
+                    <a:latin typeface="Cambria Math" panose="02040503050406030204" charset="0"/>
+                    <a:cs typeface="Cambria Math" panose="02040503050406030204" charset="0"/>
+                  </a:rPr>
+                  <a:t>:</a:t>
+                </a:r>
+                <a14:m>
+                  <m:oMath xmlns:m="http://schemas.openxmlformats.org/officeDocument/2006/math">
+                    <m:sSub>
+                      <m:sSubPr>
+                        <m:ctrlPr>
+                          <a:rPr lang="en-US" altLang="zh-CN" sz="1000" i="1">
+                            <a:latin typeface="Cambria Math" panose="02040503050406030204" charset="0"/>
+                            <a:cs typeface="Cambria Math" panose="02040503050406030204" charset="0"/>
+                          </a:rPr>
+                        </m:ctrlPr>
+                      </m:sSubPr>
+                      <m:e>
+                        <m:r>
+                          <a:rPr lang="en-US" altLang="zh-CN" sz="1000" i="1">
+                            <a:latin typeface="Cambria Math" panose="02040503050406030204" charset="0"/>
+                            <a:cs typeface="Cambria Math" panose="02040503050406030204" charset="0"/>
+                          </a:rPr>
+                          <m:t> </m:t>
+                        </m:r>
+                        <m:r>
+                          <a:rPr lang="en-US" altLang="zh-CN" sz="1000" i="1">
+                            <a:latin typeface="Cambria Math" panose="02040503050406030204" charset="0"/>
+                            <a:cs typeface="Cambria Math" panose="02040503050406030204" charset="0"/>
+                          </a:rPr>
+                          <m:t>𝑥</m:t>
+                        </m:r>
+                      </m:e>
+                      <m:sub>
+                        <m:r>
+                          <a:rPr lang="en-US" altLang="zh-CN" sz="1000" i="1">
+                            <a:latin typeface="Cambria Math" panose="02040503050406030204" charset="0"/>
+                            <a:cs typeface="Cambria Math" panose="02040503050406030204" charset="0"/>
+                          </a:rPr>
+                          <m:t>2</m:t>
+                        </m:r>
+                      </m:sub>
+                    </m:sSub>
+                    <m:r>
+                      <a:rPr lang="en-US" altLang="zh-CN" sz="1000" i="1">
+                        <a:latin typeface="Cambria Math" panose="02040503050406030204" charset="0"/>
+                        <a:cs typeface="Cambria Math" panose="02040503050406030204" charset="0"/>
+                      </a:rPr>
+                      <m:t>=</m:t>
+                    </m:r>
+                    <m:sSub>
+                      <m:sSubPr>
+                        <m:ctrlPr>
+                          <a:rPr lang="en-US" altLang="zh-CN" sz="1000" i="1">
+                            <a:latin typeface="Cambria Math" panose="02040503050406030204" charset="0"/>
+                            <a:cs typeface="Cambria Math" panose="02040503050406030204" charset="0"/>
+                          </a:rPr>
+                        </m:ctrlPr>
+                      </m:sSubPr>
+                      <m:e>
+                        <m:sSub>
+                          <m:sSubPr>
+                            <m:ctrlPr>
+                              <a:rPr lang="en-US" altLang="zh-CN" sz="1000" i="1">
+                                <a:latin typeface="Cambria Math" panose="02040503050406030204" charset="0"/>
+                                <a:cs typeface="Cambria Math" panose="02040503050406030204" charset="0"/>
+                              </a:rPr>
+                            </m:ctrlPr>
+                          </m:sSubPr>
+                          <m:e>
+                            <m:r>
+                              <a:rPr lang="en-US" altLang="zh-CN" sz="1000" i="1">
+                                <a:latin typeface="Cambria Math" panose="02040503050406030204" charset="0"/>
+                                <a:cs typeface="Cambria Math" panose="02040503050406030204" charset="0"/>
+                              </a:rPr>
+                              <m:t>𝛷</m:t>
+                            </m:r>
+                          </m:e>
+                          <m:sub>
+                            <m:r>
+                              <a:rPr lang="en-US" altLang="zh-CN" sz="1000" i="1">
+                                <a:latin typeface="Cambria Math" panose="02040503050406030204" charset="0"/>
+                                <a:cs typeface="Cambria Math" panose="02040503050406030204" charset="0"/>
+                              </a:rPr>
+                              <m:t>2</m:t>
+                            </m:r>
+                          </m:sub>
+                        </m:sSub>
+                        <m:r>
+                          <a:rPr lang="en-US" altLang="zh-CN" sz="1000" i="1">
+                            <a:latin typeface="Cambria Math" panose="02040503050406030204" charset="0"/>
+                            <a:cs typeface="Cambria Math" panose="02040503050406030204" charset="0"/>
+                          </a:rPr>
+                          <m:t>(</m:t>
+                        </m:r>
+                        <m:r>
+                          <a:rPr lang="en-US" altLang="zh-CN" sz="1000" i="1">
+                            <a:latin typeface="Cambria Math" panose="02040503050406030204" charset="0"/>
+                            <a:cs typeface="Cambria Math" panose="02040503050406030204" charset="0"/>
+                          </a:rPr>
+                          <m:t>𝑤</m:t>
+                        </m:r>
+                      </m:e>
+                      <m:sub>
+                        <m:r>
+                          <a:rPr lang="en-US" altLang="zh-CN" sz="1000" i="1">
+                            <a:latin typeface="Cambria Math" panose="02040503050406030204" charset="0"/>
+                            <a:cs typeface="Cambria Math" panose="02040503050406030204" charset="0"/>
+                          </a:rPr>
+                          <m:t>2</m:t>
+                        </m:r>
+                      </m:sub>
+                    </m:sSub>
+                    <m:r>
+                      <a:rPr lang="en-US" altLang="zh-CN" sz="1000" i="1">
+                        <a:latin typeface="Cambria Math" panose="02040503050406030204" charset="0"/>
+                        <a:cs typeface="Cambria Math" panose="02040503050406030204" charset="0"/>
+                      </a:rPr>
+                      <m:t>∙</m:t>
+                    </m:r>
+                    <m:sSub>
+                      <m:sSubPr>
+                        <m:ctrlPr>
+                          <a:rPr lang="en-US" altLang="zh-CN" sz="1000" i="1">
+                            <a:latin typeface="Cambria Math" panose="02040503050406030204" charset="0"/>
+                            <a:cs typeface="Cambria Math" panose="02040503050406030204" charset="0"/>
+                          </a:rPr>
+                        </m:ctrlPr>
+                      </m:sSubPr>
+                      <m:e>
+                        <m:r>
+                          <a:rPr lang="en-US" altLang="zh-CN" sz="1000" i="1">
+                            <a:latin typeface="Cambria Math" panose="02040503050406030204" charset="0"/>
+                            <a:cs typeface="Cambria Math" panose="02040503050406030204" charset="0"/>
+                          </a:rPr>
+                          <m:t>𝑥</m:t>
+                        </m:r>
+                      </m:e>
+                      <m:sub>
+                        <m:r>
+                          <a:rPr lang="en-US" altLang="zh-CN" sz="1000" i="1">
+                            <a:latin typeface="Cambria Math" panose="02040503050406030204" charset="0"/>
+                            <a:cs typeface="Cambria Math" panose="02040503050406030204" charset="0"/>
+                          </a:rPr>
+                          <m:t>1</m:t>
+                        </m:r>
+                      </m:sub>
+                    </m:sSub>
+                    <m:r>
+                      <a:rPr lang="en-US" altLang="zh-CN" sz="1000" i="1">
+                        <a:latin typeface="Cambria Math" panose="02040503050406030204" charset="0"/>
+                        <a:cs typeface="Cambria Math" panose="02040503050406030204" charset="0"/>
+                      </a:rPr>
+                      <m:t>+</m:t>
+                    </m:r>
+                    <m:sSub>
+                      <m:sSubPr>
+                        <m:ctrlPr>
+                          <a:rPr lang="en-US" altLang="zh-CN" sz="1000" i="1">
+                            <a:latin typeface="Cambria Math" panose="02040503050406030204" charset="0"/>
+                            <a:cs typeface="Cambria Math" panose="02040503050406030204" charset="0"/>
+                          </a:rPr>
+                        </m:ctrlPr>
+                      </m:sSubPr>
+                      <m:e>
+                        <m:r>
+                          <a:rPr lang="en-US" altLang="zh-CN" sz="1000" i="1">
+                            <a:latin typeface="Cambria Math" panose="02040503050406030204" charset="0"/>
+                            <a:cs typeface="Cambria Math" panose="02040503050406030204" charset="0"/>
+                          </a:rPr>
+                          <m:t>𝑏</m:t>
+                        </m:r>
+                      </m:e>
+                      <m:sub>
+                        <m:r>
+                          <a:rPr lang="en-US" altLang="zh-CN" sz="1000" i="1">
+                            <a:latin typeface="Cambria Math" panose="02040503050406030204" charset="0"/>
+                            <a:cs typeface="Cambria Math" panose="02040503050406030204" charset="0"/>
+                          </a:rPr>
+                          <m:t>2</m:t>
+                        </m:r>
+                      </m:sub>
+                    </m:sSub>
+                    <m:r>
+                      <a:rPr lang="en-US" altLang="zh-CN" sz="1000" i="1">
+                        <a:latin typeface="Cambria Math" panose="02040503050406030204" charset="0"/>
+                        <a:cs typeface="Cambria Math" panose="02040503050406030204" charset="0"/>
+                      </a:rPr>
+                      <m:t>)</m:t>
+                    </m:r>
+                  </m:oMath>
+                </a14:m>
+                <a:endParaRPr lang="en-US" altLang="zh-CN" sz="1000" i="1">
+                  <a:latin typeface="Cambria Math" panose="02040503050406030204" charset="0"/>
+                  <a:cs typeface="Cambria Math" panose="02040503050406030204" charset="0"/>
+                </a:endParaRPr>
+              </a:p>
+            </p:txBody>
+          </p:sp>
+        </mc:Choice>
+        <mc:Fallback>
+          <p:sp>
+            <p:nvSpPr>
+              <p:cNvPr id="64" name="文本框 63"/>
+              <p:cNvSpPr txBox="1">
+                <a:spLocks noRot="1" noChangeAspect="1" noMove="1" noResize="1" noEditPoints="1" noAdjustHandles="1" noChangeArrowheads="1" noChangeShapeType="1" noTextEdit="1"/>
+              </p:cNvSpPr>
+              <p:nvPr/>
+            </p:nvSpPr>
+            <p:spPr>
+              <a:xfrm>
+                <a:off x="2695575" y="3898900"/>
+                <a:ext cx="1209040" cy="220345"/>
+              </a:xfrm>
+              <a:prstGeom prst="rect">
+                <a:avLst/>
+              </a:prstGeom>
+              <a:blipFill rotWithShape="1">
+                <a:blip r:embed="rId8"/>
+                <a:stretch>
+                  <a:fillRect r="-23214"/>
+                </a:stretch>
+              </a:blipFill>
+            </p:spPr>
+            <p:txBody>
+              <a:bodyPr/>
+              <a:lstStyle/>
+              <a:p>
+                <a:r>
+                  <a:rPr lang="zh-CN" altLang="en-US">
+                    <a:noFill/>
+                  </a:rPr>
+                  <a:t> </a:t>
+                </a:r>
+              </a:p>
+            </p:txBody>
+          </p:sp>
+        </mc:Fallback>
+      </mc:AlternateContent>
+      <p:sp>
+        <p:nvSpPr>
+          <p:cNvPr id="65" name="左大括号 64"/>
+          <p:cNvSpPr/>
+          <p:nvPr/>
+        </p:nvSpPr>
+        <p:spPr>
+          <a:xfrm rot="16200000">
+            <a:off x="3781425" y="3274695"/>
+            <a:ext cx="127635" cy="1901825"/>
+          </a:xfrm>
+          <a:prstGeom prst="leftBrace">
+            <a:avLst/>
+          </a:prstGeom>
+          <a:ln>
+            <a:solidFill>
+              <a:schemeClr val="tx1"/>
+            </a:solidFill>
+          </a:ln>
+        </p:spPr>
+        <p:style>
+          <a:lnRef idx="2">
+            <a:schemeClr val="accent1"/>
+          </a:lnRef>
+          <a:fillRef idx="0">
+            <a:srgbClr val="FFFFFF"/>
+          </a:fillRef>
+          <a:effectRef idx="0">
+            <a:srgbClr val="FFFFFF"/>
+          </a:effectRef>
+          <a:fontRef idx="minor">
+            <a:schemeClr val="tx1"/>
+          </a:fontRef>
+        </p:style>
+        <p:txBody>
+          <a:bodyPr rtlCol="0" anchor="ctr"/>
+          <a:p>
+            <a:pPr algn="ctr"/>
+            <a:endParaRPr lang="zh-CN" altLang="en-US"/>
+          </a:p>
+        </p:txBody>
+      </p:sp>
+      <mc:AlternateContent xmlns:mc="http://schemas.openxmlformats.org/markup-compatibility/2006">
+        <mc:Choice xmlns:a14="http://schemas.microsoft.com/office/drawing/2010/main" Requires="a14">
+          <p:sp>
+            <p:nvSpPr>
+              <p:cNvPr id="66" name="文本框 65"/>
+              <p:cNvSpPr txBox="1"/>
+              <p:nvPr/>
+            </p:nvSpPr>
+            <p:spPr>
+              <a:xfrm>
+                <a:off x="2894330" y="4364990"/>
+                <a:ext cx="1209040" cy="220345"/>
+              </a:xfrm>
+              <a:prstGeom prst="rect">
+                <a:avLst/>
+              </a:prstGeom>
+              <a:noFill/>
+            </p:spPr>
+            <p:txBody>
+              <a:bodyPr wrap="none" rtlCol="0" anchor="t">
+                <a:noAutofit/>
+              </a:bodyPr>
+              <a:p>
+                <a:pPr algn="l"/>
+                <a14:m>
+                  <m:oMath xmlns:m="http://schemas.openxmlformats.org/officeDocument/2006/math">
+                    <m:sSub>
+                      <m:sSubPr>
+                        <m:ctrlPr>
+                          <a:rPr lang="en-US" altLang="zh-CN" sz="1000" i="1">
+                            <a:latin typeface="Cambria Math" panose="02040503050406030204" charset="0"/>
+                            <a:cs typeface="Cambria Math" panose="02040503050406030204" charset="0"/>
+                          </a:rPr>
+                        </m:ctrlPr>
+                      </m:sSubPr>
+                      <m:e>
+                        <m:r>
+                          <a:rPr lang="en-US" altLang="zh-CN" sz="1000" i="1">
+                            <a:latin typeface="Cambria Math" panose="02040503050406030204" charset="0"/>
+                            <a:cs typeface="Cambria Math" panose="02040503050406030204" charset="0"/>
+                          </a:rPr>
+                          <m:t>𝐿</m:t>
+                        </m:r>
+                      </m:e>
+                      <m:sub>
+                        <m:r>
+                          <a:rPr lang="en-US" altLang="zh-CN" sz="1000" i="1">
+                            <a:latin typeface="Cambria Math" panose="02040503050406030204" charset="0"/>
+                            <a:cs typeface="Cambria Math" panose="02040503050406030204" charset="0"/>
+                          </a:rPr>
+                          <m:t>2</m:t>
+                        </m:r>
+                      </m:sub>
+                    </m:sSub>
+                    <m:sSub>
+                      <m:sSubPr>
+                        <m:ctrlPr>
+                          <a:rPr lang="en-US" altLang="zh-CN" sz="1000" i="1">
+                            <a:latin typeface="Cambria Math" panose="02040503050406030204" charset="0"/>
+                            <a:cs typeface="Cambria Math" panose="02040503050406030204" charset="0"/>
+                          </a:rPr>
+                        </m:ctrlPr>
+                      </m:sSubPr>
+                      <m:e>
+                        <m:r>
+                          <a:rPr lang="en-US" altLang="zh-CN" sz="1000" i="1">
+                            <a:latin typeface="Cambria Math" panose="02040503050406030204" charset="0"/>
+                            <a:cs typeface="Cambria Math" panose="02040503050406030204" charset="0"/>
+                          </a:rPr>
+                          <m:t>𝐿</m:t>
+                        </m:r>
+                      </m:e>
+                      <m:sub>
+                        <m:r>
+                          <a:rPr lang="en-US" altLang="zh-CN" sz="1000" i="1">
+                            <a:latin typeface="Cambria Math" panose="02040503050406030204" charset="0"/>
+                            <a:cs typeface="Cambria Math" panose="02040503050406030204" charset="0"/>
+                          </a:rPr>
+                          <m:t>3</m:t>
+                        </m:r>
+                      </m:sub>
+                    </m:sSub>
+                  </m:oMath>
+                </a14:m>
+                <a:r>
+                  <a:rPr lang="en-US" altLang="zh-CN" sz="1000">
+                    <a:latin typeface="Cambria Math" panose="02040503050406030204" charset="0"/>
+                    <a:cs typeface="Cambria Math" panose="02040503050406030204" charset="0"/>
+                  </a:rPr>
+                  <a:t>:</a:t>
+                </a:r>
+                <a14:m>
+                  <m:oMath xmlns:m="http://schemas.openxmlformats.org/officeDocument/2006/math">
+                    <m:sSub>
+                      <m:sSubPr>
+                        <m:ctrlPr>
+                          <a:rPr lang="en-US" altLang="zh-CN" sz="1000" i="1">
+                            <a:latin typeface="Cambria Math" panose="02040503050406030204" charset="0"/>
+                            <a:cs typeface="Cambria Math" panose="02040503050406030204" charset="0"/>
+                          </a:rPr>
+                        </m:ctrlPr>
+                      </m:sSubPr>
+                      <m:e>
+                        <m:r>
+                          <a:rPr lang="en-US" altLang="zh-CN" sz="1000" i="1">
+                            <a:latin typeface="Cambria Math" panose="02040503050406030204" charset="0"/>
+                            <a:cs typeface="Cambria Math" panose="02040503050406030204" charset="0"/>
+                          </a:rPr>
+                          <m:t> </m:t>
+                        </m:r>
+                        <m:r>
+                          <a:rPr lang="en-US" altLang="zh-CN" sz="1000" i="1">
+                            <a:latin typeface="Cambria Math" panose="02040503050406030204" charset="0"/>
+                            <a:cs typeface="Cambria Math" panose="02040503050406030204" charset="0"/>
+                          </a:rPr>
+                          <m:t>𝑥</m:t>
+                        </m:r>
+                      </m:e>
+                      <m:sub>
+                        <m:r>
+                          <a:rPr lang="en-US" altLang="zh-CN" sz="1000" i="1">
+                            <a:latin typeface="Cambria Math" panose="02040503050406030204" charset="0"/>
+                            <a:cs typeface="Cambria Math" panose="02040503050406030204" charset="0"/>
+                          </a:rPr>
+                          <m:t>3</m:t>
+                        </m:r>
+                      </m:sub>
+                    </m:sSub>
+                    <m:r>
+                      <a:rPr lang="en-US" altLang="zh-CN" sz="1000" i="1">
+                        <a:latin typeface="Cambria Math" panose="02040503050406030204" charset="0"/>
+                        <a:cs typeface="Cambria Math" panose="02040503050406030204" charset="0"/>
+                      </a:rPr>
+                      <m:t>=</m:t>
+                    </m:r>
+                    <m:sSub>
+                      <m:sSubPr>
+                        <m:ctrlPr>
+                          <a:rPr lang="en-US" altLang="zh-CN" sz="1000" i="1">
+                            <a:latin typeface="Cambria Math" panose="02040503050406030204" charset="0"/>
+                            <a:cs typeface="Cambria Math" panose="02040503050406030204" charset="0"/>
+                          </a:rPr>
+                        </m:ctrlPr>
+                      </m:sSubPr>
+                      <m:e>
+                        <m:sSub>
+                          <m:sSubPr>
+                            <m:ctrlPr>
+                              <a:rPr lang="en-US" altLang="zh-CN" sz="1000" i="1">
+                                <a:latin typeface="Cambria Math" panose="02040503050406030204" charset="0"/>
+                                <a:cs typeface="Cambria Math" panose="02040503050406030204" charset="0"/>
+                              </a:rPr>
+                            </m:ctrlPr>
+                          </m:sSubPr>
+                          <m:e>
+                            <m:r>
+                              <a:rPr lang="en-US" altLang="zh-CN" sz="1000" i="1">
+                                <a:latin typeface="Cambria Math" panose="02040503050406030204" charset="0"/>
+                                <a:cs typeface="Cambria Math" panose="02040503050406030204" charset="0"/>
+                              </a:rPr>
+                              <m:t>𝛷</m:t>
+                            </m:r>
+                          </m:e>
+                          <m:sub>
+                            <m:r>
+                              <a:rPr lang="en-US" altLang="zh-CN" sz="1000" i="1">
+                                <a:latin typeface="Cambria Math" panose="02040503050406030204" charset="0"/>
+                                <a:cs typeface="Cambria Math" panose="02040503050406030204" charset="0"/>
+                              </a:rPr>
+                              <m:t>3</m:t>
+                            </m:r>
+                          </m:sub>
+                        </m:sSub>
+                        <m:r>
+                          <a:rPr lang="en-US" altLang="zh-CN" sz="1000" i="1">
+                            <a:latin typeface="Cambria Math" panose="02040503050406030204" charset="0"/>
+                            <a:cs typeface="Cambria Math" panose="02040503050406030204" charset="0"/>
+                          </a:rPr>
+                          <m:t>(</m:t>
+                        </m:r>
+                        <m:sSub>
+                          <m:sSubPr>
+                            <m:ctrlPr>
+                              <a:rPr lang="en-US" altLang="zh-CN" sz="1000" i="1">
+                                <a:latin typeface="Cambria Math" panose="02040503050406030204" charset="0"/>
+                                <a:cs typeface="Cambria Math" panose="02040503050406030204" charset="0"/>
+                              </a:rPr>
+                            </m:ctrlPr>
+                          </m:sSubPr>
+                          <m:e>
+                            <m:r>
+                              <a:rPr lang="en-US" altLang="zh-CN" sz="1000" i="1">
+                                <a:latin typeface="Cambria Math" panose="02040503050406030204" charset="0"/>
+                                <a:cs typeface="Cambria Math" panose="02040503050406030204" charset="0"/>
+                              </a:rPr>
+                              <m:t>𝛷</m:t>
+                            </m:r>
+                          </m:e>
+                          <m:sub>
+                            <m:r>
+                              <a:rPr lang="en-US" altLang="zh-CN" sz="1000" i="1">
+                                <a:latin typeface="Cambria Math" panose="02040503050406030204" charset="0"/>
+                                <a:cs typeface="Cambria Math" panose="02040503050406030204" charset="0"/>
+                              </a:rPr>
+                              <m:t>2</m:t>
+                            </m:r>
+                          </m:sub>
+                        </m:sSub>
+                        <m:r>
+                          <a:rPr lang="en-US" altLang="zh-CN" sz="1000" i="1">
+                            <a:latin typeface="Cambria Math" panose="02040503050406030204" charset="0"/>
+                            <a:cs typeface="Cambria Math" panose="02040503050406030204" charset="0"/>
+                          </a:rPr>
+                          <m:t>(</m:t>
+                        </m:r>
+                        <m:r>
+                          <a:rPr lang="en-US" altLang="zh-CN" sz="1000" i="1">
+                            <a:latin typeface="Cambria Math" panose="02040503050406030204" charset="0"/>
+                            <a:cs typeface="Cambria Math" panose="02040503050406030204" charset="0"/>
+                          </a:rPr>
+                          <m:t>𝑤</m:t>
+                        </m:r>
+                      </m:e>
+                      <m:sub>
+                        <m:r>
+                          <a:rPr lang="en-US" altLang="zh-CN" sz="1000" i="1">
+                            <a:latin typeface="Cambria Math" panose="02040503050406030204" charset="0"/>
+                            <a:cs typeface="Cambria Math" panose="02040503050406030204" charset="0"/>
+                          </a:rPr>
+                          <m:t>2</m:t>
+                        </m:r>
+                      </m:sub>
+                    </m:sSub>
+                    <m:r>
+                      <a:rPr lang="en-US" altLang="zh-CN" sz="1000" i="1">
+                        <a:latin typeface="Cambria Math" panose="02040503050406030204" charset="0"/>
+                        <a:cs typeface="Cambria Math" panose="02040503050406030204" charset="0"/>
+                      </a:rPr>
+                      <m:t>∙</m:t>
+                    </m:r>
+                    <m:sSub>
+                      <m:sSubPr>
+                        <m:ctrlPr>
+                          <a:rPr lang="en-US" altLang="zh-CN" sz="1000" i="1">
+                            <a:latin typeface="Cambria Math" panose="02040503050406030204" charset="0"/>
+                            <a:cs typeface="Cambria Math" panose="02040503050406030204" charset="0"/>
+                          </a:rPr>
+                        </m:ctrlPr>
+                      </m:sSubPr>
+                      <m:e>
+                        <m:r>
+                          <a:rPr lang="en-US" altLang="zh-CN" sz="1000" i="1">
+                            <a:latin typeface="Cambria Math" panose="02040503050406030204" charset="0"/>
+                            <a:cs typeface="Cambria Math" panose="02040503050406030204" charset="0"/>
+                          </a:rPr>
+                          <m:t>𝑥</m:t>
+                        </m:r>
+                      </m:e>
+                      <m:sub>
+                        <m:r>
+                          <a:rPr lang="en-US" altLang="zh-CN" sz="1000" i="1">
+                            <a:latin typeface="Cambria Math" panose="02040503050406030204" charset="0"/>
+                            <a:cs typeface="Cambria Math" panose="02040503050406030204" charset="0"/>
+                          </a:rPr>
+                          <m:t>1</m:t>
+                        </m:r>
+                      </m:sub>
+                    </m:sSub>
+                    <m:r>
+                      <a:rPr lang="en-US" altLang="zh-CN" sz="1000" i="1">
+                        <a:latin typeface="Cambria Math" panose="02040503050406030204" charset="0"/>
+                        <a:cs typeface="Cambria Math" panose="02040503050406030204" charset="0"/>
+                      </a:rPr>
+                      <m:t>+</m:t>
+                    </m:r>
+                    <m:sSub>
+                      <m:sSubPr>
+                        <m:ctrlPr>
+                          <a:rPr lang="en-US" altLang="zh-CN" sz="1000" i="1">
+                            <a:latin typeface="Cambria Math" panose="02040503050406030204" charset="0"/>
+                            <a:cs typeface="Cambria Math" panose="02040503050406030204" charset="0"/>
+                          </a:rPr>
+                        </m:ctrlPr>
+                      </m:sSubPr>
+                      <m:e>
+                        <m:r>
+                          <a:rPr lang="en-US" altLang="zh-CN" sz="1000" i="1">
+                            <a:latin typeface="Cambria Math" panose="02040503050406030204" charset="0"/>
+                            <a:cs typeface="Cambria Math" panose="02040503050406030204" charset="0"/>
+                          </a:rPr>
+                          <m:t>𝑏</m:t>
+                        </m:r>
+                      </m:e>
+                      <m:sub>
+                        <m:r>
+                          <a:rPr lang="en-US" altLang="zh-CN" sz="1000" i="1">
+                            <a:latin typeface="Cambria Math" panose="02040503050406030204" charset="0"/>
+                            <a:cs typeface="Cambria Math" panose="02040503050406030204" charset="0"/>
+                          </a:rPr>
+                          <m:t>2</m:t>
+                        </m:r>
+                      </m:sub>
+                    </m:sSub>
+                    <m:r>
+                      <a:rPr lang="en-US" altLang="zh-CN" sz="1000" i="1">
+                        <a:latin typeface="Cambria Math" panose="02040503050406030204" charset="0"/>
+                        <a:cs typeface="Cambria Math" panose="02040503050406030204" charset="0"/>
+                      </a:rPr>
+                      <m:t>))+</m:t>
+                    </m:r>
+                    <m:sSub>
+                      <m:sSubPr>
+                        <m:ctrlPr>
+                          <a:rPr lang="en-US" altLang="zh-CN" sz="1000" i="1">
+                            <a:latin typeface="Cambria Math" panose="02040503050406030204" charset="0"/>
+                            <a:cs typeface="Cambria Math" panose="02040503050406030204" charset="0"/>
+                          </a:rPr>
+                        </m:ctrlPr>
+                      </m:sSubPr>
+                      <m:e>
+                        <m:r>
+                          <a:rPr lang="en-US" altLang="zh-CN" sz="1000" i="1">
+                            <a:latin typeface="Cambria Math" panose="02040503050406030204" charset="0"/>
+                            <a:cs typeface="Cambria Math" panose="02040503050406030204" charset="0"/>
+                          </a:rPr>
+                          <m:t>𝑏</m:t>
+                        </m:r>
+                      </m:e>
+                      <m:sub>
+                        <m:r>
+                          <a:rPr lang="en-US" altLang="zh-CN" sz="1000" i="1">
+                            <a:latin typeface="Cambria Math" panose="02040503050406030204" charset="0"/>
+                            <a:cs typeface="Cambria Math" panose="02040503050406030204" charset="0"/>
+                          </a:rPr>
+                          <m:t>3</m:t>
+                        </m:r>
+                      </m:sub>
+                    </m:sSub>
+                  </m:oMath>
+                </a14:m>
+                <a:endParaRPr lang="en-US" altLang="zh-CN" sz="1000" i="1">
+                  <a:latin typeface="Cambria Math" panose="02040503050406030204" charset="0"/>
+                  <a:cs typeface="Cambria Math" panose="02040503050406030204" charset="0"/>
+                </a:endParaRPr>
+              </a:p>
+            </p:txBody>
+          </p:sp>
+        </mc:Choice>
+        <mc:Fallback>
+          <p:sp>
+            <p:nvSpPr>
+              <p:cNvPr id="66" name="文本框 65"/>
+              <p:cNvSpPr txBox="1">
+                <a:spLocks noRot="1" noChangeAspect="1" noMove="1" noResize="1" noEditPoints="1" noAdjustHandles="1" noChangeArrowheads="1" noChangeShapeType="1" noTextEdit="1"/>
+              </p:cNvSpPr>
+              <p:nvPr/>
+            </p:nvSpPr>
+            <p:spPr>
+              <a:xfrm>
+                <a:off x="2894330" y="4364990"/>
+                <a:ext cx="1209040" cy="220345"/>
+              </a:xfrm>
+              <a:prstGeom prst="rect">
+                <a:avLst/>
+              </a:prstGeom>
+              <a:blipFill rotWithShape="1">
+                <a:blip r:embed="rId9"/>
+                <a:stretch>
+                  <a:fillRect r="-77206"/>
+                </a:stretch>
+              </a:blipFill>
+            </p:spPr>
+            <p:txBody>
+              <a:bodyPr/>
+              <a:lstStyle/>
+              <a:p>
+                <a:r>
+                  <a:rPr lang="zh-CN" altLang="en-US">
+                    <a:noFill/>
+                  </a:rPr>
+                  <a:t> </a:t>
+                </a:r>
+              </a:p>
+            </p:txBody>
+          </p:sp>
+        </mc:Fallback>
+      </mc:AlternateContent>
+      <p:sp>
+        <p:nvSpPr>
+          <p:cNvPr id="67" name="左大括号 66"/>
+          <p:cNvSpPr/>
+          <p:nvPr/>
+        </p:nvSpPr>
+        <p:spPr>
+          <a:xfrm rot="16200000">
+            <a:off x="4625340" y="2853690"/>
+            <a:ext cx="127635" cy="3590290"/>
+          </a:xfrm>
+          <a:prstGeom prst="leftBrace">
+            <a:avLst/>
+          </a:prstGeom>
+          <a:ln>
+            <a:solidFill>
+              <a:schemeClr val="tx1"/>
+            </a:solidFill>
+          </a:ln>
+        </p:spPr>
+        <p:style>
+          <a:lnRef idx="2">
+            <a:schemeClr val="accent1"/>
+          </a:lnRef>
+          <a:fillRef idx="0">
+            <a:srgbClr val="FFFFFF"/>
+          </a:fillRef>
+          <a:effectRef idx="0">
+            <a:srgbClr val="FFFFFF"/>
+          </a:effectRef>
+          <a:fontRef idx="minor">
+            <a:schemeClr val="tx1"/>
+          </a:fontRef>
+        </p:style>
+        <p:txBody>
+          <a:bodyPr rtlCol="0" anchor="ctr"/>
+          <a:p>
+            <a:pPr algn="ctr"/>
+            <a:endParaRPr lang="zh-CN" altLang="en-US"/>
+          </a:p>
+        </p:txBody>
+      </p:sp>
+      <p:sp>
+        <p:nvSpPr>
+          <p:cNvPr id="68" name="文本框 67"/>
+          <p:cNvSpPr txBox="1"/>
+          <p:nvPr/>
+        </p:nvSpPr>
+        <p:spPr>
+          <a:xfrm>
+            <a:off x="4481830" y="4712970"/>
+            <a:ext cx="334010" cy="220345"/>
+          </a:xfrm>
+          <a:prstGeom prst="rect">
+            <a:avLst/>
+          </a:prstGeom>
+          <a:noFill/>
+        </p:spPr>
+        <p:txBody>
+          <a:bodyPr wrap="none" rtlCol="0" anchor="t">
+            <a:noAutofit/>
+          </a:bodyPr>
+          <a:p>
+            <a:pPr algn="l"/>
+            <a:r>
+              <a:rPr lang="en-US" altLang="zh-CN" sz="900" b="1">
+                <a:latin typeface="Cambria Math" panose="02040503050406030204" charset="0"/>
+                <a:cs typeface="Cambria Math" panose="02040503050406030204" charset="0"/>
+              </a:rPr>
+              <a:t>. . . . .</a:t>
+            </a:r>
+            <a:endParaRPr lang="en-US" altLang="zh-CN" sz="900" b="1" i="1">
+              <a:latin typeface="Cambria Math" panose="02040503050406030204" charset="0"/>
+              <a:cs typeface="Cambria Math" panose="02040503050406030204" charset="0"/>
+            </a:endParaRPr>
+          </a:p>
+        </p:txBody>
+      </p:sp>
+      <p:sp>
+        <p:nvSpPr>
+          <p:cNvPr id="69" name="矩形 68"/>
+          <p:cNvSpPr/>
+          <p:nvPr/>
+        </p:nvSpPr>
+        <p:spPr>
+          <a:xfrm>
+            <a:off x="2992755" y="3405505"/>
+            <a:ext cx="694055" cy="340995"/>
+          </a:xfrm>
+          <a:prstGeom prst="rect">
+            <a:avLst/>
+          </a:prstGeom>
+          <a:noFill/>
+          <a:ln>
+            <a:solidFill>
+              <a:schemeClr val="tx1"/>
+            </a:solidFill>
+          </a:ln>
+          <a:extLst>
+            <a:ext uri="{909E8E84-426E-40DD-AFC4-6F175D3DCCD1}">
+              <a14:hiddenFill xmlns:a14="http://schemas.microsoft.com/office/drawing/2010/main">
+                <a:solidFill>
+                  <a:schemeClr val="accent1"/>
+                </a:solidFill>
+              </a14:hiddenFill>
+            </a:ext>
+          </a:extLst>
+        </p:spPr>
+        <p:style>
+          <a:lnRef idx="2">
+            <a:schemeClr val="accent1">
+              <a:lumMod val="75000"/>
+            </a:schemeClr>
+          </a:lnRef>
+          <a:fillRef idx="1">
+            <a:schemeClr val="accent1"/>
+          </a:fillRef>
+          <a:effectRef idx="0">
+            <a:srgbClr val="FFFFFF"/>
+          </a:effectRef>
+          <a:fontRef idx="minor">
+            <a:schemeClr val="lt1"/>
+          </a:fontRef>
+        </p:style>
+        <p:txBody>
+          <a:bodyPr rtlCol="0" anchor="ctr"/>
+          <a:p>
+            <a:pPr algn="ctr"/>
+            <a:r>
+              <a:rPr lang="en-US" altLang="zh-CN" sz="1400">
+                <a:solidFill>
+                  <a:schemeClr val="tx1"/>
+                </a:solidFill>
+              </a:rPr>
+              <a:t>layer 2</a:t>
+            </a:r>
+            <a:endParaRPr lang="en-US" altLang="zh-CN" sz="1400">
+              <a:solidFill>
+                <a:schemeClr val="tx1"/>
+              </a:solidFill>
+            </a:endParaRPr>
+          </a:p>
+        </p:txBody>
+      </p:sp>
+      <p:cxnSp>
+        <p:nvCxnSpPr>
+          <p:cNvPr id="70" name="直接箭头连接符 69"/>
+          <p:cNvCxnSpPr/>
+          <p:nvPr/>
+        </p:nvCxnSpPr>
+        <p:spPr>
+          <a:xfrm flipV="1">
+            <a:off x="2583815" y="3566160"/>
+            <a:ext cx="408940" cy="6350"/>
+          </a:xfrm>
+          <a:prstGeom prst="straightConnector1">
+            <a:avLst/>
+          </a:prstGeom>
+          <a:ln>
+            <a:solidFill>
+              <a:schemeClr val="tx1"/>
+            </a:solidFill>
+            <a:tailEnd type="arrow"/>
+          </a:ln>
+        </p:spPr>
+        <p:style>
+          <a:lnRef idx="2">
+            <a:schemeClr val="accent1"/>
+          </a:lnRef>
+          <a:fillRef idx="0">
+            <a:srgbClr val="FFFFFF"/>
+          </a:fillRef>
+          <a:effectRef idx="0">
+            <a:srgbClr val="FFFFFF"/>
+          </a:effectRef>
+          <a:fontRef idx="minor">
+            <a:schemeClr val="tx1"/>
+          </a:fontRef>
+        </p:style>
+      </p:cxnSp>
+      <mc:AlternateContent xmlns:mc="http://schemas.openxmlformats.org/markup-compatibility/2006">
+        <mc:Choice xmlns:a14="http://schemas.microsoft.com/office/drawing/2010/main" Requires="a14">
+          <p:sp>
+            <p:nvSpPr>
+              <p:cNvPr id="71" name="文本框 70"/>
+              <p:cNvSpPr txBox="1"/>
+              <p:nvPr/>
+            </p:nvSpPr>
+            <p:spPr>
+              <a:xfrm>
+                <a:off x="2637155" y="3354705"/>
+                <a:ext cx="257175" cy="216535"/>
+              </a:xfrm>
+              <a:prstGeom prst="rect">
+                <a:avLst/>
+              </a:prstGeom>
+              <a:noFill/>
+            </p:spPr>
+            <p:txBody>
+              <a:bodyPr wrap="none" rtlCol="0" anchor="t">
+                <a:noAutofit/>
+              </a:bodyPr>
+              <a:p>
+                <a:pPr algn="l"/>
+                <a14:m>
+                  <m:oMathPara xmlns:m="http://schemas.openxmlformats.org/officeDocument/2006/math">
+                    <m:oMathParaPr>
+                      <m:jc m:val="centerGroup"/>
+                    </m:oMathParaPr>
+                    <m:oMath xmlns:m="http://schemas.openxmlformats.org/officeDocument/2006/math">
+                      <m:sSub>
+                        <m:sSubPr>
+                          <m:ctrlPr>
+                            <a:rPr lang="en-US" altLang="zh-CN" sz="1000" i="1">
+                              <a:latin typeface="Cambria Math" panose="02040503050406030204" charset="0"/>
+                              <a:cs typeface="Cambria Math" panose="02040503050406030204" charset="0"/>
+                            </a:rPr>
+                          </m:ctrlPr>
+                        </m:sSubPr>
+                        <m:e>
+                          <m:r>
+                            <a:rPr lang="en-US" altLang="zh-CN" sz="1000" i="1">
+                              <a:latin typeface="Cambria Math" panose="02040503050406030204" charset="0"/>
+                              <a:cs typeface="Cambria Math" panose="02040503050406030204" charset="0"/>
+                            </a:rPr>
+                            <m:t>𝑥</m:t>
+                          </m:r>
+                        </m:e>
+                        <m:sub>
+                          <m:r>
+                            <a:rPr lang="en-US" altLang="zh-CN" sz="1000" i="1">
+                              <a:latin typeface="Cambria Math" panose="02040503050406030204" charset="0"/>
+                              <a:cs typeface="Cambria Math" panose="02040503050406030204" charset="0"/>
+                            </a:rPr>
+                            <m:t>1</m:t>
+                          </m:r>
+                        </m:sub>
+                      </m:sSub>
+                    </m:oMath>
+                  </m:oMathPara>
+                </a14:m>
+                <a:endParaRPr lang="en-US" altLang="zh-CN" i="1">
+                  <a:latin typeface="Cambria Math" panose="02040503050406030204" charset="0"/>
+                  <a:cs typeface="Cambria Math" panose="02040503050406030204" charset="0"/>
+                </a:endParaRPr>
+              </a:p>
+              <a:p>
+                <a:pPr algn="l"/>
+                <a:r>
+                  <a:rPr lang="en-US" altLang="zh-CN"/>
+                  <a:t> </a:t>
+                </a:r>
+                <a:endParaRPr lang="en-US" altLang="zh-CN"/>
+              </a:p>
+            </p:txBody>
+          </p:sp>
+        </mc:Choice>
+        <mc:Fallback>
+          <p:sp>
+            <p:nvSpPr>
+              <p:cNvPr id="71" name="文本框 70"/>
+              <p:cNvSpPr txBox="1">
+                <a:spLocks noRot="1" noChangeAspect="1" noMove="1" noResize="1" noEditPoints="1" noAdjustHandles="1" noChangeArrowheads="1" noChangeShapeType="1" noTextEdit="1"/>
+              </p:cNvSpPr>
+              <p:nvPr/>
+            </p:nvSpPr>
+            <p:spPr>
+              <a:xfrm>
+                <a:off x="2637155" y="3354705"/>
+                <a:ext cx="257175" cy="216535"/>
+              </a:xfrm>
+              <a:prstGeom prst="rect">
+                <a:avLst/>
+              </a:prstGeom>
+              <a:blipFill rotWithShape="1">
+                <a:blip r:embed="rId10"/>
+                <a:stretch>
+                  <a:fillRect r="-8148" b="-118182"/>
+                </a:stretch>
+              </a:blipFill>
+            </p:spPr>
+            <p:txBody>
+              <a:bodyPr/>
+              <a:lstStyle/>
+              <a:p>
+                <a:r>
+                  <a:rPr lang="zh-CN" altLang="en-US">
+                    <a:noFill/>
+                  </a:rPr>
+                  <a:t> </a:t>
+                </a:r>
+              </a:p>
+            </p:txBody>
+          </p:sp>
+        </mc:Fallback>
+      </mc:AlternateContent>
+      <p:sp>
+        <p:nvSpPr>
+          <p:cNvPr id="72" name="矩形 71"/>
+          <p:cNvSpPr/>
+          <p:nvPr/>
+        </p:nvSpPr>
+        <p:spPr>
+          <a:xfrm>
+            <a:off x="4094480" y="3397885"/>
+            <a:ext cx="694055" cy="340995"/>
+          </a:xfrm>
+          <a:prstGeom prst="rect">
+            <a:avLst/>
+          </a:prstGeom>
+          <a:noFill/>
+          <a:ln>
+            <a:solidFill>
+              <a:schemeClr val="tx1"/>
+            </a:solidFill>
+          </a:ln>
+          <a:extLst>
+            <a:ext uri="{909E8E84-426E-40DD-AFC4-6F175D3DCCD1}">
+              <a14:hiddenFill xmlns:a14="http://schemas.microsoft.com/office/drawing/2010/main">
+                <a:solidFill>
+                  <a:schemeClr val="accent1"/>
+                </a:solidFill>
+              </a14:hiddenFill>
+            </a:ext>
+          </a:extLst>
+        </p:spPr>
+        <p:style>
+          <a:lnRef idx="2">
+            <a:schemeClr val="accent1">
+              <a:lumMod val="75000"/>
+            </a:schemeClr>
+          </a:lnRef>
+          <a:fillRef idx="1">
+            <a:schemeClr val="accent1"/>
+          </a:fillRef>
+          <a:effectRef idx="0">
+            <a:srgbClr val="FFFFFF"/>
+          </a:effectRef>
+          <a:fontRef idx="minor">
+            <a:schemeClr val="lt1"/>
+          </a:fontRef>
+        </p:style>
+        <p:txBody>
+          <a:bodyPr rtlCol="0" anchor="ctr"/>
+          <a:p>
+            <a:pPr algn="ctr"/>
+            <a:r>
+              <a:rPr lang="en-US" altLang="zh-CN" sz="1400">
+                <a:solidFill>
+                  <a:schemeClr val="tx1"/>
+                </a:solidFill>
+              </a:rPr>
+              <a:t>layer 3</a:t>
+            </a:r>
+            <a:endParaRPr lang="en-US" altLang="zh-CN" sz="1400">
+              <a:solidFill>
+                <a:schemeClr val="tx1"/>
+              </a:solidFill>
+            </a:endParaRPr>
+          </a:p>
+        </p:txBody>
+      </p:sp>
+      <p:cxnSp>
+        <p:nvCxnSpPr>
+          <p:cNvPr id="73" name="直接箭头连接符 72"/>
+          <p:cNvCxnSpPr/>
+          <p:nvPr/>
+        </p:nvCxnSpPr>
+        <p:spPr>
+          <a:xfrm flipV="1">
+            <a:off x="3685540" y="3558540"/>
+            <a:ext cx="408940" cy="6350"/>
+          </a:xfrm>
+          <a:prstGeom prst="straightConnector1">
+            <a:avLst/>
+          </a:prstGeom>
+          <a:ln>
+            <a:solidFill>
+              <a:schemeClr val="tx1"/>
+            </a:solidFill>
+            <a:tailEnd type="arrow"/>
+          </a:ln>
+        </p:spPr>
+        <p:style>
+          <a:lnRef idx="2">
+            <a:schemeClr val="accent1"/>
+          </a:lnRef>
+          <a:fillRef idx="0">
+            <a:srgbClr val="FFFFFF"/>
+          </a:fillRef>
+          <a:effectRef idx="0">
+            <a:srgbClr val="FFFFFF"/>
+          </a:effectRef>
+          <a:fontRef idx="minor">
+            <a:schemeClr val="tx1"/>
+          </a:fontRef>
+        </p:style>
+      </p:cxnSp>
+      <mc:AlternateContent xmlns:mc="http://schemas.openxmlformats.org/markup-compatibility/2006">
+        <mc:Choice xmlns:a14="http://schemas.microsoft.com/office/drawing/2010/main" Requires="a14">
+          <p:sp>
+            <p:nvSpPr>
+              <p:cNvPr id="74" name="文本框 73"/>
+              <p:cNvSpPr txBox="1"/>
+              <p:nvPr/>
+            </p:nvSpPr>
+            <p:spPr>
+              <a:xfrm>
+                <a:off x="3738880" y="3347085"/>
+                <a:ext cx="257175" cy="216535"/>
+              </a:xfrm>
+              <a:prstGeom prst="rect">
+                <a:avLst/>
+              </a:prstGeom>
+              <a:noFill/>
+            </p:spPr>
+            <p:txBody>
+              <a:bodyPr wrap="none" rtlCol="0" anchor="t">
+                <a:noAutofit/>
+              </a:bodyPr>
+              <a:p>
+                <a:pPr algn="l"/>
+                <a14:m>
+                  <m:oMathPara xmlns:m="http://schemas.openxmlformats.org/officeDocument/2006/math">
+                    <m:oMathParaPr>
+                      <m:jc m:val="centerGroup"/>
+                    </m:oMathParaPr>
+                    <m:oMath xmlns:m="http://schemas.openxmlformats.org/officeDocument/2006/math">
+                      <m:sSub>
+                        <m:sSubPr>
+                          <m:ctrlPr>
+                            <a:rPr lang="en-US" altLang="zh-CN" sz="1000" i="1">
+                              <a:latin typeface="Cambria Math" panose="02040503050406030204" charset="0"/>
+                              <a:cs typeface="Cambria Math" panose="02040503050406030204" charset="0"/>
+                            </a:rPr>
+                          </m:ctrlPr>
+                        </m:sSubPr>
+                        <m:e>
+                          <m:r>
+                            <a:rPr lang="en-US" altLang="zh-CN" sz="1000" i="1">
+                              <a:latin typeface="Cambria Math" panose="02040503050406030204" charset="0"/>
+                              <a:cs typeface="Cambria Math" panose="02040503050406030204" charset="0"/>
+                            </a:rPr>
+                            <m:t>𝑥</m:t>
+                          </m:r>
+                        </m:e>
+                        <m:sub>
+                          <m:r>
+                            <a:rPr lang="en-US" altLang="zh-CN" sz="1000" i="1">
+                              <a:latin typeface="Cambria Math" panose="02040503050406030204" charset="0"/>
+                              <a:cs typeface="Cambria Math" panose="02040503050406030204" charset="0"/>
+                            </a:rPr>
+                            <m:t>2</m:t>
+                          </m:r>
+                        </m:sub>
+                      </m:sSub>
+                    </m:oMath>
+                  </m:oMathPara>
+                </a14:m>
+                <a:endParaRPr lang="en-US" altLang="zh-CN" i="1">
+                  <a:latin typeface="Cambria Math" panose="02040503050406030204" charset="0"/>
+                  <a:cs typeface="Cambria Math" panose="02040503050406030204" charset="0"/>
+                </a:endParaRPr>
+              </a:p>
+              <a:p>
+                <a:pPr algn="l"/>
+                <a:r>
+                  <a:rPr lang="en-US" altLang="zh-CN"/>
+                  <a:t> </a:t>
+                </a:r>
+                <a:endParaRPr lang="en-US" altLang="zh-CN"/>
+              </a:p>
+            </p:txBody>
+          </p:sp>
+        </mc:Choice>
+        <mc:Fallback>
+          <p:sp>
+            <p:nvSpPr>
+              <p:cNvPr id="74" name="文本框 73"/>
+              <p:cNvSpPr txBox="1">
+                <a:spLocks noRot="1" noChangeAspect="1" noMove="1" noResize="1" noEditPoints="1" noAdjustHandles="1" noChangeArrowheads="1" noChangeShapeType="1" noTextEdit="1"/>
+              </p:cNvSpPr>
+              <p:nvPr/>
+            </p:nvSpPr>
+            <p:spPr>
+              <a:xfrm>
+                <a:off x="3738880" y="3347085"/>
+                <a:ext cx="257175" cy="216535"/>
+              </a:xfrm>
+              <a:prstGeom prst="rect">
+                <a:avLst/>
+              </a:prstGeom>
+              <a:blipFill rotWithShape="1">
+                <a:blip r:embed="rId11"/>
+                <a:stretch>
+                  <a:fillRect r="-8148" b="-118182"/>
+                </a:stretch>
+              </a:blipFill>
+            </p:spPr>
+            <p:txBody>
+              <a:bodyPr/>
+              <a:lstStyle/>
+              <a:p>
+                <a:r>
+                  <a:rPr lang="zh-CN" altLang="en-US">
+                    <a:noFill/>
+                  </a:rPr>
+                  <a:t> </a:t>
+                </a:r>
+              </a:p>
+            </p:txBody>
+          </p:sp>
+        </mc:Fallback>
+      </mc:AlternateContent>
+      <p:sp>
+        <p:nvSpPr>
+          <p:cNvPr id="75" name="矩形 74"/>
+          <p:cNvSpPr/>
+          <p:nvPr/>
+        </p:nvSpPr>
+        <p:spPr>
+          <a:xfrm>
+            <a:off x="5205095" y="3397885"/>
+            <a:ext cx="694055" cy="340995"/>
+          </a:xfrm>
+          <a:prstGeom prst="rect">
+            <a:avLst/>
+          </a:prstGeom>
+          <a:noFill/>
+          <a:ln>
+            <a:solidFill>
+              <a:schemeClr val="tx1"/>
+            </a:solidFill>
+          </a:ln>
+          <a:extLst>
+            <a:ext uri="{909E8E84-426E-40DD-AFC4-6F175D3DCCD1}">
+              <a14:hiddenFill xmlns:a14="http://schemas.microsoft.com/office/drawing/2010/main">
+                <a:solidFill>
+                  <a:schemeClr val="accent1"/>
+                </a:solidFill>
+              </a14:hiddenFill>
+            </a:ext>
+          </a:extLst>
+        </p:spPr>
+        <p:style>
+          <a:lnRef idx="2">
+            <a:schemeClr val="accent1">
+              <a:lumMod val="75000"/>
+            </a:schemeClr>
+          </a:lnRef>
+          <a:fillRef idx="1">
+            <a:schemeClr val="accent1"/>
+          </a:fillRef>
+          <a:effectRef idx="0">
+            <a:srgbClr val="FFFFFF"/>
+          </a:effectRef>
+          <a:fontRef idx="minor">
+            <a:schemeClr val="lt1"/>
+          </a:fontRef>
+        </p:style>
+        <p:txBody>
+          <a:bodyPr rtlCol="0" anchor="ctr"/>
+          <a:p>
+            <a:pPr algn="ctr"/>
+            <a:r>
+              <a:rPr lang="en-US" altLang="zh-CN" sz="1400">
+                <a:solidFill>
+                  <a:schemeClr val="tx1"/>
+                </a:solidFill>
+              </a:rPr>
+              <a:t>layer 4</a:t>
+            </a:r>
+            <a:endParaRPr lang="en-US" altLang="zh-CN" sz="1400">
+              <a:solidFill>
+                <a:schemeClr val="tx1"/>
+              </a:solidFill>
+            </a:endParaRPr>
+          </a:p>
+        </p:txBody>
+      </p:sp>
+      <p:cxnSp>
+        <p:nvCxnSpPr>
+          <p:cNvPr id="76" name="直接箭头连接符 75"/>
+          <p:cNvCxnSpPr/>
+          <p:nvPr/>
+        </p:nvCxnSpPr>
+        <p:spPr>
+          <a:xfrm flipV="1">
+            <a:off x="4796155" y="3558540"/>
+            <a:ext cx="408940" cy="6350"/>
+          </a:xfrm>
+          <a:prstGeom prst="straightConnector1">
+            <a:avLst/>
+          </a:prstGeom>
+          <a:ln>
+            <a:solidFill>
+              <a:schemeClr val="tx1"/>
+            </a:solidFill>
+            <a:tailEnd type="arrow"/>
+          </a:ln>
+        </p:spPr>
+        <p:style>
+          <a:lnRef idx="2">
+            <a:schemeClr val="accent1"/>
+          </a:lnRef>
+          <a:fillRef idx="0">
+            <a:srgbClr val="FFFFFF"/>
+          </a:fillRef>
+          <a:effectRef idx="0">
+            <a:srgbClr val="FFFFFF"/>
+          </a:effectRef>
+          <a:fontRef idx="minor">
+            <a:schemeClr val="tx1"/>
+          </a:fontRef>
+        </p:style>
+      </p:cxnSp>
+      <mc:AlternateContent xmlns:mc="http://schemas.openxmlformats.org/markup-compatibility/2006">
+        <mc:Choice xmlns:a14="http://schemas.microsoft.com/office/drawing/2010/main" Requires="a14">
+          <p:sp>
+            <p:nvSpPr>
+              <p:cNvPr id="77" name="文本框 76"/>
+              <p:cNvSpPr txBox="1"/>
+              <p:nvPr/>
+            </p:nvSpPr>
+            <p:spPr>
+              <a:xfrm>
+                <a:off x="4849495" y="3347085"/>
+                <a:ext cx="257175" cy="216535"/>
+              </a:xfrm>
+              <a:prstGeom prst="rect">
+                <a:avLst/>
+              </a:prstGeom>
+              <a:noFill/>
+            </p:spPr>
+            <p:txBody>
+              <a:bodyPr wrap="none" rtlCol="0" anchor="t">
+                <a:noAutofit/>
+              </a:bodyPr>
+              <a:p>
+                <a:pPr algn="l"/>
+                <a14:m>
+                  <m:oMathPara xmlns:m="http://schemas.openxmlformats.org/officeDocument/2006/math">
+                    <m:oMathParaPr>
+                      <m:jc m:val="centerGroup"/>
+                    </m:oMathParaPr>
+                    <m:oMath xmlns:m="http://schemas.openxmlformats.org/officeDocument/2006/math">
+                      <m:sSub>
+                        <m:sSubPr>
+                          <m:ctrlPr>
+                            <a:rPr lang="en-US" altLang="zh-CN" sz="1000" i="1">
+                              <a:latin typeface="Cambria Math" panose="02040503050406030204" charset="0"/>
+                              <a:cs typeface="Cambria Math" panose="02040503050406030204" charset="0"/>
+                            </a:rPr>
+                          </m:ctrlPr>
+                        </m:sSubPr>
+                        <m:e>
+                          <m:r>
+                            <a:rPr lang="en-US" altLang="zh-CN" sz="1000" i="1">
+                              <a:latin typeface="Cambria Math" panose="02040503050406030204" charset="0"/>
+                              <a:cs typeface="Cambria Math" panose="02040503050406030204" charset="0"/>
+                            </a:rPr>
+                            <m:t>𝑥</m:t>
+                          </m:r>
+                        </m:e>
+                        <m:sub>
+                          <m:r>
+                            <a:rPr lang="en-US" altLang="zh-CN" sz="1000" i="1">
+                              <a:latin typeface="Cambria Math" panose="02040503050406030204" charset="0"/>
+                              <a:cs typeface="Cambria Math" panose="02040503050406030204" charset="0"/>
+                            </a:rPr>
+                            <m:t>3</m:t>
+                          </m:r>
+                        </m:sub>
+                      </m:sSub>
+                    </m:oMath>
+                  </m:oMathPara>
+                </a14:m>
+                <a:endParaRPr lang="en-US" altLang="zh-CN" i="1">
+                  <a:latin typeface="Cambria Math" panose="02040503050406030204" charset="0"/>
+                  <a:cs typeface="Cambria Math" panose="02040503050406030204" charset="0"/>
+                </a:endParaRPr>
+              </a:p>
+              <a:p>
+                <a:pPr algn="l"/>
+                <a:r>
+                  <a:rPr lang="en-US" altLang="zh-CN"/>
+                  <a:t> </a:t>
+                </a:r>
+                <a:endParaRPr lang="en-US" altLang="zh-CN"/>
+              </a:p>
+            </p:txBody>
+          </p:sp>
+        </mc:Choice>
+        <mc:Fallback>
+          <p:sp>
+            <p:nvSpPr>
+              <p:cNvPr id="77" name="文本框 76"/>
+              <p:cNvSpPr txBox="1">
+                <a:spLocks noRot="1" noChangeAspect="1" noMove="1" noResize="1" noEditPoints="1" noAdjustHandles="1" noChangeArrowheads="1" noChangeShapeType="1" noTextEdit="1"/>
+              </p:cNvSpPr>
+              <p:nvPr/>
+            </p:nvSpPr>
+            <p:spPr>
+              <a:xfrm>
+                <a:off x="4849495" y="3347085"/>
+                <a:ext cx="257175" cy="216535"/>
+              </a:xfrm>
+              <a:prstGeom prst="rect">
+                <a:avLst/>
+              </a:prstGeom>
+              <a:blipFill rotWithShape="1">
+                <a:blip r:embed="rId12"/>
+                <a:stretch>
+                  <a:fillRect r="-8148" b="-118182"/>
+                </a:stretch>
+              </a:blipFill>
+            </p:spPr>
+            <p:txBody>
+              <a:bodyPr/>
+              <a:lstStyle/>
+              <a:p>
+                <a:r>
+                  <a:rPr lang="zh-CN" altLang="en-US">
+                    <a:noFill/>
+                  </a:rPr>
+                  <a:t> </a:t>
+                </a:r>
+              </a:p>
+            </p:txBody>
+          </p:sp>
+        </mc:Fallback>
+      </mc:AlternateContent>
+      <p:cxnSp>
+        <p:nvCxnSpPr>
+          <p:cNvPr id="79" name="直接箭头连接符 78"/>
+          <p:cNvCxnSpPr/>
+          <p:nvPr/>
+        </p:nvCxnSpPr>
+        <p:spPr>
+          <a:xfrm flipV="1">
+            <a:off x="5895340" y="3566160"/>
+            <a:ext cx="408940" cy="6350"/>
+          </a:xfrm>
+          <a:prstGeom prst="straightConnector1">
+            <a:avLst/>
+          </a:prstGeom>
+          <a:ln>
+            <a:solidFill>
+              <a:schemeClr val="tx1"/>
+            </a:solidFill>
+            <a:tailEnd type="arrow"/>
+          </a:ln>
+        </p:spPr>
+        <p:style>
+          <a:lnRef idx="2">
+            <a:schemeClr val="accent1"/>
+          </a:lnRef>
+          <a:fillRef idx="0">
+            <a:srgbClr val="FFFFFF"/>
+          </a:fillRef>
+          <a:effectRef idx="0">
+            <a:srgbClr val="FFFFFF"/>
+          </a:effectRef>
+          <a:fontRef idx="minor">
+            <a:schemeClr val="tx1"/>
+          </a:fontRef>
+        </p:style>
+      </p:cxnSp>
+      <mc:AlternateContent xmlns:mc="http://schemas.openxmlformats.org/markup-compatibility/2006">
+        <mc:Choice xmlns:a14="http://schemas.microsoft.com/office/drawing/2010/main" Requires="a14">
+          <p:sp>
+            <p:nvSpPr>
+              <p:cNvPr id="80" name="文本框 79"/>
+              <p:cNvSpPr txBox="1"/>
+              <p:nvPr/>
+            </p:nvSpPr>
+            <p:spPr>
+              <a:xfrm>
+                <a:off x="5948680" y="3354705"/>
+                <a:ext cx="257175" cy="216535"/>
+              </a:xfrm>
+              <a:prstGeom prst="rect">
+                <a:avLst/>
+              </a:prstGeom>
+              <a:noFill/>
+            </p:spPr>
+            <p:txBody>
+              <a:bodyPr wrap="none" rtlCol="0" anchor="t">
+                <a:noAutofit/>
+              </a:bodyPr>
+              <a:p>
+                <a:pPr algn="l"/>
+                <a14:m>
+                  <m:oMathPara xmlns:m="http://schemas.openxmlformats.org/officeDocument/2006/math">
+                    <m:oMathParaPr>
+                      <m:jc m:val="centerGroup"/>
+                    </m:oMathParaPr>
+                    <m:oMath xmlns:m="http://schemas.openxmlformats.org/officeDocument/2006/math">
+                      <m:sSub>
+                        <m:sSubPr>
+                          <m:ctrlPr>
+                            <a:rPr lang="en-US" altLang="zh-CN" sz="1000" i="1">
+                              <a:latin typeface="Cambria Math" panose="02040503050406030204" charset="0"/>
+                              <a:cs typeface="Cambria Math" panose="02040503050406030204" charset="0"/>
+                            </a:rPr>
+                          </m:ctrlPr>
+                        </m:sSubPr>
+                        <m:e>
+                          <m:r>
+                            <a:rPr lang="en-US" altLang="zh-CN" sz="1000" i="1">
+                              <a:latin typeface="Cambria Math" panose="02040503050406030204" charset="0"/>
+                              <a:cs typeface="Cambria Math" panose="02040503050406030204" charset="0"/>
+                            </a:rPr>
+                            <m:t>𝑥</m:t>
+                          </m:r>
+                        </m:e>
+                        <m:sub>
+                          <m:r>
+                            <a:rPr lang="en-US" altLang="zh-CN" sz="1000" i="1">
+                              <a:latin typeface="Cambria Math" panose="02040503050406030204" charset="0"/>
+                              <a:cs typeface="Cambria Math" panose="02040503050406030204" charset="0"/>
+                            </a:rPr>
+                            <m:t>4</m:t>
+                          </m:r>
+                        </m:sub>
+                      </m:sSub>
+                    </m:oMath>
+                  </m:oMathPara>
+                </a14:m>
+                <a:endParaRPr lang="en-US" altLang="zh-CN" i="1">
+                  <a:latin typeface="Cambria Math" panose="02040503050406030204" charset="0"/>
+                  <a:cs typeface="Cambria Math" panose="02040503050406030204" charset="0"/>
+                </a:endParaRPr>
+              </a:p>
+              <a:p>
+                <a:pPr algn="l"/>
+                <a:r>
+                  <a:rPr lang="en-US" altLang="zh-CN"/>
+                  <a:t> </a:t>
+                </a:r>
+                <a:endParaRPr lang="en-US" altLang="zh-CN"/>
+              </a:p>
+            </p:txBody>
+          </p:sp>
+        </mc:Choice>
+        <mc:Fallback>
+          <p:sp>
+            <p:nvSpPr>
+              <p:cNvPr id="80" name="文本框 79"/>
+              <p:cNvSpPr txBox="1">
+                <a:spLocks noRot="1" noChangeAspect="1" noMove="1" noResize="1" noEditPoints="1" noAdjustHandles="1" noChangeArrowheads="1" noChangeShapeType="1" noTextEdit="1"/>
+              </p:cNvSpPr>
+              <p:nvPr/>
+            </p:nvSpPr>
+            <p:spPr>
+              <a:xfrm>
+                <a:off x="5948680" y="3354705"/>
+                <a:ext cx="257175" cy="216535"/>
+              </a:xfrm>
+              <a:prstGeom prst="rect">
+                <a:avLst/>
+              </a:prstGeom>
+              <a:blipFill rotWithShape="1">
+                <a:blip r:embed="rId13"/>
+                <a:stretch>
+                  <a:fillRect r="-8148" b="-118182"/>
+                </a:stretch>
+              </a:blipFill>
+            </p:spPr>
+            <p:txBody>
+              <a:bodyPr/>
+              <a:lstStyle/>
+              <a:p>
+                <a:r>
+                  <a:rPr lang="zh-CN" altLang="en-US">
+                    <a:noFill/>
+                  </a:rPr>
+                  <a:t> </a:t>
+                </a:r>
+              </a:p>
+            </p:txBody>
+          </p:sp>
+        </mc:Fallback>
+      </mc:AlternateContent>
+      <p:sp>
+        <p:nvSpPr>
+          <p:cNvPr id="81" name="文本框 80"/>
+          <p:cNvSpPr txBox="1"/>
+          <p:nvPr/>
+        </p:nvSpPr>
+        <p:spPr>
+          <a:xfrm>
+            <a:off x="6272530" y="3318510"/>
+            <a:ext cx="469900" cy="368300"/>
+          </a:xfrm>
+          <a:prstGeom prst="rect">
+            <a:avLst/>
+          </a:prstGeom>
+          <a:noFill/>
+        </p:spPr>
+        <p:txBody>
+          <a:bodyPr wrap="square" rtlCol="0">
+            <a:spAutoFit/>
+          </a:bodyPr>
+          <a:p>
+            <a:r>
+              <a:rPr lang="en-US" altLang="zh-CN"/>
+              <a:t>.....</a:t>
+            </a:r>
+            <a:endParaRPr lang="en-US" altLang="zh-CN"/>
+          </a:p>
+        </p:txBody>
+      </p:sp>
+    </p:spTree>
+  </p:cSld>
+  <p:clrMapOvr>
+    <a:masterClrMapping/>
+  </p:clrMapOvr>
+</p:sld>
+</file>
+
+<file path=ppt/slides/slide5.xml><?xml version="1.0" encoding="utf-8"?>
+<p:sld xmlns:a="http://schemas.openxmlformats.org/drawingml/2006/main" xmlns:r="http://schemas.openxmlformats.org/officeDocument/2006/relationships" xmlns:p="http://schemas.openxmlformats.org/presentationml/2006/main">
+  <p:cSld>
+    <p:spTree>
+      <p:nvGrpSpPr>
+        <p:cNvPr id="1" name=""/>
+        <p:cNvGrpSpPr/>
+        <p:nvPr/>
+      </p:nvGrpSpPr>
+      <p:grpSpPr/>
+      <p:sp>
+        <p:nvSpPr>
+          <p:cNvPr id="48" name="矩形 47"/>
+          <p:cNvSpPr/>
+          <p:nvPr/>
+        </p:nvSpPr>
+        <p:spPr>
+          <a:xfrm>
+            <a:off x="1387475" y="3454400"/>
+            <a:ext cx="694055" cy="340995"/>
+          </a:xfrm>
+          <a:prstGeom prst="rect">
+            <a:avLst/>
+          </a:prstGeom>
+          <a:noFill/>
+          <a:ln>
+            <a:solidFill>
+              <a:schemeClr val="tx1"/>
+            </a:solidFill>
+          </a:ln>
+          <a:extLst>
+            <a:ext uri="{909E8E84-426E-40DD-AFC4-6F175D3DCCD1}">
+              <a14:hiddenFill xmlns:a14="http://schemas.microsoft.com/office/drawing/2010/main">
+                <a:solidFill>
+                  <a:schemeClr val="accent1"/>
+                </a:solidFill>
+              </a14:hiddenFill>
+            </a:ext>
+          </a:extLst>
+        </p:spPr>
+        <p:style>
+          <a:lnRef idx="2">
+            <a:schemeClr val="accent1">
+              <a:lumMod val="75000"/>
+            </a:schemeClr>
+          </a:lnRef>
+          <a:fillRef idx="1">
+            <a:schemeClr val="accent1"/>
+          </a:fillRef>
+          <a:effectRef idx="0">
+            <a:srgbClr val="FFFFFF"/>
+          </a:effectRef>
+          <a:fontRef idx="minor">
+            <a:schemeClr val="lt1"/>
+          </a:fontRef>
+        </p:style>
+        <p:txBody>
+          <a:bodyPr rtlCol="0" anchor="ctr"/>
+          <a:p>
+            <a:pPr algn="ctr"/>
+            <a:r>
+              <a:rPr lang="en-US" altLang="zh-CN" sz="1000">
+                <a:solidFill>
+                  <a:schemeClr val="tx1"/>
+                </a:solidFill>
+              </a:rPr>
+              <a:t>layer 1</a:t>
+            </a:r>
+            <a:endParaRPr lang="en-US" altLang="zh-CN" sz="1000">
+              <a:solidFill>
+                <a:schemeClr val="tx1"/>
+              </a:solidFill>
+            </a:endParaRPr>
+          </a:p>
+        </p:txBody>
+      </p:sp>
+      <p:cxnSp>
+        <p:nvCxnSpPr>
+          <p:cNvPr id="57" name="直接箭头连接符 56"/>
+          <p:cNvCxnSpPr/>
+          <p:nvPr/>
+        </p:nvCxnSpPr>
+        <p:spPr>
+          <a:xfrm flipV="1">
+            <a:off x="989330" y="3615055"/>
+            <a:ext cx="398145" cy="5080"/>
+          </a:xfrm>
+          <a:prstGeom prst="straightConnector1">
+            <a:avLst/>
+          </a:prstGeom>
+          <a:ln>
+            <a:solidFill>
+              <a:schemeClr val="tx1"/>
+            </a:solidFill>
+            <a:tailEnd type="arrow"/>
+          </a:ln>
+        </p:spPr>
+        <p:style>
+          <a:lnRef idx="2">
+            <a:schemeClr val="accent1"/>
+          </a:lnRef>
+          <a:fillRef idx="0">
+            <a:srgbClr val="FFFFFF"/>
+          </a:fillRef>
+          <a:effectRef idx="0">
+            <a:srgbClr val="FFFFFF"/>
+          </a:effectRef>
+          <a:fontRef idx="minor">
+            <a:schemeClr val="tx1"/>
+          </a:fontRef>
+        </p:style>
+      </p:cxnSp>
+      <mc:AlternateContent xmlns:mc="http://schemas.openxmlformats.org/markup-compatibility/2006">
+        <mc:Choice xmlns:a14="http://schemas.microsoft.com/office/drawing/2010/main" Requires="a14">
+          <p:sp>
+            <p:nvSpPr>
+              <p:cNvPr id="58" name="文本框 57"/>
+              <p:cNvSpPr txBox="1"/>
+              <p:nvPr/>
+            </p:nvSpPr>
+            <p:spPr>
+              <a:xfrm>
+                <a:off x="1026160" y="3397250"/>
+                <a:ext cx="302895" cy="244475"/>
+              </a:xfrm>
+              <a:prstGeom prst="rect">
+                <a:avLst/>
+              </a:prstGeom>
+              <a:noFill/>
+            </p:spPr>
+            <p:txBody>
+              <a:bodyPr wrap="none" rtlCol="0" anchor="t">
+                <a:noAutofit/>
+              </a:bodyPr>
+              <a:p>
+                <a:pPr algn="l"/>
+                <a14:m>
+                  <m:oMathPara xmlns:m="http://schemas.openxmlformats.org/officeDocument/2006/math">
+                    <m:oMathParaPr>
+                      <m:jc m:val="centerGroup"/>
+                    </m:oMathParaPr>
+                    <m:oMath xmlns:m="http://schemas.openxmlformats.org/officeDocument/2006/math">
+                      <m:sSub>
+                        <m:sSubPr>
+                          <m:ctrlPr>
+                            <a:rPr lang="en-US" altLang="zh-CN" sz="1000" i="1">
+                              <a:latin typeface="Cambria Math" panose="02040503050406030204" charset="0"/>
+                              <a:cs typeface="Cambria Math" panose="02040503050406030204" charset="0"/>
+                            </a:rPr>
+                          </m:ctrlPr>
+                        </m:sSubPr>
+                        <m:e>
+                          <m:r>
+                            <a:rPr lang="en-US" altLang="zh-CN" sz="1000" i="1">
+                              <a:latin typeface="Cambria Math" panose="02040503050406030204" charset="0"/>
+                              <a:cs typeface="Cambria Math" panose="02040503050406030204" charset="0"/>
+                            </a:rPr>
+                            <m:t>𝑥</m:t>
+                          </m:r>
+                        </m:e>
+                        <m:sub>
+                          <m:r>
+                            <a:rPr lang="en-US" altLang="zh-CN" sz="1000" i="1">
+                              <a:latin typeface="Cambria Math" panose="02040503050406030204" charset="0"/>
+                              <a:cs typeface="Cambria Math" panose="02040503050406030204" charset="0"/>
+                            </a:rPr>
+                            <m:t>0</m:t>
+                          </m:r>
+                        </m:sub>
+                      </m:sSub>
+                    </m:oMath>
+                  </m:oMathPara>
+                </a14:m>
+                <a:endParaRPr lang="en-US" altLang="zh-CN" i="1">
+                  <a:latin typeface="Cambria Math" panose="02040503050406030204" charset="0"/>
+                  <a:cs typeface="Cambria Math" panose="02040503050406030204" charset="0"/>
+                </a:endParaRPr>
+              </a:p>
+              <a:p>
+                <a:pPr algn="l"/>
+                <a:r>
+                  <a:rPr lang="en-US" altLang="zh-CN"/>
+                  <a:t> </a:t>
+                </a:r>
+                <a:endParaRPr lang="en-US" altLang="zh-CN"/>
+              </a:p>
+            </p:txBody>
+          </p:sp>
+        </mc:Choice>
+        <mc:Fallback>
+          <p:sp>
+            <p:nvSpPr>
+              <p:cNvPr id="58" name="文本框 57"/>
+              <p:cNvSpPr txBox="1">
+                <a:spLocks noRot="1" noChangeAspect="1" noMove="1" noResize="1" noEditPoints="1" noAdjustHandles="1" noChangeArrowheads="1" noChangeShapeType="1" noTextEdit="1"/>
+              </p:cNvSpPr>
+              <p:nvPr/>
+            </p:nvSpPr>
+            <p:spPr>
+              <a:xfrm>
+                <a:off x="1026160" y="3397250"/>
+                <a:ext cx="302895" cy="244475"/>
+              </a:xfrm>
+              <a:prstGeom prst="rect">
+                <a:avLst/>
+              </a:prstGeom>
+              <a:blipFill rotWithShape="1">
+                <a:blip r:embed="rId1"/>
+                <a:stretch>
+                  <a:fillRect b="-93247"/>
+                </a:stretch>
+              </a:blipFill>
+            </p:spPr>
+            <p:txBody>
+              <a:bodyPr/>
+              <a:lstStyle/>
+              <a:p>
+                <a:r>
+                  <a:rPr lang="zh-CN" altLang="en-US">
+                    <a:noFill/>
+                  </a:rPr>
+                  <a:t> </a:t>
+                </a:r>
+              </a:p>
+            </p:txBody>
+          </p:sp>
+        </mc:Fallback>
+      </mc:AlternateContent>
+      <p:cxnSp>
+        <p:nvCxnSpPr>
+          <p:cNvPr id="70" name="直接箭头连接符 69"/>
+          <p:cNvCxnSpPr/>
+          <p:nvPr/>
+        </p:nvCxnSpPr>
+        <p:spPr>
+          <a:xfrm flipV="1">
+            <a:off x="2084705" y="3615055"/>
+            <a:ext cx="408940" cy="6350"/>
+          </a:xfrm>
+          <a:prstGeom prst="straightConnector1">
+            <a:avLst/>
+          </a:prstGeom>
+          <a:ln>
+            <a:solidFill>
+              <a:schemeClr val="tx1"/>
+            </a:solidFill>
+            <a:tailEnd type="arrow"/>
+          </a:ln>
+        </p:spPr>
+        <p:style>
+          <a:lnRef idx="2">
+            <a:schemeClr val="accent1"/>
+          </a:lnRef>
+          <a:fillRef idx="0">
+            <a:srgbClr val="FFFFFF"/>
+          </a:fillRef>
+          <a:effectRef idx="0">
+            <a:srgbClr val="FFFFFF"/>
+          </a:effectRef>
+          <a:fontRef idx="minor">
+            <a:schemeClr val="tx1"/>
+          </a:fontRef>
+        </p:style>
+      </p:cxnSp>
+      <mc:AlternateContent xmlns:mc="http://schemas.openxmlformats.org/markup-compatibility/2006">
+        <mc:Choice xmlns:a14="http://schemas.microsoft.com/office/drawing/2010/main" Requires="a14">
+          <p:sp>
+            <p:nvSpPr>
+              <p:cNvPr id="71" name="文本框 70"/>
+              <p:cNvSpPr txBox="1"/>
+              <p:nvPr/>
+            </p:nvSpPr>
+            <p:spPr>
+              <a:xfrm>
+                <a:off x="2138045" y="3403600"/>
+                <a:ext cx="257175" cy="216535"/>
+              </a:xfrm>
+              <a:prstGeom prst="rect">
+                <a:avLst/>
+              </a:prstGeom>
+              <a:noFill/>
+            </p:spPr>
+            <p:txBody>
+              <a:bodyPr wrap="none" rtlCol="0" anchor="t">
+                <a:noAutofit/>
+              </a:bodyPr>
+              <a:p>
+                <a:pPr algn="l"/>
+                <a14:m>
+                  <m:oMathPara xmlns:m="http://schemas.openxmlformats.org/officeDocument/2006/math">
+                    <m:oMathParaPr>
+                      <m:jc m:val="centerGroup"/>
+                    </m:oMathParaPr>
+                    <m:oMath xmlns:m="http://schemas.openxmlformats.org/officeDocument/2006/math">
+                      <m:sSub>
+                        <m:sSubPr>
+                          <m:ctrlPr>
+                            <a:rPr lang="en-US" altLang="zh-CN" sz="1000" i="1">
+                              <a:latin typeface="Cambria Math" panose="02040503050406030204" charset="0"/>
+                              <a:cs typeface="Cambria Math" panose="02040503050406030204" charset="0"/>
+                            </a:rPr>
+                          </m:ctrlPr>
+                        </m:sSubPr>
+                        <m:e>
+                          <m:r>
+                            <a:rPr lang="en-US" altLang="zh-CN" sz="1000" i="1">
+                              <a:latin typeface="Cambria Math" panose="02040503050406030204" charset="0"/>
+                              <a:cs typeface="Cambria Math" panose="02040503050406030204" charset="0"/>
+                            </a:rPr>
+                            <m:t>𝑥</m:t>
+                          </m:r>
+                        </m:e>
+                        <m:sub>
+                          <m:r>
+                            <a:rPr lang="en-US" altLang="zh-CN" sz="1000" i="1">
+                              <a:latin typeface="Cambria Math" panose="02040503050406030204" charset="0"/>
+                              <a:cs typeface="Cambria Math" panose="02040503050406030204" charset="0"/>
+                            </a:rPr>
+                            <m:t>1</m:t>
+                          </m:r>
+                        </m:sub>
+                      </m:sSub>
+                    </m:oMath>
+                  </m:oMathPara>
+                </a14:m>
+                <a:endParaRPr lang="en-US" altLang="zh-CN" i="1">
+                  <a:latin typeface="Cambria Math" panose="02040503050406030204" charset="0"/>
+                  <a:cs typeface="Cambria Math" panose="02040503050406030204" charset="0"/>
+                </a:endParaRPr>
+              </a:p>
+              <a:p>
+                <a:pPr algn="l"/>
+                <a:r>
+                  <a:rPr lang="en-US" altLang="zh-CN"/>
+                  <a:t> </a:t>
+                </a:r>
+                <a:endParaRPr lang="en-US" altLang="zh-CN"/>
+              </a:p>
+            </p:txBody>
+          </p:sp>
+        </mc:Choice>
+        <mc:Fallback>
+          <p:sp>
+            <p:nvSpPr>
+              <p:cNvPr id="71" name="文本框 70"/>
+              <p:cNvSpPr txBox="1">
+                <a:spLocks noRot="1" noChangeAspect="1" noMove="1" noResize="1" noEditPoints="1" noAdjustHandles="1" noChangeArrowheads="1" noChangeShapeType="1" noTextEdit="1"/>
+              </p:cNvSpPr>
+              <p:nvPr/>
+            </p:nvSpPr>
+            <p:spPr>
+              <a:xfrm>
+                <a:off x="2138045" y="3403600"/>
+                <a:ext cx="257175" cy="216535"/>
+              </a:xfrm>
+              <a:prstGeom prst="rect">
+                <a:avLst/>
+              </a:prstGeom>
+              <a:blipFill rotWithShape="1">
+                <a:blip r:embed="rId2"/>
+                <a:stretch>
+                  <a:fillRect r="-8148" b="-118182"/>
+                </a:stretch>
+              </a:blipFill>
+            </p:spPr>
+            <p:txBody>
+              <a:bodyPr/>
+              <a:lstStyle/>
+              <a:p>
+                <a:r>
+                  <a:rPr lang="zh-CN" altLang="en-US">
+                    <a:noFill/>
+                  </a:rPr>
+                  <a:t> </a:t>
+                </a:r>
+              </a:p>
+            </p:txBody>
+          </p:sp>
+        </mc:Fallback>
+      </mc:AlternateContent>
+      <p:sp>
+        <p:nvSpPr>
+          <p:cNvPr id="80" name="文本框 79"/>
+          <p:cNvSpPr txBox="1"/>
+          <p:nvPr/>
+        </p:nvSpPr>
+        <p:spPr>
+          <a:xfrm>
+            <a:off x="6082030" y="3362325"/>
+            <a:ext cx="257175" cy="216535"/>
+          </a:xfrm>
+          <a:prstGeom prst="rect">
+            <a:avLst/>
+          </a:prstGeom>
+          <a:noFill/>
+        </p:spPr>
+        <p:txBody>
+          <a:bodyPr wrap="none" rtlCol="0" anchor="t">
+            <a:noAutofit/>
+          </a:bodyPr>
+          <a:p>
+            <a:pPr algn="l"/>
+            <a:endParaRPr lang="en-US" altLang="zh-CN" i="1">
+              <a:latin typeface="Cambria Math" panose="02040503050406030204" charset="0"/>
+              <a:cs typeface="Cambria Math" panose="02040503050406030204" charset="0"/>
+            </a:endParaRPr>
+          </a:p>
+          <a:p>
+            <a:pPr algn="l"/>
+            <a:r>
+              <a:rPr lang="en-US" altLang="zh-CN"/>
+              <a:t> </a:t>
+            </a:r>
+            <a:endParaRPr lang="en-US" altLang="zh-CN"/>
+          </a:p>
+        </p:txBody>
+      </p:sp>
+      <p:sp>
+        <p:nvSpPr>
+          <p:cNvPr id="81" name="文本框 80"/>
+          <p:cNvSpPr txBox="1"/>
+          <p:nvPr/>
+        </p:nvSpPr>
+        <p:spPr>
+          <a:xfrm>
+            <a:off x="2484755" y="3362325"/>
+            <a:ext cx="469900" cy="368300"/>
+          </a:xfrm>
+          <a:prstGeom prst="rect">
+            <a:avLst/>
+          </a:prstGeom>
+          <a:noFill/>
+        </p:spPr>
+        <p:txBody>
+          <a:bodyPr wrap="square" rtlCol="0">
+            <a:spAutoFit/>
+          </a:bodyPr>
+          <a:p>
+            <a:r>
+              <a:rPr lang="en-US" altLang="zh-CN"/>
+              <a:t>.....</a:t>
+            </a:r>
+            <a:endParaRPr lang="en-US" altLang="zh-CN"/>
+          </a:p>
+        </p:txBody>
+      </p:sp>
+      <p:sp>
+        <p:nvSpPr>
+          <p:cNvPr id="3" name="矩形 2"/>
+          <p:cNvSpPr/>
+          <p:nvPr/>
+        </p:nvSpPr>
+        <p:spPr>
+          <a:xfrm>
+            <a:off x="5269230" y="3405505"/>
+            <a:ext cx="694055" cy="340995"/>
+          </a:xfrm>
+          <a:prstGeom prst="rect">
+            <a:avLst/>
+          </a:prstGeom>
+          <a:noFill/>
+          <a:ln>
+            <a:solidFill>
+              <a:schemeClr val="tx1"/>
+            </a:solidFill>
+          </a:ln>
+          <a:extLst>
+            <a:ext uri="{909E8E84-426E-40DD-AFC4-6F175D3DCCD1}">
+              <a14:hiddenFill xmlns:a14="http://schemas.microsoft.com/office/drawing/2010/main">
+                <a:solidFill>
+                  <a:schemeClr val="accent1"/>
+                </a:solidFill>
+              </a14:hiddenFill>
+            </a:ext>
+          </a:extLst>
+        </p:spPr>
+        <p:style>
+          <a:lnRef idx="2">
+            <a:schemeClr val="accent1">
+              <a:lumMod val="75000"/>
+            </a:schemeClr>
+          </a:lnRef>
+          <a:fillRef idx="1">
+            <a:schemeClr val="accent1"/>
+          </a:fillRef>
+          <a:effectRef idx="0">
+            <a:srgbClr val="FFFFFF"/>
+          </a:effectRef>
+          <a:fontRef idx="minor">
+            <a:schemeClr val="lt1"/>
+          </a:fontRef>
+        </p:style>
+        <p:txBody>
+          <a:bodyPr rtlCol="0" anchor="ctr"/>
+          <a:p>
+            <a:pPr algn="ctr"/>
+            <a:r>
+              <a:rPr lang="en-US" altLang="zh-CN" sz="1000">
+                <a:solidFill>
+                  <a:schemeClr val="tx1"/>
+                </a:solidFill>
+              </a:rPr>
+              <a:t>Mapping</a:t>
+            </a:r>
+            <a:endParaRPr lang="en-US" altLang="zh-CN" sz="1000">
+              <a:solidFill>
+                <a:schemeClr val="tx1"/>
+              </a:solidFill>
+            </a:endParaRPr>
+          </a:p>
+        </p:txBody>
+      </p:sp>
+      <p:cxnSp>
+        <p:nvCxnSpPr>
+          <p:cNvPr id="6" name="直接箭头连接符 5"/>
+          <p:cNvCxnSpPr/>
+          <p:nvPr/>
+        </p:nvCxnSpPr>
+        <p:spPr>
+          <a:xfrm flipV="1">
+            <a:off x="5962015" y="3558540"/>
+            <a:ext cx="408940" cy="6350"/>
+          </a:xfrm>
+          <a:prstGeom prst="straightConnector1">
+            <a:avLst/>
+          </a:prstGeom>
+          <a:ln>
+            <a:solidFill>
+              <a:schemeClr val="tx1"/>
+            </a:solidFill>
+            <a:tailEnd type="arrow"/>
+          </a:ln>
+        </p:spPr>
+        <p:style>
+          <a:lnRef idx="2">
+            <a:schemeClr val="accent1"/>
+          </a:lnRef>
+          <a:fillRef idx="0">
+            <a:srgbClr val="FFFFFF"/>
+          </a:fillRef>
+          <a:effectRef idx="0">
+            <a:srgbClr val="FFFFFF"/>
+          </a:effectRef>
+          <a:fontRef idx="minor">
+            <a:schemeClr val="tx1"/>
+          </a:fontRef>
+        </p:style>
+      </p:cxnSp>
+      <p:sp>
+        <p:nvSpPr>
+          <p:cNvPr id="7" name="文本框 6"/>
+          <p:cNvSpPr txBox="1"/>
+          <p:nvPr/>
+        </p:nvSpPr>
+        <p:spPr>
+          <a:xfrm>
+            <a:off x="6037580" y="3245485"/>
+            <a:ext cx="333375" cy="313055"/>
+          </a:xfrm>
+          <a:prstGeom prst="rect">
+            <a:avLst/>
+          </a:prstGeom>
+          <a:noFill/>
+        </p:spPr>
+        <p:txBody>
+          <a:bodyPr wrap="none" rtlCol="0" anchor="t">
+            <a:noAutofit/>
+          </a:bodyPr>
+          <a:p>
+            <a:pPr algn="l"/>
+            <a:r>
+              <a:rPr lang="en-US" altLang="zh-CN" sz="1000">
+                <a:latin typeface="Cambria Math" panose="02040503050406030204" charset="0"/>
+                <a:cs typeface="Cambria Math" panose="02040503050406030204" charset="0"/>
+              </a:rPr>
+              <a:t>y</a:t>
+            </a:r>
+            <a:r>
+              <a:rPr lang="en-US" altLang="zh-CN"/>
+              <a:t> </a:t>
+            </a:r>
+            <a:endParaRPr lang="en-US" altLang="zh-CN"/>
+          </a:p>
+        </p:txBody>
+      </p:sp>
+      <p:sp>
+        <p:nvSpPr>
+          <p:cNvPr id="11" name="矩形 10"/>
+          <p:cNvSpPr/>
+          <p:nvPr/>
+        </p:nvSpPr>
+        <p:spPr>
+          <a:xfrm>
+            <a:off x="4171315" y="3405505"/>
+            <a:ext cx="694055" cy="340995"/>
+          </a:xfrm>
+          <a:prstGeom prst="rect">
+            <a:avLst/>
+          </a:prstGeom>
+          <a:noFill/>
+          <a:ln>
+            <a:solidFill>
+              <a:schemeClr val="tx1"/>
+            </a:solidFill>
+          </a:ln>
+          <a:extLst>
+            <a:ext uri="{909E8E84-426E-40DD-AFC4-6F175D3DCCD1}">
+              <a14:hiddenFill xmlns:a14="http://schemas.microsoft.com/office/drawing/2010/main">
+                <a:solidFill>
+                  <a:schemeClr val="accent1"/>
+                </a:solidFill>
+              </a14:hiddenFill>
+            </a:ext>
+          </a:extLst>
+        </p:spPr>
+        <p:style>
+          <a:lnRef idx="2">
+            <a:schemeClr val="accent1">
+              <a:lumMod val="75000"/>
+            </a:schemeClr>
+          </a:lnRef>
+          <a:fillRef idx="1">
+            <a:schemeClr val="accent1"/>
+          </a:fillRef>
+          <a:effectRef idx="0">
+            <a:srgbClr val="FFFFFF"/>
+          </a:effectRef>
+          <a:fontRef idx="minor">
+            <a:schemeClr val="lt1"/>
+          </a:fontRef>
+        </p:style>
+        <p:txBody>
+          <a:bodyPr rtlCol="0" anchor="ctr"/>
+          <a:p>
+            <a:pPr algn="ctr"/>
+            <a:r>
+              <a:rPr lang="en-US" altLang="zh-CN" sz="1000">
+                <a:solidFill>
+                  <a:schemeClr val="tx1"/>
+                </a:solidFill>
+              </a:rPr>
+              <a:t>layer n-1</a:t>
+            </a:r>
+            <a:endParaRPr lang="en-US" altLang="zh-CN" sz="1000">
+              <a:solidFill>
+                <a:schemeClr val="tx1"/>
+              </a:solidFill>
+            </a:endParaRPr>
+          </a:p>
+        </p:txBody>
+      </p:sp>
+      <p:cxnSp>
+        <p:nvCxnSpPr>
+          <p:cNvPr id="13" name="直接箭头连接符 12"/>
+          <p:cNvCxnSpPr/>
+          <p:nvPr/>
+        </p:nvCxnSpPr>
+        <p:spPr>
+          <a:xfrm flipV="1">
+            <a:off x="4871720" y="3563620"/>
+            <a:ext cx="408940" cy="6350"/>
+          </a:xfrm>
+          <a:prstGeom prst="straightConnector1">
+            <a:avLst/>
+          </a:prstGeom>
+          <a:ln>
+            <a:solidFill>
+              <a:schemeClr val="tx1"/>
+            </a:solidFill>
+            <a:tailEnd type="arrow"/>
+          </a:ln>
+        </p:spPr>
+        <p:style>
+          <a:lnRef idx="2">
+            <a:schemeClr val="accent1"/>
+          </a:lnRef>
+          <a:fillRef idx="0">
+            <a:srgbClr val="FFFFFF"/>
+          </a:fillRef>
+          <a:effectRef idx="0">
+            <a:srgbClr val="FFFFFF"/>
+          </a:effectRef>
+          <a:fontRef idx="minor">
+            <a:schemeClr val="tx1"/>
+          </a:fontRef>
+        </p:style>
+      </p:cxnSp>
+      <p:sp>
+        <p:nvSpPr>
+          <p:cNvPr id="18" name="矩形 17"/>
+          <p:cNvSpPr/>
+          <p:nvPr/>
+        </p:nvSpPr>
+        <p:spPr>
+          <a:xfrm>
+            <a:off x="3073400" y="3432810"/>
+            <a:ext cx="694055" cy="340995"/>
+          </a:xfrm>
+          <a:prstGeom prst="rect">
+            <a:avLst/>
+          </a:prstGeom>
+          <a:noFill/>
+          <a:ln>
+            <a:solidFill>
+              <a:schemeClr val="tx1"/>
+            </a:solidFill>
+          </a:ln>
+          <a:extLst>
+            <a:ext uri="{909E8E84-426E-40DD-AFC4-6F175D3DCCD1}">
+              <a14:hiddenFill xmlns:a14="http://schemas.microsoft.com/office/drawing/2010/main">
+                <a:solidFill>
+                  <a:schemeClr val="accent1"/>
+                </a:solidFill>
+              </a14:hiddenFill>
+            </a:ext>
+          </a:extLst>
+        </p:spPr>
+        <p:style>
+          <a:lnRef idx="2">
+            <a:schemeClr val="accent1">
+              <a:lumMod val="75000"/>
+            </a:schemeClr>
+          </a:lnRef>
+          <a:fillRef idx="1">
+            <a:schemeClr val="accent1"/>
+          </a:fillRef>
+          <a:effectRef idx="0">
+            <a:srgbClr val="FFFFFF"/>
+          </a:effectRef>
+          <a:fontRef idx="minor">
+            <a:schemeClr val="lt1"/>
+          </a:fontRef>
+        </p:style>
+        <p:txBody>
+          <a:bodyPr rtlCol="0" anchor="ctr"/>
+          <a:p>
+            <a:pPr algn="ctr"/>
+            <a:r>
+              <a:rPr lang="en-US" altLang="zh-CN" sz="1000">
+                <a:solidFill>
+                  <a:schemeClr val="tx1"/>
+                </a:solidFill>
+              </a:rPr>
+              <a:t>layer 2</a:t>
+            </a:r>
+            <a:endParaRPr lang="en-US" altLang="zh-CN" sz="1000">
+              <a:solidFill>
+                <a:schemeClr val="tx1"/>
+              </a:solidFill>
+            </a:endParaRPr>
+          </a:p>
+        </p:txBody>
+      </p:sp>
+      <p:cxnSp>
+        <p:nvCxnSpPr>
+          <p:cNvPr id="19" name="直接箭头连接符 18"/>
+          <p:cNvCxnSpPr/>
+          <p:nvPr/>
+        </p:nvCxnSpPr>
+        <p:spPr>
+          <a:xfrm flipV="1">
+            <a:off x="3766185" y="3585845"/>
+            <a:ext cx="408940" cy="6350"/>
+          </a:xfrm>
+          <a:prstGeom prst="straightConnector1">
+            <a:avLst/>
+          </a:prstGeom>
+          <a:ln>
+            <a:solidFill>
+              <a:schemeClr val="tx1"/>
+            </a:solidFill>
+            <a:tailEnd type="arrow"/>
+          </a:ln>
+        </p:spPr>
+        <p:style>
+          <a:lnRef idx="2">
+            <a:schemeClr val="accent1"/>
+          </a:lnRef>
+          <a:fillRef idx="0">
+            <a:srgbClr val="FFFFFF"/>
+          </a:fillRef>
+          <a:effectRef idx="0">
+            <a:srgbClr val="FFFFFF"/>
+          </a:effectRef>
+          <a:fontRef idx="minor">
+            <a:schemeClr val="tx1"/>
+          </a:fontRef>
+        </p:style>
+      </p:cxnSp>
+      <mc:AlternateContent xmlns:mc="http://schemas.openxmlformats.org/markup-compatibility/2006">
+        <mc:Choice xmlns:a14="http://schemas.microsoft.com/office/drawing/2010/main" Requires="a14">
+          <p:sp>
+            <p:nvSpPr>
+              <p:cNvPr id="20" name="文本框 19"/>
+              <p:cNvSpPr txBox="1"/>
+              <p:nvPr/>
+            </p:nvSpPr>
+            <p:spPr>
+              <a:xfrm>
+                <a:off x="3718560" y="3382010"/>
+                <a:ext cx="257175" cy="216535"/>
+              </a:xfrm>
+              <a:prstGeom prst="rect">
+                <a:avLst/>
+              </a:prstGeom>
+              <a:noFill/>
+            </p:spPr>
+            <p:txBody>
+              <a:bodyPr wrap="none" rtlCol="0" anchor="t">
+                <a:noAutofit/>
+              </a:bodyPr>
+              <a:p>
+                <a:pPr algn="l"/>
+                <a14:m>
+                  <m:oMathPara xmlns:m="http://schemas.openxmlformats.org/officeDocument/2006/math">
+                    <m:oMathParaPr>
+                      <m:jc m:val="centerGroup"/>
+                    </m:oMathParaPr>
+                    <m:oMath xmlns:m="http://schemas.openxmlformats.org/officeDocument/2006/math">
+                      <m:sSub>
+                        <m:sSubPr>
+                          <m:ctrlPr>
+                            <a:rPr lang="en-US" altLang="zh-CN" sz="1000" i="1">
+                              <a:latin typeface="Cambria Math" panose="02040503050406030204" charset="0"/>
+                              <a:cs typeface="Cambria Math" panose="02040503050406030204" charset="0"/>
+                            </a:rPr>
+                          </m:ctrlPr>
+                        </m:sSubPr>
+                        <m:e>
+                          <m:r>
+                            <a:rPr lang="en-US" altLang="zh-CN" sz="1000" i="1">
+                              <a:latin typeface="Cambria Math" panose="02040503050406030204" charset="0"/>
+                              <a:cs typeface="Cambria Math" panose="02040503050406030204" charset="0"/>
+                            </a:rPr>
+                            <m:t>𝑥</m:t>
+                          </m:r>
+                        </m:e>
+                        <m:sub>
+                          <m:r>
+                            <a:rPr lang="en-US" altLang="zh-CN" sz="1000" i="1">
+                              <a:latin typeface="Cambria Math" panose="02040503050406030204" charset="0"/>
+                              <a:cs typeface="Cambria Math" panose="02040503050406030204" charset="0"/>
+                            </a:rPr>
+                            <m:t>𝑛−</m:t>
+                          </m:r>
+                          <m:r>
+                            <a:rPr lang="en-US" altLang="zh-CN" sz="1000" i="1">
+                              <a:latin typeface="Cambria Math" panose="02040503050406030204" charset="0"/>
+                              <a:cs typeface="Cambria Math" panose="02040503050406030204" charset="0"/>
+                            </a:rPr>
+                            <m:t>1</m:t>
+                          </m:r>
+                        </m:sub>
+                      </m:sSub>
+                    </m:oMath>
+                  </m:oMathPara>
+                </a14:m>
+                <a:endParaRPr lang="en-US" altLang="zh-CN" i="1">
+                  <a:latin typeface="Cambria Math" panose="02040503050406030204" charset="0"/>
+                  <a:cs typeface="Cambria Math" panose="02040503050406030204" charset="0"/>
+                </a:endParaRPr>
+              </a:p>
+              <a:p>
+                <a:pPr algn="l"/>
+                <a:r>
+                  <a:rPr lang="en-US" altLang="zh-CN"/>
+                  <a:t> </a:t>
+                </a:r>
+                <a:endParaRPr lang="en-US" altLang="zh-CN"/>
+              </a:p>
+            </p:txBody>
+          </p:sp>
+        </mc:Choice>
+        <mc:Fallback>
+          <p:sp>
+            <p:nvSpPr>
+              <p:cNvPr id="20" name="文本框 19"/>
+              <p:cNvSpPr txBox="1">
+                <a:spLocks noRot="1" noChangeAspect="1" noMove="1" noResize="1" noEditPoints="1" noAdjustHandles="1" noChangeArrowheads="1" noChangeShapeType="1" noTextEdit="1"/>
+              </p:cNvSpPr>
+              <p:nvPr/>
+            </p:nvSpPr>
+            <p:spPr>
+              <a:xfrm>
+                <a:off x="3718560" y="3382010"/>
+                <a:ext cx="257175" cy="216535"/>
+              </a:xfrm>
+              <a:prstGeom prst="rect">
+                <a:avLst/>
+              </a:prstGeom>
+              <a:blipFill rotWithShape="1">
+                <a:blip r:embed="rId3"/>
+                <a:stretch>
+                  <a:fillRect r="-55802" b="-118182"/>
+                </a:stretch>
+              </a:blipFill>
+            </p:spPr>
+            <p:txBody>
+              <a:bodyPr/>
+              <a:lstStyle/>
+              <a:p>
+                <a:r>
+                  <a:rPr lang="zh-CN" altLang="en-US">
+                    <a:noFill/>
+                  </a:rPr>
+                  <a:t> </a:t>
+                </a:r>
+              </a:p>
+            </p:txBody>
+          </p:sp>
+        </mc:Fallback>
+      </mc:AlternateContent>
+      <mc:AlternateContent xmlns:mc="http://schemas.openxmlformats.org/markup-compatibility/2006">
+        <mc:Choice xmlns:a14="http://schemas.microsoft.com/office/drawing/2010/main" Requires="a14">
+          <p:sp>
+            <p:nvSpPr>
+              <p:cNvPr id="21" name="文本框 20"/>
+              <p:cNvSpPr txBox="1"/>
+              <p:nvPr/>
+            </p:nvSpPr>
+            <p:spPr>
+              <a:xfrm>
+                <a:off x="4812665" y="3347085"/>
+                <a:ext cx="257175" cy="216535"/>
+              </a:xfrm>
+              <a:prstGeom prst="rect">
+                <a:avLst/>
+              </a:prstGeom>
+              <a:noFill/>
+            </p:spPr>
+            <p:txBody>
+              <a:bodyPr wrap="none" rtlCol="0" anchor="t">
+                <a:noAutofit/>
+              </a:bodyPr>
+              <a:p>
+                <a:pPr algn="l"/>
+                <a14:m>
+                  <m:oMathPara xmlns:m="http://schemas.openxmlformats.org/officeDocument/2006/math">
+                    <m:oMathParaPr>
+                      <m:jc m:val="centerGroup"/>
+                    </m:oMathParaPr>
+                    <m:oMath xmlns:m="http://schemas.openxmlformats.org/officeDocument/2006/math">
+                      <m:sSub>
+                        <m:sSubPr>
+                          <m:ctrlPr>
+                            <a:rPr lang="en-US" altLang="zh-CN" sz="1000" i="1">
+                              <a:latin typeface="Cambria Math" panose="02040503050406030204" charset="0"/>
+                              <a:cs typeface="Cambria Math" panose="02040503050406030204" charset="0"/>
+                            </a:rPr>
+                          </m:ctrlPr>
+                        </m:sSubPr>
+                        <m:e>
+                          <m:r>
+                            <a:rPr lang="en-US" altLang="zh-CN" sz="1000" i="1">
+                              <a:latin typeface="Cambria Math" panose="02040503050406030204" charset="0"/>
+                              <a:cs typeface="Cambria Math" panose="02040503050406030204" charset="0"/>
+                            </a:rPr>
+                            <m:t>𝑥</m:t>
+                          </m:r>
+                        </m:e>
+                        <m:sub>
+                          <m:r>
+                            <a:rPr lang="en-US" altLang="zh-CN" sz="1000" i="1">
+                              <a:latin typeface="Cambria Math" panose="02040503050406030204" charset="0"/>
+                              <a:cs typeface="Cambria Math" panose="02040503050406030204" charset="0"/>
+                            </a:rPr>
+                            <m:t>𝑛</m:t>
+                          </m:r>
+                        </m:sub>
+                      </m:sSub>
+                    </m:oMath>
+                  </m:oMathPara>
+                </a14:m>
+                <a:endParaRPr lang="en-US" altLang="zh-CN" i="1">
+                  <a:latin typeface="Cambria Math" panose="02040503050406030204" charset="0"/>
+                  <a:cs typeface="Cambria Math" panose="02040503050406030204" charset="0"/>
+                </a:endParaRPr>
+              </a:p>
+              <a:p>
+                <a:pPr algn="l"/>
+                <a:r>
+                  <a:rPr lang="en-US" altLang="zh-CN"/>
+                  <a:t> </a:t>
+                </a:r>
+                <a:endParaRPr lang="en-US" altLang="zh-CN"/>
+              </a:p>
+            </p:txBody>
+          </p:sp>
+        </mc:Choice>
+        <mc:Fallback>
+          <p:sp>
+            <p:nvSpPr>
+              <p:cNvPr id="21" name="文本框 20"/>
+              <p:cNvSpPr txBox="1">
+                <a:spLocks noRot="1" noChangeAspect="1" noMove="1" noResize="1" noEditPoints="1" noAdjustHandles="1" noChangeArrowheads="1" noChangeShapeType="1" noTextEdit="1"/>
+              </p:cNvSpPr>
+              <p:nvPr/>
+            </p:nvSpPr>
+            <p:spPr>
+              <a:xfrm>
+                <a:off x="4812665" y="3347085"/>
+                <a:ext cx="257175" cy="216535"/>
+              </a:xfrm>
+              <a:prstGeom prst="rect">
+                <a:avLst/>
+              </a:prstGeom>
+              <a:blipFill rotWithShape="1">
+                <a:blip r:embed="rId4"/>
+                <a:stretch>
+                  <a:fillRect r="-10617" b="-118182"/>
+                </a:stretch>
+              </a:blipFill>
+            </p:spPr>
+            <p:txBody>
+              <a:bodyPr/>
+              <a:lstStyle/>
+              <a:p>
+                <a:r>
+                  <a:rPr lang="zh-CN" altLang="en-US">
+                    <a:noFill/>
+                  </a:rPr>
+                  <a:t> </a:t>
+                </a:r>
+              </a:p>
+            </p:txBody>
+          </p:sp>
+        </mc:Fallback>
+      </mc:AlternateContent>
+      <mc:AlternateContent xmlns:mc="http://schemas.openxmlformats.org/markup-compatibility/2006">
+        <mc:Choice xmlns:a14="http://schemas.microsoft.com/office/drawing/2010/main" Requires="a14">
+          <p:sp>
+            <p:nvSpPr>
+              <p:cNvPr id="26" name="文本框 25"/>
+              <p:cNvSpPr txBox="1"/>
+              <p:nvPr/>
+            </p:nvSpPr>
+            <p:spPr>
+              <a:xfrm>
+                <a:off x="6407785" y="3130550"/>
+                <a:ext cx="257175" cy="216535"/>
+              </a:xfrm>
+              <a:prstGeom prst="rect">
+                <a:avLst/>
+              </a:prstGeom>
+              <a:noFill/>
+            </p:spPr>
+            <p:txBody>
+              <a:bodyPr wrap="none" rtlCol="0" anchor="t">
+                <a:noAutofit/>
+              </a:bodyPr>
+              <a:p>
+                <a:pPr algn="l"/>
+                <a14:m>
+                  <m:oMathPara xmlns:m="http://schemas.openxmlformats.org/officeDocument/2006/math">
+                    <m:oMathParaPr>
+                      <m:jc m:val="centerGroup"/>
+                    </m:oMathParaPr>
+                    <m:oMath xmlns:m="http://schemas.openxmlformats.org/officeDocument/2006/math">
+                      <m:sSup>
+                        <m:sSupPr>
+                          <m:ctrlPr>
+                            <a:rPr lang="en-US" altLang="zh-CN" sz="1000" i="1">
+                              <a:latin typeface="Cambria Math" panose="02040503050406030204" charset="0"/>
+                              <a:cs typeface="Cambria Math" panose="02040503050406030204" charset="0"/>
+                            </a:rPr>
+                          </m:ctrlPr>
+                        </m:sSupPr>
+                        <m:e>
+                          <m:r>
+                            <a:rPr lang="en-US" altLang="zh-CN" sz="1000" i="1">
+                              <a:latin typeface="Cambria Math" panose="02040503050406030204" charset="0"/>
+                              <a:cs typeface="Cambria Math" panose="02040503050406030204" charset="0"/>
+                            </a:rPr>
+                            <m:t>𝑦</m:t>
+                          </m:r>
+                        </m:e>
+                        <m:sup>
+                          <m:r>
+                            <a:rPr lang="en-US" altLang="zh-CN" sz="1000" i="1">
+                              <a:latin typeface="Cambria Math" panose="02040503050406030204" charset="0"/>
+                              <a:cs typeface="Cambria Math" panose="02040503050406030204" charset="0"/>
+                            </a:rPr>
+                            <m:t>∗</m:t>
+                          </m:r>
+                        </m:sup>
+                      </m:sSup>
+                    </m:oMath>
+                  </m:oMathPara>
+                </a14:m>
+                <a:endParaRPr lang="en-US" altLang="zh-CN" sz="1000" i="1">
+                  <a:latin typeface="Cambria Math" panose="02040503050406030204" charset="0"/>
+                  <a:cs typeface="Cambria Math" panose="02040503050406030204" charset="0"/>
+                </a:endParaRPr>
+              </a:p>
+              <a:p>
+                <a:pPr algn="l"/>
+                <a:r>
+                  <a:rPr lang="en-US" altLang="zh-CN">
+                    <a:latin typeface="Cambria Math" panose="02040503050406030204" charset="0"/>
+                    <a:cs typeface="Cambria Math" panose="02040503050406030204" charset="0"/>
+                  </a:rPr>
+                  <a:t>-</a:t>
+                </a:r>
+                <a:endParaRPr lang="en-US" altLang="zh-CN">
+                  <a:latin typeface="Cambria Math" panose="02040503050406030204" charset="0"/>
+                  <a:cs typeface="Cambria Math" panose="02040503050406030204" charset="0"/>
+                </a:endParaRPr>
+              </a:p>
+              <a:p>
+                <a:pPr algn="l"/>
+                <a:r>
+                  <a:rPr lang="en-US" altLang="zh-CN"/>
+                  <a:t> </a:t>
+                </a:r>
+                <a:endParaRPr lang="en-US" altLang="zh-CN"/>
+              </a:p>
+            </p:txBody>
+          </p:sp>
+        </mc:Choice>
+        <mc:Fallback>
+          <p:sp>
+            <p:nvSpPr>
+              <p:cNvPr id="26" name="文本框 25"/>
+              <p:cNvSpPr txBox="1">
+                <a:spLocks noRot="1" noChangeAspect="1" noMove="1" noResize="1" noEditPoints="1" noAdjustHandles="1" noChangeArrowheads="1" noChangeShapeType="1" noTextEdit="1"/>
+              </p:cNvSpPr>
+              <p:nvPr/>
+            </p:nvSpPr>
+            <p:spPr>
+              <a:xfrm>
+                <a:off x="6407785" y="3130550"/>
+                <a:ext cx="257175" cy="216535"/>
+              </a:xfrm>
+              <a:prstGeom prst="rect">
+                <a:avLst/>
+              </a:prstGeom>
+              <a:blipFill rotWithShape="1">
+                <a:blip r:embed="rId5"/>
+                <a:stretch>
+                  <a:fillRect b="-244868"/>
+                </a:stretch>
+              </a:blipFill>
+            </p:spPr>
+            <p:txBody>
+              <a:bodyPr/>
+              <a:lstStyle/>
+              <a:p>
+                <a:r>
+                  <a:rPr lang="zh-CN" altLang="en-US">
+                    <a:noFill/>
+                  </a:rPr>
+                  <a:t> </a:t>
+                </a:r>
+              </a:p>
+            </p:txBody>
+          </p:sp>
+        </mc:Fallback>
+      </mc:AlternateContent>
+      <p:cxnSp>
+        <p:nvCxnSpPr>
+          <p:cNvPr id="28" name="直接箭头连接符 27"/>
+          <p:cNvCxnSpPr/>
+          <p:nvPr/>
+        </p:nvCxnSpPr>
+        <p:spPr>
+          <a:xfrm flipH="1">
+            <a:off x="6407785" y="3157855"/>
+            <a:ext cx="6985" cy="360045"/>
+          </a:xfrm>
+          <a:prstGeom prst="straightConnector1">
+            <a:avLst/>
+          </a:prstGeom>
+          <a:ln>
+            <a:solidFill>
+              <a:schemeClr val="tx1"/>
+            </a:solidFill>
+            <a:tailEnd type="arrow"/>
+          </a:ln>
+        </p:spPr>
+        <p:style>
+          <a:lnRef idx="2">
+            <a:schemeClr val="accent1"/>
+          </a:lnRef>
+          <a:fillRef idx="0">
+            <a:srgbClr val="FFFFFF"/>
+          </a:fillRef>
+          <a:effectRef idx="0">
+            <a:srgbClr val="FFFFFF"/>
+          </a:effectRef>
+          <a:fontRef idx="minor">
+            <a:schemeClr val="tx1"/>
+          </a:fontRef>
+        </p:style>
+      </p:cxnSp>
+      <p:sp>
+        <p:nvSpPr>
+          <p:cNvPr id="30" name="椭圆 29"/>
+          <p:cNvSpPr/>
+          <p:nvPr/>
+        </p:nvSpPr>
+        <p:spPr>
+          <a:xfrm>
+            <a:off x="6367145" y="3517900"/>
+            <a:ext cx="75565" cy="75565"/>
+          </a:xfrm>
+          <a:prstGeom prst="ellipse">
+            <a:avLst/>
+          </a:prstGeom>
+          <a:noFill/>
+          <a:ln>
+            <a:solidFill>
+              <a:schemeClr val="tx1"/>
+            </a:solidFill>
+          </a:ln>
+          <a:extLst>
+            <a:ext uri="{909E8E84-426E-40DD-AFC4-6F175D3DCCD1}">
+              <a14:hiddenFill xmlns:a14="http://schemas.microsoft.com/office/drawing/2010/main">
+                <a:solidFill>
+                  <a:schemeClr val="accent1"/>
+                </a:solidFill>
+              </a14:hiddenFill>
+            </a:ext>
+          </a:extLst>
+        </p:spPr>
+        <p:style>
+          <a:lnRef idx="2">
+            <a:schemeClr val="accent1">
+              <a:lumMod val="75000"/>
+            </a:schemeClr>
+          </a:lnRef>
+          <a:fillRef idx="1">
+            <a:schemeClr val="accent1"/>
+          </a:fillRef>
+          <a:effectRef idx="0">
+            <a:srgbClr val="FFFFFF"/>
+          </a:effectRef>
+          <a:fontRef idx="minor">
+            <a:schemeClr val="lt1"/>
+          </a:fontRef>
+        </p:style>
+        <p:txBody>
+          <a:bodyPr rtlCol="0" anchor="ctr"/>
+          <a:p>
+            <a:pPr algn="ctr"/>
+            <a:endParaRPr lang="zh-CN" altLang="en-US"/>
+          </a:p>
+        </p:txBody>
+      </p:sp>
+      <p:sp>
+        <p:nvSpPr>
+          <p:cNvPr id="37" name="下弧形箭头 36"/>
+          <p:cNvSpPr/>
+          <p:nvPr/>
+        </p:nvSpPr>
+        <p:spPr>
+          <a:xfrm flipH="1">
+            <a:off x="4549140" y="3750310"/>
+            <a:ext cx="1893570" cy="515620"/>
+          </a:xfrm>
+          <a:prstGeom prst="curvedUpArrow">
+            <a:avLst/>
+          </a:prstGeom>
+          <a:solidFill>
+            <a:srgbClr val="FF0000"/>
+          </a:solidFill>
+          <a:ln>
+            <a:solidFill>
+              <a:srgbClr val="FF0000"/>
+            </a:solidFill>
+          </a:ln>
+        </p:spPr>
+        <p:style>
+          <a:lnRef idx="2">
+            <a:schemeClr val="accent1">
+              <a:lumMod val="75000"/>
+            </a:schemeClr>
+          </a:lnRef>
+          <a:fillRef idx="1">
+            <a:schemeClr val="accent1"/>
+          </a:fillRef>
+          <a:effectRef idx="0">
+            <a:srgbClr val="FFFFFF"/>
+          </a:effectRef>
+          <a:fontRef idx="minor">
+            <a:schemeClr val="lt1"/>
+          </a:fontRef>
+        </p:style>
+        <p:txBody>
+          <a:bodyPr rtlCol="0" anchor="ctr"/>
+          <a:p>
+            <a:pPr algn="ctr"/>
+            <a:endParaRPr lang="zh-CN" altLang="en-US">
+              <a:solidFill>
+                <a:schemeClr val="tx1"/>
+              </a:solidFill>
+            </a:endParaRPr>
+          </a:p>
+        </p:txBody>
+      </p:sp>
+      <p:sp>
+        <p:nvSpPr>
+          <p:cNvPr id="78" name="下弧形箭头 77"/>
+          <p:cNvSpPr/>
+          <p:nvPr/>
+        </p:nvSpPr>
+        <p:spPr>
+          <a:xfrm flipH="1">
+            <a:off x="3257550" y="3795395"/>
+            <a:ext cx="1291590" cy="515620"/>
+          </a:xfrm>
+          <a:prstGeom prst="curvedUpArrow">
+            <a:avLst/>
+          </a:prstGeom>
+          <a:solidFill>
+            <a:srgbClr val="FF0000"/>
+          </a:solidFill>
+          <a:ln>
+            <a:solidFill>
+              <a:srgbClr val="FF0000"/>
+            </a:solidFill>
+          </a:ln>
+        </p:spPr>
+        <p:style>
+          <a:lnRef idx="2">
+            <a:schemeClr val="accent1">
+              <a:lumMod val="75000"/>
+            </a:schemeClr>
+          </a:lnRef>
+          <a:fillRef idx="1">
+            <a:schemeClr val="accent1"/>
+          </a:fillRef>
+          <a:effectRef idx="0">
+            <a:srgbClr val="FFFFFF"/>
+          </a:effectRef>
+          <a:fontRef idx="minor">
+            <a:schemeClr val="lt1"/>
+          </a:fontRef>
+        </p:style>
+        <p:txBody>
+          <a:bodyPr rtlCol="0" anchor="ctr"/>
+          <a:p>
+            <a:pPr algn="ctr"/>
+            <a:endParaRPr lang="zh-CN" altLang="en-US">
+              <a:solidFill>
+                <a:schemeClr val="tx1"/>
+              </a:solidFill>
+            </a:endParaRPr>
+          </a:p>
+        </p:txBody>
+      </p:sp>
+      <mc:AlternateContent xmlns:mc="http://schemas.openxmlformats.org/markup-compatibility/2006">
+        <mc:Choice xmlns:a14="http://schemas.microsoft.com/office/drawing/2010/main" Requires="a14">
+          <p:sp>
+            <p:nvSpPr>
+              <p:cNvPr id="83" name="文本框 82"/>
+              <p:cNvSpPr txBox="1"/>
+              <p:nvPr/>
+            </p:nvSpPr>
+            <p:spPr>
+              <a:xfrm>
+                <a:off x="5198110" y="3945255"/>
+                <a:ext cx="594995" cy="216535"/>
+              </a:xfrm>
+              <a:prstGeom prst="rect">
+                <a:avLst/>
+              </a:prstGeom>
+              <a:noFill/>
+            </p:spPr>
+            <p:txBody>
+              <a:bodyPr wrap="none" rtlCol="0" anchor="t">
+                <a:noAutofit/>
+              </a:bodyPr>
+              <a:p>
+                <a:pPr algn="l"/>
+                <a14:m>
+                  <m:oMathPara xmlns:m="http://schemas.openxmlformats.org/officeDocument/2006/math">
+                    <m:oMathParaPr>
+                      <m:jc m:val="centerGroup"/>
+                    </m:oMathParaPr>
+                    <m:oMath xmlns:m="http://schemas.openxmlformats.org/officeDocument/2006/math">
+                      <m:sSubSup>
+                        <m:sSubSupPr>
+                          <m:ctrlPr>
+                            <a:rPr lang="en-US" altLang="zh-CN" sz="1000" b="1" i="1">
+                              <a:solidFill>
+                                <a:srgbClr val="FF0000"/>
+                              </a:solidFill>
+                              <a:latin typeface="Cambria Math" panose="02040503050406030204" charset="0"/>
+                              <a:cs typeface="Cambria Math" panose="02040503050406030204" charset="0"/>
+                            </a:rPr>
+                          </m:ctrlPr>
+                        </m:sSubSupPr>
+                        <m:e>
+                          <m:r>
+                            <a:rPr lang="en-US" altLang="zh-CN" sz="1000" b="1" i="1">
+                              <a:solidFill>
+                                <a:srgbClr val="FF0000"/>
+                              </a:solidFill>
+                              <a:latin typeface="Cambria Math" panose="02040503050406030204" charset="0"/>
+                              <a:cs typeface="Cambria Math" panose="02040503050406030204" charset="0"/>
+                            </a:rPr>
+                            <m:t>𝒘</m:t>
+                          </m:r>
+                        </m:e>
+                        <m:sub>
+                          <m:r>
+                            <a:rPr lang="en-US" altLang="zh-CN" sz="1000" b="1" i="1">
+                              <a:solidFill>
+                                <a:srgbClr val="FF0000"/>
+                              </a:solidFill>
+                              <a:latin typeface="Cambria Math" panose="02040503050406030204" charset="0"/>
+                              <a:cs typeface="Cambria Math" panose="02040503050406030204" charset="0"/>
+                            </a:rPr>
+                            <m:t>𝒍−</m:t>
+                          </m:r>
+                          <m:r>
+                            <a:rPr lang="en-US" altLang="zh-CN" sz="1000" b="1" i="1">
+                              <a:solidFill>
+                                <a:srgbClr val="FF0000"/>
+                              </a:solidFill>
+                              <a:latin typeface="Cambria Math" panose="02040503050406030204" charset="0"/>
+                              <a:cs typeface="Cambria Math" panose="02040503050406030204" charset="0"/>
+                            </a:rPr>
+                            <m:t>𝟏</m:t>
+                          </m:r>
+                        </m:sub>
+                        <m:sup>
+                          <m:r>
+                            <a:rPr lang="en-US" altLang="zh-CN" sz="1000" b="1" i="1">
+                              <a:solidFill>
+                                <a:srgbClr val="FF0000"/>
+                              </a:solidFill>
+                              <a:latin typeface="Cambria Math" panose="02040503050406030204" charset="0"/>
+                              <a:cs typeface="Cambria Math" panose="02040503050406030204" charset="0"/>
+                            </a:rPr>
+                            <m:t>∗</m:t>
+                          </m:r>
+                        </m:sup>
+                      </m:sSubSup>
+                      <m:r>
+                        <a:rPr lang="en-US" altLang="zh-CN" sz="1000" b="1" i="1">
+                          <a:solidFill>
+                            <a:srgbClr val="FF0000"/>
+                          </a:solidFill>
+                          <a:latin typeface="Cambria Math" panose="02040503050406030204" charset="0"/>
+                          <a:cs typeface="Cambria Math" panose="02040503050406030204" charset="0"/>
+                        </a:rPr>
+                        <m:t>, </m:t>
+                      </m:r>
+                      <m:sSubSup>
+                        <m:sSubSupPr>
+                          <m:ctrlPr>
+                            <a:rPr lang="en-US" altLang="zh-CN" sz="1000" b="1" i="1">
+                              <a:solidFill>
+                                <a:srgbClr val="FF0000"/>
+                              </a:solidFill>
+                              <a:latin typeface="Cambria Math" panose="02040503050406030204" charset="0"/>
+                              <a:cs typeface="Cambria Math" panose="02040503050406030204" charset="0"/>
+                            </a:rPr>
+                          </m:ctrlPr>
+                        </m:sSubSupPr>
+                        <m:e>
+                          <m:r>
+                            <a:rPr lang="en-US" altLang="zh-CN" sz="1000" b="1" i="1">
+                              <a:solidFill>
+                                <a:srgbClr val="FF0000"/>
+                              </a:solidFill>
+                              <a:latin typeface="Cambria Math" panose="02040503050406030204" charset="0"/>
+                              <a:cs typeface="Cambria Math" panose="02040503050406030204" charset="0"/>
+                            </a:rPr>
+                            <m:t>𝒃</m:t>
+                          </m:r>
+                        </m:e>
+                        <m:sub>
+                          <m:r>
+                            <a:rPr lang="en-US" altLang="zh-CN" sz="1000" b="1" i="1">
+                              <a:solidFill>
+                                <a:srgbClr val="FF0000"/>
+                              </a:solidFill>
+                              <a:latin typeface="Cambria Math" panose="02040503050406030204" charset="0"/>
+                              <a:cs typeface="Cambria Math" panose="02040503050406030204" charset="0"/>
+                            </a:rPr>
+                            <m:t>𝒍</m:t>
+                          </m:r>
+                          <m:r>
+                            <a:rPr lang="en-US" altLang="zh-CN" sz="1000" b="1" i="1">
+                              <a:solidFill>
+                                <a:srgbClr val="FF0000"/>
+                              </a:solidFill>
+                              <a:latin typeface="Cambria Math" panose="02040503050406030204" charset="0"/>
+                              <a:cs typeface="Cambria Math" panose="02040503050406030204" charset="0"/>
+                            </a:rPr>
+                            <m:t>−</m:t>
+                          </m:r>
+                          <m:r>
+                            <a:rPr lang="en-US" altLang="zh-CN" sz="1000" b="1" i="1">
+                              <a:solidFill>
+                                <a:srgbClr val="FF0000"/>
+                              </a:solidFill>
+                              <a:latin typeface="Cambria Math" panose="02040503050406030204" charset="0"/>
+                              <a:cs typeface="Cambria Math" panose="02040503050406030204" charset="0"/>
+                            </a:rPr>
+                            <m:t>𝟏</m:t>
+                          </m:r>
+                        </m:sub>
+                        <m:sup>
+                          <m:r>
+                            <a:rPr lang="en-US" altLang="zh-CN" sz="1000" b="1" i="1">
+                              <a:solidFill>
+                                <a:srgbClr val="FF0000"/>
+                              </a:solidFill>
+                              <a:latin typeface="Cambria Math" panose="02040503050406030204" charset="0"/>
+                              <a:cs typeface="Cambria Math" panose="02040503050406030204" charset="0"/>
+                            </a:rPr>
+                            <m:t>∗</m:t>
+                          </m:r>
+                        </m:sup>
+                      </m:sSubSup>
+                      <m:r>
+                        <a:rPr lang="en-US" altLang="zh-CN" sz="1000" b="1" i="1">
+                          <a:solidFill>
+                            <a:srgbClr val="FF0000"/>
+                          </a:solidFill>
+                          <a:latin typeface="Cambria Math" panose="02040503050406030204" charset="0"/>
+                          <a:cs typeface="Cambria Math" panose="02040503050406030204" charset="0"/>
+                        </a:rPr>
+                        <m:t> </m:t>
+                      </m:r>
+                    </m:oMath>
+                  </m:oMathPara>
+                </a14:m>
+                <a:endParaRPr lang="en-US" altLang="zh-CN" b="1" i="1">
+                  <a:solidFill>
+                    <a:srgbClr val="FF0000"/>
+                  </a:solidFill>
+                  <a:latin typeface="Cambria Math" panose="02040503050406030204" charset="0"/>
+                  <a:cs typeface="Cambria Math" panose="02040503050406030204" charset="0"/>
+                </a:endParaRPr>
+              </a:p>
+              <a:p>
+                <a:pPr algn="l"/>
+                <a:r>
+                  <a:rPr lang="en-US" altLang="zh-CN"/>
+                  <a:t> </a:t>
+                </a:r>
+                <a:endParaRPr lang="en-US" altLang="zh-CN"/>
+              </a:p>
+            </p:txBody>
+          </p:sp>
+        </mc:Choice>
+        <mc:Fallback>
+          <p:sp>
+            <p:nvSpPr>
+              <p:cNvPr id="83" name="文本框 82"/>
+              <p:cNvSpPr txBox="1">
+                <a:spLocks noRot="1" noChangeAspect="1" noMove="1" noResize="1" noEditPoints="1" noAdjustHandles="1" noChangeArrowheads="1" noChangeShapeType="1" noTextEdit="1"/>
+              </p:cNvSpPr>
+              <p:nvPr/>
+            </p:nvSpPr>
+            <p:spPr>
+              <a:xfrm>
+                <a:off x="5198110" y="3945255"/>
+                <a:ext cx="594995" cy="216535"/>
+              </a:xfrm>
+              <a:prstGeom prst="rect">
+                <a:avLst/>
+              </a:prstGeom>
+              <a:blipFill rotWithShape="1">
+                <a:blip r:embed="rId6"/>
+                <a:stretch>
+                  <a:fillRect r="-21878" b="-119355"/>
+                </a:stretch>
+              </a:blipFill>
+            </p:spPr>
+            <p:txBody>
+              <a:bodyPr/>
+              <a:lstStyle/>
+              <a:p>
+                <a:r>
+                  <a:rPr lang="zh-CN" altLang="en-US">
+                    <a:noFill/>
+                  </a:rPr>
+                  <a:t> </a:t>
+                </a:r>
+              </a:p>
+            </p:txBody>
+          </p:sp>
+        </mc:Fallback>
+      </mc:AlternateContent>
+      <mc:AlternateContent xmlns:mc="http://schemas.openxmlformats.org/markup-compatibility/2006">
+        <mc:Choice xmlns:a14="http://schemas.microsoft.com/office/drawing/2010/main" Requires="a14">
+          <p:sp>
+            <p:nvSpPr>
+              <p:cNvPr id="84" name="文本框 83"/>
+              <p:cNvSpPr txBox="1"/>
+              <p:nvPr/>
+            </p:nvSpPr>
+            <p:spPr>
+              <a:xfrm>
+                <a:off x="3576320" y="3945255"/>
+                <a:ext cx="594995" cy="216535"/>
+              </a:xfrm>
+              <a:prstGeom prst="rect">
+                <a:avLst/>
+              </a:prstGeom>
+              <a:noFill/>
+            </p:spPr>
+            <p:txBody>
+              <a:bodyPr wrap="none" rtlCol="0" anchor="t">
+                <a:noAutofit/>
+              </a:bodyPr>
+              <a:p>
+                <a:pPr algn="l"/>
+                <a14:m>
+                  <m:oMathPara xmlns:m="http://schemas.openxmlformats.org/officeDocument/2006/math">
+                    <m:oMathParaPr>
+                      <m:jc m:val="centerGroup"/>
+                    </m:oMathParaPr>
+                    <m:oMath xmlns:m="http://schemas.openxmlformats.org/officeDocument/2006/math">
+                      <m:sSubSup>
+                        <m:sSubSupPr>
+                          <m:ctrlPr>
+                            <a:rPr lang="en-US" altLang="zh-CN" sz="1000" b="1" i="1">
+                              <a:solidFill>
+                                <a:srgbClr val="FF0000"/>
+                              </a:solidFill>
+                              <a:latin typeface="Cambria Math" panose="02040503050406030204" charset="0"/>
+                              <a:cs typeface="Cambria Math" panose="02040503050406030204" charset="0"/>
+                            </a:rPr>
+                          </m:ctrlPr>
+                        </m:sSubSupPr>
+                        <m:e>
+                          <m:r>
+                            <a:rPr lang="en-US" altLang="zh-CN" sz="1000" b="1" i="1">
+                              <a:solidFill>
+                                <a:srgbClr val="FF0000"/>
+                              </a:solidFill>
+                              <a:latin typeface="Cambria Math" panose="02040503050406030204" charset="0"/>
+                              <a:cs typeface="Cambria Math" panose="02040503050406030204" charset="0"/>
+                            </a:rPr>
+                            <m:t>𝒘</m:t>
+                          </m:r>
+                        </m:e>
+                        <m:sub>
+                          <m:r>
+                            <a:rPr lang="en-US" altLang="zh-CN" sz="1000" b="1" i="1">
+                              <a:solidFill>
+                                <a:srgbClr val="FF0000"/>
+                              </a:solidFill>
+                              <a:latin typeface="Cambria Math" panose="02040503050406030204" charset="0"/>
+                              <a:cs typeface="Cambria Math" panose="02040503050406030204" charset="0"/>
+                            </a:rPr>
+                            <m:t>𝒍</m:t>
+                          </m:r>
+                          <m:r>
+                            <a:rPr lang="en-US" altLang="zh-CN" sz="1000" b="1" i="1">
+                              <a:solidFill>
+                                <a:srgbClr val="FF0000"/>
+                              </a:solidFill>
+                              <a:latin typeface="Cambria Math" panose="02040503050406030204" charset="0"/>
+                              <a:cs typeface="Cambria Math" panose="02040503050406030204" charset="0"/>
+                            </a:rPr>
+                            <m:t>−</m:t>
+                          </m:r>
+                          <m:r>
+                            <a:rPr lang="en-US" altLang="zh-CN" sz="1000" b="1" i="1">
+                              <a:solidFill>
+                                <a:srgbClr val="FF0000"/>
+                              </a:solidFill>
+                              <a:latin typeface="Cambria Math" panose="02040503050406030204" charset="0"/>
+                              <a:cs typeface="Cambria Math" panose="02040503050406030204" charset="0"/>
+                            </a:rPr>
+                            <m:t>𝟐</m:t>
+                          </m:r>
+                        </m:sub>
+                        <m:sup>
+                          <m:r>
+                            <a:rPr lang="en-US" altLang="zh-CN" sz="1000" b="1" i="1">
+                              <a:solidFill>
+                                <a:srgbClr val="FF0000"/>
+                              </a:solidFill>
+                              <a:latin typeface="Cambria Math" panose="02040503050406030204" charset="0"/>
+                              <a:cs typeface="Cambria Math" panose="02040503050406030204" charset="0"/>
+                            </a:rPr>
+                            <m:t>∗</m:t>
+                          </m:r>
+                        </m:sup>
+                      </m:sSubSup>
+                      <m:r>
+                        <a:rPr lang="en-US" altLang="zh-CN" sz="1000" b="1" i="1">
+                          <a:solidFill>
+                            <a:srgbClr val="FF0000"/>
+                          </a:solidFill>
+                          <a:latin typeface="Cambria Math" panose="02040503050406030204" charset="0"/>
+                          <a:cs typeface="Cambria Math" panose="02040503050406030204" charset="0"/>
+                        </a:rPr>
+                        <m:t>, </m:t>
+                      </m:r>
+                      <m:sSubSup>
+                        <m:sSubSupPr>
+                          <m:ctrlPr>
+                            <a:rPr lang="en-US" altLang="zh-CN" sz="1000" b="1" i="1">
+                              <a:solidFill>
+                                <a:srgbClr val="FF0000"/>
+                              </a:solidFill>
+                              <a:latin typeface="Cambria Math" panose="02040503050406030204" charset="0"/>
+                              <a:cs typeface="Cambria Math" panose="02040503050406030204" charset="0"/>
+                            </a:rPr>
+                          </m:ctrlPr>
+                        </m:sSubSupPr>
+                        <m:e>
+                          <m:r>
+                            <a:rPr lang="en-US" altLang="zh-CN" sz="1000" b="1" i="1">
+                              <a:solidFill>
+                                <a:srgbClr val="FF0000"/>
+                              </a:solidFill>
+                              <a:latin typeface="Cambria Math" panose="02040503050406030204" charset="0"/>
+                              <a:cs typeface="Cambria Math" panose="02040503050406030204" charset="0"/>
+                            </a:rPr>
+                            <m:t>𝒃</m:t>
+                          </m:r>
+                        </m:e>
+                        <m:sub>
+                          <m:r>
+                            <a:rPr lang="en-US" altLang="zh-CN" sz="1000" b="1" i="1">
+                              <a:solidFill>
+                                <a:srgbClr val="FF0000"/>
+                              </a:solidFill>
+                              <a:latin typeface="Cambria Math" panose="02040503050406030204" charset="0"/>
+                              <a:cs typeface="Cambria Math" panose="02040503050406030204" charset="0"/>
+                            </a:rPr>
+                            <m:t>𝒍</m:t>
+                          </m:r>
+                          <m:r>
+                            <a:rPr lang="en-US" altLang="zh-CN" sz="1000" b="1" i="1">
+                              <a:solidFill>
+                                <a:srgbClr val="FF0000"/>
+                              </a:solidFill>
+                              <a:latin typeface="Cambria Math" panose="02040503050406030204" charset="0"/>
+                              <a:cs typeface="Cambria Math" panose="02040503050406030204" charset="0"/>
+                            </a:rPr>
+                            <m:t>−</m:t>
+                          </m:r>
+                          <m:r>
+                            <a:rPr lang="en-US" altLang="zh-CN" sz="1000" b="1" i="1">
+                              <a:solidFill>
+                                <a:srgbClr val="FF0000"/>
+                              </a:solidFill>
+                              <a:latin typeface="Cambria Math" panose="02040503050406030204" charset="0"/>
+                              <a:cs typeface="Cambria Math" panose="02040503050406030204" charset="0"/>
+                            </a:rPr>
+                            <m:t>𝟐</m:t>
+                          </m:r>
+                        </m:sub>
+                        <m:sup>
+                          <m:r>
+                            <a:rPr lang="en-US" altLang="zh-CN" sz="1000" b="1" i="1">
+                              <a:solidFill>
+                                <a:srgbClr val="FF0000"/>
+                              </a:solidFill>
+                              <a:latin typeface="Cambria Math" panose="02040503050406030204" charset="0"/>
+                              <a:cs typeface="Cambria Math" panose="02040503050406030204" charset="0"/>
+                            </a:rPr>
+                            <m:t>∗</m:t>
+                          </m:r>
+                        </m:sup>
+                      </m:sSubSup>
+                      <m:r>
+                        <a:rPr lang="en-US" altLang="zh-CN" sz="1000" b="1" i="1">
+                          <a:solidFill>
+                            <a:srgbClr val="FF0000"/>
+                          </a:solidFill>
+                          <a:latin typeface="Cambria Math" panose="02040503050406030204" charset="0"/>
+                          <a:cs typeface="Cambria Math" panose="02040503050406030204" charset="0"/>
+                        </a:rPr>
+                        <m:t> </m:t>
+                      </m:r>
+                    </m:oMath>
+                  </m:oMathPara>
+                </a14:m>
+                <a:endParaRPr lang="en-US" altLang="zh-CN" b="1" i="1">
+                  <a:solidFill>
+                    <a:srgbClr val="FF0000"/>
+                  </a:solidFill>
+                  <a:latin typeface="Cambria Math" panose="02040503050406030204" charset="0"/>
+                  <a:cs typeface="Cambria Math" panose="02040503050406030204" charset="0"/>
+                </a:endParaRPr>
+              </a:p>
+              <a:p>
+                <a:pPr algn="l"/>
+                <a:r>
+                  <a:rPr lang="en-US" altLang="zh-CN"/>
+                  <a:t> </a:t>
+                </a:r>
+                <a:endParaRPr lang="en-US" altLang="zh-CN"/>
+              </a:p>
+            </p:txBody>
+          </p:sp>
+        </mc:Choice>
+        <mc:Fallback>
+          <p:sp>
+            <p:nvSpPr>
+              <p:cNvPr id="84" name="文本框 83"/>
+              <p:cNvSpPr txBox="1">
+                <a:spLocks noRot="1" noChangeAspect="1" noMove="1" noResize="1" noEditPoints="1" noAdjustHandles="1" noChangeArrowheads="1" noChangeShapeType="1" noTextEdit="1"/>
+              </p:cNvSpPr>
+              <p:nvPr/>
+            </p:nvSpPr>
+            <p:spPr>
+              <a:xfrm>
+                <a:off x="3576320" y="3945255"/>
+                <a:ext cx="594995" cy="216535"/>
+              </a:xfrm>
+              <a:prstGeom prst="rect">
+                <a:avLst/>
+              </a:prstGeom>
+              <a:blipFill rotWithShape="1">
+                <a:blip r:embed="rId7"/>
+                <a:stretch>
+                  <a:fillRect r="-21878" b="-119355"/>
                 </a:stretch>
               </a:blipFill>
             </p:spPr>

--- a/插图制作.pptx
+++ b/插图制作.pptx
@@ -10,11 +10,12 @@
     <p:sldId id="258" r:id="rId5"/>
     <p:sldId id="259" r:id="rId6"/>
     <p:sldId id="260" r:id="rId7"/>
+    <p:sldId id="261" r:id="rId8"/>
   </p:sldIdLst>
   <p:sldSz cx="12192000" cy="6858000"/>
   <p:notesSz cx="6858000" cy="9144000"/>
   <p:custDataLst>
-    <p:tags r:id="rId11"/>
+    <p:tags r:id="rId12"/>
   </p:custDataLst>
   <p:defaultTextStyle>
     <a:defPPr>
@@ -5703,7 +5704,6 @@
           <a:p>
             <a:r>
               <a:rPr lang="en-US" altLang="zh-CN">
-                <a:ln/>
                 <a:solidFill>
                   <a:schemeClr val="accent1"/>
                 </a:solidFill>
@@ -5718,7 +5718,6 @@
               <a:t>Learning</a:t>
             </a:r>
             <a:endParaRPr lang="en-US" altLang="zh-CN">
-              <a:ln/>
               <a:solidFill>
                 <a:schemeClr val="accent1"/>
               </a:solidFill>
@@ -12380,7 +12379,7 @@
                   <a:schemeClr val="tx1"/>
                 </a:solidFill>
               </a:rPr>
-              <a:t>layer 2</a:t>
+              <a:t>layer n-2</a:t>
             </a:r>
             <a:endParaRPr lang="en-US" altLang="zh-CN" sz="1000">
               <a:solidFill>
@@ -12480,7 +12479,14 @@
                               <a:latin typeface="Cambria Math" panose="02040503050406030204" charset="0"/>
                               <a:cs typeface="Cambria Math" panose="02040503050406030204" charset="0"/>
                             </a:rPr>
-                            <m:t>𝑛−</m:t>
+                            <m:t>𝑛</m:t>
+                          </m:r>
+                          <m:r>
+                            <a:rPr lang="en-US" altLang="zh-CN" sz="1000" i="1">
+                              <a:latin typeface="Cambria Math" panose="02040503050406030204" charset="0"/>
+                              <a:cs typeface="Cambria Math" panose="02040503050406030204" charset="0"/>
+                            </a:rPr>
+                            <m:t>−</m:t>
                           </m:r>
                           <m:r>
                             <a:rPr lang="en-US" altLang="zh-CN" sz="1000" i="1">
@@ -13050,7 +13056,17 @@
                               <a:latin typeface="Cambria Math" panose="02040503050406030204" charset="0"/>
                               <a:cs typeface="Cambria Math" panose="02040503050406030204" charset="0"/>
                             </a:rPr>
-                            <m:t>𝒍−</m:t>
+                            <m:t>𝒍</m:t>
+                          </m:r>
+                          <m:r>
+                            <a:rPr lang="en-US" altLang="zh-CN" sz="1000" b="1" i="1">
+                              <a:solidFill>
+                                <a:srgbClr val="FF0000"/>
+                              </a:solidFill>
+                              <a:latin typeface="Cambria Math" panose="02040503050406030204" charset="0"/>
+                              <a:cs typeface="Cambria Math" panose="02040503050406030204" charset="0"/>
+                            </a:rPr>
+                            <m:t>−</m:t>
                           </m:r>
                           <m:r>
                             <a:rPr lang="en-US" altLang="zh-CN" sz="1000" b="1" i="1">
@@ -13483,6 +13499,1053 @@
 </p:sld>
 </file>
 
+<file path=ppt/slides/slide6.xml><?xml version="1.0" encoding="utf-8"?>
+<p:sld xmlns:a="http://schemas.openxmlformats.org/drawingml/2006/main" xmlns:r="http://schemas.openxmlformats.org/officeDocument/2006/relationships" xmlns:p="http://schemas.openxmlformats.org/presentationml/2006/main">
+  <p:cSld>
+    <p:spTree>
+      <p:nvGrpSpPr>
+        <p:cNvPr id="1" name=""/>
+        <p:cNvGrpSpPr/>
+        <p:nvPr/>
+      </p:nvGrpSpPr>
+      <p:grpSpPr/>
+      <p:cxnSp>
+        <p:nvCxnSpPr>
+          <p:cNvPr id="2" name="直接箭头连接符 1"/>
+          <p:cNvCxnSpPr/>
+          <p:nvPr/>
+        </p:nvCxnSpPr>
+        <p:spPr>
+          <a:xfrm flipH="1" flipV="1">
+            <a:off x="2903855" y="2100580"/>
+            <a:ext cx="5080" cy="1049655"/>
+          </a:xfrm>
+          <a:prstGeom prst="straightConnector1">
+            <a:avLst/>
+          </a:prstGeom>
+          <a:ln>
+            <a:solidFill>
+              <a:schemeClr val="tx1"/>
+            </a:solidFill>
+            <a:tailEnd type="arrow"/>
+          </a:ln>
+        </p:spPr>
+        <p:style>
+          <a:lnRef idx="2">
+            <a:schemeClr val="accent1"/>
+          </a:lnRef>
+          <a:fillRef idx="0">
+            <a:srgbClr val="FFFFFF"/>
+          </a:fillRef>
+          <a:effectRef idx="0">
+            <a:srgbClr val="FFFFFF"/>
+          </a:effectRef>
+          <a:fontRef idx="minor">
+            <a:schemeClr val="tx1"/>
+          </a:fontRef>
+        </p:style>
+      </p:cxnSp>
+      <p:cxnSp>
+        <p:nvCxnSpPr>
+          <p:cNvPr id="4" name="直接箭头连接符 3"/>
+          <p:cNvCxnSpPr/>
+          <p:nvPr/>
+        </p:nvCxnSpPr>
+        <p:spPr>
+          <a:xfrm>
+            <a:off x="2903855" y="3148330"/>
+            <a:ext cx="1432560" cy="0"/>
+          </a:xfrm>
+          <a:prstGeom prst="straightConnector1">
+            <a:avLst/>
+          </a:prstGeom>
+          <a:ln>
+            <a:solidFill>
+              <a:schemeClr val="tx1"/>
+            </a:solidFill>
+            <a:tailEnd type="arrow"/>
+          </a:ln>
+        </p:spPr>
+        <p:style>
+          <a:lnRef idx="2">
+            <a:schemeClr val="accent1"/>
+          </a:lnRef>
+          <a:fillRef idx="0">
+            <a:srgbClr val="FFFFFF"/>
+          </a:fillRef>
+          <a:effectRef idx="0">
+            <a:srgbClr val="FFFFFF"/>
+          </a:effectRef>
+          <a:fontRef idx="minor">
+            <a:schemeClr val="tx1"/>
+          </a:fontRef>
+        </p:style>
+      </p:cxnSp>
+      <p:sp>
+        <p:nvSpPr>
+          <p:cNvPr id="5" name="任意多边形 4"/>
+          <p:cNvSpPr/>
+          <p:nvPr/>
+        </p:nvSpPr>
+        <p:spPr>
+          <a:xfrm>
+            <a:off x="3098800" y="2302510"/>
+            <a:ext cx="983615" cy="616585"/>
+          </a:xfrm>
+          <a:custGeom>
+            <a:avLst/>
+            <a:gdLst>
+              <a:gd name="connisteX0" fmla="*/ 0 w 1127760"/>
+              <a:gd name="connsiteY0" fmla="*/ 304800 h 684320"/>
+              <a:gd name="connisteX1" fmla="*/ 103505 w 1127760"/>
+              <a:gd name="connsiteY1" fmla="*/ 683260 h 684320"/>
+              <a:gd name="connisteX2" fmla="*/ 499745 w 1127760"/>
+              <a:gd name="connsiteY2" fmla="*/ 195580 h 684320"/>
+              <a:gd name="connisteX3" fmla="*/ 786130 w 1127760"/>
+              <a:gd name="connsiteY3" fmla="*/ 414655 h 684320"/>
+              <a:gd name="connisteX4" fmla="*/ 1127760 w 1127760"/>
+              <a:gd name="connsiteY4" fmla="*/ 0 h 684320"/>
+              <a:gd name="connisteX5" fmla="*/ 1237615 w 1127760"/>
+              <a:gd name="connsiteY5" fmla="*/ 55245 h 684320"/>
+            </a:gdLst>
+            <a:ahLst/>
+            <a:cxnLst>
+              <a:cxn ang="0">
+                <a:pos x="connisteX0" y="connsiteY0"/>
+              </a:cxn>
+              <a:cxn ang="0">
+                <a:pos x="connisteX1" y="connsiteY1"/>
+              </a:cxn>
+              <a:cxn ang="0">
+                <a:pos x="connisteX2" y="connsiteY2"/>
+              </a:cxn>
+              <a:cxn ang="0">
+                <a:pos x="connisteX3" y="connsiteY3"/>
+              </a:cxn>
+              <a:cxn ang="0">
+                <a:pos x="connisteX4" y="connsiteY4"/>
+              </a:cxn>
+              <a:cxn ang="0">
+                <a:pos x="connisteX5" y="connsiteY5"/>
+              </a:cxn>
+            </a:cxnLst>
+            <a:rect l="l" t="t" r="r" b="b"/>
+            <a:pathLst>
+              <a:path w="1127760" h="684320">
+                <a:moveTo>
+                  <a:pt x="0" y="304800"/>
+                </a:moveTo>
+                <a:cubicBezTo>
+                  <a:pt x="12700" y="390525"/>
+                  <a:pt x="3810" y="704850"/>
+                  <a:pt x="103505" y="683260"/>
+                </a:cubicBezTo>
+                <a:cubicBezTo>
+                  <a:pt x="203200" y="661670"/>
+                  <a:pt x="363220" y="249555"/>
+                  <a:pt x="499745" y="195580"/>
+                </a:cubicBezTo>
+                <a:cubicBezTo>
+                  <a:pt x="636270" y="141605"/>
+                  <a:pt x="660400" y="454025"/>
+                  <a:pt x="786130" y="414655"/>
+                </a:cubicBezTo>
+                <a:cubicBezTo>
+                  <a:pt x="911860" y="375285"/>
+                  <a:pt x="1037590" y="71755"/>
+                  <a:pt x="1127760" y="0"/>
+                </a:cubicBezTo>
+              </a:path>
+            </a:pathLst>
+          </a:custGeom>
+          <a:noFill/>
+          <a:ln>
+            <a:solidFill>
+              <a:schemeClr val="tx1"/>
+            </a:solidFill>
+          </a:ln>
+        </p:spPr>
+        <p:style>
+          <a:lnRef idx="2">
+            <a:schemeClr val="accent1">
+              <a:lumMod val="75000"/>
+            </a:schemeClr>
+          </a:lnRef>
+          <a:fillRef idx="1">
+            <a:schemeClr val="accent1"/>
+          </a:fillRef>
+          <a:effectRef idx="0">
+            <a:srgbClr val="FFFFFF"/>
+          </a:effectRef>
+          <a:fontRef idx="minor">
+            <a:schemeClr val="lt1"/>
+          </a:fontRef>
+        </p:style>
+        <p:txBody>
+          <a:bodyPr rtlCol="0" anchor="ctr"/>
+          <a:p>
+            <a:pPr algn="ctr"/>
+            <a:endParaRPr lang="zh-CN" altLang="en-US"/>
+          </a:p>
+        </p:txBody>
+      </p:sp>
+      <mc:AlternateContent xmlns:mc="http://schemas.openxmlformats.org/markup-compatibility/2006">
+        <mc:Choice xmlns:a14="http://schemas.microsoft.com/office/drawing/2010/main" Requires="a14">
+          <p:sp>
+            <p:nvSpPr>
+              <p:cNvPr id="8" name="文本框 7"/>
+              <p:cNvSpPr txBox="1"/>
+              <p:nvPr/>
+            </p:nvSpPr>
+            <p:spPr>
+              <a:xfrm>
+                <a:off x="3713480" y="2143760"/>
+                <a:ext cx="542290" cy="201930"/>
+              </a:xfrm>
+              <a:prstGeom prst="rect">
+                <a:avLst/>
+              </a:prstGeom>
+              <a:noFill/>
+            </p:spPr>
+            <p:txBody>
+              <a:bodyPr wrap="square" rtlCol="0">
+                <a:noAutofit/>
+              </a:bodyPr>
+              <a:p>
+                <a14:m>
+                  <m:oMathPara xmlns:m="http://schemas.openxmlformats.org/officeDocument/2006/math">
+                    <m:oMathParaPr>
+                      <m:jc m:val="centerGroup"/>
+                    </m:oMathParaPr>
+                    <m:oMath xmlns:m="http://schemas.openxmlformats.org/officeDocument/2006/math">
+                      <m:r>
+                        <a:rPr lang="en-US" altLang="zh-CN" sz="700" i="1">
+                          <a:latin typeface="Cambria Math" panose="02040503050406030204" charset="0"/>
+                          <a:cs typeface="Cambria Math" panose="02040503050406030204" charset="0"/>
+                        </a:rPr>
+                        <m:t>𝐿</m:t>
+                      </m:r>
+                      <m:r>
+                        <a:rPr lang="en-US" altLang="zh-CN" sz="700" i="1">
+                          <a:latin typeface="Cambria Math" panose="02040503050406030204" charset="0"/>
+                          <a:cs typeface="Cambria Math" panose="02040503050406030204" charset="0"/>
+                        </a:rPr>
+                        <m:t>(</m:t>
+                      </m:r>
+                      <m:r>
+                        <a:rPr lang="en-US" altLang="zh-CN" sz="700" i="1">
+                          <a:latin typeface="Cambria Math" panose="02040503050406030204" charset="0"/>
+                          <a:cs typeface="Cambria Math" panose="02040503050406030204" charset="0"/>
+                        </a:rPr>
+                        <m:t>𝑥</m:t>
+                      </m:r>
+                      <m:r>
+                        <a:rPr lang="en-US" altLang="zh-CN" sz="700" i="1">
+                          <a:latin typeface="Cambria Math" panose="02040503050406030204" charset="0"/>
+                          <a:cs typeface="Cambria Math" panose="02040503050406030204" charset="0"/>
+                        </a:rPr>
+                        <m:t>−</m:t>
+                      </m:r>
+                      <m:sSup>
+                        <m:sSupPr>
+                          <m:ctrlPr>
+                            <a:rPr lang="en-US" altLang="zh-CN" sz="700" i="1">
+                              <a:latin typeface="Cambria Math" panose="02040503050406030204" charset="0"/>
+                              <a:cs typeface="Cambria Math" panose="02040503050406030204" charset="0"/>
+                            </a:rPr>
+                          </m:ctrlPr>
+                        </m:sSupPr>
+                        <m:e>
+                          <m:r>
+                            <a:rPr lang="en-US" altLang="zh-CN" sz="700" i="1">
+                              <a:latin typeface="Cambria Math" panose="02040503050406030204" charset="0"/>
+                              <a:cs typeface="Cambria Math" panose="02040503050406030204" charset="0"/>
+                            </a:rPr>
+                            <m:t>𝑥</m:t>
+                          </m:r>
+                        </m:e>
+                        <m:sup>
+                          <m:r>
+                            <a:rPr lang="en-US" altLang="zh-CN" sz="700" i="1">
+                              <a:latin typeface="Cambria Math" panose="02040503050406030204" charset="0"/>
+                              <a:cs typeface="Cambria Math" panose="02040503050406030204" charset="0"/>
+                            </a:rPr>
+                            <m:t>∗</m:t>
+                          </m:r>
+                        </m:sup>
+                      </m:sSup>
+                      <m:r>
+                        <a:rPr lang="en-US" altLang="zh-CN" sz="700" i="1">
+                          <a:latin typeface="Cambria Math" panose="02040503050406030204" charset="0"/>
+                          <a:ea typeface="MS Mincho" charset="0"/>
+                          <a:cs typeface="Cambria Math" panose="02040503050406030204" charset="0"/>
+                        </a:rPr>
+                        <m:t>)</m:t>
+                      </m:r>
+                    </m:oMath>
+                  </m:oMathPara>
+                </a14:m>
+                <a:endParaRPr lang="en-US" altLang="zh-CN" sz="700" i="1">
+                  <a:latin typeface="Cambria Math" panose="02040503050406030204" charset="0"/>
+                  <a:ea typeface="MS Mincho" charset="0"/>
+                  <a:cs typeface="Cambria Math" panose="02040503050406030204" charset="0"/>
+                </a:endParaRPr>
+              </a:p>
+            </p:txBody>
+          </p:sp>
+        </mc:Choice>
+        <mc:Fallback>
+          <p:sp>
+            <p:nvSpPr>
+              <p:cNvPr id="8" name="文本框 7"/>
+              <p:cNvSpPr txBox="1">
+                <a:spLocks noRot="1" noChangeAspect="1" noMove="1" noResize="1" noEditPoints="1" noAdjustHandles="1" noChangeArrowheads="1" noChangeShapeType="1" noTextEdit="1"/>
+              </p:cNvSpPr>
+              <p:nvPr/>
+            </p:nvSpPr>
+            <p:spPr>
+              <a:xfrm>
+                <a:off x="3713480" y="2143760"/>
+                <a:ext cx="542290" cy="201930"/>
+              </a:xfrm>
+              <a:prstGeom prst="rect">
+                <a:avLst/>
+              </a:prstGeom>
+              <a:blipFill rotWithShape="1">
+                <a:blip r:embed="rId1"/>
+                <a:stretch>
+                  <a:fillRect/>
+                </a:stretch>
+              </a:blipFill>
+            </p:spPr>
+            <p:txBody>
+              <a:bodyPr/>
+              <a:lstStyle/>
+              <a:p>
+                <a:r>
+                  <a:rPr lang="zh-CN" altLang="en-US">
+                    <a:noFill/>
+                  </a:rPr>
+                  <a:t> </a:t>
+                </a:r>
+              </a:p>
+            </p:txBody>
+          </p:sp>
+        </mc:Fallback>
+      </mc:AlternateContent>
+      <mc:AlternateContent xmlns:mc="http://schemas.openxmlformats.org/markup-compatibility/2006">
+        <mc:Choice xmlns:a14="http://schemas.microsoft.com/office/drawing/2010/main" Requires="a14">
+          <p:sp>
+            <p:nvSpPr>
+              <p:cNvPr id="9" name="文本框 8"/>
+              <p:cNvSpPr txBox="1"/>
+              <p:nvPr/>
+            </p:nvSpPr>
+            <p:spPr>
+              <a:xfrm>
+                <a:off x="2386330" y="1927860"/>
+                <a:ext cx="694690" cy="254635"/>
+              </a:xfrm>
+              <a:prstGeom prst="rect">
+                <a:avLst/>
+              </a:prstGeom>
+              <a:noFill/>
+            </p:spPr>
+            <p:txBody>
+              <a:bodyPr wrap="square" rtlCol="0">
+                <a:noAutofit/>
+              </a:bodyPr>
+              <a:p>
+                <a14:m>
+                  <m:oMathPara xmlns:m="http://schemas.openxmlformats.org/officeDocument/2006/math">
+                    <m:oMathParaPr>
+                      <m:jc m:val="centerGroup"/>
+                    </m:oMathParaPr>
+                    <m:oMath xmlns:m="http://schemas.openxmlformats.org/officeDocument/2006/math">
+                      <m:r>
+                        <a:rPr lang="en-US" altLang="zh-CN" sz="1000" i="1">
+                          <a:latin typeface="Cambria Math" panose="02040503050406030204" charset="0"/>
+                          <a:cs typeface="Cambria Math" panose="02040503050406030204" charset="0"/>
+                        </a:rPr>
+                        <m:t>𝐿𝑜𝑠𝑠</m:t>
+                      </m:r>
+                    </m:oMath>
+                  </m:oMathPara>
+                </a14:m>
+                <a:endParaRPr lang="en-US" altLang="zh-CN" sz="1000" i="1">
+                  <a:latin typeface="Cambria Math" panose="02040503050406030204" charset="0"/>
+                  <a:ea typeface="MS Mincho" charset="0"/>
+                  <a:cs typeface="Cambria Math" panose="02040503050406030204" charset="0"/>
+                </a:endParaRPr>
+              </a:p>
+            </p:txBody>
+          </p:sp>
+        </mc:Choice>
+        <mc:Fallback>
+          <p:sp>
+            <p:nvSpPr>
+              <p:cNvPr id="9" name="文本框 8"/>
+              <p:cNvSpPr txBox="1">
+                <a:spLocks noRot="1" noChangeAspect="1" noMove="1" noResize="1" noEditPoints="1" noAdjustHandles="1" noChangeArrowheads="1" noChangeShapeType="1" noTextEdit="1"/>
+              </p:cNvSpPr>
+              <p:nvPr/>
+            </p:nvSpPr>
+            <p:spPr>
+              <a:xfrm>
+                <a:off x="2386330" y="1927860"/>
+                <a:ext cx="694690" cy="254635"/>
+              </a:xfrm>
+              <a:prstGeom prst="rect">
+                <a:avLst/>
+              </a:prstGeom>
+              <a:blipFill rotWithShape="1">
+                <a:blip r:embed="rId2"/>
+                <a:stretch>
+                  <a:fillRect/>
+                </a:stretch>
+              </a:blipFill>
+            </p:spPr>
+            <p:txBody>
+              <a:bodyPr/>
+              <a:lstStyle/>
+              <a:p>
+                <a:r>
+                  <a:rPr lang="zh-CN" altLang="en-US">
+                    <a:noFill/>
+                  </a:rPr>
+                  <a:t> </a:t>
+                </a:r>
+              </a:p>
+            </p:txBody>
+          </p:sp>
+        </mc:Fallback>
+      </mc:AlternateContent>
+      <p:cxnSp>
+        <p:nvCxnSpPr>
+          <p:cNvPr id="10" name="直接箭头连接符 9"/>
+          <p:cNvCxnSpPr/>
+          <p:nvPr/>
+        </p:nvCxnSpPr>
+        <p:spPr>
+          <a:xfrm flipH="1">
+            <a:off x="3235325" y="2638425"/>
+            <a:ext cx="165735" cy="280035"/>
+          </a:xfrm>
+          <a:prstGeom prst="straightConnector1">
+            <a:avLst/>
+          </a:prstGeom>
+          <a:ln w="9525" cap="rnd" cmpd="sng">
+            <a:solidFill>
+              <a:srgbClr val="FF0000"/>
+            </a:solidFill>
+            <a:prstDash val="solid"/>
+            <a:round/>
+            <a:tailEnd type="stealth" w="sm" len="sm"/>
+          </a:ln>
+        </p:spPr>
+        <p:style>
+          <a:lnRef idx="2">
+            <a:schemeClr val="accent1"/>
+          </a:lnRef>
+          <a:fillRef idx="0">
+            <a:srgbClr val="FFFFFF"/>
+          </a:fillRef>
+          <a:effectRef idx="0">
+            <a:srgbClr val="FFFFFF"/>
+          </a:effectRef>
+          <a:fontRef idx="minor">
+            <a:schemeClr val="tx1"/>
+          </a:fontRef>
+        </p:style>
+      </p:cxnSp>
+      <mc:AlternateContent xmlns:mc="http://schemas.openxmlformats.org/markup-compatibility/2006">
+        <mc:Choice xmlns:a14="http://schemas.microsoft.com/office/drawing/2010/main" Requires="a14">
+          <p:sp>
+            <p:nvSpPr>
+              <p:cNvPr id="12" name="文本框 11"/>
+              <p:cNvSpPr txBox="1"/>
+              <p:nvPr/>
+            </p:nvSpPr>
+            <p:spPr>
+              <a:xfrm>
+                <a:off x="4149725" y="3148330"/>
+                <a:ext cx="405765" cy="235585"/>
+              </a:xfrm>
+              <a:prstGeom prst="rect">
+                <a:avLst/>
+              </a:prstGeom>
+              <a:noFill/>
+            </p:spPr>
+            <p:txBody>
+              <a:bodyPr wrap="square" rtlCol="0">
+                <a:noAutofit/>
+              </a:bodyPr>
+              <a:p>
+                <a14:m>
+                  <m:oMathPara xmlns:m="http://schemas.openxmlformats.org/officeDocument/2006/math">
+                    <m:oMathParaPr>
+                      <m:jc m:val="centerGroup"/>
+                    </m:oMathParaPr>
+                    <m:oMath xmlns:m="http://schemas.openxmlformats.org/officeDocument/2006/math">
+                      <m:r>
+                        <a:rPr lang="en-US" altLang="zh-CN" sz="1000" i="1">
+                          <a:latin typeface="Cambria Math" panose="02040503050406030204" charset="0"/>
+                          <a:ea typeface="MS Mincho" charset="0"/>
+                          <a:cs typeface="Cambria Math" panose="02040503050406030204" charset="0"/>
+                        </a:rPr>
+                        <m:t>𝜃</m:t>
+                      </m:r>
+                    </m:oMath>
+                  </m:oMathPara>
+                </a14:m>
+                <a:endParaRPr lang="en-US" altLang="zh-CN" sz="1000" i="1">
+                  <a:latin typeface="Cambria Math" panose="02040503050406030204" charset="0"/>
+                  <a:ea typeface="MS Mincho" charset="0"/>
+                  <a:cs typeface="Cambria Math" panose="02040503050406030204" charset="0"/>
+                </a:endParaRPr>
+              </a:p>
+            </p:txBody>
+          </p:sp>
+        </mc:Choice>
+        <mc:Fallback>
+          <p:sp>
+            <p:nvSpPr>
+              <p:cNvPr id="12" name="文本框 11"/>
+              <p:cNvSpPr txBox="1">
+                <a:spLocks noRot="1" noChangeAspect="1" noMove="1" noResize="1" noEditPoints="1" noAdjustHandles="1" noChangeArrowheads="1" noChangeShapeType="1" noTextEdit="1"/>
+              </p:cNvSpPr>
+              <p:nvPr/>
+            </p:nvSpPr>
+            <p:spPr>
+              <a:xfrm>
+                <a:off x="4149725" y="3148330"/>
+                <a:ext cx="405765" cy="235585"/>
+              </a:xfrm>
+              <a:prstGeom prst="rect">
+                <a:avLst/>
+              </a:prstGeom>
+              <a:blipFill rotWithShape="1">
+                <a:blip r:embed="rId3"/>
+                <a:stretch>
+                  <a:fillRect/>
+                </a:stretch>
+              </a:blipFill>
+            </p:spPr>
+            <p:txBody>
+              <a:bodyPr/>
+              <a:lstStyle/>
+              <a:p>
+                <a:r>
+                  <a:rPr lang="zh-CN" altLang="en-US">
+                    <a:noFill/>
+                  </a:rPr>
+                  <a:t> </a:t>
+                </a:r>
+              </a:p>
+            </p:txBody>
+          </p:sp>
+        </mc:Fallback>
+      </mc:AlternateContent>
+      <mc:AlternateContent xmlns:mc="http://schemas.openxmlformats.org/markup-compatibility/2006">
+        <mc:Choice xmlns:a14="http://schemas.microsoft.com/office/drawing/2010/main" Requires="a14">
+          <p:sp>
+            <p:nvSpPr>
+              <p:cNvPr id="15" name="文本框 14"/>
+              <p:cNvSpPr txBox="1"/>
+              <p:nvPr/>
+            </p:nvSpPr>
+            <p:spPr>
+              <a:xfrm>
+                <a:off x="3288665" y="2638425"/>
+                <a:ext cx="516890" cy="268605"/>
+              </a:xfrm>
+              <a:prstGeom prst="rect">
+                <a:avLst/>
+              </a:prstGeom>
+              <a:noFill/>
+            </p:spPr>
+            <p:txBody>
+              <a:bodyPr wrap="square" rtlCol="0">
+                <a:noAutofit/>
+              </a:bodyPr>
+              <a:p>
+                <a14:m>
+                  <m:oMathPara xmlns:m="http://schemas.openxmlformats.org/officeDocument/2006/math">
+                    <m:oMathParaPr>
+                      <m:jc m:val="centerGroup"/>
+                    </m:oMathParaPr>
+                    <m:oMath xmlns:m="http://schemas.openxmlformats.org/officeDocument/2006/math">
+                      <m:r>
+                        <a:rPr lang="en-US" altLang="zh-CN" sz="700" i="1">
+                          <a:solidFill>
+                            <a:srgbClr val="FF0000"/>
+                          </a:solidFill>
+                          <a:latin typeface="Cambria Math" panose="02040503050406030204" charset="0"/>
+                          <a:ea typeface="MS Mincho" charset="0"/>
+                          <a:cs typeface="Cambria Math" panose="02040503050406030204" charset="0"/>
+                        </a:rPr>
+                        <m:t>𝐺</m:t>
+                      </m:r>
+                      <m:r>
+                        <a:rPr lang="en-US" altLang="zh-CN" sz="700" i="1">
+                          <a:solidFill>
+                            <a:srgbClr val="FF0000"/>
+                          </a:solidFill>
+                          <a:latin typeface="Cambria Math" panose="02040503050406030204" charset="0"/>
+                          <a:ea typeface="MS Mincho" charset="0"/>
+                          <a:cs typeface="Cambria Math" panose="02040503050406030204" charset="0"/>
+                        </a:rPr>
+                        <m:t>= </m:t>
+                      </m:r>
+                      <m:f>
+                        <m:fPr>
+                          <m:ctrlPr>
+                            <a:rPr lang="en-US" altLang="zh-CN" sz="700" i="1">
+                              <a:solidFill>
+                                <a:srgbClr val="FF0000"/>
+                              </a:solidFill>
+                              <a:latin typeface="Cambria Math" panose="02040503050406030204" charset="0"/>
+                              <a:ea typeface="MS Mincho" charset="0"/>
+                              <a:cs typeface="Cambria Math" panose="02040503050406030204" charset="0"/>
+                            </a:rPr>
+                          </m:ctrlPr>
+                        </m:fPr>
+                        <m:num>
+                          <m:r>
+                            <a:rPr lang="en-US" altLang="zh-CN" sz="700" i="1">
+                              <a:solidFill>
+                                <a:srgbClr val="FF0000"/>
+                              </a:solidFill>
+                              <a:latin typeface="Cambria Math" panose="02040503050406030204" charset="0"/>
+                              <a:ea typeface="MS Mincho" charset="0"/>
+                              <a:cs typeface="Cambria Math" panose="02040503050406030204" charset="0"/>
+                            </a:rPr>
+                            <m:t>𝜕</m:t>
+                          </m:r>
+                          <m:r>
+                            <a:rPr lang="en-US" altLang="zh-CN" sz="700" i="1">
+                              <a:solidFill>
+                                <a:srgbClr val="FF0000"/>
+                              </a:solidFill>
+                              <a:latin typeface="Cambria Math" panose="02040503050406030204" charset="0"/>
+                              <a:ea typeface="MS Mincho" charset="0"/>
+                              <a:cs typeface="Cambria Math" panose="02040503050406030204" charset="0"/>
+                            </a:rPr>
+                            <m:t>𝐿</m:t>
+                          </m:r>
+                        </m:num>
+                        <m:den>
+                          <m:r>
+                            <a:rPr lang="en-US" altLang="zh-CN" sz="700" i="1">
+                              <a:solidFill>
+                                <a:srgbClr val="FF0000"/>
+                              </a:solidFill>
+                              <a:latin typeface="Cambria Math" panose="02040503050406030204" charset="0"/>
+                              <a:ea typeface="MS Mincho" charset="0"/>
+                              <a:cs typeface="Cambria Math" panose="02040503050406030204" charset="0"/>
+                            </a:rPr>
+                            <m:t>𝜕𝜃</m:t>
+                          </m:r>
+                        </m:den>
+                      </m:f>
+                    </m:oMath>
+                  </m:oMathPara>
+                </a14:m>
+                <a:endParaRPr lang="en-US" altLang="zh-CN" sz="700" i="1">
+                  <a:solidFill>
+                    <a:srgbClr val="FF0000"/>
+                  </a:solidFill>
+                  <a:latin typeface="Cambria Math" panose="02040503050406030204" charset="0"/>
+                  <a:ea typeface="MS Mincho" charset="0"/>
+                  <a:cs typeface="Cambria Math" panose="02040503050406030204" charset="0"/>
+                </a:endParaRPr>
+              </a:p>
+            </p:txBody>
+          </p:sp>
+        </mc:Choice>
+        <mc:Fallback>
+          <p:sp>
+            <p:nvSpPr>
+              <p:cNvPr id="15" name="文本框 14"/>
+              <p:cNvSpPr txBox="1">
+                <a:spLocks noRot="1" noChangeAspect="1" noMove="1" noResize="1" noEditPoints="1" noAdjustHandles="1" noChangeArrowheads="1" noChangeShapeType="1" noTextEdit="1"/>
+              </p:cNvSpPr>
+              <p:nvPr/>
+            </p:nvSpPr>
+            <p:spPr>
+              <a:xfrm>
+                <a:off x="3288665" y="2638425"/>
+                <a:ext cx="516890" cy="268605"/>
+              </a:xfrm>
+              <a:prstGeom prst="rect">
+                <a:avLst/>
+              </a:prstGeom>
+              <a:blipFill rotWithShape="1">
+                <a:blip r:embed="rId4"/>
+                <a:stretch>
+                  <a:fillRect/>
+                </a:stretch>
+              </a:blipFill>
+            </p:spPr>
+            <p:txBody>
+              <a:bodyPr/>
+              <a:lstStyle/>
+              <a:p>
+                <a:r>
+                  <a:rPr lang="zh-CN" altLang="en-US">
+                    <a:noFill/>
+                  </a:rPr>
+                  <a:t> </a:t>
+                </a:r>
+              </a:p>
+            </p:txBody>
+          </p:sp>
+        </mc:Fallback>
+      </mc:AlternateContent>
+      <p:cxnSp>
+        <p:nvCxnSpPr>
+          <p:cNvPr id="3" name="直接箭头连接符 2"/>
+          <p:cNvCxnSpPr/>
+          <p:nvPr/>
+        </p:nvCxnSpPr>
+        <p:spPr>
+          <a:xfrm flipH="1" flipV="1">
+            <a:off x="6604635" y="2227580"/>
+            <a:ext cx="5080" cy="1049655"/>
+          </a:xfrm>
+          <a:prstGeom prst="straightConnector1">
+            <a:avLst/>
+          </a:prstGeom>
+          <a:ln>
+            <a:solidFill>
+              <a:schemeClr val="tx1"/>
+            </a:solidFill>
+            <a:tailEnd type="arrow"/>
+          </a:ln>
+        </p:spPr>
+        <p:style>
+          <a:lnRef idx="2">
+            <a:schemeClr val="accent1"/>
+          </a:lnRef>
+          <a:fillRef idx="0">
+            <a:srgbClr val="FFFFFF"/>
+          </a:fillRef>
+          <a:effectRef idx="0">
+            <a:srgbClr val="FFFFFF"/>
+          </a:effectRef>
+          <a:fontRef idx="minor">
+            <a:schemeClr val="tx1"/>
+          </a:fontRef>
+        </p:style>
+      </p:cxnSp>
+      <p:cxnSp>
+        <p:nvCxnSpPr>
+          <p:cNvPr id="6" name="直接箭头连接符 5"/>
+          <p:cNvCxnSpPr/>
+          <p:nvPr/>
+        </p:nvCxnSpPr>
+        <p:spPr>
+          <a:xfrm>
+            <a:off x="6604635" y="3275330"/>
+            <a:ext cx="1432560" cy="0"/>
+          </a:xfrm>
+          <a:prstGeom prst="straightConnector1">
+            <a:avLst/>
+          </a:prstGeom>
+          <a:ln>
+            <a:solidFill>
+              <a:schemeClr val="tx1"/>
+            </a:solidFill>
+            <a:tailEnd type="arrow"/>
+          </a:ln>
+        </p:spPr>
+        <p:style>
+          <a:lnRef idx="2">
+            <a:schemeClr val="accent1"/>
+          </a:lnRef>
+          <a:fillRef idx="0">
+            <a:srgbClr val="FFFFFF"/>
+          </a:fillRef>
+          <a:effectRef idx="0">
+            <a:srgbClr val="FFFFFF"/>
+          </a:effectRef>
+          <a:fontRef idx="minor">
+            <a:schemeClr val="tx1"/>
+          </a:fontRef>
+        </p:style>
+      </p:cxnSp>
+      <p:sp>
+        <p:nvSpPr>
+          <p:cNvPr id="13" name="文本框 12"/>
+          <p:cNvSpPr txBox="1"/>
+          <p:nvPr/>
+        </p:nvSpPr>
+        <p:spPr>
+          <a:xfrm>
+            <a:off x="6986270" y="3252470"/>
+            <a:ext cx="1395095" cy="254635"/>
+          </a:xfrm>
+          <a:prstGeom prst="rect">
+            <a:avLst/>
+          </a:prstGeom>
+          <a:noFill/>
+        </p:spPr>
+        <p:txBody>
+          <a:bodyPr wrap="square" rtlCol="0">
+            <a:noAutofit/>
+          </a:bodyPr>
+          <a:p>
+            <a:r>
+              <a:rPr lang="en-US" altLang="zh-CN" sz="900">
+                <a:latin typeface="Cambria Math" panose="02040503050406030204" charset="0"/>
+                <a:ea typeface="MS Mincho" charset="0"/>
+                <a:cs typeface="Cambria Math" panose="02040503050406030204" charset="0"/>
+              </a:rPr>
+              <a:t>System performance</a:t>
+            </a:r>
+            <a:endParaRPr lang="en-US" altLang="zh-CN" sz="900">
+              <a:latin typeface="Cambria Math" panose="02040503050406030204" charset="0"/>
+              <a:ea typeface="MS Mincho" charset="0"/>
+              <a:cs typeface="Cambria Math" panose="02040503050406030204" charset="0"/>
+            </a:endParaRPr>
+          </a:p>
+        </p:txBody>
+      </p:sp>
+      <p:sp>
+        <p:nvSpPr>
+          <p:cNvPr id="16" name="文本框 15"/>
+          <p:cNvSpPr txBox="1"/>
+          <p:nvPr/>
+        </p:nvSpPr>
+        <p:spPr>
+          <a:xfrm rot="16200000">
+            <a:off x="5702300" y="2064385"/>
+            <a:ext cx="1579245" cy="235585"/>
+          </a:xfrm>
+          <a:prstGeom prst="rect">
+            <a:avLst/>
+          </a:prstGeom>
+          <a:noFill/>
+        </p:spPr>
+        <p:txBody>
+          <a:bodyPr wrap="square" rtlCol="0">
+            <a:noAutofit/>
+          </a:bodyPr>
+          <a:p>
+            <a:r>
+              <a:rPr lang="en-US" altLang="zh-CN" sz="900">
+                <a:latin typeface="Cambria Math" panose="02040503050406030204" charset="0"/>
+                <a:ea typeface="MS Mincho" charset="0"/>
+                <a:cs typeface="Cambria Math" panose="02040503050406030204" charset="0"/>
+              </a:rPr>
+              <a:t>Model accuracy</a:t>
+            </a:r>
+            <a:endParaRPr lang="en-US" altLang="zh-CN" sz="900">
+              <a:latin typeface="Cambria Math" panose="02040503050406030204" charset="0"/>
+              <a:ea typeface="MS Mincho" charset="0"/>
+              <a:cs typeface="Cambria Math" panose="02040503050406030204" charset="0"/>
+            </a:endParaRPr>
+          </a:p>
+        </p:txBody>
+      </p:sp>
+      <p:sp>
+        <p:nvSpPr>
+          <p:cNvPr id="19" name="弧形 18"/>
+          <p:cNvSpPr/>
+          <p:nvPr/>
+        </p:nvSpPr>
+        <p:spPr>
+          <a:xfrm rot="10800000">
+            <a:off x="6772910" y="1760220"/>
+            <a:ext cx="1745615" cy="1363345"/>
+          </a:xfrm>
+          <a:prstGeom prst="arc">
+            <a:avLst/>
+          </a:prstGeom>
+          <a:ln>
+            <a:solidFill>
+              <a:schemeClr val="tx1"/>
+            </a:solidFill>
+          </a:ln>
+        </p:spPr>
+        <p:style>
+          <a:lnRef idx="2">
+            <a:schemeClr val="accent1"/>
+          </a:lnRef>
+          <a:fillRef idx="0">
+            <a:srgbClr val="FFFFFF"/>
+          </a:fillRef>
+          <a:effectRef idx="0">
+            <a:srgbClr val="FFFFFF"/>
+          </a:effectRef>
+          <a:fontRef idx="minor">
+            <a:schemeClr val="tx1"/>
+          </a:fontRef>
+        </p:style>
+        <p:txBody>
+          <a:bodyPr rtlCol="0" anchor="ctr"/>
+          <a:p>
+            <a:pPr algn="ctr"/>
+            <a:endParaRPr lang="zh-CN" altLang="en-US"/>
+          </a:p>
+        </p:txBody>
+      </p:sp>
+      <p:cxnSp>
+        <p:nvCxnSpPr>
+          <p:cNvPr id="22" name="直接箭头连接符 21"/>
+          <p:cNvCxnSpPr/>
+          <p:nvPr/>
+        </p:nvCxnSpPr>
+        <p:spPr>
+          <a:xfrm>
+            <a:off x="7306310" y="2971800"/>
+            <a:ext cx="297180" cy="80010"/>
+          </a:xfrm>
+          <a:prstGeom prst="straightConnector1">
+            <a:avLst/>
+          </a:prstGeom>
+          <a:ln>
+            <a:solidFill>
+              <a:srgbClr val="FF0000"/>
+            </a:solidFill>
+            <a:prstDash val="sysDot"/>
+            <a:tailEnd type="arrow"/>
+          </a:ln>
+        </p:spPr>
+        <p:style>
+          <a:lnRef idx="2">
+            <a:schemeClr val="accent1"/>
+          </a:lnRef>
+          <a:fillRef idx="0">
+            <a:srgbClr val="FFFFFF"/>
+          </a:fillRef>
+          <a:effectRef idx="0">
+            <a:srgbClr val="FFFFFF"/>
+          </a:effectRef>
+          <a:fontRef idx="minor">
+            <a:schemeClr val="tx1"/>
+          </a:fontRef>
+        </p:style>
+      </p:cxnSp>
+      <p:cxnSp>
+        <p:nvCxnSpPr>
+          <p:cNvPr id="23" name="直接箭头连接符 22"/>
+          <p:cNvCxnSpPr/>
+          <p:nvPr/>
+        </p:nvCxnSpPr>
+        <p:spPr>
+          <a:xfrm flipH="1" flipV="1">
+            <a:off x="6873240" y="2495550"/>
+            <a:ext cx="113030" cy="247650"/>
+          </a:xfrm>
+          <a:prstGeom prst="straightConnector1">
+            <a:avLst/>
+          </a:prstGeom>
+          <a:ln>
+            <a:solidFill>
+              <a:srgbClr val="FF0000"/>
+            </a:solidFill>
+            <a:prstDash val="sysDot"/>
+            <a:tailEnd type="arrow"/>
+          </a:ln>
+        </p:spPr>
+        <p:style>
+          <a:lnRef idx="2">
+            <a:schemeClr val="accent1"/>
+          </a:lnRef>
+          <a:fillRef idx="0">
+            <a:srgbClr val="FFFFFF"/>
+          </a:fillRef>
+          <a:effectRef idx="0">
+            <a:srgbClr val="FFFFFF"/>
+          </a:effectRef>
+          <a:fontRef idx="minor">
+            <a:schemeClr val="tx1"/>
+          </a:fontRef>
+        </p:style>
+      </p:cxnSp>
+      <p:sp>
+        <p:nvSpPr>
+          <p:cNvPr id="25" name="文本框 24"/>
+          <p:cNvSpPr txBox="1"/>
+          <p:nvPr/>
+        </p:nvSpPr>
+        <p:spPr>
+          <a:xfrm>
+            <a:off x="7401560" y="2797175"/>
+            <a:ext cx="766445" cy="174625"/>
+          </a:xfrm>
+          <a:prstGeom prst="rect">
+            <a:avLst/>
+          </a:prstGeom>
+          <a:noFill/>
+        </p:spPr>
+        <p:txBody>
+          <a:bodyPr wrap="square" rtlCol="0">
+            <a:noAutofit/>
+          </a:bodyPr>
+          <a:p>
+            <a:r>
+              <a:rPr lang="en-US" altLang="zh-CN" sz="700">
+                <a:latin typeface="Cambria Math" panose="02040503050406030204" charset="0"/>
+                <a:ea typeface="MS Mincho" charset="0"/>
+                <a:cs typeface="Cambria Math" panose="02040503050406030204" charset="0"/>
+              </a:rPr>
+              <a:t>Big batch size</a:t>
+            </a:r>
+            <a:endParaRPr lang="en-US" altLang="zh-CN" sz="700">
+              <a:latin typeface="Cambria Math" panose="02040503050406030204" charset="0"/>
+              <a:ea typeface="MS Mincho" charset="0"/>
+              <a:cs typeface="Cambria Math" panose="02040503050406030204" charset="0"/>
+            </a:endParaRPr>
+          </a:p>
+        </p:txBody>
+      </p:sp>
+      <p:sp>
+        <p:nvSpPr>
+          <p:cNvPr id="26" name="文本框 25"/>
+          <p:cNvSpPr txBox="1"/>
+          <p:nvPr/>
+        </p:nvSpPr>
+        <p:spPr>
+          <a:xfrm>
+            <a:off x="6837045" y="2319020"/>
+            <a:ext cx="880745" cy="174625"/>
+          </a:xfrm>
+          <a:prstGeom prst="rect">
+            <a:avLst/>
+          </a:prstGeom>
+          <a:noFill/>
+        </p:spPr>
+        <p:txBody>
+          <a:bodyPr wrap="square" rtlCol="0">
+            <a:noAutofit/>
+          </a:bodyPr>
+          <a:p>
+            <a:r>
+              <a:rPr lang="en-US" altLang="zh-CN" sz="700">
+                <a:latin typeface="Cambria Math" panose="02040503050406030204" charset="0"/>
+                <a:ea typeface="MS Mincho" charset="0"/>
+                <a:cs typeface="Cambria Math" panose="02040503050406030204" charset="0"/>
+              </a:rPr>
+              <a:t>Small batch size</a:t>
+            </a:r>
+            <a:endParaRPr lang="en-US" altLang="zh-CN" sz="700">
+              <a:latin typeface="Cambria Math" panose="02040503050406030204" charset="0"/>
+              <a:ea typeface="MS Mincho" charset="0"/>
+              <a:cs typeface="Cambria Math" panose="02040503050406030204" charset="0"/>
+            </a:endParaRPr>
+          </a:p>
+        </p:txBody>
+      </p:sp>
+    </p:spTree>
+  </p:cSld>
+  <p:clrMapOvr>
+    <a:masterClrMapping/>
+  </p:clrMapOvr>
+</p:sld>
+</file>
+
 <file path=ppt/tags/tag1.xml><?xml version="1.0" encoding="utf-8"?>
 <p:tagLst xmlns:p="http://schemas.openxmlformats.org/presentationml/2006/main">
   <p:tag name="KSO_WM_DIAGRAM_VIRTUALLY_FRAME" val="{&quot;height&quot;:174.8,&quot;left&quot;:259.7,&quot;top&quot;:148.1,&quot;width&quot;:348.65}"/>

--- a/插图制作.pptx
+++ b/插图制作.pptx
@@ -7,15 +7,16 @@
   <p:sldIdLst>
     <p:sldId id="256" r:id="rId3"/>
     <p:sldId id="257" r:id="rId4"/>
-    <p:sldId id="258" r:id="rId5"/>
-    <p:sldId id="259" r:id="rId6"/>
-    <p:sldId id="260" r:id="rId7"/>
-    <p:sldId id="261" r:id="rId8"/>
+    <p:sldId id="262" r:id="rId5"/>
+    <p:sldId id="258" r:id="rId6"/>
+    <p:sldId id="259" r:id="rId7"/>
+    <p:sldId id="260" r:id="rId8"/>
+    <p:sldId id="261" r:id="rId9"/>
   </p:sldIdLst>
   <p:sldSz cx="12192000" cy="6858000"/>
   <p:notesSz cx="6858000" cy="9144000"/>
   <p:custDataLst>
-    <p:tags r:id="rId12"/>
+    <p:tags r:id="rId13"/>
   </p:custDataLst>
   <p:defaultTextStyle>
     <a:defPPr>
@@ -5826,6 +5827,1630 @@
       <p:grpSpPr/>
       <p:sp>
         <p:nvSpPr>
+          <p:cNvPr id="3" name="椭圆 2"/>
+          <p:cNvSpPr/>
+          <p:nvPr>
+            <p:custDataLst>
+              <p:tags r:id="rId1"/>
+            </p:custDataLst>
+          </p:nvPr>
+        </p:nvSpPr>
+        <p:spPr>
+          <a:xfrm>
+            <a:off x="2997835" y="1035685"/>
+            <a:ext cx="127635" cy="134620"/>
+          </a:xfrm>
+          <a:prstGeom prst="ellipse">
+            <a:avLst/>
+          </a:prstGeom>
+          <a:solidFill>
+            <a:schemeClr val="tx1"/>
+          </a:solidFill>
+          <a:ln>
+            <a:solidFill>
+              <a:schemeClr val="tx1"/>
+            </a:solidFill>
+          </a:ln>
+        </p:spPr>
+        <p:style>
+          <a:lnRef idx="2">
+            <a:schemeClr val="accent1">
+              <a:lumMod val="75000"/>
+            </a:schemeClr>
+          </a:lnRef>
+          <a:fillRef idx="1">
+            <a:schemeClr val="accent1"/>
+          </a:fillRef>
+          <a:effectRef idx="0">
+            <a:srgbClr val="FFFFFF"/>
+          </a:effectRef>
+          <a:fontRef idx="minor">
+            <a:schemeClr val="lt1"/>
+          </a:fontRef>
+        </p:style>
+        <p:txBody>
+          <a:bodyPr rtlCol="0" anchor="ctr"/>
+          <a:p>
+            <a:pPr algn="ctr"/>
+            <a:endParaRPr lang="zh-CN" altLang="en-US"/>
+          </a:p>
+        </p:txBody>
+      </p:sp>
+      <p:sp>
+        <p:nvSpPr>
+          <p:cNvPr id="4" name="椭圆 3"/>
+          <p:cNvSpPr/>
+          <p:nvPr>
+            <p:custDataLst>
+              <p:tags r:id="rId2"/>
+            </p:custDataLst>
+          </p:nvPr>
+        </p:nvSpPr>
+        <p:spPr>
+          <a:xfrm>
+            <a:off x="3302000" y="1035685"/>
+            <a:ext cx="127635" cy="134620"/>
+          </a:xfrm>
+          <a:prstGeom prst="ellipse">
+            <a:avLst/>
+          </a:prstGeom>
+          <a:solidFill>
+            <a:schemeClr val="tx1"/>
+          </a:solidFill>
+          <a:ln>
+            <a:solidFill>
+              <a:schemeClr val="tx1"/>
+            </a:solidFill>
+          </a:ln>
+        </p:spPr>
+        <p:style>
+          <a:lnRef idx="2">
+            <a:schemeClr val="accent1">
+              <a:lumMod val="75000"/>
+            </a:schemeClr>
+          </a:lnRef>
+          <a:fillRef idx="1">
+            <a:schemeClr val="accent1"/>
+          </a:fillRef>
+          <a:effectRef idx="0">
+            <a:srgbClr val="FFFFFF"/>
+          </a:effectRef>
+          <a:fontRef idx="minor">
+            <a:schemeClr val="lt1"/>
+          </a:fontRef>
+        </p:style>
+        <p:txBody>
+          <a:bodyPr rtlCol="0" anchor="ctr"/>
+          <a:p>
+            <a:pPr algn="ctr"/>
+            <a:endParaRPr lang="zh-CN" altLang="en-US"/>
+          </a:p>
+        </p:txBody>
+      </p:sp>
+      <p:sp>
+        <p:nvSpPr>
+          <p:cNvPr id="5" name="椭圆 4"/>
+          <p:cNvSpPr/>
+          <p:nvPr>
+            <p:custDataLst>
+              <p:tags r:id="rId3"/>
+            </p:custDataLst>
+          </p:nvPr>
+        </p:nvSpPr>
+        <p:spPr>
+          <a:xfrm>
+            <a:off x="3606165" y="1035685"/>
+            <a:ext cx="127635" cy="134620"/>
+          </a:xfrm>
+          <a:prstGeom prst="ellipse">
+            <a:avLst/>
+          </a:prstGeom>
+          <a:solidFill>
+            <a:schemeClr val="tx1"/>
+          </a:solidFill>
+          <a:ln>
+            <a:solidFill>
+              <a:schemeClr val="tx1"/>
+            </a:solidFill>
+          </a:ln>
+        </p:spPr>
+        <p:style>
+          <a:lnRef idx="2">
+            <a:schemeClr val="accent1">
+              <a:lumMod val="75000"/>
+            </a:schemeClr>
+          </a:lnRef>
+          <a:fillRef idx="1">
+            <a:schemeClr val="accent1"/>
+          </a:fillRef>
+          <a:effectRef idx="0">
+            <a:srgbClr val="FFFFFF"/>
+          </a:effectRef>
+          <a:fontRef idx="minor">
+            <a:schemeClr val="lt1"/>
+          </a:fontRef>
+        </p:style>
+        <p:txBody>
+          <a:bodyPr rtlCol="0" anchor="ctr"/>
+          <a:p>
+            <a:pPr algn="ctr"/>
+            <a:endParaRPr lang="zh-CN" altLang="en-US"/>
+          </a:p>
+        </p:txBody>
+      </p:sp>
+      <p:sp>
+        <p:nvSpPr>
+          <p:cNvPr id="7" name="椭圆 6"/>
+          <p:cNvSpPr/>
+          <p:nvPr>
+            <p:custDataLst>
+              <p:tags r:id="rId4"/>
+            </p:custDataLst>
+          </p:nvPr>
+        </p:nvSpPr>
+        <p:spPr>
+          <a:xfrm>
+            <a:off x="2797175" y="1417955"/>
+            <a:ext cx="127635" cy="134620"/>
+          </a:xfrm>
+          <a:prstGeom prst="ellipse">
+            <a:avLst/>
+          </a:prstGeom>
+          <a:solidFill>
+            <a:schemeClr val="tx1"/>
+          </a:solidFill>
+          <a:ln>
+            <a:solidFill>
+              <a:schemeClr val="tx1"/>
+            </a:solidFill>
+          </a:ln>
+        </p:spPr>
+        <p:style>
+          <a:lnRef idx="2">
+            <a:schemeClr val="accent1">
+              <a:lumMod val="75000"/>
+            </a:schemeClr>
+          </a:lnRef>
+          <a:fillRef idx="1">
+            <a:schemeClr val="accent1"/>
+          </a:fillRef>
+          <a:effectRef idx="0">
+            <a:srgbClr val="FFFFFF"/>
+          </a:effectRef>
+          <a:fontRef idx="minor">
+            <a:schemeClr val="lt1"/>
+          </a:fontRef>
+        </p:style>
+        <p:txBody>
+          <a:bodyPr rtlCol="0" anchor="ctr"/>
+          <a:p>
+            <a:pPr algn="ctr"/>
+            <a:endParaRPr lang="zh-CN" altLang="en-US"/>
+          </a:p>
+        </p:txBody>
+      </p:sp>
+      <p:sp>
+        <p:nvSpPr>
+          <p:cNvPr id="10" name="椭圆 9"/>
+          <p:cNvSpPr/>
+          <p:nvPr>
+            <p:custDataLst>
+              <p:tags r:id="rId5"/>
+            </p:custDataLst>
+          </p:nvPr>
+        </p:nvSpPr>
+        <p:spPr>
+          <a:xfrm>
+            <a:off x="3125470" y="1417955"/>
+            <a:ext cx="127635" cy="134620"/>
+          </a:xfrm>
+          <a:prstGeom prst="ellipse">
+            <a:avLst/>
+          </a:prstGeom>
+          <a:solidFill>
+            <a:schemeClr val="tx1"/>
+          </a:solidFill>
+          <a:ln>
+            <a:solidFill>
+              <a:schemeClr val="tx1"/>
+            </a:solidFill>
+          </a:ln>
+        </p:spPr>
+        <p:style>
+          <a:lnRef idx="2">
+            <a:schemeClr val="accent1">
+              <a:lumMod val="75000"/>
+            </a:schemeClr>
+          </a:lnRef>
+          <a:fillRef idx="1">
+            <a:schemeClr val="accent1"/>
+          </a:fillRef>
+          <a:effectRef idx="0">
+            <a:srgbClr val="FFFFFF"/>
+          </a:effectRef>
+          <a:fontRef idx="minor">
+            <a:schemeClr val="lt1"/>
+          </a:fontRef>
+        </p:style>
+        <p:txBody>
+          <a:bodyPr rtlCol="0" anchor="ctr"/>
+          <a:p>
+            <a:pPr algn="ctr"/>
+            <a:endParaRPr lang="zh-CN" altLang="en-US"/>
+          </a:p>
+        </p:txBody>
+      </p:sp>
+      <p:sp>
+        <p:nvSpPr>
+          <p:cNvPr id="11" name="椭圆 10"/>
+          <p:cNvSpPr/>
+          <p:nvPr>
+            <p:custDataLst>
+              <p:tags r:id="rId6"/>
+            </p:custDataLst>
+          </p:nvPr>
+        </p:nvSpPr>
+        <p:spPr>
+          <a:xfrm>
+            <a:off x="3478530" y="1417955"/>
+            <a:ext cx="127635" cy="134620"/>
+          </a:xfrm>
+          <a:prstGeom prst="ellipse">
+            <a:avLst/>
+          </a:prstGeom>
+          <a:solidFill>
+            <a:schemeClr val="tx1"/>
+          </a:solidFill>
+          <a:ln>
+            <a:solidFill>
+              <a:schemeClr val="tx1"/>
+            </a:solidFill>
+          </a:ln>
+        </p:spPr>
+        <p:style>
+          <a:lnRef idx="2">
+            <a:schemeClr val="accent1">
+              <a:lumMod val="75000"/>
+            </a:schemeClr>
+          </a:lnRef>
+          <a:fillRef idx="1">
+            <a:schemeClr val="accent1"/>
+          </a:fillRef>
+          <a:effectRef idx="0">
+            <a:srgbClr val="FFFFFF"/>
+          </a:effectRef>
+          <a:fontRef idx="minor">
+            <a:schemeClr val="lt1"/>
+          </a:fontRef>
+        </p:style>
+        <p:txBody>
+          <a:bodyPr rtlCol="0" anchor="ctr"/>
+          <a:p>
+            <a:pPr algn="ctr"/>
+            <a:endParaRPr lang="zh-CN" altLang="en-US"/>
+          </a:p>
+        </p:txBody>
+      </p:sp>
+      <p:sp>
+        <p:nvSpPr>
+          <p:cNvPr id="12" name="椭圆 11"/>
+          <p:cNvSpPr/>
+          <p:nvPr>
+            <p:custDataLst>
+              <p:tags r:id="rId7"/>
+            </p:custDataLst>
+          </p:nvPr>
+        </p:nvSpPr>
+        <p:spPr>
+          <a:xfrm>
+            <a:off x="3831590" y="1417955"/>
+            <a:ext cx="127635" cy="134620"/>
+          </a:xfrm>
+          <a:prstGeom prst="ellipse">
+            <a:avLst/>
+          </a:prstGeom>
+          <a:solidFill>
+            <a:schemeClr val="tx1"/>
+          </a:solidFill>
+          <a:ln>
+            <a:solidFill>
+              <a:schemeClr val="tx1"/>
+            </a:solidFill>
+          </a:ln>
+        </p:spPr>
+        <p:style>
+          <a:lnRef idx="2">
+            <a:schemeClr val="accent1">
+              <a:lumMod val="75000"/>
+            </a:schemeClr>
+          </a:lnRef>
+          <a:fillRef idx="1">
+            <a:schemeClr val="accent1"/>
+          </a:fillRef>
+          <a:effectRef idx="0">
+            <a:srgbClr val="FFFFFF"/>
+          </a:effectRef>
+          <a:fontRef idx="minor">
+            <a:schemeClr val="lt1"/>
+          </a:fontRef>
+        </p:style>
+        <p:txBody>
+          <a:bodyPr rtlCol="0" anchor="ctr"/>
+          <a:p>
+            <a:pPr algn="ctr"/>
+            <a:endParaRPr lang="zh-CN" altLang="en-US"/>
+          </a:p>
+        </p:txBody>
+      </p:sp>
+      <p:sp>
+        <p:nvSpPr>
+          <p:cNvPr id="14" name="椭圆 13"/>
+          <p:cNvSpPr/>
+          <p:nvPr>
+            <p:custDataLst>
+              <p:tags r:id="rId8"/>
+            </p:custDataLst>
+          </p:nvPr>
+        </p:nvSpPr>
+        <p:spPr>
+          <a:xfrm>
+            <a:off x="3125470" y="1800225"/>
+            <a:ext cx="127635" cy="134620"/>
+          </a:xfrm>
+          <a:prstGeom prst="ellipse">
+            <a:avLst/>
+          </a:prstGeom>
+          <a:solidFill>
+            <a:schemeClr val="tx1"/>
+          </a:solidFill>
+          <a:ln>
+            <a:solidFill>
+              <a:schemeClr val="tx1"/>
+            </a:solidFill>
+          </a:ln>
+        </p:spPr>
+        <p:style>
+          <a:lnRef idx="2">
+            <a:schemeClr val="accent1">
+              <a:lumMod val="75000"/>
+            </a:schemeClr>
+          </a:lnRef>
+          <a:fillRef idx="1">
+            <a:schemeClr val="accent1"/>
+          </a:fillRef>
+          <a:effectRef idx="0">
+            <a:srgbClr val="FFFFFF"/>
+          </a:effectRef>
+          <a:fontRef idx="minor">
+            <a:schemeClr val="lt1"/>
+          </a:fontRef>
+        </p:style>
+        <p:txBody>
+          <a:bodyPr rtlCol="0" anchor="ctr"/>
+          <a:p>
+            <a:pPr algn="ctr"/>
+            <a:endParaRPr lang="zh-CN" altLang="en-US"/>
+          </a:p>
+        </p:txBody>
+      </p:sp>
+      <p:sp>
+        <p:nvSpPr>
+          <p:cNvPr id="15" name="椭圆 14"/>
+          <p:cNvSpPr/>
+          <p:nvPr>
+            <p:custDataLst>
+              <p:tags r:id="rId9"/>
+            </p:custDataLst>
+          </p:nvPr>
+        </p:nvSpPr>
+        <p:spPr>
+          <a:xfrm>
+            <a:off x="3478530" y="1800225"/>
+            <a:ext cx="127635" cy="134620"/>
+          </a:xfrm>
+          <a:prstGeom prst="ellipse">
+            <a:avLst/>
+          </a:prstGeom>
+          <a:solidFill>
+            <a:schemeClr val="tx1"/>
+          </a:solidFill>
+          <a:ln>
+            <a:solidFill>
+              <a:schemeClr val="tx1"/>
+            </a:solidFill>
+          </a:ln>
+        </p:spPr>
+        <p:style>
+          <a:lnRef idx="2">
+            <a:schemeClr val="accent1">
+              <a:lumMod val="75000"/>
+            </a:schemeClr>
+          </a:lnRef>
+          <a:fillRef idx="1">
+            <a:schemeClr val="accent1"/>
+          </a:fillRef>
+          <a:effectRef idx="0">
+            <a:srgbClr val="FFFFFF"/>
+          </a:effectRef>
+          <a:fontRef idx="minor">
+            <a:schemeClr val="lt1"/>
+          </a:fontRef>
+        </p:style>
+        <p:txBody>
+          <a:bodyPr rtlCol="0" anchor="ctr"/>
+          <a:p>
+            <a:pPr algn="ctr"/>
+            <a:endParaRPr lang="zh-CN" altLang="en-US"/>
+          </a:p>
+        </p:txBody>
+      </p:sp>
+      <p:cxnSp>
+        <p:nvCxnSpPr>
+          <p:cNvPr id="16" name="直接箭头连接符 15"/>
+          <p:cNvCxnSpPr>
+            <a:stCxn id="3" idx="4"/>
+            <a:endCxn id="7" idx="0"/>
+          </p:cNvCxnSpPr>
+          <p:nvPr>
+            <p:custDataLst>
+              <p:tags r:id="rId10"/>
+            </p:custDataLst>
+          </p:nvPr>
+        </p:nvCxnSpPr>
+        <p:spPr>
+          <a:xfrm flipH="1">
+            <a:off x="2861310" y="1170305"/>
+            <a:ext cx="200660" cy="247650"/>
+          </a:xfrm>
+          <a:prstGeom prst="straightConnector1">
+            <a:avLst/>
+          </a:prstGeom>
+          <a:solidFill>
+            <a:schemeClr val="tx1"/>
+          </a:solidFill>
+          <a:ln w="6350">
+            <a:solidFill>
+              <a:schemeClr val="tx1"/>
+            </a:solidFill>
+            <a:tailEnd type="none"/>
+          </a:ln>
+        </p:spPr>
+        <p:style>
+          <a:lnRef idx="2">
+            <a:schemeClr val="accent1"/>
+          </a:lnRef>
+          <a:fillRef idx="0">
+            <a:srgbClr val="FFFFFF"/>
+          </a:fillRef>
+          <a:effectRef idx="0">
+            <a:srgbClr val="FFFFFF"/>
+          </a:effectRef>
+          <a:fontRef idx="minor">
+            <a:schemeClr val="tx1"/>
+          </a:fontRef>
+        </p:style>
+      </p:cxnSp>
+      <p:cxnSp>
+        <p:nvCxnSpPr>
+          <p:cNvPr id="17" name="直接箭头连接符 16"/>
+          <p:cNvCxnSpPr>
+            <a:endCxn id="10" idx="0"/>
+          </p:cNvCxnSpPr>
+          <p:nvPr>
+            <p:custDataLst>
+              <p:tags r:id="rId11"/>
+            </p:custDataLst>
+          </p:nvPr>
+        </p:nvCxnSpPr>
+        <p:spPr>
+          <a:xfrm>
+            <a:off x="3061970" y="1170305"/>
+            <a:ext cx="127635" cy="247650"/>
+          </a:xfrm>
+          <a:prstGeom prst="straightConnector1">
+            <a:avLst/>
+          </a:prstGeom>
+          <a:solidFill>
+            <a:schemeClr val="tx1"/>
+          </a:solidFill>
+          <a:ln w="6350">
+            <a:solidFill>
+              <a:schemeClr val="tx1"/>
+            </a:solidFill>
+            <a:tailEnd type="none"/>
+          </a:ln>
+        </p:spPr>
+        <p:style>
+          <a:lnRef idx="2">
+            <a:schemeClr val="accent1"/>
+          </a:lnRef>
+          <a:fillRef idx="0">
+            <a:srgbClr val="FFFFFF"/>
+          </a:fillRef>
+          <a:effectRef idx="0">
+            <a:srgbClr val="FFFFFF"/>
+          </a:effectRef>
+          <a:fontRef idx="minor">
+            <a:schemeClr val="tx1"/>
+          </a:fontRef>
+        </p:style>
+      </p:cxnSp>
+      <p:cxnSp>
+        <p:nvCxnSpPr>
+          <p:cNvPr id="18" name="直接箭头连接符 17"/>
+          <p:cNvCxnSpPr/>
+          <p:nvPr>
+            <p:custDataLst>
+              <p:tags r:id="rId12"/>
+            </p:custDataLst>
+          </p:nvPr>
+        </p:nvCxnSpPr>
+        <p:spPr>
+          <a:xfrm>
+            <a:off x="3061970" y="1170305"/>
+            <a:ext cx="480695" cy="247650"/>
+          </a:xfrm>
+          <a:prstGeom prst="straightConnector1">
+            <a:avLst/>
+          </a:prstGeom>
+          <a:solidFill>
+            <a:schemeClr val="tx1"/>
+          </a:solidFill>
+          <a:ln w="6350">
+            <a:solidFill>
+              <a:schemeClr val="tx1"/>
+            </a:solidFill>
+            <a:tailEnd type="none"/>
+          </a:ln>
+        </p:spPr>
+        <p:style>
+          <a:lnRef idx="2">
+            <a:schemeClr val="accent1"/>
+          </a:lnRef>
+          <a:fillRef idx="0">
+            <a:srgbClr val="FFFFFF"/>
+          </a:fillRef>
+          <a:effectRef idx="0">
+            <a:srgbClr val="FFFFFF"/>
+          </a:effectRef>
+          <a:fontRef idx="minor">
+            <a:schemeClr val="tx1"/>
+          </a:fontRef>
+        </p:style>
+      </p:cxnSp>
+      <p:cxnSp>
+        <p:nvCxnSpPr>
+          <p:cNvPr id="19" name="直接箭头连接符 18"/>
+          <p:cNvCxnSpPr>
+            <a:endCxn id="12" idx="0"/>
+          </p:cNvCxnSpPr>
+          <p:nvPr>
+            <p:custDataLst>
+              <p:tags r:id="rId13"/>
+            </p:custDataLst>
+          </p:nvPr>
+        </p:nvCxnSpPr>
+        <p:spPr>
+          <a:xfrm>
+            <a:off x="3061970" y="1170305"/>
+            <a:ext cx="833755" cy="247650"/>
+          </a:xfrm>
+          <a:prstGeom prst="straightConnector1">
+            <a:avLst/>
+          </a:prstGeom>
+          <a:solidFill>
+            <a:schemeClr val="tx1"/>
+          </a:solidFill>
+          <a:ln w="6350">
+            <a:solidFill>
+              <a:schemeClr val="tx1"/>
+            </a:solidFill>
+            <a:tailEnd type="none"/>
+          </a:ln>
+        </p:spPr>
+        <p:style>
+          <a:lnRef idx="2">
+            <a:schemeClr val="accent1"/>
+          </a:lnRef>
+          <a:fillRef idx="0">
+            <a:srgbClr val="FFFFFF"/>
+          </a:fillRef>
+          <a:effectRef idx="0">
+            <a:srgbClr val="FFFFFF"/>
+          </a:effectRef>
+          <a:fontRef idx="minor">
+            <a:schemeClr val="tx1"/>
+          </a:fontRef>
+        </p:style>
+      </p:cxnSp>
+      <p:cxnSp>
+        <p:nvCxnSpPr>
+          <p:cNvPr id="22" name="直接箭头连接符 21"/>
+          <p:cNvCxnSpPr>
+            <a:stCxn id="4" idx="4"/>
+            <a:endCxn id="7" idx="0"/>
+          </p:cNvCxnSpPr>
+          <p:nvPr>
+            <p:custDataLst>
+              <p:tags r:id="rId14"/>
+            </p:custDataLst>
+          </p:nvPr>
+        </p:nvCxnSpPr>
+        <p:spPr>
+          <a:xfrm flipH="1">
+            <a:off x="2861310" y="1170305"/>
+            <a:ext cx="504825" cy="247650"/>
+          </a:xfrm>
+          <a:prstGeom prst="straightConnector1">
+            <a:avLst/>
+          </a:prstGeom>
+          <a:solidFill>
+            <a:schemeClr val="tx1"/>
+          </a:solidFill>
+          <a:ln w="6350">
+            <a:solidFill>
+              <a:schemeClr val="tx1"/>
+            </a:solidFill>
+            <a:headEnd type="none"/>
+            <a:tailEnd type="none"/>
+          </a:ln>
+        </p:spPr>
+        <p:style>
+          <a:lnRef idx="2">
+            <a:schemeClr val="accent1"/>
+          </a:lnRef>
+          <a:fillRef idx="0">
+            <a:srgbClr val="FFFFFF"/>
+          </a:fillRef>
+          <a:effectRef idx="0">
+            <a:srgbClr val="FFFFFF"/>
+          </a:effectRef>
+          <a:fontRef idx="minor">
+            <a:schemeClr val="tx1"/>
+          </a:fontRef>
+        </p:style>
+      </p:cxnSp>
+      <p:cxnSp>
+        <p:nvCxnSpPr>
+          <p:cNvPr id="23" name="直接箭头连接符 22"/>
+          <p:cNvCxnSpPr>
+            <a:endCxn id="10" idx="0"/>
+          </p:cNvCxnSpPr>
+          <p:nvPr>
+            <p:custDataLst>
+              <p:tags r:id="rId15"/>
+            </p:custDataLst>
+          </p:nvPr>
+        </p:nvCxnSpPr>
+        <p:spPr>
+          <a:xfrm flipH="1">
+            <a:off x="3189605" y="1170305"/>
+            <a:ext cx="176530" cy="247650"/>
+          </a:xfrm>
+          <a:prstGeom prst="straightConnector1">
+            <a:avLst/>
+          </a:prstGeom>
+          <a:solidFill>
+            <a:schemeClr val="tx1"/>
+          </a:solidFill>
+          <a:ln w="6350">
+            <a:solidFill>
+              <a:schemeClr val="tx1"/>
+            </a:solidFill>
+            <a:headEnd type="none"/>
+            <a:tailEnd type="none"/>
+          </a:ln>
+        </p:spPr>
+        <p:style>
+          <a:lnRef idx="2">
+            <a:schemeClr val="accent1"/>
+          </a:lnRef>
+          <a:fillRef idx="0">
+            <a:srgbClr val="FFFFFF"/>
+          </a:fillRef>
+          <a:effectRef idx="0">
+            <a:srgbClr val="FFFFFF"/>
+          </a:effectRef>
+          <a:fontRef idx="minor">
+            <a:schemeClr val="tx1"/>
+          </a:fontRef>
+        </p:style>
+      </p:cxnSp>
+      <p:cxnSp>
+        <p:nvCxnSpPr>
+          <p:cNvPr id="24" name="直接箭头连接符 23"/>
+          <p:cNvCxnSpPr>
+            <a:endCxn id="11" idx="0"/>
+          </p:cNvCxnSpPr>
+          <p:nvPr>
+            <p:custDataLst>
+              <p:tags r:id="rId16"/>
+            </p:custDataLst>
+          </p:nvPr>
+        </p:nvCxnSpPr>
+        <p:spPr>
+          <a:xfrm>
+            <a:off x="3366135" y="1170305"/>
+            <a:ext cx="176530" cy="247650"/>
+          </a:xfrm>
+          <a:prstGeom prst="straightConnector1">
+            <a:avLst/>
+          </a:prstGeom>
+          <a:solidFill>
+            <a:schemeClr val="tx1"/>
+          </a:solidFill>
+          <a:ln w="6350">
+            <a:solidFill>
+              <a:schemeClr val="tx1"/>
+            </a:solidFill>
+            <a:headEnd type="none"/>
+            <a:tailEnd type="none"/>
+          </a:ln>
+        </p:spPr>
+        <p:style>
+          <a:lnRef idx="2">
+            <a:schemeClr val="accent1"/>
+          </a:lnRef>
+          <a:fillRef idx="0">
+            <a:srgbClr val="FFFFFF"/>
+          </a:fillRef>
+          <a:effectRef idx="0">
+            <a:srgbClr val="FFFFFF"/>
+          </a:effectRef>
+          <a:fontRef idx="minor">
+            <a:schemeClr val="tx1"/>
+          </a:fontRef>
+        </p:style>
+      </p:cxnSp>
+      <p:cxnSp>
+        <p:nvCxnSpPr>
+          <p:cNvPr id="25" name="直接箭头连接符 24"/>
+          <p:cNvCxnSpPr>
+            <a:endCxn id="12" idx="0"/>
+          </p:cNvCxnSpPr>
+          <p:nvPr>
+            <p:custDataLst>
+              <p:tags r:id="rId17"/>
+            </p:custDataLst>
+          </p:nvPr>
+        </p:nvCxnSpPr>
+        <p:spPr>
+          <a:xfrm>
+            <a:off x="3366135" y="1170305"/>
+            <a:ext cx="529590" cy="247650"/>
+          </a:xfrm>
+          <a:prstGeom prst="straightConnector1">
+            <a:avLst/>
+          </a:prstGeom>
+          <a:solidFill>
+            <a:schemeClr val="tx1"/>
+          </a:solidFill>
+          <a:ln w="6350">
+            <a:solidFill>
+              <a:schemeClr val="tx1"/>
+            </a:solidFill>
+            <a:headEnd type="none"/>
+            <a:tailEnd type="none"/>
+          </a:ln>
+        </p:spPr>
+        <p:style>
+          <a:lnRef idx="2">
+            <a:schemeClr val="accent1"/>
+          </a:lnRef>
+          <a:fillRef idx="0">
+            <a:srgbClr val="FFFFFF"/>
+          </a:fillRef>
+          <a:effectRef idx="0">
+            <a:srgbClr val="FFFFFF"/>
+          </a:effectRef>
+          <a:fontRef idx="minor">
+            <a:schemeClr val="tx1"/>
+          </a:fontRef>
+        </p:style>
+      </p:cxnSp>
+      <p:cxnSp>
+        <p:nvCxnSpPr>
+          <p:cNvPr id="26" name="直接箭头连接符 25"/>
+          <p:cNvCxnSpPr>
+            <a:stCxn id="5" idx="4"/>
+            <a:endCxn id="7" idx="0"/>
+          </p:cNvCxnSpPr>
+          <p:nvPr>
+            <p:custDataLst>
+              <p:tags r:id="rId18"/>
+            </p:custDataLst>
+          </p:nvPr>
+        </p:nvCxnSpPr>
+        <p:spPr>
+          <a:xfrm flipH="1">
+            <a:off x="2861310" y="1170305"/>
+            <a:ext cx="808990" cy="247650"/>
+          </a:xfrm>
+          <a:prstGeom prst="straightConnector1">
+            <a:avLst/>
+          </a:prstGeom>
+          <a:solidFill>
+            <a:schemeClr val="tx1"/>
+          </a:solidFill>
+          <a:ln w="6350">
+            <a:solidFill>
+              <a:schemeClr val="tx1"/>
+            </a:solidFill>
+            <a:tailEnd type="none"/>
+          </a:ln>
+        </p:spPr>
+        <p:style>
+          <a:lnRef idx="2">
+            <a:schemeClr val="accent1"/>
+          </a:lnRef>
+          <a:fillRef idx="0">
+            <a:srgbClr val="FFFFFF"/>
+          </a:fillRef>
+          <a:effectRef idx="0">
+            <a:srgbClr val="FFFFFF"/>
+          </a:effectRef>
+          <a:fontRef idx="minor">
+            <a:schemeClr val="tx1"/>
+          </a:fontRef>
+        </p:style>
+      </p:cxnSp>
+      <p:cxnSp>
+        <p:nvCxnSpPr>
+          <p:cNvPr id="27" name="直接箭头连接符 26"/>
+          <p:cNvCxnSpPr/>
+          <p:nvPr>
+            <p:custDataLst>
+              <p:tags r:id="rId19"/>
+            </p:custDataLst>
+          </p:nvPr>
+        </p:nvCxnSpPr>
+        <p:spPr>
+          <a:xfrm flipH="1">
+            <a:off x="3192145" y="1170305"/>
+            <a:ext cx="478155" cy="245110"/>
+          </a:xfrm>
+          <a:prstGeom prst="straightConnector1">
+            <a:avLst/>
+          </a:prstGeom>
+          <a:solidFill>
+            <a:schemeClr val="tx1"/>
+          </a:solidFill>
+          <a:ln w="6350">
+            <a:solidFill>
+              <a:schemeClr val="tx1"/>
+            </a:solidFill>
+            <a:tailEnd type="none"/>
+          </a:ln>
+        </p:spPr>
+        <p:style>
+          <a:lnRef idx="2">
+            <a:schemeClr val="accent1"/>
+          </a:lnRef>
+          <a:fillRef idx="0">
+            <a:srgbClr val="FFFFFF"/>
+          </a:fillRef>
+          <a:effectRef idx="0">
+            <a:srgbClr val="FFFFFF"/>
+          </a:effectRef>
+          <a:fontRef idx="minor">
+            <a:schemeClr val="tx1"/>
+          </a:fontRef>
+        </p:style>
+      </p:cxnSp>
+      <p:cxnSp>
+        <p:nvCxnSpPr>
+          <p:cNvPr id="29" name="直接箭头连接符 28"/>
+          <p:cNvCxnSpPr>
+            <a:endCxn id="11" idx="0"/>
+          </p:cNvCxnSpPr>
+          <p:nvPr>
+            <p:custDataLst>
+              <p:tags r:id="rId20"/>
+            </p:custDataLst>
+          </p:nvPr>
+        </p:nvCxnSpPr>
+        <p:spPr>
+          <a:xfrm flipH="1">
+            <a:off x="3542665" y="1172845"/>
+            <a:ext cx="125095" cy="245110"/>
+          </a:xfrm>
+          <a:prstGeom prst="straightConnector1">
+            <a:avLst/>
+          </a:prstGeom>
+          <a:solidFill>
+            <a:schemeClr val="tx1"/>
+          </a:solidFill>
+          <a:ln w="6350">
+            <a:solidFill>
+              <a:schemeClr val="tx1"/>
+            </a:solidFill>
+            <a:tailEnd type="none"/>
+          </a:ln>
+        </p:spPr>
+        <p:style>
+          <a:lnRef idx="2">
+            <a:schemeClr val="accent1"/>
+          </a:lnRef>
+          <a:fillRef idx="0">
+            <a:srgbClr val="FFFFFF"/>
+          </a:fillRef>
+          <a:effectRef idx="0">
+            <a:srgbClr val="FFFFFF"/>
+          </a:effectRef>
+          <a:fontRef idx="minor">
+            <a:schemeClr val="tx1"/>
+          </a:fontRef>
+        </p:style>
+      </p:cxnSp>
+      <p:cxnSp>
+        <p:nvCxnSpPr>
+          <p:cNvPr id="30" name="直接箭头连接符 29"/>
+          <p:cNvCxnSpPr>
+            <a:endCxn id="12" idx="0"/>
+          </p:cNvCxnSpPr>
+          <p:nvPr>
+            <p:custDataLst>
+              <p:tags r:id="rId21"/>
+            </p:custDataLst>
+          </p:nvPr>
+        </p:nvCxnSpPr>
+        <p:spPr>
+          <a:xfrm>
+            <a:off x="3667760" y="1172845"/>
+            <a:ext cx="227965" cy="245110"/>
+          </a:xfrm>
+          <a:prstGeom prst="straightConnector1">
+            <a:avLst/>
+          </a:prstGeom>
+          <a:solidFill>
+            <a:schemeClr val="tx1"/>
+          </a:solidFill>
+          <a:ln w="6350">
+            <a:solidFill>
+              <a:schemeClr val="tx1"/>
+            </a:solidFill>
+            <a:tailEnd type="none"/>
+          </a:ln>
+        </p:spPr>
+        <p:style>
+          <a:lnRef idx="2">
+            <a:schemeClr val="accent1"/>
+          </a:lnRef>
+          <a:fillRef idx="0">
+            <a:srgbClr val="FFFFFF"/>
+          </a:fillRef>
+          <a:effectRef idx="0">
+            <a:srgbClr val="FFFFFF"/>
+          </a:effectRef>
+          <a:fontRef idx="minor">
+            <a:schemeClr val="tx1"/>
+          </a:fontRef>
+        </p:style>
+      </p:cxnSp>
+      <p:cxnSp>
+        <p:nvCxnSpPr>
+          <p:cNvPr id="31" name="直接箭头连接符 30"/>
+          <p:cNvCxnSpPr>
+            <a:stCxn id="7" idx="4"/>
+            <a:endCxn id="14" idx="0"/>
+          </p:cNvCxnSpPr>
+          <p:nvPr>
+            <p:custDataLst>
+              <p:tags r:id="rId22"/>
+            </p:custDataLst>
+          </p:nvPr>
+        </p:nvCxnSpPr>
+        <p:spPr>
+          <a:xfrm>
+            <a:off x="2861310" y="1552575"/>
+            <a:ext cx="328295" cy="247650"/>
+          </a:xfrm>
+          <a:prstGeom prst="straightConnector1">
+            <a:avLst/>
+          </a:prstGeom>
+          <a:solidFill>
+            <a:schemeClr val="tx1"/>
+          </a:solidFill>
+          <a:ln w="6350">
+            <a:solidFill>
+              <a:schemeClr val="tx1"/>
+            </a:solidFill>
+            <a:tailEnd type="none"/>
+          </a:ln>
+        </p:spPr>
+        <p:style>
+          <a:lnRef idx="2">
+            <a:schemeClr val="accent1"/>
+          </a:lnRef>
+          <a:fillRef idx="0">
+            <a:srgbClr val="FFFFFF"/>
+          </a:fillRef>
+          <a:effectRef idx="0">
+            <a:srgbClr val="FFFFFF"/>
+          </a:effectRef>
+          <a:fontRef idx="minor">
+            <a:schemeClr val="tx1"/>
+          </a:fontRef>
+        </p:style>
+      </p:cxnSp>
+      <p:cxnSp>
+        <p:nvCxnSpPr>
+          <p:cNvPr id="32" name="直接箭头连接符 31"/>
+          <p:cNvCxnSpPr>
+            <a:endCxn id="15" idx="0"/>
+          </p:cNvCxnSpPr>
+          <p:nvPr>
+            <p:custDataLst>
+              <p:tags r:id="rId23"/>
+            </p:custDataLst>
+          </p:nvPr>
+        </p:nvCxnSpPr>
+        <p:spPr>
+          <a:xfrm>
+            <a:off x="2861310" y="1552575"/>
+            <a:ext cx="681355" cy="247650"/>
+          </a:xfrm>
+          <a:prstGeom prst="straightConnector1">
+            <a:avLst/>
+          </a:prstGeom>
+          <a:solidFill>
+            <a:schemeClr val="tx1"/>
+          </a:solidFill>
+          <a:ln w="6350">
+            <a:solidFill>
+              <a:schemeClr val="tx1"/>
+            </a:solidFill>
+            <a:tailEnd type="none"/>
+          </a:ln>
+        </p:spPr>
+        <p:style>
+          <a:lnRef idx="2">
+            <a:schemeClr val="accent1"/>
+          </a:lnRef>
+          <a:fillRef idx="0">
+            <a:srgbClr val="FFFFFF"/>
+          </a:fillRef>
+          <a:effectRef idx="0">
+            <a:srgbClr val="FFFFFF"/>
+          </a:effectRef>
+          <a:fontRef idx="minor">
+            <a:schemeClr val="tx1"/>
+          </a:fontRef>
+        </p:style>
+      </p:cxnSp>
+      <p:cxnSp>
+        <p:nvCxnSpPr>
+          <p:cNvPr id="33" name="直接箭头连接符 32"/>
+          <p:cNvCxnSpPr>
+            <a:stCxn id="10" idx="4"/>
+            <a:endCxn id="14" idx="0"/>
+          </p:cNvCxnSpPr>
+          <p:nvPr>
+            <p:custDataLst>
+              <p:tags r:id="rId24"/>
+            </p:custDataLst>
+          </p:nvPr>
+        </p:nvCxnSpPr>
+        <p:spPr>
+          <a:xfrm>
+            <a:off x="3189605" y="1552575"/>
+            <a:ext cx="0" cy="247650"/>
+          </a:xfrm>
+          <a:prstGeom prst="straightConnector1">
+            <a:avLst/>
+          </a:prstGeom>
+          <a:solidFill>
+            <a:schemeClr val="tx1"/>
+          </a:solidFill>
+          <a:ln w="6350">
+            <a:solidFill>
+              <a:schemeClr val="tx1"/>
+            </a:solidFill>
+            <a:tailEnd type="none"/>
+          </a:ln>
+        </p:spPr>
+        <p:style>
+          <a:lnRef idx="2">
+            <a:schemeClr val="accent1"/>
+          </a:lnRef>
+          <a:fillRef idx="0">
+            <a:srgbClr val="FFFFFF"/>
+          </a:fillRef>
+          <a:effectRef idx="0">
+            <a:srgbClr val="FFFFFF"/>
+          </a:effectRef>
+          <a:fontRef idx="minor">
+            <a:schemeClr val="tx1"/>
+          </a:fontRef>
+        </p:style>
+      </p:cxnSp>
+      <p:cxnSp>
+        <p:nvCxnSpPr>
+          <p:cNvPr id="34" name="直接箭头连接符 33"/>
+          <p:cNvCxnSpPr>
+            <a:endCxn id="15" idx="0"/>
+          </p:cNvCxnSpPr>
+          <p:nvPr>
+            <p:custDataLst>
+              <p:tags r:id="rId25"/>
+            </p:custDataLst>
+          </p:nvPr>
+        </p:nvCxnSpPr>
+        <p:spPr>
+          <a:xfrm>
+            <a:off x="3189605" y="1552575"/>
+            <a:ext cx="353060" cy="247650"/>
+          </a:xfrm>
+          <a:prstGeom prst="straightConnector1">
+            <a:avLst/>
+          </a:prstGeom>
+          <a:solidFill>
+            <a:schemeClr val="tx1"/>
+          </a:solidFill>
+          <a:ln w="6350">
+            <a:solidFill>
+              <a:schemeClr val="tx1"/>
+            </a:solidFill>
+            <a:tailEnd type="none"/>
+          </a:ln>
+        </p:spPr>
+        <p:style>
+          <a:lnRef idx="2">
+            <a:schemeClr val="accent1"/>
+          </a:lnRef>
+          <a:fillRef idx="0">
+            <a:srgbClr val="FFFFFF"/>
+          </a:fillRef>
+          <a:effectRef idx="0">
+            <a:srgbClr val="FFFFFF"/>
+          </a:effectRef>
+          <a:fontRef idx="minor">
+            <a:schemeClr val="tx1"/>
+          </a:fontRef>
+        </p:style>
+      </p:cxnSp>
+      <p:cxnSp>
+        <p:nvCxnSpPr>
+          <p:cNvPr id="35" name="直接箭头连接符 34"/>
+          <p:cNvCxnSpPr>
+            <a:stCxn id="11" idx="4"/>
+            <a:endCxn id="14" idx="0"/>
+          </p:cNvCxnSpPr>
+          <p:nvPr>
+            <p:custDataLst>
+              <p:tags r:id="rId26"/>
+            </p:custDataLst>
+          </p:nvPr>
+        </p:nvCxnSpPr>
+        <p:spPr>
+          <a:xfrm flipH="1">
+            <a:off x="3189605" y="1552575"/>
+            <a:ext cx="353060" cy="247650"/>
+          </a:xfrm>
+          <a:prstGeom prst="straightConnector1">
+            <a:avLst/>
+          </a:prstGeom>
+          <a:solidFill>
+            <a:schemeClr val="tx1"/>
+          </a:solidFill>
+          <a:ln w="6350">
+            <a:solidFill>
+              <a:schemeClr val="tx1"/>
+            </a:solidFill>
+            <a:tailEnd type="none"/>
+          </a:ln>
+        </p:spPr>
+        <p:style>
+          <a:lnRef idx="2">
+            <a:schemeClr val="accent1"/>
+          </a:lnRef>
+          <a:fillRef idx="0">
+            <a:srgbClr val="FFFFFF"/>
+          </a:fillRef>
+          <a:effectRef idx="0">
+            <a:srgbClr val="FFFFFF"/>
+          </a:effectRef>
+          <a:fontRef idx="minor">
+            <a:schemeClr val="tx1"/>
+          </a:fontRef>
+        </p:style>
+      </p:cxnSp>
+      <p:cxnSp>
+        <p:nvCxnSpPr>
+          <p:cNvPr id="36" name="直接箭头连接符 35"/>
+          <p:cNvCxnSpPr/>
+          <p:nvPr>
+            <p:custDataLst>
+              <p:tags r:id="rId27"/>
+            </p:custDataLst>
+          </p:nvPr>
+        </p:nvCxnSpPr>
+        <p:spPr>
+          <a:xfrm flipH="1">
+            <a:off x="3538855" y="1552575"/>
+            <a:ext cx="3810" cy="255270"/>
+          </a:xfrm>
+          <a:prstGeom prst="straightConnector1">
+            <a:avLst/>
+          </a:prstGeom>
+          <a:solidFill>
+            <a:schemeClr val="tx1"/>
+          </a:solidFill>
+          <a:ln w="6350">
+            <a:solidFill>
+              <a:schemeClr val="tx1"/>
+            </a:solidFill>
+            <a:tailEnd type="none"/>
+          </a:ln>
+        </p:spPr>
+        <p:style>
+          <a:lnRef idx="2">
+            <a:schemeClr val="accent1"/>
+          </a:lnRef>
+          <a:fillRef idx="0">
+            <a:srgbClr val="FFFFFF"/>
+          </a:fillRef>
+          <a:effectRef idx="0">
+            <a:srgbClr val="FFFFFF"/>
+          </a:effectRef>
+          <a:fontRef idx="minor">
+            <a:schemeClr val="tx1"/>
+          </a:fontRef>
+        </p:style>
+      </p:cxnSp>
+      <p:cxnSp>
+        <p:nvCxnSpPr>
+          <p:cNvPr id="37" name="直接箭头连接符 36"/>
+          <p:cNvCxnSpPr>
+            <a:endCxn id="14" idx="1"/>
+          </p:cNvCxnSpPr>
+          <p:nvPr>
+            <p:custDataLst>
+              <p:tags r:id="rId28"/>
+            </p:custDataLst>
+          </p:nvPr>
+        </p:nvCxnSpPr>
+        <p:spPr>
+          <a:xfrm flipH="1">
+            <a:off x="3143885" y="1552575"/>
+            <a:ext cx="751840" cy="267335"/>
+          </a:xfrm>
+          <a:prstGeom prst="straightConnector1">
+            <a:avLst/>
+          </a:prstGeom>
+          <a:solidFill>
+            <a:schemeClr val="tx1"/>
+          </a:solidFill>
+          <a:ln w="6350">
+            <a:solidFill>
+              <a:schemeClr val="tx1"/>
+            </a:solidFill>
+            <a:tailEnd type="none"/>
+          </a:ln>
+        </p:spPr>
+        <p:style>
+          <a:lnRef idx="2">
+            <a:schemeClr val="accent1"/>
+          </a:lnRef>
+          <a:fillRef idx="0">
+            <a:srgbClr val="FFFFFF"/>
+          </a:fillRef>
+          <a:effectRef idx="0">
+            <a:srgbClr val="FFFFFF"/>
+          </a:effectRef>
+          <a:fontRef idx="minor">
+            <a:schemeClr val="tx1"/>
+          </a:fontRef>
+        </p:style>
+      </p:cxnSp>
+      <p:cxnSp>
+        <p:nvCxnSpPr>
+          <p:cNvPr id="39" name="直接箭头连接符 38"/>
+          <p:cNvCxnSpPr>
+            <a:endCxn id="15" idx="0"/>
+          </p:cNvCxnSpPr>
+          <p:nvPr>
+            <p:custDataLst>
+              <p:tags r:id="rId29"/>
+            </p:custDataLst>
+          </p:nvPr>
+        </p:nvCxnSpPr>
+        <p:spPr>
+          <a:xfrm flipH="1">
+            <a:off x="3542665" y="1552575"/>
+            <a:ext cx="334645" cy="247650"/>
+          </a:xfrm>
+          <a:prstGeom prst="straightConnector1">
+            <a:avLst/>
+          </a:prstGeom>
+          <a:solidFill>
+            <a:schemeClr val="tx1"/>
+          </a:solidFill>
+          <a:ln w="6350">
+            <a:solidFill>
+              <a:schemeClr val="tx1"/>
+            </a:solidFill>
+            <a:tailEnd type="none"/>
+          </a:ln>
+        </p:spPr>
+        <p:style>
+          <a:lnRef idx="2">
+            <a:schemeClr val="accent1"/>
+          </a:lnRef>
+          <a:fillRef idx="0">
+            <a:srgbClr val="FFFFFF"/>
+          </a:fillRef>
+          <a:effectRef idx="0">
+            <a:srgbClr val="FFFFFF"/>
+          </a:effectRef>
+          <a:fontRef idx="minor">
+            <a:schemeClr val="tx1"/>
+          </a:fontRef>
+        </p:style>
+      </p:cxnSp>
+      <p:sp>
+        <p:nvSpPr>
+          <p:cNvPr id="40" name="文本框 39"/>
+          <p:cNvSpPr txBox="1"/>
+          <p:nvPr>
+            <p:custDataLst>
+              <p:tags r:id="rId30"/>
+            </p:custDataLst>
+          </p:nvPr>
+        </p:nvSpPr>
+        <p:spPr>
+          <a:xfrm>
+            <a:off x="2167890" y="972820"/>
+            <a:ext cx="563245" cy="245110"/>
+          </a:xfrm>
+          <a:prstGeom prst="rect">
+            <a:avLst/>
+          </a:prstGeom>
+          <a:noFill/>
+        </p:spPr>
+        <p:txBody>
+          <a:bodyPr wrap="square" rtlCol="0">
+            <a:spAutoFit/>
+          </a:bodyPr>
+          <a:p>
+            <a:r>
+              <a:rPr lang="en-US" altLang="zh-CN" sz="1000"/>
+              <a:t>Layer 1</a:t>
+            </a:r>
+            <a:endParaRPr lang="en-US" altLang="zh-CN" sz="1000"/>
+          </a:p>
+        </p:txBody>
+      </p:sp>
+      <p:sp>
+        <p:nvSpPr>
+          <p:cNvPr id="41" name="文本框 40"/>
+          <p:cNvSpPr txBox="1"/>
+          <p:nvPr>
+            <p:custDataLst>
+              <p:tags r:id="rId31"/>
+            </p:custDataLst>
+          </p:nvPr>
+        </p:nvSpPr>
+        <p:spPr>
+          <a:xfrm>
+            <a:off x="2167890" y="1344930"/>
+            <a:ext cx="563245" cy="245110"/>
+          </a:xfrm>
+          <a:prstGeom prst="rect">
+            <a:avLst/>
+          </a:prstGeom>
+          <a:noFill/>
+        </p:spPr>
+        <p:txBody>
+          <a:bodyPr wrap="square" rtlCol="0">
+            <a:spAutoFit/>
+          </a:bodyPr>
+          <a:p>
+            <a:r>
+              <a:rPr lang="en-US" altLang="zh-CN" sz="1000"/>
+              <a:t>Layer 2</a:t>
+            </a:r>
+            <a:endParaRPr lang="en-US" altLang="zh-CN" sz="1000"/>
+          </a:p>
+        </p:txBody>
+      </p:sp>
+      <p:sp>
+        <p:nvSpPr>
+          <p:cNvPr id="45" name="文本框 44"/>
+          <p:cNvSpPr txBox="1"/>
+          <p:nvPr>
+            <p:custDataLst>
+              <p:tags r:id="rId32"/>
+            </p:custDataLst>
+          </p:nvPr>
+        </p:nvSpPr>
+        <p:spPr>
+          <a:xfrm>
+            <a:off x="2167890" y="1717040"/>
+            <a:ext cx="563245" cy="245110"/>
+          </a:xfrm>
+          <a:prstGeom prst="rect">
+            <a:avLst/>
+          </a:prstGeom>
+          <a:noFill/>
+        </p:spPr>
+        <p:txBody>
+          <a:bodyPr wrap="square" rtlCol="0">
+            <a:spAutoFit/>
+          </a:bodyPr>
+          <a:p>
+            <a:r>
+              <a:rPr lang="en-US" altLang="zh-CN" sz="1000"/>
+              <a:t>Layer 3</a:t>
+            </a:r>
+            <a:endParaRPr lang="en-US" altLang="zh-CN" sz="1000"/>
+          </a:p>
+        </p:txBody>
+      </p:sp>
+      <p:sp>
+        <p:nvSpPr>
+          <p:cNvPr id="54" name="文本框 53"/>
+          <p:cNvSpPr txBox="1"/>
+          <p:nvPr/>
+        </p:nvSpPr>
+        <p:spPr>
+          <a:xfrm rot="16200000">
+            <a:off x="3209290" y="1993900"/>
+            <a:ext cx="329565" cy="336550"/>
+          </a:xfrm>
+          <a:prstGeom prst="rect">
+            <a:avLst/>
+          </a:prstGeom>
+          <a:noFill/>
+        </p:spPr>
+        <p:txBody>
+          <a:bodyPr wrap="square" rtlCol="0">
+            <a:noAutofit/>
+          </a:bodyPr>
+          <a:p>
+            <a:pPr indent="0" fontAlgn="auto"/>
+            <a:r>
+              <a:rPr lang="en-US" altLang="zh-CN" sz="1200" b="1"/>
+              <a:t>....</a:t>
+            </a:r>
+            <a:endParaRPr lang="en-US" altLang="zh-CN" sz="1200" b="1"/>
+          </a:p>
+        </p:txBody>
+      </p:sp>
+      <p:sp>
+        <p:nvSpPr>
+          <p:cNvPr id="55" name="文本框 54"/>
+          <p:cNvSpPr txBox="1"/>
+          <p:nvPr/>
+        </p:nvSpPr>
+        <p:spPr>
+          <a:xfrm rot="16200000">
+            <a:off x="2253615" y="1986280"/>
+            <a:ext cx="329565" cy="336550"/>
+          </a:xfrm>
+          <a:prstGeom prst="rect">
+            <a:avLst/>
+          </a:prstGeom>
+          <a:noFill/>
+        </p:spPr>
+        <p:txBody>
+          <a:bodyPr wrap="square" rtlCol="0">
+            <a:noAutofit/>
+          </a:bodyPr>
+          <a:p>
+            <a:pPr indent="0" fontAlgn="auto"/>
+            <a:r>
+              <a:rPr lang="en-US" altLang="zh-CN" sz="1200" b="1"/>
+              <a:t>....</a:t>
+            </a:r>
+            <a:endParaRPr lang="en-US" altLang="zh-CN" sz="1200" b="1"/>
+          </a:p>
+        </p:txBody>
+      </p:sp>
+      <p:sp>
+        <p:nvSpPr>
+          <p:cNvPr id="56" name="文本框 55"/>
+          <p:cNvSpPr txBox="1"/>
+          <p:nvPr>
+            <p:custDataLst>
+              <p:tags r:id="rId33"/>
+            </p:custDataLst>
+          </p:nvPr>
+        </p:nvSpPr>
+        <p:spPr>
+          <a:xfrm>
+            <a:off x="4197350" y="972820"/>
+            <a:ext cx="974725" cy="245110"/>
+          </a:xfrm>
+          <a:prstGeom prst="rect">
+            <a:avLst/>
+          </a:prstGeom>
+          <a:noFill/>
+        </p:spPr>
+        <p:txBody>
+          <a:bodyPr wrap="square" rtlCol="0">
+            <a:spAutoFit/>
+          </a:bodyPr>
+          <a:p>
+            <a:r>
+              <a:rPr lang="en-US" altLang="zh-CN" sz="1000"/>
+              <a:t>: neuron</a:t>
+            </a:r>
+            <a:endParaRPr lang="en-US" altLang="zh-CN" sz="1000"/>
+          </a:p>
+        </p:txBody>
+      </p:sp>
+      <p:sp>
+        <p:nvSpPr>
+          <p:cNvPr id="59" name="椭圆 58"/>
+          <p:cNvSpPr/>
+          <p:nvPr>
+            <p:custDataLst>
+              <p:tags r:id="rId34"/>
+            </p:custDataLst>
+          </p:nvPr>
+        </p:nvSpPr>
+        <p:spPr>
+          <a:xfrm>
+            <a:off x="4136390" y="1038225"/>
+            <a:ext cx="127635" cy="134620"/>
+          </a:xfrm>
+          <a:prstGeom prst="ellipse">
+            <a:avLst/>
+          </a:prstGeom>
+          <a:solidFill>
+            <a:schemeClr val="tx1"/>
+          </a:solidFill>
+          <a:ln>
+            <a:solidFill>
+              <a:schemeClr val="tx1"/>
+            </a:solidFill>
+          </a:ln>
+        </p:spPr>
+        <p:style>
+          <a:lnRef idx="2">
+            <a:schemeClr val="accent1">
+              <a:lumMod val="75000"/>
+            </a:schemeClr>
+          </a:lnRef>
+          <a:fillRef idx="1">
+            <a:schemeClr val="accent1"/>
+          </a:fillRef>
+          <a:effectRef idx="0">
+            <a:srgbClr val="FFFFFF"/>
+          </a:effectRef>
+          <a:fontRef idx="minor">
+            <a:schemeClr val="lt1"/>
+          </a:fontRef>
+        </p:style>
+        <p:txBody>
+          <a:bodyPr rtlCol="0" anchor="ctr"/>
+          <a:p>
+            <a:pPr algn="ctr"/>
+            <a:endParaRPr lang="zh-CN" altLang="en-US"/>
+          </a:p>
+        </p:txBody>
+      </p:sp>
+    </p:spTree>
+  </p:cSld>
+  <p:clrMapOvr>
+    <a:masterClrMapping/>
+  </p:clrMapOvr>
+</p:sld>
+</file>
+
+<file path=ppt/slides/slide4.xml><?xml version="1.0" encoding="utf-8"?>
+<p:sld xmlns:a="http://schemas.openxmlformats.org/drawingml/2006/main" xmlns:r="http://schemas.openxmlformats.org/officeDocument/2006/relationships" xmlns:p="http://schemas.openxmlformats.org/presentationml/2006/main">
+  <p:cSld>
+    <p:spTree>
+      <p:nvGrpSpPr>
+        <p:cNvPr id="1" name=""/>
+        <p:cNvGrpSpPr/>
+        <p:nvPr/>
+      </p:nvGrpSpPr>
+      <p:grpSpPr/>
+      <p:sp>
+        <p:nvSpPr>
           <p:cNvPr id="3" name="矩形 2"/>
           <p:cNvSpPr/>
           <p:nvPr/>
@@ -6974,7 +8599,7 @@
 </p:sld>
 </file>
 
-<file path=ppt/slides/slide4.xml><?xml version="1.0" encoding="utf-8"?>
+<file path=ppt/slides/slide5.xml><?xml version="1.0" encoding="utf-8"?>
 <p:sld xmlns:a="http://schemas.openxmlformats.org/drawingml/2006/main" xmlns:r="http://schemas.openxmlformats.org/officeDocument/2006/relationships" xmlns:p="http://schemas.openxmlformats.org/presentationml/2006/main">
   <p:cSld>
     <p:spTree>
@@ -11636,7 +13261,7 @@
 </p:sld>
 </file>
 
-<file path=ppt/slides/slide5.xml><?xml version="1.0" encoding="utf-8"?>
+<file path=ppt/slides/slide6.xml><?xml version="1.0" encoding="utf-8"?>
 <p:sld xmlns:a="http://schemas.openxmlformats.org/drawingml/2006/main" xmlns:r="http://schemas.openxmlformats.org/officeDocument/2006/relationships" xmlns:p="http://schemas.openxmlformats.org/presentationml/2006/main">
   <p:cSld>
     <p:spTree>
@@ -13499,7 +15124,7 @@
 </p:sld>
 </file>
 
-<file path=ppt/slides/slide6.xml><?xml version="1.0" encoding="utf-8"?>
+<file path=ppt/slides/slide7.xml><?xml version="1.0" encoding="utf-8"?>
 <p:sld xmlns:a="http://schemas.openxmlformats.org/drawingml/2006/main" xmlns:r="http://schemas.openxmlformats.org/officeDocument/2006/relationships" xmlns:p="http://schemas.openxmlformats.org/presentationml/2006/main">
   <p:cSld>
     <p:spTree>
@@ -14590,7 +16215,25 @@
 
 <file path=ppt/tags/tag16.xml><?xml version="1.0" encoding="utf-8"?>
 <p:tagLst xmlns:p="http://schemas.openxmlformats.org/presentationml/2006/main">
-  <p:tag name="commondata" val="eyJoZGlkIjoiZjcyMjcxMTdiYTllMjE2YzMzOTRjODU0MWE0MzFhOTkifQ=="/>
+  <p:tag name="KSO_WM_DIAGRAM_VIRTUALLY_FRAME" val="{&quot;height&quot;:77.9,&quot;left&quot;:220.25,&quot;top&quot;:77.2,&quot;width&quot;:139.75}"/>
+</p:tagLst>
+</file>
+
+<file path=ppt/tags/tag17.xml><?xml version="1.0" encoding="utf-8"?>
+<p:tagLst xmlns:p="http://schemas.openxmlformats.org/presentationml/2006/main">
+  <p:tag name="KSO_WM_DIAGRAM_VIRTUALLY_FRAME" val="{&quot;height&quot;:77.9,&quot;left&quot;:220.25,&quot;top&quot;:77.2,&quot;width&quot;:139.75}"/>
+</p:tagLst>
+</file>
+
+<file path=ppt/tags/tag18.xml><?xml version="1.0" encoding="utf-8"?>
+<p:tagLst xmlns:p="http://schemas.openxmlformats.org/presentationml/2006/main">
+  <p:tag name="KSO_WM_DIAGRAM_VIRTUALLY_FRAME" val="{&quot;height&quot;:77.9,&quot;left&quot;:220.25,&quot;top&quot;:77.2,&quot;width&quot;:139.75}"/>
+</p:tagLst>
+</file>
+
+<file path=ppt/tags/tag19.xml><?xml version="1.0" encoding="utf-8"?>
+<p:tagLst xmlns:p="http://schemas.openxmlformats.org/presentationml/2006/main">
+  <p:tag name="KSO_WM_DIAGRAM_VIRTUALLY_FRAME" val="{&quot;height&quot;:77.9,&quot;left&quot;:220.25,&quot;top&quot;:77.2,&quot;width&quot;:139.75}"/>
 </p:tagLst>
 </file>
 
@@ -14600,9 +16243,129 @@
 </p:tagLst>
 </file>
 
+<file path=ppt/tags/tag20.xml><?xml version="1.0" encoding="utf-8"?>
+<p:tagLst xmlns:p="http://schemas.openxmlformats.org/presentationml/2006/main">
+  <p:tag name="KSO_WM_DIAGRAM_VIRTUALLY_FRAME" val="{&quot;height&quot;:77.9,&quot;left&quot;:220.25,&quot;top&quot;:77.2,&quot;width&quot;:139.75}"/>
+</p:tagLst>
+</file>
+
+<file path=ppt/tags/tag21.xml><?xml version="1.0" encoding="utf-8"?>
+<p:tagLst xmlns:p="http://schemas.openxmlformats.org/presentationml/2006/main">
+  <p:tag name="KSO_WM_DIAGRAM_VIRTUALLY_FRAME" val="{&quot;height&quot;:77.9,&quot;left&quot;:220.25,&quot;top&quot;:77.2,&quot;width&quot;:139.75}"/>
+</p:tagLst>
+</file>
+
+<file path=ppt/tags/tag22.xml><?xml version="1.0" encoding="utf-8"?>
+<p:tagLst xmlns:p="http://schemas.openxmlformats.org/presentationml/2006/main">
+  <p:tag name="KSO_WM_DIAGRAM_VIRTUALLY_FRAME" val="{&quot;height&quot;:77.9,&quot;left&quot;:220.25,&quot;top&quot;:77.2,&quot;width&quot;:139.75}"/>
+</p:tagLst>
+</file>
+
+<file path=ppt/tags/tag23.xml><?xml version="1.0" encoding="utf-8"?>
+<p:tagLst xmlns:p="http://schemas.openxmlformats.org/presentationml/2006/main">
+  <p:tag name="KSO_WM_DIAGRAM_VIRTUALLY_FRAME" val="{&quot;height&quot;:77.9,&quot;left&quot;:220.25,&quot;top&quot;:77.2,&quot;width&quot;:139.75}"/>
+</p:tagLst>
+</file>
+
+<file path=ppt/tags/tag24.xml><?xml version="1.0" encoding="utf-8"?>
+<p:tagLst xmlns:p="http://schemas.openxmlformats.org/presentationml/2006/main">
+  <p:tag name="KSO_WM_DIAGRAM_VIRTUALLY_FRAME" val="{&quot;height&quot;:77.9,&quot;left&quot;:220.25,&quot;top&quot;:77.2,&quot;width&quot;:139.75}"/>
+</p:tagLst>
+</file>
+
+<file path=ppt/tags/tag25.xml><?xml version="1.0" encoding="utf-8"?>
+<p:tagLst xmlns:p="http://schemas.openxmlformats.org/presentationml/2006/main">
+  <p:tag name="KSO_WM_DIAGRAM_VIRTUALLY_FRAME" val="{&quot;height&quot;:77.9,&quot;left&quot;:220.25,&quot;top&quot;:77.2,&quot;width&quot;:139.75}"/>
+</p:tagLst>
+</file>
+
+<file path=ppt/tags/tag26.xml><?xml version="1.0" encoding="utf-8"?>
+<p:tagLst xmlns:p="http://schemas.openxmlformats.org/presentationml/2006/main">
+  <p:tag name="KSO_WM_DIAGRAM_VIRTUALLY_FRAME" val="{&quot;height&quot;:77.9,&quot;left&quot;:220.25,&quot;top&quot;:77.2,&quot;width&quot;:139.75}"/>
+</p:tagLst>
+</file>
+
+<file path=ppt/tags/tag27.xml><?xml version="1.0" encoding="utf-8"?>
+<p:tagLst xmlns:p="http://schemas.openxmlformats.org/presentationml/2006/main">
+  <p:tag name="KSO_WM_DIAGRAM_VIRTUALLY_FRAME" val="{&quot;height&quot;:77.9,&quot;left&quot;:220.25,&quot;top&quot;:77.2,&quot;width&quot;:139.75}"/>
+</p:tagLst>
+</file>
+
+<file path=ppt/tags/tag28.xml><?xml version="1.0" encoding="utf-8"?>
+<p:tagLst xmlns:p="http://schemas.openxmlformats.org/presentationml/2006/main">
+  <p:tag name="KSO_WM_DIAGRAM_VIRTUALLY_FRAME" val="{&quot;height&quot;:77.9,&quot;left&quot;:220.25,&quot;top&quot;:77.2,&quot;width&quot;:139.75}"/>
+</p:tagLst>
+</file>
+
+<file path=ppt/tags/tag29.xml><?xml version="1.0" encoding="utf-8"?>
+<p:tagLst xmlns:p="http://schemas.openxmlformats.org/presentationml/2006/main">
+  <p:tag name="KSO_WM_DIAGRAM_VIRTUALLY_FRAME" val="{&quot;height&quot;:77.9,&quot;left&quot;:220.25,&quot;top&quot;:77.2,&quot;width&quot;:139.75}"/>
+</p:tagLst>
+</file>
+
 <file path=ppt/tags/tag3.xml><?xml version="1.0" encoding="utf-8"?>
 <p:tagLst xmlns:p="http://schemas.openxmlformats.org/presentationml/2006/main">
   <p:tag name="KSO_WM_DIAGRAM_VIRTUALLY_FRAME" val="{&quot;height&quot;:174.8,&quot;left&quot;:259.7,&quot;top&quot;:148.1,&quot;width&quot;:348.65}"/>
+</p:tagLst>
+</file>
+
+<file path=ppt/tags/tag30.xml><?xml version="1.0" encoding="utf-8"?>
+<p:tagLst xmlns:p="http://schemas.openxmlformats.org/presentationml/2006/main">
+  <p:tag name="KSO_WM_DIAGRAM_VIRTUALLY_FRAME" val="{&quot;height&quot;:77.9,&quot;left&quot;:220.25,&quot;top&quot;:77.2,&quot;width&quot;:139.75}"/>
+</p:tagLst>
+</file>
+
+<file path=ppt/tags/tag31.xml><?xml version="1.0" encoding="utf-8"?>
+<p:tagLst xmlns:p="http://schemas.openxmlformats.org/presentationml/2006/main">
+  <p:tag name="KSO_WM_DIAGRAM_VIRTUALLY_FRAME" val="{&quot;height&quot;:77.9,&quot;left&quot;:220.25,&quot;top&quot;:77.2,&quot;width&quot;:139.75}"/>
+</p:tagLst>
+</file>
+
+<file path=ppt/tags/tag32.xml><?xml version="1.0" encoding="utf-8"?>
+<p:tagLst xmlns:p="http://schemas.openxmlformats.org/presentationml/2006/main">
+  <p:tag name="KSO_WM_DIAGRAM_VIRTUALLY_FRAME" val="{&quot;height&quot;:77.9,&quot;left&quot;:220.25,&quot;top&quot;:77.2,&quot;width&quot;:139.75}"/>
+</p:tagLst>
+</file>
+
+<file path=ppt/tags/tag33.xml><?xml version="1.0" encoding="utf-8"?>
+<p:tagLst xmlns:p="http://schemas.openxmlformats.org/presentationml/2006/main">
+  <p:tag name="KSO_WM_DIAGRAM_VIRTUALLY_FRAME" val="{&quot;height&quot;:77.9,&quot;left&quot;:220.25,&quot;top&quot;:77.2,&quot;width&quot;:139.75}"/>
+</p:tagLst>
+</file>
+
+<file path=ppt/tags/tag34.xml><?xml version="1.0" encoding="utf-8"?>
+<p:tagLst xmlns:p="http://schemas.openxmlformats.org/presentationml/2006/main">
+  <p:tag name="KSO_WM_DIAGRAM_VIRTUALLY_FRAME" val="{&quot;height&quot;:77.9,&quot;left&quot;:220.25,&quot;top&quot;:77.2,&quot;width&quot;:139.75}"/>
+</p:tagLst>
+</file>
+
+<file path=ppt/tags/tag35.xml><?xml version="1.0" encoding="utf-8"?>
+<p:tagLst xmlns:p="http://schemas.openxmlformats.org/presentationml/2006/main">
+  <p:tag name="KSO_WM_DIAGRAM_VIRTUALLY_FRAME" val="{&quot;height&quot;:77.9,&quot;left&quot;:220.25,&quot;top&quot;:77.2,&quot;width&quot;:139.75}"/>
+</p:tagLst>
+</file>
+
+<file path=ppt/tags/tag36.xml><?xml version="1.0" encoding="utf-8"?>
+<p:tagLst xmlns:p="http://schemas.openxmlformats.org/presentationml/2006/main">
+  <p:tag name="KSO_WM_DIAGRAM_VIRTUALLY_FRAME" val="{&quot;height&quot;:77.9,&quot;left&quot;:220.25,&quot;top&quot;:77.2,&quot;width&quot;:139.75}"/>
+</p:tagLst>
+</file>
+
+<file path=ppt/tags/tag37.xml><?xml version="1.0" encoding="utf-8"?>
+<p:tagLst xmlns:p="http://schemas.openxmlformats.org/presentationml/2006/main">
+  <p:tag name="KSO_WM_DIAGRAM_VIRTUALLY_FRAME" val="{&quot;height&quot;:77.9,&quot;left&quot;:220.25,&quot;top&quot;:77.2,&quot;width&quot;:139.75}"/>
+</p:tagLst>
+</file>
+
+<file path=ppt/tags/tag38.xml><?xml version="1.0" encoding="utf-8"?>
+<p:tagLst xmlns:p="http://schemas.openxmlformats.org/presentationml/2006/main">
+  <p:tag name="KSO_WM_DIAGRAM_VIRTUALLY_FRAME" val="{&quot;height&quot;:77.9,&quot;left&quot;:220.25,&quot;top&quot;:77.2,&quot;width&quot;:139.75}"/>
+</p:tagLst>
+</file>
+
+<file path=ppt/tags/tag39.xml><?xml version="1.0" encoding="utf-8"?>
+<p:tagLst xmlns:p="http://schemas.openxmlformats.org/presentationml/2006/main">
+  <p:tag name="KSO_WM_DIAGRAM_VIRTUALLY_FRAME" val="{&quot;height&quot;:77.9,&quot;left&quot;:220.25,&quot;top&quot;:77.2,&quot;width&quot;:139.75}"/>
 </p:tagLst>
 </file>
 
@@ -14612,9 +16375,75 @@
 </p:tagLst>
 </file>
 
+<file path=ppt/tags/tag40.xml><?xml version="1.0" encoding="utf-8"?>
+<p:tagLst xmlns:p="http://schemas.openxmlformats.org/presentationml/2006/main">
+  <p:tag name="KSO_WM_DIAGRAM_VIRTUALLY_FRAME" val="{&quot;height&quot;:77.9,&quot;left&quot;:220.25,&quot;top&quot;:77.2,&quot;width&quot;:139.75}"/>
+</p:tagLst>
+</file>
+
+<file path=ppt/tags/tag41.xml><?xml version="1.0" encoding="utf-8"?>
+<p:tagLst xmlns:p="http://schemas.openxmlformats.org/presentationml/2006/main">
+  <p:tag name="KSO_WM_DIAGRAM_VIRTUALLY_FRAME" val="{&quot;height&quot;:77.9,&quot;left&quot;:220.25,&quot;top&quot;:77.2,&quot;width&quot;:139.75}"/>
+</p:tagLst>
+</file>
+
+<file path=ppt/tags/tag42.xml><?xml version="1.0" encoding="utf-8"?>
+<p:tagLst xmlns:p="http://schemas.openxmlformats.org/presentationml/2006/main">
+  <p:tag name="KSO_WM_DIAGRAM_VIRTUALLY_FRAME" val="{&quot;height&quot;:77.9,&quot;left&quot;:220.25,&quot;top&quot;:77.2,&quot;width&quot;:139.75}"/>
+</p:tagLst>
+</file>
+
+<file path=ppt/tags/tag43.xml><?xml version="1.0" encoding="utf-8"?>
+<p:tagLst xmlns:p="http://schemas.openxmlformats.org/presentationml/2006/main">
+  <p:tag name="KSO_WM_DIAGRAM_VIRTUALLY_FRAME" val="{&quot;height&quot;:77.9,&quot;left&quot;:220.25,&quot;top&quot;:77.2,&quot;width&quot;:139.75}"/>
+</p:tagLst>
+</file>
+
+<file path=ppt/tags/tag44.xml><?xml version="1.0" encoding="utf-8"?>
+<p:tagLst xmlns:p="http://schemas.openxmlformats.org/presentationml/2006/main">
+  <p:tag name="KSO_WM_DIAGRAM_VIRTUALLY_FRAME" val="{&quot;height&quot;:77.9,&quot;left&quot;:220.25,&quot;top&quot;:77.2,&quot;width&quot;:139.75}"/>
+</p:tagLst>
+</file>
+
+<file path=ppt/tags/tag45.xml><?xml version="1.0" encoding="utf-8"?>
+<p:tagLst xmlns:p="http://schemas.openxmlformats.org/presentationml/2006/main">
+  <p:tag name="KSO_WM_DIAGRAM_VIRTUALLY_FRAME" val="{&quot;height&quot;:77.9,&quot;left&quot;:220.25,&quot;top&quot;:77.2,&quot;width&quot;:139.75}"/>
+</p:tagLst>
+</file>
+
+<file path=ppt/tags/tag46.xml><?xml version="1.0" encoding="utf-8"?>
+<p:tagLst xmlns:p="http://schemas.openxmlformats.org/presentationml/2006/main">
+  <p:tag name="KSO_WM_DIAGRAM_VIRTUALLY_FRAME" val="{&quot;height&quot;:77.9,&quot;left&quot;:220.25,&quot;top&quot;:77.2,&quot;width&quot;:139.75}"/>
+</p:tagLst>
+</file>
+
+<file path=ppt/tags/tag47.xml><?xml version="1.0" encoding="utf-8"?>
+<p:tagLst xmlns:p="http://schemas.openxmlformats.org/presentationml/2006/main">
+  <p:tag name="KSO_WM_DIAGRAM_VIRTUALLY_FRAME" val="{&quot;height&quot;:77.9,&quot;left&quot;:220.25,&quot;top&quot;:77.2,&quot;width&quot;:139.75}"/>
+</p:tagLst>
+</file>
+
+<file path=ppt/tags/tag48.xml><?xml version="1.0" encoding="utf-8"?>
+<p:tagLst xmlns:p="http://schemas.openxmlformats.org/presentationml/2006/main">
+  <p:tag name="KSO_WM_DIAGRAM_VIRTUALLY_FRAME" val="{&quot;height&quot;:77.9,&quot;left&quot;:220.25,&quot;top&quot;:77.2,&quot;width&quot;:139.75}"/>
+</p:tagLst>
+</file>
+
+<file path=ppt/tags/tag49.xml><?xml version="1.0" encoding="utf-8"?>
+<p:tagLst xmlns:p="http://schemas.openxmlformats.org/presentationml/2006/main">
+  <p:tag name="KSO_WM_DIAGRAM_VIRTUALLY_FRAME" val="{&quot;height&quot;:77.9,&quot;left&quot;:220.25,&quot;top&quot;:77.2,&quot;width&quot;:139.75}"/>
+</p:tagLst>
+</file>
+
 <file path=ppt/tags/tag5.xml><?xml version="1.0" encoding="utf-8"?>
 <p:tagLst xmlns:p="http://schemas.openxmlformats.org/presentationml/2006/main">
   <p:tag name="KSO_WM_DIAGRAM_VIRTUALLY_FRAME" val="{&quot;height&quot;:174.8,&quot;left&quot;:259.7,&quot;top&quot;:148.1,&quot;width&quot;:348.65}"/>
+</p:tagLst>
+</file>
+
+<file path=ppt/tags/tag50.xml><?xml version="1.0" encoding="utf-8"?>
+<p:tagLst xmlns:p="http://schemas.openxmlformats.org/presentationml/2006/main">
+  <p:tag name="commondata" val="eyJoZGlkIjoiZjcyMjcxMTdiYTllMjE2YzMzOTRjODU0MWE0MzFhOTkifQ=="/>
 </p:tagLst>
 </file>
 

--- a/插图制作.pptx
+++ b/插图制作.pptx
@@ -12,11 +12,12 @@
     <p:sldId id="259" r:id="rId7"/>
     <p:sldId id="260" r:id="rId8"/>
     <p:sldId id="261" r:id="rId9"/>
+    <p:sldId id="267" r:id="rId10"/>
   </p:sldIdLst>
   <p:sldSz cx="12192000" cy="6858000"/>
   <p:notesSz cx="6858000" cy="9144000"/>
   <p:custDataLst>
-    <p:tags r:id="rId13"/>
+    <p:tags r:id="rId14"/>
   </p:custDataLst>
   <p:defaultTextStyle>
     <a:defPPr>
@@ -16171,6 +16172,2685 @@
 </p:sld>
 </file>
 
+<file path=ppt/slides/slide8.xml><?xml version="1.0" encoding="utf-8"?>
+<p:sld xmlns:a="http://schemas.openxmlformats.org/drawingml/2006/main" xmlns:r="http://schemas.openxmlformats.org/officeDocument/2006/relationships" xmlns:p="http://schemas.openxmlformats.org/presentationml/2006/main">
+  <p:cSld>
+    <p:bg>
+      <p:bgPr>
+        <a:solidFill>
+          <a:schemeClr val="bg1">
+            <a:alpha val="84000"/>
+          </a:schemeClr>
+        </a:solidFill>
+        <a:effectLst/>
+      </p:bgPr>
+    </p:bg>
+    <p:spTree>
+      <p:nvGrpSpPr>
+        <p:cNvPr id="1" name=""/>
+        <p:cNvGrpSpPr/>
+        <p:nvPr/>
+      </p:nvGrpSpPr>
+      <p:grpSpPr/>
+      <p:sp>
+        <p:nvSpPr>
+          <p:cNvPr id="7" name="矩形 6"/>
+          <p:cNvSpPr/>
+          <p:nvPr/>
+        </p:nvSpPr>
+        <p:spPr>
+          <a:xfrm>
+            <a:off x="1112520" y="1727200"/>
+            <a:ext cx="1318895" cy="1708785"/>
+          </a:xfrm>
+          <a:prstGeom prst="rect">
+            <a:avLst/>
+          </a:prstGeom>
+          <a:solidFill>
+            <a:schemeClr val="accent1">
+              <a:lumMod val="20000"/>
+              <a:lumOff val="80000"/>
+            </a:schemeClr>
+          </a:solidFill>
+          <a:scene3d>
+            <a:camera prst="orthographicFront">
+              <a:rot lat="19800000" lon="2400000" rev="0"/>
+            </a:camera>
+            <a:lightRig rig="threePt" dir="t"/>
+          </a:scene3d>
+        </p:spPr>
+        <p:style>
+          <a:lnRef idx="2">
+            <a:schemeClr val="accent1">
+              <a:lumMod val="75000"/>
+            </a:schemeClr>
+          </a:lnRef>
+          <a:fillRef idx="1">
+            <a:schemeClr val="accent1"/>
+          </a:fillRef>
+          <a:effectRef idx="0">
+            <a:srgbClr val="FFFFFF"/>
+          </a:effectRef>
+          <a:fontRef idx="minor">
+            <a:schemeClr val="lt1"/>
+          </a:fontRef>
+        </p:style>
+        <p:txBody>
+          <a:bodyPr rtlCol="0" anchor="ctr"/>
+          <a:p>
+            <a:pPr algn="ctr"/>
+            <a:endParaRPr lang="zh-CN" altLang="en-US"/>
+          </a:p>
+        </p:txBody>
+      </p:sp>
+      <p:sp>
+        <p:nvSpPr>
+          <p:cNvPr id="14" name="矩形 13"/>
+          <p:cNvSpPr/>
+          <p:nvPr/>
+        </p:nvSpPr>
+        <p:spPr>
+          <a:xfrm>
+            <a:off x="1297940" y="1802765"/>
+            <a:ext cx="1318895" cy="1708785"/>
+          </a:xfrm>
+          <a:prstGeom prst="rect">
+            <a:avLst/>
+          </a:prstGeom>
+          <a:solidFill>
+            <a:schemeClr val="accent1">
+              <a:lumMod val="40000"/>
+              <a:lumOff val="60000"/>
+            </a:schemeClr>
+          </a:solidFill>
+          <a:scene3d>
+            <a:camera prst="orthographicFront">
+              <a:rot lat="19800000" lon="2400000" rev="0"/>
+            </a:camera>
+            <a:lightRig rig="threePt" dir="t"/>
+          </a:scene3d>
+        </p:spPr>
+        <p:style>
+          <a:lnRef idx="2">
+            <a:schemeClr val="accent1">
+              <a:lumMod val="75000"/>
+            </a:schemeClr>
+          </a:lnRef>
+          <a:fillRef idx="1">
+            <a:schemeClr val="accent1"/>
+          </a:fillRef>
+          <a:effectRef idx="0">
+            <a:srgbClr val="FFFFFF"/>
+          </a:effectRef>
+          <a:fontRef idx="minor">
+            <a:schemeClr val="lt1"/>
+          </a:fontRef>
+        </p:style>
+        <p:txBody>
+          <a:bodyPr rtlCol="0" anchor="ctr"/>
+          <a:p>
+            <a:pPr algn="ctr"/>
+            <a:endParaRPr lang="zh-CN" altLang="en-US"/>
+          </a:p>
+        </p:txBody>
+      </p:sp>
+      <p:sp>
+        <p:nvSpPr>
+          <p:cNvPr id="17" name="矩形 16"/>
+          <p:cNvSpPr/>
+          <p:nvPr/>
+        </p:nvSpPr>
+        <p:spPr>
+          <a:xfrm>
+            <a:off x="1443990" y="1894205"/>
+            <a:ext cx="1318895" cy="1708785"/>
+          </a:xfrm>
+          <a:prstGeom prst="rect">
+            <a:avLst/>
+          </a:prstGeom>
+          <a:gradFill>
+            <a:gsLst>
+              <a:gs pos="100000">
+                <a:srgbClr val="F9F8CA"/>
+              </a:gs>
+              <a:gs pos="6000">
+                <a:srgbClr val="4EAADD"/>
+              </a:gs>
+            </a:gsLst>
+            <a:lin ang="18900000" scaled="1"/>
+          </a:gradFill>
+          <a:scene3d>
+            <a:camera prst="orthographicFront">
+              <a:rot lat="19800000" lon="2400000" rev="0"/>
+            </a:camera>
+            <a:lightRig rig="threePt" dir="t"/>
+          </a:scene3d>
+        </p:spPr>
+        <p:style>
+          <a:lnRef idx="2">
+            <a:schemeClr val="accent1">
+              <a:lumMod val="75000"/>
+            </a:schemeClr>
+          </a:lnRef>
+          <a:fillRef idx="1">
+            <a:schemeClr val="accent1"/>
+          </a:fillRef>
+          <a:effectRef idx="0">
+            <a:srgbClr val="FFFFFF"/>
+          </a:effectRef>
+          <a:fontRef idx="minor">
+            <a:schemeClr val="lt1"/>
+          </a:fontRef>
+        </p:style>
+        <p:txBody>
+          <a:bodyPr rtlCol="0" anchor="ctr"/>
+          <a:p>
+            <a:pPr algn="ctr"/>
+            <a:endParaRPr lang="zh-CN" altLang="en-US"/>
+          </a:p>
+        </p:txBody>
+      </p:sp>
+      <p:sp>
+        <p:nvSpPr>
+          <p:cNvPr id="18" name="矩形 17"/>
+          <p:cNvSpPr/>
+          <p:nvPr/>
+        </p:nvSpPr>
+        <p:spPr>
+          <a:xfrm>
+            <a:off x="1634490" y="1975485"/>
+            <a:ext cx="1318895" cy="1708785"/>
+          </a:xfrm>
+          <a:prstGeom prst="rect">
+            <a:avLst/>
+          </a:prstGeom>
+          <a:gradFill>
+            <a:gsLst>
+              <a:gs pos="100000">
+                <a:srgbClr val="F9F8CA"/>
+              </a:gs>
+              <a:gs pos="6000">
+                <a:srgbClr val="4EAADD"/>
+              </a:gs>
+            </a:gsLst>
+            <a:lin ang="18900000" scaled="1"/>
+          </a:gradFill>
+          <a:scene3d>
+            <a:camera prst="orthographicFront">
+              <a:rot lat="19800000" lon="2400000" rev="0"/>
+            </a:camera>
+            <a:lightRig rig="threePt" dir="t"/>
+          </a:scene3d>
+        </p:spPr>
+        <p:style>
+          <a:lnRef idx="2">
+            <a:schemeClr val="accent1">
+              <a:lumMod val="75000"/>
+            </a:schemeClr>
+          </a:lnRef>
+          <a:fillRef idx="1">
+            <a:schemeClr val="accent1"/>
+          </a:fillRef>
+          <a:effectRef idx="0">
+            <a:srgbClr val="FFFFFF"/>
+          </a:effectRef>
+          <a:fontRef idx="minor">
+            <a:schemeClr val="lt1"/>
+          </a:fontRef>
+        </p:style>
+        <p:txBody>
+          <a:bodyPr rtlCol="0" anchor="ctr"/>
+          <a:p>
+            <a:pPr algn="ctr"/>
+            <a:endParaRPr lang="zh-CN" altLang="en-US"/>
+          </a:p>
+        </p:txBody>
+      </p:sp>
+      <p:sp>
+        <p:nvSpPr>
+          <p:cNvPr id="20" name="矩形 19"/>
+          <p:cNvSpPr/>
+          <p:nvPr/>
+        </p:nvSpPr>
+        <p:spPr>
+          <a:xfrm>
+            <a:off x="3443605" y="2106295"/>
+            <a:ext cx="220345" cy="249555"/>
+          </a:xfrm>
+          <a:prstGeom prst="rect">
+            <a:avLst/>
+          </a:prstGeom>
+          <a:solidFill>
+            <a:schemeClr val="accent5">
+              <a:lumMod val="75000"/>
+            </a:schemeClr>
+          </a:solidFill>
+          <a:scene3d>
+            <a:camera prst="orthographicFront">
+              <a:rot lat="19800000" lon="2400000" rev="0"/>
+            </a:camera>
+            <a:lightRig rig="threePt" dir="t"/>
+          </a:scene3d>
+        </p:spPr>
+        <p:style>
+          <a:lnRef idx="2">
+            <a:schemeClr val="accent1">
+              <a:lumMod val="75000"/>
+            </a:schemeClr>
+          </a:lnRef>
+          <a:fillRef idx="1">
+            <a:schemeClr val="accent1"/>
+          </a:fillRef>
+          <a:effectRef idx="0">
+            <a:srgbClr val="FFFFFF"/>
+          </a:effectRef>
+          <a:fontRef idx="minor">
+            <a:schemeClr val="lt1"/>
+          </a:fontRef>
+        </p:style>
+        <p:txBody>
+          <a:bodyPr rtlCol="0" anchor="ctr"/>
+          <a:p>
+            <a:pPr algn="ctr"/>
+            <a:endParaRPr lang="zh-CN" altLang="en-US"/>
+          </a:p>
+        </p:txBody>
+      </p:sp>
+      <p:sp>
+        <p:nvSpPr>
+          <p:cNvPr id="21" name="矩形 20"/>
+          <p:cNvSpPr/>
+          <p:nvPr/>
+        </p:nvSpPr>
+        <p:spPr>
+          <a:xfrm>
+            <a:off x="3517265" y="2126615"/>
+            <a:ext cx="220345" cy="249555"/>
+          </a:xfrm>
+          <a:prstGeom prst="rect">
+            <a:avLst/>
+          </a:prstGeom>
+          <a:solidFill>
+            <a:schemeClr val="accent5">
+              <a:lumMod val="75000"/>
+            </a:schemeClr>
+          </a:solidFill>
+          <a:scene3d>
+            <a:camera prst="orthographicFront">
+              <a:rot lat="19800000" lon="2400000" rev="0"/>
+            </a:camera>
+            <a:lightRig rig="threePt" dir="t"/>
+          </a:scene3d>
+        </p:spPr>
+        <p:style>
+          <a:lnRef idx="2">
+            <a:schemeClr val="accent1">
+              <a:lumMod val="75000"/>
+            </a:schemeClr>
+          </a:lnRef>
+          <a:fillRef idx="1">
+            <a:schemeClr val="accent1"/>
+          </a:fillRef>
+          <a:effectRef idx="0">
+            <a:srgbClr val="FFFFFF"/>
+          </a:effectRef>
+          <a:fontRef idx="minor">
+            <a:schemeClr val="lt1"/>
+          </a:fontRef>
+        </p:style>
+        <p:txBody>
+          <a:bodyPr rtlCol="0" anchor="ctr"/>
+          <a:p>
+            <a:pPr algn="ctr"/>
+            <a:endParaRPr lang="zh-CN" altLang="en-US"/>
+          </a:p>
+        </p:txBody>
+      </p:sp>
+      <p:sp>
+        <p:nvSpPr>
+          <p:cNvPr id="28" name="矩形 27"/>
+          <p:cNvSpPr/>
+          <p:nvPr/>
+        </p:nvSpPr>
+        <p:spPr>
+          <a:xfrm>
+            <a:off x="3594100" y="2157095"/>
+            <a:ext cx="220345" cy="249555"/>
+          </a:xfrm>
+          <a:prstGeom prst="rect">
+            <a:avLst/>
+          </a:prstGeom>
+          <a:solidFill>
+            <a:schemeClr val="accent5">
+              <a:lumMod val="75000"/>
+            </a:schemeClr>
+          </a:solidFill>
+          <a:scene3d>
+            <a:camera prst="orthographicFront">
+              <a:rot lat="19800000" lon="2400000" rev="0"/>
+            </a:camera>
+            <a:lightRig rig="threePt" dir="t"/>
+          </a:scene3d>
+        </p:spPr>
+        <p:style>
+          <a:lnRef idx="2">
+            <a:schemeClr val="accent1">
+              <a:lumMod val="75000"/>
+            </a:schemeClr>
+          </a:lnRef>
+          <a:fillRef idx="1">
+            <a:schemeClr val="accent1"/>
+          </a:fillRef>
+          <a:effectRef idx="0">
+            <a:srgbClr val="FFFFFF"/>
+          </a:effectRef>
+          <a:fontRef idx="minor">
+            <a:schemeClr val="lt1"/>
+          </a:fontRef>
+        </p:style>
+        <p:txBody>
+          <a:bodyPr rtlCol="0" anchor="ctr"/>
+          <a:p>
+            <a:pPr algn="ctr"/>
+            <a:endParaRPr lang="zh-CN" altLang="en-US"/>
+          </a:p>
+        </p:txBody>
+      </p:sp>
+      <p:sp>
+        <p:nvSpPr>
+          <p:cNvPr id="29" name="矩形 28"/>
+          <p:cNvSpPr/>
+          <p:nvPr/>
+        </p:nvSpPr>
+        <p:spPr>
+          <a:xfrm>
+            <a:off x="3663950" y="2188845"/>
+            <a:ext cx="220345" cy="249555"/>
+          </a:xfrm>
+          <a:prstGeom prst="rect">
+            <a:avLst/>
+          </a:prstGeom>
+          <a:solidFill>
+            <a:schemeClr val="accent5">
+              <a:lumMod val="75000"/>
+            </a:schemeClr>
+          </a:solidFill>
+          <a:scene3d>
+            <a:camera prst="orthographicFront">
+              <a:rot lat="19800000" lon="2400000" rev="0"/>
+            </a:camera>
+            <a:lightRig rig="threePt" dir="t"/>
+          </a:scene3d>
+        </p:spPr>
+        <p:style>
+          <a:lnRef idx="2">
+            <a:schemeClr val="accent1">
+              <a:lumMod val="75000"/>
+            </a:schemeClr>
+          </a:lnRef>
+          <a:fillRef idx="1">
+            <a:schemeClr val="accent1"/>
+          </a:fillRef>
+          <a:effectRef idx="0">
+            <a:srgbClr val="FFFFFF"/>
+          </a:effectRef>
+          <a:fontRef idx="minor">
+            <a:schemeClr val="lt1"/>
+          </a:fontRef>
+        </p:style>
+        <p:txBody>
+          <a:bodyPr rtlCol="0" anchor="ctr"/>
+          <a:p>
+            <a:pPr algn="ctr"/>
+            <a:endParaRPr lang="zh-CN" altLang="en-US"/>
+          </a:p>
+        </p:txBody>
+      </p:sp>
+      <p:sp>
+        <p:nvSpPr>
+          <p:cNvPr id="37" name="矩形 36"/>
+          <p:cNvSpPr/>
+          <p:nvPr/>
+        </p:nvSpPr>
+        <p:spPr>
+          <a:xfrm>
+            <a:off x="4456430" y="1958975"/>
+            <a:ext cx="1102995" cy="1106805"/>
+          </a:xfrm>
+          <a:prstGeom prst="rect">
+            <a:avLst/>
+          </a:prstGeom>
+          <a:solidFill>
+            <a:schemeClr val="accent1">
+              <a:lumMod val="20000"/>
+              <a:lumOff val="80000"/>
+            </a:schemeClr>
+          </a:solidFill>
+          <a:scene3d>
+            <a:camera prst="orthographicFront">
+              <a:rot lat="19800000" lon="2400000" rev="0"/>
+            </a:camera>
+            <a:lightRig rig="threePt" dir="t"/>
+          </a:scene3d>
+        </p:spPr>
+        <p:style>
+          <a:lnRef idx="2">
+            <a:schemeClr val="accent1">
+              <a:lumMod val="75000"/>
+            </a:schemeClr>
+          </a:lnRef>
+          <a:fillRef idx="1">
+            <a:schemeClr val="accent1"/>
+          </a:fillRef>
+          <a:effectRef idx="0">
+            <a:srgbClr val="FFFFFF"/>
+          </a:effectRef>
+          <a:fontRef idx="minor">
+            <a:schemeClr val="lt1"/>
+          </a:fontRef>
+        </p:style>
+        <p:txBody>
+          <a:bodyPr rtlCol="0" anchor="ctr"/>
+          <a:p>
+            <a:pPr algn="ctr"/>
+            <a:endParaRPr lang="zh-CN" altLang="en-US"/>
+          </a:p>
+        </p:txBody>
+      </p:sp>
+      <p:sp>
+        <p:nvSpPr>
+          <p:cNvPr id="41" name="矩形 40"/>
+          <p:cNvSpPr/>
+          <p:nvPr/>
+        </p:nvSpPr>
+        <p:spPr>
+          <a:xfrm>
+            <a:off x="4583430" y="2085975"/>
+            <a:ext cx="1102995" cy="1106805"/>
+          </a:xfrm>
+          <a:prstGeom prst="rect">
+            <a:avLst/>
+          </a:prstGeom>
+          <a:solidFill>
+            <a:schemeClr val="accent1">
+              <a:lumMod val="40000"/>
+              <a:lumOff val="60000"/>
+            </a:schemeClr>
+          </a:solidFill>
+          <a:scene3d>
+            <a:camera prst="orthographicFront">
+              <a:rot lat="19800000" lon="2400000" rev="0"/>
+            </a:camera>
+            <a:lightRig rig="threePt" dir="t"/>
+          </a:scene3d>
+        </p:spPr>
+        <p:style>
+          <a:lnRef idx="2">
+            <a:schemeClr val="accent1">
+              <a:lumMod val="75000"/>
+            </a:schemeClr>
+          </a:lnRef>
+          <a:fillRef idx="1">
+            <a:schemeClr val="accent1"/>
+          </a:fillRef>
+          <a:effectRef idx="0">
+            <a:srgbClr val="FFFFFF"/>
+          </a:effectRef>
+          <a:fontRef idx="minor">
+            <a:schemeClr val="lt1"/>
+          </a:fontRef>
+        </p:style>
+        <p:txBody>
+          <a:bodyPr rtlCol="0" anchor="ctr"/>
+          <a:p>
+            <a:pPr algn="ctr"/>
+            <a:endParaRPr lang="zh-CN" altLang="en-US"/>
+          </a:p>
+        </p:txBody>
+      </p:sp>
+      <p:sp>
+        <p:nvSpPr>
+          <p:cNvPr id="42" name="矩形 41"/>
+          <p:cNvSpPr/>
+          <p:nvPr/>
+        </p:nvSpPr>
+        <p:spPr>
+          <a:xfrm>
+            <a:off x="4710430" y="2212975"/>
+            <a:ext cx="1102995" cy="1106805"/>
+          </a:xfrm>
+          <a:prstGeom prst="rect">
+            <a:avLst/>
+          </a:prstGeom>
+          <a:gradFill>
+            <a:gsLst>
+              <a:gs pos="100000">
+                <a:srgbClr val="F9F8CA"/>
+              </a:gs>
+              <a:gs pos="6000">
+                <a:srgbClr val="4EAADD"/>
+              </a:gs>
+            </a:gsLst>
+            <a:lin ang="18900000" scaled="1"/>
+          </a:gradFill>
+          <a:scene3d>
+            <a:camera prst="orthographicFront">
+              <a:rot lat="19800000" lon="2400000" rev="0"/>
+            </a:camera>
+            <a:lightRig rig="threePt" dir="t"/>
+          </a:scene3d>
+        </p:spPr>
+        <p:style>
+          <a:lnRef idx="2">
+            <a:schemeClr val="accent1">
+              <a:lumMod val="75000"/>
+            </a:schemeClr>
+          </a:lnRef>
+          <a:fillRef idx="1">
+            <a:schemeClr val="accent1"/>
+          </a:fillRef>
+          <a:effectRef idx="0">
+            <a:srgbClr val="FFFFFF"/>
+          </a:effectRef>
+          <a:fontRef idx="minor">
+            <a:schemeClr val="lt1"/>
+          </a:fontRef>
+        </p:style>
+        <p:txBody>
+          <a:bodyPr rtlCol="0" anchor="ctr"/>
+          <a:p>
+            <a:pPr algn="ctr"/>
+            <a:endParaRPr lang="zh-CN" altLang="en-US"/>
+          </a:p>
+        </p:txBody>
+      </p:sp>
+      <p:sp>
+        <p:nvSpPr>
+          <p:cNvPr id="43" name="矩形 42"/>
+          <p:cNvSpPr/>
+          <p:nvPr/>
+        </p:nvSpPr>
+        <p:spPr>
+          <a:xfrm>
+            <a:off x="3408680" y="2578100"/>
+            <a:ext cx="220345" cy="249555"/>
+          </a:xfrm>
+          <a:prstGeom prst="rect">
+            <a:avLst/>
+          </a:prstGeom>
+          <a:solidFill>
+            <a:schemeClr val="accent5">
+              <a:lumMod val="75000"/>
+            </a:schemeClr>
+          </a:solidFill>
+          <a:scene3d>
+            <a:camera prst="orthographicFront">
+              <a:rot lat="19800000" lon="2400000" rev="0"/>
+            </a:camera>
+            <a:lightRig rig="threePt" dir="t"/>
+          </a:scene3d>
+        </p:spPr>
+        <p:style>
+          <a:lnRef idx="2">
+            <a:schemeClr val="accent1">
+              <a:lumMod val="75000"/>
+            </a:schemeClr>
+          </a:lnRef>
+          <a:fillRef idx="1">
+            <a:schemeClr val="accent1"/>
+          </a:fillRef>
+          <a:effectRef idx="0">
+            <a:srgbClr val="FFFFFF"/>
+          </a:effectRef>
+          <a:fontRef idx="minor">
+            <a:schemeClr val="lt1"/>
+          </a:fontRef>
+        </p:style>
+        <p:txBody>
+          <a:bodyPr rtlCol="0" anchor="ctr"/>
+          <a:p>
+            <a:pPr algn="ctr"/>
+            <a:endParaRPr lang="zh-CN" altLang="en-US"/>
+          </a:p>
+        </p:txBody>
+      </p:sp>
+      <p:sp>
+        <p:nvSpPr>
+          <p:cNvPr id="44" name="矩形 43"/>
+          <p:cNvSpPr/>
+          <p:nvPr/>
+        </p:nvSpPr>
+        <p:spPr>
+          <a:xfrm>
+            <a:off x="3482340" y="2598420"/>
+            <a:ext cx="220345" cy="249555"/>
+          </a:xfrm>
+          <a:prstGeom prst="rect">
+            <a:avLst/>
+          </a:prstGeom>
+          <a:solidFill>
+            <a:schemeClr val="accent5">
+              <a:lumMod val="75000"/>
+            </a:schemeClr>
+          </a:solidFill>
+          <a:scene3d>
+            <a:camera prst="orthographicFront">
+              <a:rot lat="19800000" lon="2400000" rev="0"/>
+            </a:camera>
+            <a:lightRig rig="threePt" dir="t"/>
+          </a:scene3d>
+        </p:spPr>
+        <p:style>
+          <a:lnRef idx="2">
+            <a:schemeClr val="accent1">
+              <a:lumMod val="75000"/>
+            </a:schemeClr>
+          </a:lnRef>
+          <a:fillRef idx="1">
+            <a:schemeClr val="accent1"/>
+          </a:fillRef>
+          <a:effectRef idx="0">
+            <a:srgbClr val="FFFFFF"/>
+          </a:effectRef>
+          <a:fontRef idx="minor">
+            <a:schemeClr val="lt1"/>
+          </a:fontRef>
+        </p:style>
+        <p:txBody>
+          <a:bodyPr rtlCol="0" anchor="ctr"/>
+          <a:p>
+            <a:pPr algn="ctr"/>
+            <a:endParaRPr lang="zh-CN" altLang="en-US"/>
+          </a:p>
+        </p:txBody>
+      </p:sp>
+      <p:sp>
+        <p:nvSpPr>
+          <p:cNvPr id="45" name="矩形 44"/>
+          <p:cNvSpPr/>
+          <p:nvPr/>
+        </p:nvSpPr>
+        <p:spPr>
+          <a:xfrm>
+            <a:off x="3559175" y="2628900"/>
+            <a:ext cx="220345" cy="249555"/>
+          </a:xfrm>
+          <a:prstGeom prst="rect">
+            <a:avLst/>
+          </a:prstGeom>
+          <a:solidFill>
+            <a:schemeClr val="accent5">
+              <a:lumMod val="75000"/>
+            </a:schemeClr>
+          </a:solidFill>
+          <a:scene3d>
+            <a:camera prst="orthographicFront">
+              <a:rot lat="19800000" lon="2400000" rev="0"/>
+            </a:camera>
+            <a:lightRig rig="threePt" dir="t"/>
+          </a:scene3d>
+        </p:spPr>
+        <p:style>
+          <a:lnRef idx="2">
+            <a:schemeClr val="accent1">
+              <a:lumMod val="75000"/>
+            </a:schemeClr>
+          </a:lnRef>
+          <a:fillRef idx="1">
+            <a:schemeClr val="accent1"/>
+          </a:fillRef>
+          <a:effectRef idx="0">
+            <a:srgbClr val="FFFFFF"/>
+          </a:effectRef>
+          <a:fontRef idx="minor">
+            <a:schemeClr val="lt1"/>
+          </a:fontRef>
+        </p:style>
+        <p:txBody>
+          <a:bodyPr rtlCol="0" anchor="ctr"/>
+          <a:p>
+            <a:pPr algn="ctr"/>
+            <a:endParaRPr lang="zh-CN" altLang="en-US"/>
+          </a:p>
+        </p:txBody>
+      </p:sp>
+      <p:sp>
+        <p:nvSpPr>
+          <p:cNvPr id="46" name="矩形 45"/>
+          <p:cNvSpPr/>
+          <p:nvPr/>
+        </p:nvSpPr>
+        <p:spPr>
+          <a:xfrm>
+            <a:off x="3629025" y="2660650"/>
+            <a:ext cx="220345" cy="249555"/>
+          </a:xfrm>
+          <a:prstGeom prst="rect">
+            <a:avLst/>
+          </a:prstGeom>
+          <a:solidFill>
+            <a:schemeClr val="accent5">
+              <a:lumMod val="75000"/>
+            </a:schemeClr>
+          </a:solidFill>
+          <a:scene3d>
+            <a:camera prst="orthographicFront">
+              <a:rot lat="19800000" lon="2400000" rev="0"/>
+            </a:camera>
+            <a:lightRig rig="threePt" dir="t"/>
+          </a:scene3d>
+        </p:spPr>
+        <p:style>
+          <a:lnRef idx="2">
+            <a:schemeClr val="accent1">
+              <a:lumMod val="75000"/>
+            </a:schemeClr>
+          </a:lnRef>
+          <a:fillRef idx="1">
+            <a:schemeClr val="accent1"/>
+          </a:fillRef>
+          <a:effectRef idx="0">
+            <a:srgbClr val="FFFFFF"/>
+          </a:effectRef>
+          <a:fontRef idx="minor">
+            <a:schemeClr val="lt1"/>
+          </a:fontRef>
+        </p:style>
+        <p:txBody>
+          <a:bodyPr rtlCol="0" anchor="ctr"/>
+          <a:p>
+            <a:pPr algn="ctr"/>
+            <a:endParaRPr lang="zh-CN" altLang="en-US"/>
+          </a:p>
+        </p:txBody>
+      </p:sp>
+      <p:sp>
+        <p:nvSpPr>
+          <p:cNvPr id="48" name="矩形 47"/>
+          <p:cNvSpPr/>
+          <p:nvPr/>
+        </p:nvSpPr>
+        <p:spPr>
+          <a:xfrm>
+            <a:off x="3380105" y="3089910"/>
+            <a:ext cx="220345" cy="249555"/>
+          </a:xfrm>
+          <a:prstGeom prst="rect">
+            <a:avLst/>
+          </a:prstGeom>
+          <a:solidFill>
+            <a:schemeClr val="accent5">
+              <a:lumMod val="75000"/>
+            </a:schemeClr>
+          </a:solidFill>
+          <a:scene3d>
+            <a:camera prst="orthographicFront">
+              <a:rot lat="19800000" lon="2400000" rev="0"/>
+            </a:camera>
+            <a:lightRig rig="threePt" dir="t"/>
+          </a:scene3d>
+        </p:spPr>
+        <p:style>
+          <a:lnRef idx="2">
+            <a:schemeClr val="accent1">
+              <a:lumMod val="75000"/>
+            </a:schemeClr>
+          </a:lnRef>
+          <a:fillRef idx="1">
+            <a:schemeClr val="accent1"/>
+          </a:fillRef>
+          <a:effectRef idx="0">
+            <a:srgbClr val="FFFFFF"/>
+          </a:effectRef>
+          <a:fontRef idx="minor">
+            <a:schemeClr val="lt1"/>
+          </a:fontRef>
+        </p:style>
+        <p:txBody>
+          <a:bodyPr rtlCol="0" anchor="ctr"/>
+          <a:p>
+            <a:pPr algn="ctr"/>
+            <a:endParaRPr lang="zh-CN" altLang="en-US"/>
+          </a:p>
+        </p:txBody>
+      </p:sp>
+      <p:sp>
+        <p:nvSpPr>
+          <p:cNvPr id="49" name="矩形 48"/>
+          <p:cNvSpPr/>
+          <p:nvPr/>
+        </p:nvSpPr>
+        <p:spPr>
+          <a:xfrm>
+            <a:off x="3453765" y="3110230"/>
+            <a:ext cx="220345" cy="249555"/>
+          </a:xfrm>
+          <a:prstGeom prst="rect">
+            <a:avLst/>
+          </a:prstGeom>
+          <a:solidFill>
+            <a:schemeClr val="accent5">
+              <a:lumMod val="75000"/>
+            </a:schemeClr>
+          </a:solidFill>
+          <a:scene3d>
+            <a:camera prst="orthographicFront">
+              <a:rot lat="19800000" lon="2400000" rev="0"/>
+            </a:camera>
+            <a:lightRig rig="threePt" dir="t"/>
+          </a:scene3d>
+        </p:spPr>
+        <p:style>
+          <a:lnRef idx="2">
+            <a:schemeClr val="accent1">
+              <a:lumMod val="75000"/>
+            </a:schemeClr>
+          </a:lnRef>
+          <a:fillRef idx="1">
+            <a:schemeClr val="accent1"/>
+          </a:fillRef>
+          <a:effectRef idx="0">
+            <a:srgbClr val="FFFFFF"/>
+          </a:effectRef>
+          <a:fontRef idx="minor">
+            <a:schemeClr val="lt1"/>
+          </a:fontRef>
+        </p:style>
+        <p:txBody>
+          <a:bodyPr rtlCol="0" anchor="ctr"/>
+          <a:p>
+            <a:pPr algn="ctr"/>
+            <a:endParaRPr lang="zh-CN" altLang="en-US"/>
+          </a:p>
+        </p:txBody>
+      </p:sp>
+      <p:sp>
+        <p:nvSpPr>
+          <p:cNvPr id="50" name="矩形 49"/>
+          <p:cNvSpPr/>
+          <p:nvPr/>
+        </p:nvSpPr>
+        <p:spPr>
+          <a:xfrm>
+            <a:off x="3530600" y="3140710"/>
+            <a:ext cx="220345" cy="249555"/>
+          </a:xfrm>
+          <a:prstGeom prst="rect">
+            <a:avLst/>
+          </a:prstGeom>
+          <a:solidFill>
+            <a:schemeClr val="accent5">
+              <a:lumMod val="75000"/>
+            </a:schemeClr>
+          </a:solidFill>
+          <a:scene3d>
+            <a:camera prst="orthographicFront">
+              <a:rot lat="19800000" lon="2400000" rev="0"/>
+            </a:camera>
+            <a:lightRig rig="threePt" dir="t"/>
+          </a:scene3d>
+        </p:spPr>
+        <p:style>
+          <a:lnRef idx="2">
+            <a:schemeClr val="accent1">
+              <a:lumMod val="75000"/>
+            </a:schemeClr>
+          </a:lnRef>
+          <a:fillRef idx="1">
+            <a:schemeClr val="accent1"/>
+          </a:fillRef>
+          <a:effectRef idx="0">
+            <a:srgbClr val="FFFFFF"/>
+          </a:effectRef>
+          <a:fontRef idx="minor">
+            <a:schemeClr val="lt1"/>
+          </a:fontRef>
+        </p:style>
+        <p:txBody>
+          <a:bodyPr rtlCol="0" anchor="ctr"/>
+          <a:p>
+            <a:pPr algn="ctr"/>
+            <a:endParaRPr lang="zh-CN" altLang="en-US"/>
+          </a:p>
+        </p:txBody>
+      </p:sp>
+      <p:sp>
+        <p:nvSpPr>
+          <p:cNvPr id="51" name="矩形 50"/>
+          <p:cNvSpPr/>
+          <p:nvPr/>
+        </p:nvSpPr>
+        <p:spPr>
+          <a:xfrm>
+            <a:off x="3600450" y="3172460"/>
+            <a:ext cx="220345" cy="249555"/>
+          </a:xfrm>
+          <a:prstGeom prst="rect">
+            <a:avLst/>
+          </a:prstGeom>
+          <a:solidFill>
+            <a:schemeClr val="accent5">
+              <a:lumMod val="75000"/>
+            </a:schemeClr>
+          </a:solidFill>
+          <a:scene3d>
+            <a:camera prst="orthographicFront">
+              <a:rot lat="19800000" lon="2400000" rev="0"/>
+            </a:camera>
+            <a:lightRig rig="threePt" dir="t"/>
+          </a:scene3d>
+        </p:spPr>
+        <p:style>
+          <a:lnRef idx="2">
+            <a:schemeClr val="accent1">
+              <a:lumMod val="75000"/>
+            </a:schemeClr>
+          </a:lnRef>
+          <a:fillRef idx="1">
+            <a:schemeClr val="accent1"/>
+          </a:fillRef>
+          <a:effectRef idx="0">
+            <a:srgbClr val="FFFFFF"/>
+          </a:effectRef>
+          <a:fontRef idx="minor">
+            <a:schemeClr val="lt1"/>
+          </a:fontRef>
+        </p:style>
+        <p:txBody>
+          <a:bodyPr rtlCol="0" anchor="ctr"/>
+          <a:p>
+            <a:pPr algn="ctr"/>
+            <a:endParaRPr lang="zh-CN" altLang="en-US"/>
+          </a:p>
+        </p:txBody>
+      </p:sp>
+      <p:sp>
+        <p:nvSpPr>
+          <p:cNvPr id="53" name="矩形 52"/>
+          <p:cNvSpPr/>
+          <p:nvPr/>
+        </p:nvSpPr>
+        <p:spPr>
+          <a:xfrm>
+            <a:off x="2111375" y="2478405"/>
+            <a:ext cx="500380" cy="558165"/>
+          </a:xfrm>
+          <a:prstGeom prst="rect">
+            <a:avLst/>
+          </a:prstGeom>
+          <a:solidFill>
+            <a:schemeClr val="accent6"/>
+          </a:solidFill>
+          <a:scene3d>
+            <a:camera prst="orthographicFront">
+              <a:rot lat="19800000" lon="2400000" rev="0"/>
+            </a:camera>
+            <a:lightRig rig="threePt" dir="t"/>
+          </a:scene3d>
+        </p:spPr>
+        <p:style>
+          <a:lnRef idx="2">
+            <a:schemeClr val="accent1">
+              <a:lumMod val="75000"/>
+            </a:schemeClr>
+          </a:lnRef>
+          <a:fillRef idx="1">
+            <a:schemeClr val="accent1"/>
+          </a:fillRef>
+          <a:effectRef idx="0">
+            <a:srgbClr val="FFFFFF"/>
+          </a:effectRef>
+          <a:fontRef idx="minor">
+            <a:schemeClr val="lt1"/>
+          </a:fontRef>
+        </p:style>
+        <p:txBody>
+          <a:bodyPr rtlCol="0" anchor="ctr"/>
+          <a:p>
+            <a:pPr algn="ctr"/>
+            <a:endParaRPr lang="zh-CN" altLang="en-US"/>
+          </a:p>
+        </p:txBody>
+      </p:sp>
+      <p:cxnSp>
+        <p:nvCxnSpPr>
+          <p:cNvPr id="54" name="直接连接符 53"/>
+          <p:cNvCxnSpPr/>
+          <p:nvPr/>
+        </p:nvCxnSpPr>
+        <p:spPr>
+          <a:xfrm flipV="1">
+            <a:off x="2175510" y="2153920"/>
+            <a:ext cx="1288415" cy="434340"/>
+          </a:xfrm>
+          <a:prstGeom prst="line">
+            <a:avLst/>
+          </a:prstGeom>
+          <a:ln w="12700" cmpd="sng">
+            <a:solidFill>
+              <a:schemeClr val="accent1">
+                <a:shade val="50000"/>
+              </a:schemeClr>
+            </a:solidFill>
+            <a:prstDash val="sysDot"/>
+          </a:ln>
+        </p:spPr>
+        <p:style>
+          <a:lnRef idx="2">
+            <a:schemeClr val="accent1"/>
+          </a:lnRef>
+          <a:fillRef idx="0">
+            <a:srgbClr val="FFFFFF"/>
+          </a:fillRef>
+          <a:effectRef idx="0">
+            <a:srgbClr val="FFFFFF"/>
+          </a:effectRef>
+          <a:fontRef idx="minor">
+            <a:schemeClr val="tx1"/>
+          </a:fontRef>
+        </p:style>
+      </p:cxnSp>
+      <p:cxnSp>
+        <p:nvCxnSpPr>
+          <p:cNvPr id="55" name="直接连接符 54"/>
+          <p:cNvCxnSpPr/>
+          <p:nvPr/>
+        </p:nvCxnSpPr>
+        <p:spPr>
+          <a:xfrm flipV="1">
+            <a:off x="2544445" y="2081530"/>
+            <a:ext cx="1096645" cy="356870"/>
+          </a:xfrm>
+          <a:prstGeom prst="line">
+            <a:avLst/>
+          </a:prstGeom>
+          <a:ln w="12700" cmpd="sng">
+            <a:solidFill>
+              <a:schemeClr val="accent1">
+                <a:shade val="50000"/>
+              </a:schemeClr>
+            </a:solidFill>
+            <a:prstDash val="sysDot"/>
+          </a:ln>
+        </p:spPr>
+        <p:style>
+          <a:lnRef idx="2">
+            <a:schemeClr val="accent1"/>
+          </a:lnRef>
+          <a:fillRef idx="0">
+            <a:srgbClr val="FFFFFF"/>
+          </a:fillRef>
+          <a:effectRef idx="0">
+            <a:srgbClr val="FFFFFF"/>
+          </a:effectRef>
+          <a:fontRef idx="minor">
+            <a:schemeClr val="tx1"/>
+          </a:fontRef>
+        </p:style>
+      </p:cxnSp>
+      <p:cxnSp>
+        <p:nvCxnSpPr>
+          <p:cNvPr id="56" name="直接连接符 55"/>
+          <p:cNvCxnSpPr/>
+          <p:nvPr/>
+        </p:nvCxnSpPr>
+        <p:spPr>
+          <a:xfrm flipV="1">
+            <a:off x="2175510" y="2374900"/>
+            <a:ext cx="1282700" cy="702310"/>
+          </a:xfrm>
+          <a:prstGeom prst="line">
+            <a:avLst/>
+          </a:prstGeom>
+          <a:ln w="12700" cmpd="sng">
+            <a:solidFill>
+              <a:schemeClr val="accent1">
+                <a:shade val="50000"/>
+              </a:schemeClr>
+            </a:solidFill>
+            <a:prstDash val="sysDot"/>
+          </a:ln>
+        </p:spPr>
+        <p:style>
+          <a:lnRef idx="2">
+            <a:schemeClr val="accent1"/>
+          </a:lnRef>
+          <a:fillRef idx="0">
+            <a:srgbClr val="FFFFFF"/>
+          </a:fillRef>
+          <a:effectRef idx="0">
+            <a:srgbClr val="FFFFFF"/>
+          </a:effectRef>
+          <a:fontRef idx="minor">
+            <a:schemeClr val="tx1"/>
+          </a:fontRef>
+        </p:style>
+      </p:cxnSp>
+      <p:cxnSp>
+        <p:nvCxnSpPr>
+          <p:cNvPr id="57" name="直接连接符 56"/>
+          <p:cNvCxnSpPr/>
+          <p:nvPr/>
+        </p:nvCxnSpPr>
+        <p:spPr>
+          <a:xfrm flipV="1">
+            <a:off x="2544445" y="2365375"/>
+            <a:ext cx="990600" cy="544830"/>
+          </a:xfrm>
+          <a:prstGeom prst="line">
+            <a:avLst/>
+          </a:prstGeom>
+          <a:ln w="12700" cmpd="sng">
+            <a:solidFill>
+              <a:schemeClr val="accent1">
+                <a:shade val="50000"/>
+              </a:schemeClr>
+            </a:solidFill>
+            <a:prstDash val="sysDot"/>
+          </a:ln>
+        </p:spPr>
+        <p:style>
+          <a:lnRef idx="2">
+            <a:schemeClr val="accent1"/>
+          </a:lnRef>
+          <a:fillRef idx="0">
+            <a:srgbClr val="FFFFFF"/>
+          </a:fillRef>
+          <a:effectRef idx="0">
+            <a:srgbClr val="FFFFFF"/>
+          </a:effectRef>
+          <a:fontRef idx="minor">
+            <a:schemeClr val="tx1"/>
+          </a:fontRef>
+        </p:style>
+      </p:cxnSp>
+      <p:cxnSp>
+        <p:nvCxnSpPr>
+          <p:cNvPr id="58" name="直接连接符 57"/>
+          <p:cNvCxnSpPr/>
+          <p:nvPr/>
+        </p:nvCxnSpPr>
+        <p:spPr>
+          <a:xfrm>
+            <a:off x="2165985" y="2590800"/>
+            <a:ext cx="1277620" cy="43815"/>
+          </a:xfrm>
+          <a:prstGeom prst="line">
+            <a:avLst/>
+          </a:prstGeom>
+          <a:ln w="12700" cmpd="sng">
+            <a:solidFill>
+              <a:schemeClr val="accent1">
+                <a:shade val="50000"/>
+              </a:schemeClr>
+            </a:solidFill>
+            <a:prstDash val="sysDot"/>
+          </a:ln>
+        </p:spPr>
+        <p:style>
+          <a:lnRef idx="2">
+            <a:schemeClr val="accent1"/>
+          </a:lnRef>
+          <a:fillRef idx="0">
+            <a:srgbClr val="FFFFFF"/>
+          </a:fillRef>
+          <a:effectRef idx="0">
+            <a:srgbClr val="FFFFFF"/>
+          </a:effectRef>
+          <a:fontRef idx="minor">
+            <a:schemeClr val="tx1"/>
+          </a:fontRef>
+        </p:style>
+      </p:cxnSp>
+      <p:cxnSp>
+        <p:nvCxnSpPr>
+          <p:cNvPr id="59" name="直接连接符 58"/>
+          <p:cNvCxnSpPr/>
+          <p:nvPr/>
+        </p:nvCxnSpPr>
+        <p:spPr>
+          <a:xfrm>
+            <a:off x="2544445" y="2440940"/>
+            <a:ext cx="1065530" cy="109855"/>
+          </a:xfrm>
+          <a:prstGeom prst="line">
+            <a:avLst/>
+          </a:prstGeom>
+          <a:ln w="12700" cmpd="sng">
+            <a:solidFill>
+              <a:schemeClr val="accent1">
+                <a:shade val="50000"/>
+              </a:schemeClr>
+            </a:solidFill>
+            <a:prstDash val="sysDot"/>
+          </a:ln>
+        </p:spPr>
+        <p:style>
+          <a:lnRef idx="2">
+            <a:schemeClr val="accent1"/>
+          </a:lnRef>
+          <a:fillRef idx="0">
+            <a:srgbClr val="FFFFFF"/>
+          </a:fillRef>
+          <a:effectRef idx="0">
+            <a:srgbClr val="FFFFFF"/>
+          </a:effectRef>
+          <a:fontRef idx="minor">
+            <a:schemeClr val="tx1"/>
+          </a:fontRef>
+        </p:style>
+      </p:cxnSp>
+      <p:cxnSp>
+        <p:nvCxnSpPr>
+          <p:cNvPr id="60" name="直接连接符 59"/>
+          <p:cNvCxnSpPr/>
+          <p:nvPr/>
+        </p:nvCxnSpPr>
+        <p:spPr>
+          <a:xfrm flipV="1">
+            <a:off x="2175510" y="2846705"/>
+            <a:ext cx="1250315" cy="229870"/>
+          </a:xfrm>
+          <a:prstGeom prst="line">
+            <a:avLst/>
+          </a:prstGeom>
+          <a:ln w="12700" cmpd="sng">
+            <a:solidFill>
+              <a:schemeClr val="accent1">
+                <a:shade val="50000"/>
+              </a:schemeClr>
+            </a:solidFill>
+            <a:prstDash val="sysDot"/>
+          </a:ln>
+        </p:spPr>
+        <p:style>
+          <a:lnRef idx="2">
+            <a:schemeClr val="accent1"/>
+          </a:lnRef>
+          <a:fillRef idx="0">
+            <a:srgbClr val="FFFFFF"/>
+          </a:fillRef>
+          <a:effectRef idx="0">
+            <a:srgbClr val="FFFFFF"/>
+          </a:effectRef>
+          <a:fontRef idx="minor">
+            <a:schemeClr val="tx1"/>
+          </a:fontRef>
+        </p:style>
+      </p:cxnSp>
+      <p:cxnSp>
+        <p:nvCxnSpPr>
+          <p:cNvPr id="61" name="直接连接符 60"/>
+          <p:cNvCxnSpPr/>
+          <p:nvPr/>
+        </p:nvCxnSpPr>
+        <p:spPr>
+          <a:xfrm flipV="1">
+            <a:off x="2544445" y="2795270"/>
+            <a:ext cx="887095" cy="123825"/>
+          </a:xfrm>
+          <a:prstGeom prst="line">
+            <a:avLst/>
+          </a:prstGeom>
+          <a:ln w="12700" cmpd="sng">
+            <a:solidFill>
+              <a:schemeClr val="accent1">
+                <a:shade val="50000"/>
+              </a:schemeClr>
+            </a:solidFill>
+            <a:prstDash val="sysDot"/>
+          </a:ln>
+        </p:spPr>
+        <p:style>
+          <a:lnRef idx="2">
+            <a:schemeClr val="accent1"/>
+          </a:lnRef>
+          <a:fillRef idx="0">
+            <a:srgbClr val="FFFFFF"/>
+          </a:fillRef>
+          <a:effectRef idx="0">
+            <a:srgbClr val="FFFFFF"/>
+          </a:effectRef>
+          <a:fontRef idx="minor">
+            <a:schemeClr val="tx1"/>
+          </a:fontRef>
+        </p:style>
+      </p:cxnSp>
+      <p:sp>
+        <p:nvSpPr>
+          <p:cNvPr id="62" name="矩形 61"/>
+          <p:cNvSpPr/>
+          <p:nvPr/>
+        </p:nvSpPr>
+        <p:spPr>
+          <a:xfrm>
+            <a:off x="4837430" y="2339975"/>
+            <a:ext cx="1102995" cy="1106805"/>
+          </a:xfrm>
+          <a:prstGeom prst="rect">
+            <a:avLst/>
+          </a:prstGeom>
+          <a:gradFill>
+            <a:gsLst>
+              <a:gs pos="100000">
+                <a:srgbClr val="F9F8CA"/>
+              </a:gs>
+              <a:gs pos="6000">
+                <a:srgbClr val="4EAADD"/>
+              </a:gs>
+            </a:gsLst>
+            <a:lin ang="18900000" scaled="1"/>
+          </a:gradFill>
+          <a:scene3d>
+            <a:camera prst="orthographicFront">
+              <a:rot lat="19800000" lon="2400000" rev="0"/>
+            </a:camera>
+            <a:lightRig rig="threePt" dir="t"/>
+          </a:scene3d>
+        </p:spPr>
+        <p:style>
+          <a:lnRef idx="2">
+            <a:schemeClr val="accent1">
+              <a:lumMod val="75000"/>
+            </a:schemeClr>
+          </a:lnRef>
+          <a:fillRef idx="1">
+            <a:schemeClr val="accent1"/>
+          </a:fillRef>
+          <a:effectRef idx="0">
+            <a:srgbClr val="FFFFFF"/>
+          </a:effectRef>
+          <a:fontRef idx="minor">
+            <a:schemeClr val="lt1"/>
+          </a:fontRef>
+        </p:style>
+        <p:txBody>
+          <a:bodyPr rtlCol="0" anchor="ctr"/>
+          <a:p>
+            <a:pPr algn="ctr"/>
+            <a:endParaRPr lang="zh-CN" altLang="en-US"/>
+          </a:p>
+        </p:txBody>
+      </p:sp>
+      <p:sp>
+        <p:nvSpPr>
+          <p:cNvPr id="63" name="矩形 62"/>
+          <p:cNvSpPr/>
+          <p:nvPr/>
+        </p:nvSpPr>
+        <p:spPr>
+          <a:xfrm>
+            <a:off x="4964430" y="2466975"/>
+            <a:ext cx="1102995" cy="1106805"/>
+          </a:xfrm>
+          <a:prstGeom prst="rect">
+            <a:avLst/>
+          </a:prstGeom>
+          <a:gradFill>
+            <a:gsLst>
+              <a:gs pos="100000">
+                <a:srgbClr val="F9F8CA"/>
+              </a:gs>
+              <a:gs pos="6000">
+                <a:srgbClr val="4EAADD"/>
+              </a:gs>
+            </a:gsLst>
+            <a:lin ang="18900000" scaled="1"/>
+          </a:gradFill>
+          <a:scene3d>
+            <a:camera prst="orthographicFront">
+              <a:rot lat="19800000" lon="2400000" rev="0"/>
+            </a:camera>
+            <a:lightRig rig="threePt" dir="t"/>
+          </a:scene3d>
+        </p:spPr>
+        <p:style>
+          <a:lnRef idx="2">
+            <a:schemeClr val="accent1">
+              <a:lumMod val="75000"/>
+            </a:schemeClr>
+          </a:lnRef>
+          <a:fillRef idx="1">
+            <a:schemeClr val="accent1"/>
+          </a:fillRef>
+          <a:effectRef idx="0">
+            <a:srgbClr val="FFFFFF"/>
+          </a:effectRef>
+          <a:fontRef idx="minor">
+            <a:schemeClr val="lt1"/>
+          </a:fontRef>
+        </p:style>
+        <p:txBody>
+          <a:bodyPr rtlCol="0" anchor="ctr"/>
+          <a:p>
+            <a:pPr algn="ctr"/>
+            <a:endParaRPr lang="zh-CN" altLang="en-US"/>
+          </a:p>
+        </p:txBody>
+      </p:sp>
+      <p:sp>
+        <p:nvSpPr>
+          <p:cNvPr id="64" name="矩形 63"/>
+          <p:cNvSpPr/>
+          <p:nvPr/>
+        </p:nvSpPr>
+        <p:spPr>
+          <a:xfrm>
+            <a:off x="3373755" y="3543300"/>
+            <a:ext cx="220345" cy="249555"/>
+          </a:xfrm>
+          <a:prstGeom prst="rect">
+            <a:avLst/>
+          </a:prstGeom>
+          <a:solidFill>
+            <a:schemeClr val="accent5">
+              <a:lumMod val="75000"/>
+            </a:schemeClr>
+          </a:solidFill>
+          <a:scene3d>
+            <a:camera prst="orthographicFront">
+              <a:rot lat="19800000" lon="2400000" rev="0"/>
+            </a:camera>
+            <a:lightRig rig="threePt" dir="t"/>
+          </a:scene3d>
+        </p:spPr>
+        <p:style>
+          <a:lnRef idx="2">
+            <a:schemeClr val="accent1">
+              <a:lumMod val="75000"/>
+            </a:schemeClr>
+          </a:lnRef>
+          <a:fillRef idx="1">
+            <a:schemeClr val="accent1"/>
+          </a:fillRef>
+          <a:effectRef idx="0">
+            <a:srgbClr val="FFFFFF"/>
+          </a:effectRef>
+          <a:fontRef idx="minor">
+            <a:schemeClr val="lt1"/>
+          </a:fontRef>
+        </p:style>
+        <p:txBody>
+          <a:bodyPr rtlCol="0" anchor="ctr"/>
+          <a:p>
+            <a:pPr algn="ctr"/>
+            <a:endParaRPr lang="zh-CN" altLang="en-US"/>
+          </a:p>
+        </p:txBody>
+      </p:sp>
+      <p:sp>
+        <p:nvSpPr>
+          <p:cNvPr id="65" name="矩形 64"/>
+          <p:cNvSpPr/>
+          <p:nvPr/>
+        </p:nvSpPr>
+        <p:spPr>
+          <a:xfrm>
+            <a:off x="3447415" y="3563620"/>
+            <a:ext cx="220345" cy="249555"/>
+          </a:xfrm>
+          <a:prstGeom prst="rect">
+            <a:avLst/>
+          </a:prstGeom>
+          <a:solidFill>
+            <a:schemeClr val="accent5">
+              <a:lumMod val="75000"/>
+            </a:schemeClr>
+          </a:solidFill>
+          <a:scene3d>
+            <a:camera prst="orthographicFront">
+              <a:rot lat="19800000" lon="2400000" rev="0"/>
+            </a:camera>
+            <a:lightRig rig="threePt" dir="t"/>
+          </a:scene3d>
+        </p:spPr>
+        <p:style>
+          <a:lnRef idx="2">
+            <a:schemeClr val="accent1">
+              <a:lumMod val="75000"/>
+            </a:schemeClr>
+          </a:lnRef>
+          <a:fillRef idx="1">
+            <a:schemeClr val="accent1"/>
+          </a:fillRef>
+          <a:effectRef idx="0">
+            <a:srgbClr val="FFFFFF"/>
+          </a:effectRef>
+          <a:fontRef idx="minor">
+            <a:schemeClr val="lt1"/>
+          </a:fontRef>
+        </p:style>
+        <p:txBody>
+          <a:bodyPr rtlCol="0" anchor="ctr"/>
+          <a:p>
+            <a:pPr algn="ctr"/>
+            <a:endParaRPr lang="zh-CN" altLang="en-US"/>
+          </a:p>
+        </p:txBody>
+      </p:sp>
+      <p:sp>
+        <p:nvSpPr>
+          <p:cNvPr id="66" name="矩形 65"/>
+          <p:cNvSpPr/>
+          <p:nvPr/>
+        </p:nvSpPr>
+        <p:spPr>
+          <a:xfrm>
+            <a:off x="3524250" y="3594100"/>
+            <a:ext cx="220345" cy="249555"/>
+          </a:xfrm>
+          <a:prstGeom prst="rect">
+            <a:avLst/>
+          </a:prstGeom>
+          <a:solidFill>
+            <a:schemeClr val="accent5">
+              <a:lumMod val="75000"/>
+            </a:schemeClr>
+          </a:solidFill>
+          <a:scene3d>
+            <a:camera prst="orthographicFront">
+              <a:rot lat="19800000" lon="2400000" rev="0"/>
+            </a:camera>
+            <a:lightRig rig="threePt" dir="t"/>
+          </a:scene3d>
+        </p:spPr>
+        <p:style>
+          <a:lnRef idx="2">
+            <a:schemeClr val="accent1">
+              <a:lumMod val="75000"/>
+            </a:schemeClr>
+          </a:lnRef>
+          <a:fillRef idx="1">
+            <a:schemeClr val="accent1"/>
+          </a:fillRef>
+          <a:effectRef idx="0">
+            <a:srgbClr val="FFFFFF"/>
+          </a:effectRef>
+          <a:fontRef idx="minor">
+            <a:schemeClr val="lt1"/>
+          </a:fontRef>
+        </p:style>
+        <p:txBody>
+          <a:bodyPr rtlCol="0" anchor="ctr"/>
+          <a:p>
+            <a:pPr algn="ctr"/>
+            <a:endParaRPr lang="zh-CN" altLang="en-US"/>
+          </a:p>
+        </p:txBody>
+      </p:sp>
+      <p:sp>
+        <p:nvSpPr>
+          <p:cNvPr id="67" name="矩形 66"/>
+          <p:cNvSpPr/>
+          <p:nvPr/>
+        </p:nvSpPr>
+        <p:spPr>
+          <a:xfrm>
+            <a:off x="3594100" y="3625850"/>
+            <a:ext cx="220345" cy="249555"/>
+          </a:xfrm>
+          <a:prstGeom prst="rect">
+            <a:avLst/>
+          </a:prstGeom>
+          <a:solidFill>
+            <a:schemeClr val="accent5">
+              <a:lumMod val="75000"/>
+            </a:schemeClr>
+          </a:solidFill>
+          <a:scene3d>
+            <a:camera prst="orthographicFront">
+              <a:rot lat="19800000" lon="2400000" rev="0"/>
+            </a:camera>
+            <a:lightRig rig="threePt" dir="t"/>
+          </a:scene3d>
+        </p:spPr>
+        <p:style>
+          <a:lnRef idx="2">
+            <a:schemeClr val="accent1">
+              <a:lumMod val="75000"/>
+            </a:schemeClr>
+          </a:lnRef>
+          <a:fillRef idx="1">
+            <a:schemeClr val="accent1"/>
+          </a:fillRef>
+          <a:effectRef idx="0">
+            <a:srgbClr val="FFFFFF"/>
+          </a:effectRef>
+          <a:fontRef idx="minor">
+            <a:schemeClr val="lt1"/>
+          </a:fontRef>
+        </p:style>
+        <p:txBody>
+          <a:bodyPr rtlCol="0" anchor="ctr"/>
+          <a:p>
+            <a:pPr algn="ctr"/>
+            <a:endParaRPr lang="zh-CN" altLang="en-US"/>
+          </a:p>
+        </p:txBody>
+      </p:sp>
+      <p:sp>
+        <p:nvSpPr>
+          <p:cNvPr id="68" name="矩形 67"/>
+          <p:cNvSpPr/>
+          <p:nvPr/>
+        </p:nvSpPr>
+        <p:spPr>
+          <a:xfrm>
+            <a:off x="3465830" y="1644650"/>
+            <a:ext cx="220345" cy="249555"/>
+          </a:xfrm>
+          <a:prstGeom prst="rect">
+            <a:avLst/>
+          </a:prstGeom>
+          <a:solidFill>
+            <a:schemeClr val="accent5">
+              <a:lumMod val="75000"/>
+            </a:schemeClr>
+          </a:solidFill>
+          <a:scene3d>
+            <a:camera prst="orthographicFront">
+              <a:rot lat="19800000" lon="2400000" rev="0"/>
+            </a:camera>
+            <a:lightRig rig="threePt" dir="t"/>
+          </a:scene3d>
+        </p:spPr>
+        <p:style>
+          <a:lnRef idx="2">
+            <a:schemeClr val="accent1">
+              <a:lumMod val="75000"/>
+            </a:schemeClr>
+          </a:lnRef>
+          <a:fillRef idx="1">
+            <a:schemeClr val="accent1"/>
+          </a:fillRef>
+          <a:effectRef idx="0">
+            <a:srgbClr val="FFFFFF"/>
+          </a:effectRef>
+          <a:fontRef idx="minor">
+            <a:schemeClr val="lt1"/>
+          </a:fontRef>
+        </p:style>
+        <p:txBody>
+          <a:bodyPr rtlCol="0" anchor="ctr"/>
+          <a:p>
+            <a:pPr algn="ctr"/>
+            <a:endParaRPr lang="zh-CN" altLang="en-US"/>
+          </a:p>
+        </p:txBody>
+      </p:sp>
+      <p:sp>
+        <p:nvSpPr>
+          <p:cNvPr id="69" name="矩形 68"/>
+          <p:cNvSpPr/>
+          <p:nvPr/>
+        </p:nvSpPr>
+        <p:spPr>
+          <a:xfrm>
+            <a:off x="3539490" y="1664970"/>
+            <a:ext cx="220345" cy="249555"/>
+          </a:xfrm>
+          <a:prstGeom prst="rect">
+            <a:avLst/>
+          </a:prstGeom>
+          <a:solidFill>
+            <a:schemeClr val="accent5">
+              <a:lumMod val="75000"/>
+            </a:schemeClr>
+          </a:solidFill>
+          <a:scene3d>
+            <a:camera prst="orthographicFront">
+              <a:rot lat="19800000" lon="2400000" rev="0"/>
+            </a:camera>
+            <a:lightRig rig="threePt" dir="t"/>
+          </a:scene3d>
+        </p:spPr>
+        <p:style>
+          <a:lnRef idx="2">
+            <a:schemeClr val="accent1">
+              <a:lumMod val="75000"/>
+            </a:schemeClr>
+          </a:lnRef>
+          <a:fillRef idx="1">
+            <a:schemeClr val="accent1"/>
+          </a:fillRef>
+          <a:effectRef idx="0">
+            <a:srgbClr val="FFFFFF"/>
+          </a:effectRef>
+          <a:fontRef idx="minor">
+            <a:schemeClr val="lt1"/>
+          </a:fontRef>
+        </p:style>
+        <p:txBody>
+          <a:bodyPr rtlCol="0" anchor="ctr"/>
+          <a:p>
+            <a:pPr algn="ctr"/>
+            <a:endParaRPr lang="zh-CN" altLang="en-US"/>
+          </a:p>
+        </p:txBody>
+      </p:sp>
+      <p:sp>
+        <p:nvSpPr>
+          <p:cNvPr id="70" name="矩形 69"/>
+          <p:cNvSpPr/>
+          <p:nvPr/>
+        </p:nvSpPr>
+        <p:spPr>
+          <a:xfrm>
+            <a:off x="3616325" y="1695450"/>
+            <a:ext cx="220345" cy="249555"/>
+          </a:xfrm>
+          <a:prstGeom prst="rect">
+            <a:avLst/>
+          </a:prstGeom>
+          <a:solidFill>
+            <a:schemeClr val="accent5">
+              <a:lumMod val="75000"/>
+            </a:schemeClr>
+          </a:solidFill>
+          <a:scene3d>
+            <a:camera prst="orthographicFront">
+              <a:rot lat="19800000" lon="2400000" rev="0"/>
+            </a:camera>
+            <a:lightRig rig="threePt" dir="t"/>
+          </a:scene3d>
+        </p:spPr>
+        <p:style>
+          <a:lnRef idx="2">
+            <a:schemeClr val="accent1">
+              <a:lumMod val="75000"/>
+            </a:schemeClr>
+          </a:lnRef>
+          <a:fillRef idx="1">
+            <a:schemeClr val="accent1"/>
+          </a:fillRef>
+          <a:effectRef idx="0">
+            <a:srgbClr val="FFFFFF"/>
+          </a:effectRef>
+          <a:fontRef idx="minor">
+            <a:schemeClr val="lt1"/>
+          </a:fontRef>
+        </p:style>
+        <p:txBody>
+          <a:bodyPr rtlCol="0" anchor="ctr"/>
+          <a:p>
+            <a:pPr algn="ctr"/>
+            <a:endParaRPr lang="zh-CN" altLang="en-US"/>
+          </a:p>
+        </p:txBody>
+      </p:sp>
+      <p:sp>
+        <p:nvSpPr>
+          <p:cNvPr id="71" name="矩形 70"/>
+          <p:cNvSpPr/>
+          <p:nvPr/>
+        </p:nvSpPr>
+        <p:spPr>
+          <a:xfrm>
+            <a:off x="3686175" y="1727200"/>
+            <a:ext cx="220345" cy="249555"/>
+          </a:xfrm>
+          <a:prstGeom prst="rect">
+            <a:avLst/>
+          </a:prstGeom>
+          <a:solidFill>
+            <a:schemeClr val="accent5">
+              <a:lumMod val="75000"/>
+            </a:schemeClr>
+          </a:solidFill>
+          <a:scene3d>
+            <a:camera prst="orthographicFront">
+              <a:rot lat="19800000" lon="2400000" rev="0"/>
+            </a:camera>
+            <a:lightRig rig="threePt" dir="t"/>
+          </a:scene3d>
+        </p:spPr>
+        <p:style>
+          <a:lnRef idx="2">
+            <a:schemeClr val="accent1">
+              <a:lumMod val="75000"/>
+            </a:schemeClr>
+          </a:lnRef>
+          <a:fillRef idx="1">
+            <a:schemeClr val="accent1"/>
+          </a:fillRef>
+          <a:effectRef idx="0">
+            <a:srgbClr val="FFFFFF"/>
+          </a:effectRef>
+          <a:fontRef idx="minor">
+            <a:schemeClr val="lt1"/>
+          </a:fontRef>
+        </p:style>
+        <p:txBody>
+          <a:bodyPr rtlCol="0" anchor="ctr"/>
+          <a:p>
+            <a:pPr algn="ctr"/>
+            <a:endParaRPr lang="zh-CN" altLang="en-US"/>
+          </a:p>
+        </p:txBody>
+      </p:sp>
+      <p:cxnSp>
+        <p:nvCxnSpPr>
+          <p:cNvPr id="72" name="直接连接符 71"/>
+          <p:cNvCxnSpPr/>
+          <p:nvPr/>
+        </p:nvCxnSpPr>
+        <p:spPr>
+          <a:xfrm>
+            <a:off x="3862070" y="2169795"/>
+            <a:ext cx="1833880" cy="610235"/>
+          </a:xfrm>
+          <a:prstGeom prst="line">
+            <a:avLst/>
+          </a:prstGeom>
+          <a:ln w="12700" cmpd="sng">
+            <a:solidFill>
+              <a:schemeClr val="accent1">
+                <a:shade val="50000"/>
+              </a:schemeClr>
+            </a:solidFill>
+            <a:prstDash val="sysDot"/>
+          </a:ln>
+        </p:spPr>
+        <p:style>
+          <a:lnRef idx="2">
+            <a:schemeClr val="accent1"/>
+          </a:lnRef>
+          <a:fillRef idx="0">
+            <a:srgbClr val="FFFFFF"/>
+          </a:fillRef>
+          <a:effectRef idx="0">
+            <a:srgbClr val="FFFFFF"/>
+          </a:effectRef>
+          <a:fontRef idx="minor">
+            <a:schemeClr val="tx1"/>
+          </a:fontRef>
+        </p:style>
+      </p:cxnSp>
+      <p:cxnSp>
+        <p:nvCxnSpPr>
+          <p:cNvPr id="73" name="直接连接符 72"/>
+          <p:cNvCxnSpPr/>
+          <p:nvPr/>
+        </p:nvCxnSpPr>
+        <p:spPr>
+          <a:xfrm>
+            <a:off x="3684270" y="2249170"/>
+            <a:ext cx="1752600" cy="645160"/>
+          </a:xfrm>
+          <a:prstGeom prst="line">
+            <a:avLst/>
+          </a:prstGeom>
+          <a:ln w="12700" cmpd="sng">
+            <a:solidFill>
+              <a:schemeClr val="accent1">
+                <a:shade val="50000"/>
+              </a:schemeClr>
+            </a:solidFill>
+            <a:prstDash val="sysDot"/>
+          </a:ln>
+        </p:spPr>
+        <p:style>
+          <a:lnRef idx="2">
+            <a:schemeClr val="accent1"/>
+          </a:lnRef>
+          <a:fillRef idx="0">
+            <a:srgbClr val="FFFFFF"/>
+          </a:fillRef>
+          <a:effectRef idx="0">
+            <a:srgbClr val="FFFFFF"/>
+          </a:effectRef>
+          <a:fontRef idx="minor">
+            <a:schemeClr val="tx1"/>
+          </a:fontRef>
+        </p:style>
+      </p:cxnSp>
+      <p:cxnSp>
+        <p:nvCxnSpPr>
+          <p:cNvPr id="74" name="直接连接符 73"/>
+          <p:cNvCxnSpPr/>
+          <p:nvPr/>
+        </p:nvCxnSpPr>
+        <p:spPr>
+          <a:xfrm>
+            <a:off x="3702685" y="2459355"/>
+            <a:ext cx="1734185" cy="762635"/>
+          </a:xfrm>
+          <a:prstGeom prst="line">
+            <a:avLst/>
+          </a:prstGeom>
+          <a:ln w="12700" cmpd="sng">
+            <a:solidFill>
+              <a:schemeClr val="accent1">
+                <a:shade val="50000"/>
+              </a:schemeClr>
+            </a:solidFill>
+            <a:prstDash val="sysDot"/>
+          </a:ln>
+        </p:spPr>
+        <p:style>
+          <a:lnRef idx="2">
+            <a:schemeClr val="accent1"/>
+          </a:lnRef>
+          <a:fillRef idx="0">
+            <a:srgbClr val="FFFFFF"/>
+          </a:fillRef>
+          <a:effectRef idx="0">
+            <a:srgbClr val="FFFFFF"/>
+          </a:effectRef>
+          <a:fontRef idx="minor">
+            <a:schemeClr val="tx1"/>
+          </a:fontRef>
+        </p:style>
+      </p:cxnSp>
+      <p:sp>
+        <p:nvSpPr>
+          <p:cNvPr id="75" name="矩形 74"/>
+          <p:cNvSpPr/>
+          <p:nvPr/>
+        </p:nvSpPr>
+        <p:spPr>
+          <a:xfrm>
+            <a:off x="5398135" y="2816225"/>
+            <a:ext cx="334010" cy="376555"/>
+          </a:xfrm>
+          <a:prstGeom prst="rect">
+            <a:avLst/>
+          </a:prstGeom>
+          <a:solidFill>
+            <a:schemeClr val="accent6"/>
+          </a:solidFill>
+          <a:scene3d>
+            <a:camera prst="orthographicFront">
+              <a:rot lat="19800000" lon="2400000" rev="0"/>
+            </a:camera>
+            <a:lightRig rig="threePt" dir="t"/>
+          </a:scene3d>
+        </p:spPr>
+        <p:style>
+          <a:lnRef idx="2">
+            <a:schemeClr val="accent1">
+              <a:lumMod val="75000"/>
+            </a:schemeClr>
+          </a:lnRef>
+          <a:fillRef idx="1">
+            <a:schemeClr val="accent1"/>
+          </a:fillRef>
+          <a:effectRef idx="0">
+            <a:srgbClr val="FFFFFF"/>
+          </a:effectRef>
+          <a:fontRef idx="minor">
+            <a:schemeClr val="lt1"/>
+          </a:fontRef>
+        </p:style>
+        <p:txBody>
+          <a:bodyPr rtlCol="0" anchor="ctr"/>
+          <a:p>
+            <a:pPr algn="ctr"/>
+            <a:endParaRPr lang="zh-CN" altLang="en-US"/>
+          </a:p>
+        </p:txBody>
+      </p:sp>
+      <p:cxnSp>
+        <p:nvCxnSpPr>
+          <p:cNvPr id="78" name="直接连接符 77"/>
+          <p:cNvCxnSpPr/>
+          <p:nvPr/>
+        </p:nvCxnSpPr>
+        <p:spPr>
+          <a:xfrm>
+            <a:off x="3862070" y="2385695"/>
+            <a:ext cx="1576705" cy="624840"/>
+          </a:xfrm>
+          <a:prstGeom prst="line">
+            <a:avLst/>
+          </a:prstGeom>
+          <a:ln w="12700" cmpd="sng">
+            <a:solidFill>
+              <a:schemeClr val="accent1">
+                <a:shade val="50000"/>
+              </a:schemeClr>
+            </a:solidFill>
+            <a:prstDash val="sysDot"/>
+          </a:ln>
+        </p:spPr>
+        <p:style>
+          <a:lnRef idx="2">
+            <a:schemeClr val="accent1"/>
+          </a:lnRef>
+          <a:fillRef idx="0">
+            <a:srgbClr val="FFFFFF"/>
+          </a:fillRef>
+          <a:effectRef idx="0">
+            <a:srgbClr val="FFFFFF"/>
+          </a:effectRef>
+          <a:fontRef idx="minor">
+            <a:schemeClr val="tx1"/>
+          </a:fontRef>
+        </p:style>
+      </p:cxnSp>
+      <mc:AlternateContent xmlns:mc="http://schemas.openxmlformats.org/markup-compatibility/2006">
+        <mc:Choice xmlns:a14="http://schemas.microsoft.com/office/drawing/2010/main" Requires="a14">
+          <p:sp>
+            <p:nvSpPr>
+              <p:cNvPr id="79" name="文本框 78"/>
+              <p:cNvSpPr txBox="1"/>
+              <p:nvPr/>
+            </p:nvSpPr>
+            <p:spPr>
+              <a:xfrm>
+                <a:off x="534670" y="1127760"/>
+                <a:ext cx="2474595" cy="382270"/>
+              </a:xfrm>
+              <a:prstGeom prst="rect">
+                <a:avLst/>
+              </a:prstGeom>
+              <a:noFill/>
+            </p:spPr>
+            <p:txBody>
+              <a:bodyPr wrap="square" rtlCol="0">
+                <a:noAutofit/>
+              </a:bodyPr>
+              <a:p>
+                <a14:m>
+                  <m:oMathPara xmlns:m="http://schemas.openxmlformats.org/officeDocument/2006/math">
+                    <m:oMathParaPr>
+                      <m:jc m:val="centerGroup"/>
+                    </m:oMathParaPr>
+                    <m:oMath xmlns:m="http://schemas.openxmlformats.org/officeDocument/2006/math">
+                      <m:sSub>
+                        <m:sSubPr>
+                          <m:ctrlPr>
+                            <a:rPr lang="en-US" altLang="zh-CN" sz="1200" i="1">
+                              <a:latin typeface="Cambria Math" panose="02040503050406030204" charset="0"/>
+                              <a:cs typeface="Cambria Math" panose="02040503050406030204" charset="0"/>
+                            </a:rPr>
+                          </m:ctrlPr>
+                        </m:sSubPr>
+                        <m:e>
+                          <m:r>
+                            <a:rPr lang="en-US" altLang="zh-CN" sz="1200" i="1">
+                              <a:latin typeface="Cambria Math" panose="02040503050406030204" charset="0"/>
+                              <a:cs typeface="Cambria Math" panose="02040503050406030204" charset="0"/>
+                            </a:rPr>
+                            <m:t>𝐶</m:t>
+                          </m:r>
+                        </m:e>
+                        <m:sub>
+                          <m:r>
+                            <a:rPr lang="en-US" altLang="zh-CN" sz="1200" i="1">
+                              <a:latin typeface="Cambria Math" panose="02040503050406030204" charset="0"/>
+                              <a:cs typeface="Cambria Math" panose="02040503050406030204" charset="0"/>
+                            </a:rPr>
+                            <m:t>𝑙−</m:t>
+                          </m:r>
+                          <m:r>
+                            <a:rPr lang="en-US" altLang="zh-CN" sz="1200" i="1">
+                              <a:latin typeface="Cambria Math" panose="02040503050406030204" charset="0"/>
+                              <a:cs typeface="Cambria Math" panose="02040503050406030204" charset="0"/>
+                            </a:rPr>
+                            <m:t>1</m:t>
+                          </m:r>
+                        </m:sub>
+                      </m:sSub>
+                      <m:r>
+                        <a:rPr lang="en-US" altLang="zh-CN" sz="1200" i="1">
+                          <a:latin typeface="Cambria Math" panose="02040503050406030204" charset="0"/>
+                          <a:cs typeface="Cambria Math" panose="02040503050406030204" charset="0"/>
+                        </a:rPr>
+                        <m:t>×</m:t>
+                      </m:r>
+                      <m:sSub>
+                        <m:sSubPr>
+                          <m:ctrlPr>
+                            <a:rPr lang="en-US" altLang="zh-CN" sz="1200" i="1">
+                              <a:latin typeface="Cambria Math" panose="02040503050406030204" charset="0"/>
+                              <a:cs typeface="Cambria Math" panose="02040503050406030204" charset="0"/>
+                            </a:rPr>
+                          </m:ctrlPr>
+                        </m:sSubPr>
+                        <m:e>
+                          <m:r>
+                            <a:rPr lang="en-US" altLang="zh-CN" sz="1200" i="1">
+                              <a:latin typeface="Cambria Math" panose="02040503050406030204" charset="0"/>
+                              <a:cs typeface="Cambria Math" panose="02040503050406030204" charset="0"/>
+                            </a:rPr>
+                            <m:t>𝐻</m:t>
+                          </m:r>
+                        </m:e>
+                        <m:sub>
+                          <m:r>
+                            <a:rPr lang="en-US" altLang="zh-CN" sz="1200" i="1">
+                              <a:latin typeface="Cambria Math" panose="02040503050406030204" charset="0"/>
+                              <a:cs typeface="Cambria Math" panose="02040503050406030204" charset="0"/>
+                            </a:rPr>
+                            <m:t>𝑙</m:t>
+                          </m:r>
+                          <m:r>
+                            <a:rPr lang="en-US" altLang="zh-CN" sz="1200" i="1">
+                              <a:latin typeface="Cambria Math" panose="02040503050406030204" charset="0"/>
+                              <a:cs typeface="Cambria Math" panose="02040503050406030204" charset="0"/>
+                            </a:rPr>
+                            <m:t>−</m:t>
+                          </m:r>
+                          <m:r>
+                            <a:rPr lang="en-US" altLang="zh-CN" sz="1200" i="1">
+                              <a:latin typeface="Cambria Math" panose="02040503050406030204" charset="0"/>
+                              <a:cs typeface="Cambria Math" panose="02040503050406030204" charset="0"/>
+                            </a:rPr>
+                            <m:t>1</m:t>
+                          </m:r>
+                        </m:sub>
+                      </m:sSub>
+                      <m:r>
+                        <a:rPr lang="en-US" altLang="zh-CN" sz="1200" i="1">
+                          <a:latin typeface="Cambria Math" panose="02040503050406030204" charset="0"/>
+                          <a:cs typeface="Cambria Math" panose="02040503050406030204" charset="0"/>
+                        </a:rPr>
+                        <m:t>×</m:t>
+                      </m:r>
+                      <m:sSub>
+                        <m:sSubPr>
+                          <m:ctrlPr>
+                            <a:rPr lang="en-US" altLang="zh-CN" sz="1200" i="1">
+                              <a:latin typeface="Cambria Math" panose="02040503050406030204" charset="0"/>
+                              <a:cs typeface="Cambria Math" panose="02040503050406030204" charset="0"/>
+                            </a:rPr>
+                          </m:ctrlPr>
+                        </m:sSubPr>
+                        <m:e>
+                          <m:r>
+                            <a:rPr lang="en-US" altLang="zh-CN" sz="1200" i="1">
+                              <a:latin typeface="Cambria Math" panose="02040503050406030204" charset="0"/>
+                              <a:cs typeface="Cambria Math" panose="02040503050406030204" charset="0"/>
+                            </a:rPr>
+                            <m:t>𝑊</m:t>
+                          </m:r>
+                        </m:e>
+                        <m:sub>
+                          <m:r>
+                            <a:rPr lang="en-US" altLang="zh-CN" sz="1200" i="1">
+                              <a:latin typeface="Cambria Math" panose="02040503050406030204" charset="0"/>
+                              <a:cs typeface="Cambria Math" panose="02040503050406030204" charset="0"/>
+                            </a:rPr>
+                            <m:t>𝑙</m:t>
+                          </m:r>
+                          <m:r>
+                            <a:rPr lang="en-US" altLang="zh-CN" sz="1200" i="1">
+                              <a:latin typeface="Cambria Math" panose="02040503050406030204" charset="0"/>
+                              <a:cs typeface="Cambria Math" panose="02040503050406030204" charset="0"/>
+                            </a:rPr>
+                            <m:t>−</m:t>
+                          </m:r>
+                          <m:r>
+                            <a:rPr lang="en-US" altLang="zh-CN" sz="1200" i="1">
+                              <a:latin typeface="Cambria Math" panose="02040503050406030204" charset="0"/>
+                              <a:cs typeface="Cambria Math" panose="02040503050406030204" charset="0"/>
+                            </a:rPr>
+                            <m:t>1</m:t>
+                          </m:r>
+                        </m:sub>
+                      </m:sSub>
+                    </m:oMath>
+                  </m:oMathPara>
+                </a14:m>
+                <a:endParaRPr lang="en-US" altLang="zh-CN" sz="1200" i="1">
+                  <a:latin typeface="Cambria Math" panose="02040503050406030204" charset="0"/>
+                  <a:cs typeface="Cambria Math" panose="02040503050406030204" charset="0"/>
+                </a:endParaRPr>
+              </a:p>
+            </p:txBody>
+          </p:sp>
+        </mc:Choice>
+        <mc:Fallback>
+          <p:sp>
+            <p:nvSpPr>
+              <p:cNvPr id="79" name="文本框 78"/>
+              <p:cNvSpPr txBox="1">
+                <a:spLocks noRot="1" noChangeAspect="1" noMove="1" noResize="1" noEditPoints="1" noAdjustHandles="1" noChangeArrowheads="1" noChangeShapeType="1" noTextEdit="1"/>
+              </p:cNvSpPr>
+              <p:nvPr/>
+            </p:nvSpPr>
+            <p:spPr>
+              <a:xfrm>
+                <a:off x="534670" y="1127760"/>
+                <a:ext cx="2474595" cy="382270"/>
+              </a:xfrm>
+              <a:prstGeom prst="rect">
+                <a:avLst/>
+              </a:prstGeom>
+              <a:blipFill rotWithShape="1">
+                <a:blip r:embed="rId1"/>
+                <a:stretch>
+                  <a:fillRect/>
+                </a:stretch>
+              </a:blipFill>
+            </p:spPr>
+            <p:txBody>
+              <a:bodyPr/>
+              <a:lstStyle/>
+              <a:p>
+                <a:r>
+                  <a:rPr lang="zh-CN" altLang="en-US">
+                    <a:noFill/>
+                  </a:rPr>
+                  <a:t> </a:t>
+                </a:r>
+              </a:p>
+            </p:txBody>
+          </p:sp>
+        </mc:Fallback>
+      </mc:AlternateContent>
+      <mc:AlternateContent xmlns:mc="http://schemas.openxmlformats.org/markup-compatibility/2006">
+        <mc:Choice xmlns:a14="http://schemas.microsoft.com/office/drawing/2010/main" Requires="a14">
+          <p:sp>
+            <p:nvSpPr>
+              <p:cNvPr id="80" name="文本框 79"/>
+              <p:cNvSpPr txBox="1"/>
+              <p:nvPr/>
+            </p:nvSpPr>
+            <p:spPr>
+              <a:xfrm>
+                <a:off x="4373880" y="1127760"/>
+                <a:ext cx="2474595" cy="382270"/>
+              </a:xfrm>
+              <a:prstGeom prst="rect">
+                <a:avLst/>
+              </a:prstGeom>
+              <a:noFill/>
+            </p:spPr>
+            <p:txBody>
+              <a:bodyPr wrap="square" rtlCol="0">
+                <a:noAutofit/>
+              </a:bodyPr>
+              <a:p>
+                <a14:m>
+                  <m:oMathPara xmlns:m="http://schemas.openxmlformats.org/officeDocument/2006/math">
+                    <m:oMathParaPr>
+                      <m:jc m:val="centerGroup"/>
+                    </m:oMathParaPr>
+                    <m:oMath xmlns:m="http://schemas.openxmlformats.org/officeDocument/2006/math">
+                      <m:sSub>
+                        <m:sSubPr>
+                          <m:ctrlPr>
+                            <a:rPr lang="en-US" altLang="zh-CN" sz="1200" i="1">
+                              <a:latin typeface="Cambria Math" panose="02040503050406030204" charset="0"/>
+                              <a:cs typeface="Cambria Math" panose="02040503050406030204" charset="0"/>
+                            </a:rPr>
+                          </m:ctrlPr>
+                        </m:sSubPr>
+                        <m:e>
+                          <m:r>
+                            <a:rPr lang="en-US" altLang="zh-CN" sz="1200" i="1">
+                              <a:latin typeface="Cambria Math" panose="02040503050406030204" charset="0"/>
+                              <a:cs typeface="Cambria Math" panose="02040503050406030204" charset="0"/>
+                            </a:rPr>
+                            <m:t>𝐶</m:t>
+                          </m:r>
+                        </m:e>
+                        <m:sub>
+                          <m:r>
+                            <a:rPr lang="en-US" altLang="zh-CN" sz="1200" i="1">
+                              <a:latin typeface="Cambria Math" panose="02040503050406030204" charset="0"/>
+                              <a:cs typeface="Cambria Math" panose="02040503050406030204" charset="0"/>
+                            </a:rPr>
+                            <m:t>𝑙</m:t>
+                          </m:r>
+                        </m:sub>
+                      </m:sSub>
+                      <m:r>
+                        <a:rPr lang="en-US" altLang="zh-CN" sz="1200" i="1">
+                          <a:latin typeface="Cambria Math" panose="02040503050406030204" charset="0"/>
+                          <a:cs typeface="Cambria Math" panose="02040503050406030204" charset="0"/>
+                        </a:rPr>
+                        <m:t>×</m:t>
+                      </m:r>
+                      <m:sSub>
+                        <m:sSubPr>
+                          <m:ctrlPr>
+                            <a:rPr lang="en-US" altLang="zh-CN" sz="1200" i="1">
+                              <a:latin typeface="Cambria Math" panose="02040503050406030204" charset="0"/>
+                              <a:cs typeface="Cambria Math" panose="02040503050406030204" charset="0"/>
+                            </a:rPr>
+                          </m:ctrlPr>
+                        </m:sSubPr>
+                        <m:e>
+                          <m:r>
+                            <a:rPr lang="en-US" altLang="zh-CN" sz="1200" i="1">
+                              <a:latin typeface="Cambria Math" panose="02040503050406030204" charset="0"/>
+                              <a:cs typeface="Cambria Math" panose="02040503050406030204" charset="0"/>
+                            </a:rPr>
+                            <m:t>𝐻</m:t>
+                          </m:r>
+                        </m:e>
+                        <m:sub>
+                          <m:r>
+                            <a:rPr lang="en-US" altLang="zh-CN" sz="1200" i="1">
+                              <a:latin typeface="Cambria Math" panose="02040503050406030204" charset="0"/>
+                              <a:cs typeface="Cambria Math" panose="02040503050406030204" charset="0"/>
+                            </a:rPr>
+                            <m:t>𝑙</m:t>
+                          </m:r>
+                        </m:sub>
+                      </m:sSub>
+                      <m:r>
+                        <a:rPr lang="en-US" altLang="zh-CN" sz="1200" i="1">
+                          <a:latin typeface="Cambria Math" panose="02040503050406030204" charset="0"/>
+                          <a:cs typeface="Cambria Math" panose="02040503050406030204" charset="0"/>
+                        </a:rPr>
+                        <m:t>×</m:t>
+                      </m:r>
+                      <m:sSub>
+                        <m:sSubPr>
+                          <m:ctrlPr>
+                            <a:rPr lang="en-US" altLang="zh-CN" sz="1200" i="1">
+                              <a:latin typeface="Cambria Math" panose="02040503050406030204" charset="0"/>
+                              <a:cs typeface="Cambria Math" panose="02040503050406030204" charset="0"/>
+                            </a:rPr>
+                          </m:ctrlPr>
+                        </m:sSubPr>
+                        <m:e>
+                          <m:r>
+                            <a:rPr lang="en-US" altLang="zh-CN" sz="1200" i="1">
+                              <a:latin typeface="Cambria Math" panose="02040503050406030204" charset="0"/>
+                              <a:cs typeface="Cambria Math" panose="02040503050406030204" charset="0"/>
+                            </a:rPr>
+                            <m:t>𝑊</m:t>
+                          </m:r>
+                        </m:e>
+                        <m:sub>
+                          <m:r>
+                            <a:rPr lang="en-US" altLang="zh-CN" sz="1200" i="1">
+                              <a:latin typeface="Cambria Math" panose="02040503050406030204" charset="0"/>
+                              <a:cs typeface="Cambria Math" panose="02040503050406030204" charset="0"/>
+                            </a:rPr>
+                            <m:t>𝑙</m:t>
+                          </m:r>
+                        </m:sub>
+                      </m:sSub>
+                    </m:oMath>
+                  </m:oMathPara>
+                </a14:m>
+                <a:endParaRPr lang="en-US" altLang="zh-CN" sz="1200" i="1">
+                  <a:latin typeface="Cambria Math" panose="02040503050406030204" charset="0"/>
+                  <a:cs typeface="Cambria Math" panose="02040503050406030204" charset="0"/>
+                </a:endParaRPr>
+              </a:p>
+            </p:txBody>
+          </p:sp>
+        </mc:Choice>
+        <mc:Fallback>
+          <p:sp>
+            <p:nvSpPr>
+              <p:cNvPr id="80" name="文本框 79"/>
+              <p:cNvSpPr txBox="1">
+                <a:spLocks noRot="1" noChangeAspect="1" noMove="1" noResize="1" noEditPoints="1" noAdjustHandles="1" noChangeArrowheads="1" noChangeShapeType="1" noTextEdit="1"/>
+              </p:cNvSpPr>
+              <p:nvPr/>
+            </p:nvSpPr>
+            <p:spPr>
+              <a:xfrm>
+                <a:off x="4373880" y="1127760"/>
+                <a:ext cx="2474595" cy="382270"/>
+              </a:xfrm>
+              <a:prstGeom prst="rect">
+                <a:avLst/>
+              </a:prstGeom>
+              <a:blipFill rotWithShape="1">
+                <a:blip r:embed="rId2"/>
+                <a:stretch>
+                  <a:fillRect/>
+                </a:stretch>
+              </a:blipFill>
+            </p:spPr>
+            <p:txBody>
+              <a:bodyPr/>
+              <a:lstStyle/>
+              <a:p>
+                <a:r>
+                  <a:rPr lang="zh-CN" altLang="en-US">
+                    <a:noFill/>
+                  </a:rPr>
+                  <a:t> </a:t>
+                </a:r>
+              </a:p>
+            </p:txBody>
+          </p:sp>
+        </mc:Fallback>
+      </mc:AlternateContent>
+      <mc:AlternateContent xmlns:mc="http://schemas.openxmlformats.org/markup-compatibility/2006">
+        <mc:Choice xmlns:a14="http://schemas.microsoft.com/office/drawing/2010/main" Requires="a14">
+          <p:sp>
+            <p:nvSpPr>
+              <p:cNvPr id="81" name="文本框 80"/>
+              <p:cNvSpPr txBox="1"/>
+              <p:nvPr/>
+            </p:nvSpPr>
+            <p:spPr>
+              <a:xfrm>
+                <a:off x="2616835" y="1127760"/>
+                <a:ext cx="2474595" cy="382270"/>
+              </a:xfrm>
+              <a:prstGeom prst="rect">
+                <a:avLst/>
+              </a:prstGeom>
+              <a:noFill/>
+            </p:spPr>
+            <p:txBody>
+              <a:bodyPr wrap="square" rtlCol="0">
+                <a:noAutofit/>
+              </a:bodyPr>
+              <a:p>
+                <a14:m>
+                  <m:oMathPara xmlns:m="http://schemas.openxmlformats.org/officeDocument/2006/math">
+                    <m:oMathParaPr>
+                      <m:jc m:val="centerGroup"/>
+                    </m:oMathParaPr>
+                    <m:oMath xmlns:m="http://schemas.openxmlformats.org/officeDocument/2006/math">
+                      <m:sSub>
+                        <m:sSubPr>
+                          <m:ctrlPr>
+                            <a:rPr lang="en-US" altLang="zh-CN" sz="1200" i="1">
+                              <a:latin typeface="Cambria Math" panose="02040503050406030204" charset="0"/>
+                              <a:cs typeface="Cambria Math" panose="02040503050406030204" charset="0"/>
+                            </a:rPr>
+                          </m:ctrlPr>
+                        </m:sSubPr>
+                        <m:e>
+                          <m:r>
+                            <a:rPr lang="en-US" altLang="zh-CN" sz="1200" i="1">
+                              <a:latin typeface="Cambria Math" panose="02040503050406030204" charset="0"/>
+                              <a:cs typeface="Cambria Math" panose="02040503050406030204" charset="0"/>
+                            </a:rPr>
+                            <m:t>𝐶</m:t>
+                          </m:r>
+                        </m:e>
+                        <m:sub>
+                          <m:r>
+                            <a:rPr lang="en-US" altLang="zh-CN" sz="1200" i="1">
+                              <a:latin typeface="Cambria Math" panose="02040503050406030204" charset="0"/>
+                              <a:cs typeface="Cambria Math" panose="02040503050406030204" charset="0"/>
+                            </a:rPr>
+                            <m:t>𝑙</m:t>
+                          </m:r>
+                          <m:r>
+                            <a:rPr lang="en-US" altLang="zh-CN" sz="1200" i="1">
+                              <a:latin typeface="Cambria Math" panose="02040503050406030204" charset="0"/>
+                              <a:cs typeface="Cambria Math" panose="02040503050406030204" charset="0"/>
+                            </a:rPr>
+                            <m:t>−</m:t>
+                          </m:r>
+                          <m:r>
+                            <a:rPr lang="en-US" altLang="zh-CN" sz="1200" i="1">
+                              <a:latin typeface="Cambria Math" panose="02040503050406030204" charset="0"/>
+                              <a:cs typeface="Cambria Math" panose="02040503050406030204" charset="0"/>
+                            </a:rPr>
+                            <m:t>1</m:t>
+                          </m:r>
+                        </m:sub>
+                      </m:sSub>
+                      <m:r>
+                        <a:rPr lang="en-US" altLang="zh-CN" sz="1200" i="1">
+                          <a:latin typeface="Cambria Math" panose="02040503050406030204" charset="0"/>
+                          <a:cs typeface="Cambria Math" panose="02040503050406030204" charset="0"/>
+                        </a:rPr>
+                        <m:t>×</m:t>
+                      </m:r>
+                      <m:sSub>
+                        <m:sSubPr>
+                          <m:ctrlPr>
+                            <a:rPr lang="en-US" altLang="zh-CN" sz="1200" i="1">
+                              <a:latin typeface="Cambria Math" panose="02040503050406030204" charset="0"/>
+                              <a:cs typeface="Cambria Math" panose="02040503050406030204" charset="0"/>
+                            </a:rPr>
+                          </m:ctrlPr>
+                        </m:sSubPr>
+                        <m:e>
+                          <m:r>
+                            <a:rPr lang="en-US" altLang="zh-CN" sz="1200" i="1">
+                              <a:latin typeface="Cambria Math" panose="02040503050406030204" charset="0"/>
+                              <a:cs typeface="Cambria Math" panose="02040503050406030204" charset="0"/>
+                            </a:rPr>
+                            <m:t>𝐶</m:t>
+                          </m:r>
+                        </m:e>
+                        <m:sub>
+                          <m:r>
+                            <a:rPr lang="en-US" altLang="zh-CN" sz="1200" i="1">
+                              <a:latin typeface="Cambria Math" panose="02040503050406030204" charset="0"/>
+                              <a:cs typeface="Cambria Math" panose="02040503050406030204" charset="0"/>
+                            </a:rPr>
+                            <m:t>𝑙</m:t>
+                          </m:r>
+                        </m:sub>
+                      </m:sSub>
+                      <m:sSub>
+                        <m:sSubPr>
+                          <m:ctrlPr>
+                            <a:rPr lang="en-US" altLang="zh-CN" sz="1200" i="1">
+                              <a:latin typeface="Cambria Math" panose="02040503050406030204" charset="0"/>
+                              <a:cs typeface="Cambria Math" panose="02040503050406030204" charset="0"/>
+                            </a:rPr>
+                          </m:ctrlPr>
+                        </m:sSubPr>
+                        <m:e>
+                          <m:r>
+                            <a:rPr lang="en-US" altLang="zh-CN" sz="1200" i="1">
+                              <a:latin typeface="Cambria Math" panose="02040503050406030204" charset="0"/>
+                              <a:cs typeface="Cambria Math" panose="02040503050406030204" charset="0"/>
+                            </a:rPr>
+                            <m:t>×</m:t>
+                          </m:r>
+                          <m:r>
+                            <a:rPr lang="en-US" altLang="zh-CN" sz="1200" i="1">
+                              <a:latin typeface="Cambria Math" panose="02040503050406030204" charset="0"/>
+                              <a:cs typeface="Cambria Math" panose="02040503050406030204" charset="0"/>
+                            </a:rPr>
+                            <m:t>𝐾</m:t>
+                          </m:r>
+                        </m:e>
+                        <m:sub>
+                          <m:r>
+                            <a:rPr lang="en-US" altLang="zh-CN" sz="1200" i="1">
+                              <a:latin typeface="Cambria Math" panose="02040503050406030204" charset="0"/>
+                              <a:cs typeface="Cambria Math" panose="02040503050406030204" charset="0"/>
+                            </a:rPr>
+                            <m:t>𝑙</m:t>
+                          </m:r>
+                        </m:sub>
+                      </m:sSub>
+                      <m:sSub>
+                        <m:sSubPr>
+                          <m:ctrlPr>
+                            <a:rPr lang="en-US" altLang="zh-CN" sz="1200" i="1">
+                              <a:latin typeface="Cambria Math" panose="02040503050406030204" charset="0"/>
+                              <a:cs typeface="Cambria Math" panose="02040503050406030204" charset="0"/>
+                            </a:rPr>
+                          </m:ctrlPr>
+                        </m:sSubPr>
+                        <m:e>
+                          <m:r>
+                            <a:rPr lang="en-US" altLang="zh-CN" sz="1200" i="1">
+                              <a:latin typeface="Cambria Math" panose="02040503050406030204" charset="0"/>
+                              <a:cs typeface="Cambria Math" panose="02040503050406030204" charset="0"/>
+                            </a:rPr>
+                            <m:t>×</m:t>
+                          </m:r>
+                          <m:r>
+                            <a:rPr lang="en-US" altLang="zh-CN" sz="1200" i="1">
+                              <a:latin typeface="Cambria Math" panose="02040503050406030204" charset="0"/>
+                              <a:cs typeface="Cambria Math" panose="02040503050406030204" charset="0"/>
+                            </a:rPr>
+                            <m:t>𝐾</m:t>
+                          </m:r>
+                        </m:e>
+                        <m:sub>
+                          <m:r>
+                            <a:rPr lang="en-US" altLang="zh-CN" sz="1200" i="1">
+                              <a:latin typeface="Cambria Math" panose="02040503050406030204" charset="0"/>
+                              <a:cs typeface="Cambria Math" panose="02040503050406030204" charset="0"/>
+                            </a:rPr>
+                            <m:t>𝑙</m:t>
+                          </m:r>
+                        </m:sub>
+                      </m:sSub>
+                    </m:oMath>
+                  </m:oMathPara>
+                </a14:m>
+                <a:endParaRPr lang="en-US" altLang="zh-CN" sz="1200" i="1">
+                  <a:latin typeface="Cambria Math" panose="02040503050406030204" charset="0"/>
+                  <a:cs typeface="Cambria Math" panose="02040503050406030204" charset="0"/>
+                </a:endParaRPr>
+              </a:p>
+            </p:txBody>
+          </p:sp>
+        </mc:Choice>
+        <mc:Fallback>
+          <p:sp>
+            <p:nvSpPr>
+              <p:cNvPr id="81" name="文本框 80"/>
+              <p:cNvSpPr txBox="1">
+                <a:spLocks noRot="1" noChangeAspect="1" noMove="1" noResize="1" noEditPoints="1" noAdjustHandles="1" noChangeArrowheads="1" noChangeShapeType="1" noTextEdit="1"/>
+              </p:cNvSpPr>
+              <p:nvPr/>
+            </p:nvSpPr>
+            <p:spPr>
+              <a:xfrm>
+                <a:off x="2616835" y="1127760"/>
+                <a:ext cx="2474595" cy="382270"/>
+              </a:xfrm>
+              <a:prstGeom prst="rect">
+                <a:avLst/>
+              </a:prstGeom>
+              <a:blipFill rotWithShape="1">
+                <a:blip r:embed="rId3"/>
+                <a:stretch>
+                  <a:fillRect/>
+                </a:stretch>
+              </a:blipFill>
+            </p:spPr>
+            <p:txBody>
+              <a:bodyPr/>
+              <a:lstStyle/>
+              <a:p>
+                <a:r>
+                  <a:rPr lang="zh-CN" altLang="en-US">
+                    <a:noFill/>
+                  </a:rPr>
+                  <a:t> </a:t>
+                </a:r>
+              </a:p>
+            </p:txBody>
+          </p:sp>
+        </mc:Fallback>
+      </mc:AlternateContent>
+    </p:spTree>
+  </p:cSld>
+  <p:clrMapOvr>
+    <a:masterClrMapping/>
+  </p:clrMapOvr>
+</p:sld>
+</file>
+
 <file path=ppt/tags/tag1.xml><?xml version="1.0" encoding="utf-8"?>
 <p:tagLst xmlns:p="http://schemas.openxmlformats.org/presentationml/2006/main">
   <p:tag name="KSO_WM_DIAGRAM_VIRTUALLY_FRAME" val="{&quot;height&quot;:174.8,&quot;left&quot;:259.7,&quot;top&quot;:148.1,&quot;width&quot;:348.65}"/>
@@ -16444,6 +19124,7 @@
 <file path=ppt/tags/tag50.xml><?xml version="1.0" encoding="utf-8"?>
 <p:tagLst xmlns:p="http://schemas.openxmlformats.org/presentationml/2006/main">
   <p:tag name="commondata" val="eyJoZGlkIjoiZjcyMjcxMTdiYTllMjE2YzMzOTRjODU0MWE0MzFhOTkifQ=="/>
+  <p:tag name="resource_record_key" val="{&quot;13&quot;:[4364974]}"/>
 </p:tagLst>
 </file>
 

--- a/插图制作.pptx
+++ b/插图制作.pptx
@@ -13,11 +13,13 @@
     <p:sldId id="260" r:id="rId8"/>
     <p:sldId id="261" r:id="rId9"/>
     <p:sldId id="267" r:id="rId10"/>
+    <p:sldId id="268" r:id="rId11"/>
+    <p:sldId id="269" r:id="rId12"/>
   </p:sldIdLst>
   <p:sldSz cx="12192000" cy="6858000"/>
   <p:notesSz cx="6858000" cy="9144000"/>
   <p:custDataLst>
-    <p:tags r:id="rId14"/>
+    <p:tags r:id="rId16"/>
   </p:custDataLst>
   <p:defaultTextStyle>
     <a:defPPr>
@@ -4334,6 +4336,2655 @@
               <a:t>branches</a:t>
             </a:r>
             <a:endParaRPr lang="en-US" altLang="zh-CN" sz="1000"/>
+          </a:p>
+        </p:txBody>
+      </p:sp>
+    </p:spTree>
+  </p:cSld>
+  <p:clrMapOvr>
+    <a:masterClrMapping/>
+  </p:clrMapOvr>
+</p:sld>
+</file>
+
+<file path=ppt/slides/slide10.xml><?xml version="1.0" encoding="utf-8"?>
+<p:sld xmlns:a="http://schemas.openxmlformats.org/drawingml/2006/main" xmlns:r="http://schemas.openxmlformats.org/officeDocument/2006/relationships" xmlns:p="http://schemas.openxmlformats.org/presentationml/2006/main">
+  <p:cSld>
+    <p:spTree>
+      <p:nvGrpSpPr>
+        <p:cNvPr id="1" name=""/>
+        <p:cNvGrpSpPr/>
+        <p:nvPr/>
+      </p:nvGrpSpPr>
+      <p:grpSpPr/>
+      <p:graphicFrame>
+        <p:nvGraphicFramePr>
+          <p:cNvPr id="6" name="表格 5"/>
+          <p:cNvGraphicFramePr/>
+          <p:nvPr>
+            <p:custDataLst>
+              <p:tags r:id="rId1"/>
+            </p:custDataLst>
+          </p:nvPr>
+        </p:nvGraphicFramePr>
+        <p:xfrm>
+          <a:off x="1461135" y="1819910"/>
+          <a:ext cx="365760" cy="1470660"/>
+        </p:xfrm>
+        <a:graphic>
+          <a:graphicData uri="http://schemas.openxmlformats.org/drawingml/2006/table">
+            <a:tbl>
+              <a:tblPr firstRow="1" bandRow="1">
+                <a:tableStyleId>{5C22544A-7EE6-4342-B048-85BDC9FD1C3A}</a:tableStyleId>
+              </a:tblPr>
+              <a:tblGrid>
+                <a:gridCol w="365760"/>
+              </a:tblGrid>
+              <a:tr h="367665">
+                <a:tc>
+                  <a:txBody>
+                    <a:bodyPr/>
+                    <a:p>
+                      <a:pPr>
+                        <a:buNone/>
+                      </a:pPr>
+                      <a:endParaRPr lang="zh-CN" altLang="en-US"/>
+                    </a:p>
+                  </a:txBody>
+                  <a:tcPr>
+                    <a:lnL w="12700">
+                      <a:solidFill>
+                        <a:schemeClr val="tx1"/>
+                      </a:solidFill>
+                      <a:prstDash val="solid"/>
+                    </a:lnL>
+                    <a:lnR w="12700">
+                      <a:solidFill>
+                        <a:schemeClr val="tx1"/>
+                      </a:solidFill>
+                      <a:prstDash val="solid"/>
+                    </a:lnR>
+                    <a:lnT w="12700">
+                      <a:solidFill>
+                        <a:schemeClr val="tx1"/>
+                      </a:solidFill>
+                      <a:prstDash val="solid"/>
+                    </a:lnT>
+                    <a:lnB w="12700">
+                      <a:solidFill>
+                        <a:schemeClr val="tx1"/>
+                      </a:solidFill>
+                      <a:prstDash val="solid"/>
+                    </a:lnB>
+                    <a:solidFill>
+                      <a:schemeClr val="accent1">
+                        <a:lumMod val="40000"/>
+                        <a:lumOff val="60000"/>
+                      </a:schemeClr>
+                    </a:solidFill>
+                  </a:tcPr>
+                </a:tc>
+              </a:tr>
+              <a:tr h="367665">
+                <a:tc>
+                  <a:txBody>
+                    <a:bodyPr/>
+                    <a:p>
+                      <a:pPr>
+                        <a:buNone/>
+                      </a:pPr>
+                      <a:endParaRPr lang="zh-CN" altLang="en-US"/>
+                    </a:p>
+                  </a:txBody>
+                  <a:tcPr>
+                    <a:lnL w="12700">
+                      <a:solidFill>
+                        <a:schemeClr val="tx1"/>
+                      </a:solidFill>
+                      <a:prstDash val="solid"/>
+                    </a:lnL>
+                    <a:lnR w="12700">
+                      <a:solidFill>
+                        <a:schemeClr val="tx1"/>
+                      </a:solidFill>
+                      <a:prstDash val="solid"/>
+                    </a:lnR>
+                    <a:lnT w="12700">
+                      <a:solidFill>
+                        <a:schemeClr val="tx1"/>
+                      </a:solidFill>
+                      <a:prstDash val="solid"/>
+                    </a:lnT>
+                    <a:lnB w="12700">
+                      <a:solidFill>
+                        <a:schemeClr val="tx1"/>
+                      </a:solidFill>
+                      <a:prstDash val="solid"/>
+                    </a:lnB>
+                    <a:solidFill>
+                      <a:schemeClr val="accent1">
+                        <a:lumMod val="40000"/>
+                        <a:lumOff val="60000"/>
+                      </a:schemeClr>
+                    </a:solidFill>
+                  </a:tcPr>
+                </a:tc>
+              </a:tr>
+              <a:tr h="367665">
+                <a:tc>
+                  <a:txBody>
+                    <a:bodyPr/>
+                    <a:p>
+                      <a:pPr>
+                        <a:buNone/>
+                      </a:pPr>
+                      <a:endParaRPr lang="zh-CN" altLang="en-US"/>
+                    </a:p>
+                  </a:txBody>
+                  <a:tcPr>
+                    <a:lnL w="12700">
+                      <a:solidFill>
+                        <a:schemeClr val="tx1"/>
+                      </a:solidFill>
+                      <a:prstDash val="solid"/>
+                    </a:lnL>
+                    <a:lnR w="12700">
+                      <a:solidFill>
+                        <a:schemeClr val="tx1"/>
+                      </a:solidFill>
+                      <a:prstDash val="solid"/>
+                    </a:lnR>
+                    <a:lnT w="12700">
+                      <a:solidFill>
+                        <a:schemeClr val="tx1"/>
+                      </a:solidFill>
+                      <a:prstDash val="solid"/>
+                    </a:lnT>
+                    <a:lnB w="12700">
+                      <a:solidFill>
+                        <a:schemeClr val="tx1"/>
+                      </a:solidFill>
+                      <a:prstDash val="solid"/>
+                    </a:lnB>
+                    <a:solidFill>
+                      <a:schemeClr val="accent1">
+                        <a:lumMod val="40000"/>
+                        <a:lumOff val="60000"/>
+                      </a:schemeClr>
+                    </a:solidFill>
+                  </a:tcPr>
+                </a:tc>
+              </a:tr>
+              <a:tr h="367665">
+                <a:tc>
+                  <a:txBody>
+                    <a:bodyPr/>
+                    <a:p>
+                      <a:pPr>
+                        <a:buNone/>
+                      </a:pPr>
+                      <a:endParaRPr lang="zh-CN" altLang="en-US"/>
+                    </a:p>
+                  </a:txBody>
+                  <a:tcPr>
+                    <a:lnL w="12700">
+                      <a:solidFill>
+                        <a:schemeClr val="tx1"/>
+                      </a:solidFill>
+                      <a:prstDash val="solid"/>
+                    </a:lnL>
+                    <a:lnR w="12700">
+                      <a:solidFill>
+                        <a:schemeClr val="tx1"/>
+                      </a:solidFill>
+                      <a:prstDash val="solid"/>
+                    </a:lnR>
+                    <a:lnT w="12700">
+                      <a:solidFill>
+                        <a:schemeClr val="tx1"/>
+                      </a:solidFill>
+                      <a:prstDash val="solid"/>
+                    </a:lnT>
+                    <a:lnB w="12700">
+                      <a:solidFill>
+                        <a:schemeClr val="tx1"/>
+                      </a:solidFill>
+                      <a:prstDash val="solid"/>
+                    </a:lnB>
+                    <a:solidFill>
+                      <a:schemeClr val="accent1">
+                        <a:lumMod val="40000"/>
+                        <a:lumOff val="60000"/>
+                      </a:schemeClr>
+                    </a:solidFill>
+                  </a:tcPr>
+                </a:tc>
+              </a:tr>
+            </a:tbl>
+          </a:graphicData>
+        </a:graphic>
+      </p:graphicFrame>
+      <p:graphicFrame>
+        <p:nvGraphicFramePr>
+          <p:cNvPr id="8" name="表格 7"/>
+          <p:cNvGraphicFramePr/>
+          <p:nvPr>
+            <p:custDataLst>
+              <p:tags r:id="rId2"/>
+            </p:custDataLst>
+          </p:nvPr>
+        </p:nvGraphicFramePr>
+        <p:xfrm>
+          <a:off x="2376805" y="2364740"/>
+          <a:ext cx="1447800" cy="381000"/>
+        </p:xfrm>
+        <a:graphic>
+          <a:graphicData uri="http://schemas.openxmlformats.org/drawingml/2006/table">
+            <a:tbl>
+              <a:tblPr firstRow="1" bandRow="1">
+                <a:tableStyleId>{5C22544A-7EE6-4342-B048-85BDC9FD1C3A}</a:tableStyleId>
+              </a:tblPr>
+              <a:tblGrid>
+                <a:gridCol w="361950"/>
+                <a:gridCol w="361950"/>
+                <a:gridCol w="361950"/>
+                <a:gridCol w="361950"/>
+              </a:tblGrid>
+              <a:tr h="381000">
+                <a:tc>
+                  <a:txBody>
+                    <a:bodyPr/>
+                    <a:p>
+                      <a:pPr>
+                        <a:buNone/>
+                      </a:pPr>
+                      <a:endParaRPr lang="zh-CN" altLang="en-US"/>
+                    </a:p>
+                  </a:txBody>
+                  <a:tcPr>
+                    <a:lnL w="12700" cmpd="sng">
+                      <a:solidFill>
+                        <a:schemeClr val="tx1"/>
+                      </a:solidFill>
+                      <a:prstDash val="solid"/>
+                    </a:lnL>
+                    <a:lnR w="12700" cmpd="sng">
+                      <a:solidFill>
+                        <a:schemeClr val="tx1"/>
+                      </a:solidFill>
+                      <a:prstDash val="solid"/>
+                    </a:lnR>
+                    <a:lnT w="12700" cmpd="sng">
+                      <a:solidFill>
+                        <a:schemeClr val="tx1"/>
+                      </a:solidFill>
+                      <a:prstDash val="solid"/>
+                    </a:lnT>
+                    <a:lnB w="12700" cmpd="sng">
+                      <a:solidFill>
+                        <a:schemeClr val="tx1"/>
+                      </a:solidFill>
+                      <a:prstDash val="solid"/>
+                    </a:lnB>
+                    <a:solidFill>
+                      <a:schemeClr val="accent1">
+                        <a:lumMod val="40000"/>
+                        <a:lumOff val="60000"/>
+                      </a:schemeClr>
+                    </a:solidFill>
+                  </a:tcPr>
+                </a:tc>
+                <a:tc>
+                  <a:txBody>
+                    <a:bodyPr/>
+                    <a:p>
+                      <a:pPr>
+                        <a:buNone/>
+                      </a:pPr>
+                      <a:endParaRPr lang="zh-CN" altLang="en-US"/>
+                    </a:p>
+                  </a:txBody>
+                  <a:tcPr>
+                    <a:lnL w="12700" cmpd="sng">
+                      <a:solidFill>
+                        <a:schemeClr val="tx1"/>
+                      </a:solidFill>
+                      <a:prstDash val="solid"/>
+                    </a:lnL>
+                    <a:lnR w="12700" cmpd="sng">
+                      <a:solidFill>
+                        <a:schemeClr val="tx1"/>
+                      </a:solidFill>
+                      <a:prstDash val="solid"/>
+                    </a:lnR>
+                    <a:lnT w="12700" cmpd="sng">
+                      <a:solidFill>
+                        <a:schemeClr val="tx1"/>
+                      </a:solidFill>
+                      <a:prstDash val="solid"/>
+                    </a:lnT>
+                    <a:lnB w="12700" cmpd="sng">
+                      <a:solidFill>
+                        <a:schemeClr val="tx1"/>
+                      </a:solidFill>
+                      <a:prstDash val="solid"/>
+                    </a:lnB>
+                    <a:solidFill>
+                      <a:schemeClr val="accent1">
+                        <a:lumMod val="40000"/>
+                        <a:lumOff val="60000"/>
+                      </a:schemeClr>
+                    </a:solidFill>
+                  </a:tcPr>
+                </a:tc>
+                <a:tc>
+                  <a:txBody>
+                    <a:bodyPr/>
+                    <a:p>
+                      <a:pPr>
+                        <a:buNone/>
+                      </a:pPr>
+                      <a:endParaRPr lang="zh-CN" altLang="en-US" b="0">
+                        <a:solidFill>
+                          <a:schemeClr val="dk1"/>
+                        </a:solidFill>
+                      </a:endParaRPr>
+                    </a:p>
+                  </a:txBody>
+                  <a:tcPr>
+                    <a:lnL w="12700" cmpd="sng">
+                      <a:solidFill>
+                        <a:schemeClr val="tx1"/>
+                      </a:solidFill>
+                      <a:prstDash val="solid"/>
+                    </a:lnL>
+                    <a:lnR w="12700" cmpd="sng">
+                      <a:solidFill>
+                        <a:schemeClr val="tx1"/>
+                      </a:solidFill>
+                      <a:prstDash val="solid"/>
+                    </a:lnR>
+                    <a:lnT w="12700" cmpd="sng">
+                      <a:solidFill>
+                        <a:schemeClr val="tx1"/>
+                      </a:solidFill>
+                      <a:prstDash val="solid"/>
+                    </a:lnT>
+                    <a:lnB w="12700" cmpd="sng">
+                      <a:solidFill>
+                        <a:schemeClr val="tx1"/>
+                      </a:solidFill>
+                      <a:prstDash val="solid"/>
+                    </a:lnB>
+                    <a:solidFill>
+                      <a:schemeClr val="accent1">
+                        <a:lumMod val="40000"/>
+                        <a:lumOff val="60000"/>
+                      </a:schemeClr>
+                    </a:solidFill>
+                  </a:tcPr>
+                </a:tc>
+                <a:tc>
+                  <a:txBody>
+                    <a:bodyPr/>
+                    <a:p>
+                      <a:pPr>
+                        <a:buNone/>
+                      </a:pPr>
+                      <a:endParaRPr lang="zh-CN" altLang="en-US"/>
+                    </a:p>
+                  </a:txBody>
+                  <a:tcPr>
+                    <a:lnL w="12700" cmpd="sng">
+                      <a:solidFill>
+                        <a:schemeClr val="tx1"/>
+                      </a:solidFill>
+                      <a:prstDash val="solid"/>
+                    </a:lnL>
+                    <a:lnR w="12700" cmpd="sng">
+                      <a:solidFill>
+                        <a:schemeClr val="tx1"/>
+                      </a:solidFill>
+                      <a:prstDash val="solid"/>
+                    </a:lnR>
+                    <a:lnT w="12700" cmpd="sng">
+                      <a:solidFill>
+                        <a:schemeClr val="tx1"/>
+                      </a:solidFill>
+                      <a:prstDash val="solid"/>
+                    </a:lnT>
+                    <a:lnB w="12700" cmpd="sng">
+                      <a:solidFill>
+                        <a:schemeClr val="tx1"/>
+                      </a:solidFill>
+                      <a:prstDash val="solid"/>
+                    </a:lnB>
+                    <a:solidFill>
+                      <a:schemeClr val="accent1">
+                        <a:lumMod val="40000"/>
+                        <a:lumOff val="60000"/>
+                      </a:schemeClr>
+                    </a:solidFill>
+                  </a:tcPr>
+                </a:tc>
+              </a:tr>
+            </a:tbl>
+          </a:graphicData>
+        </a:graphic>
+      </p:graphicFrame>
+      <p:graphicFrame>
+        <p:nvGraphicFramePr>
+          <p:cNvPr id="9" name="表格 8"/>
+          <p:cNvGraphicFramePr/>
+          <p:nvPr>
+            <p:custDataLst>
+              <p:tags r:id="rId3"/>
+            </p:custDataLst>
+          </p:nvPr>
+        </p:nvGraphicFramePr>
+        <p:xfrm>
+          <a:off x="4558665" y="1819910"/>
+          <a:ext cx="1508760" cy="1470660"/>
+        </p:xfrm>
+        <a:graphic>
+          <a:graphicData uri="http://schemas.openxmlformats.org/drawingml/2006/table">
+            <a:tbl>
+              <a:tblPr firstRow="1" bandRow="1">
+                <a:tableStyleId>{5C22544A-7EE6-4342-B048-85BDC9FD1C3A}</a:tableStyleId>
+              </a:tblPr>
+              <a:tblGrid>
+                <a:gridCol w="377190"/>
+                <a:gridCol w="377190"/>
+                <a:gridCol w="377190"/>
+                <a:gridCol w="377190"/>
+              </a:tblGrid>
+              <a:tr h="367665">
+                <a:tc>
+                  <a:txBody>
+                    <a:bodyPr/>
+                    <a:p>
+                      <a:pPr>
+                        <a:buNone/>
+                      </a:pPr>
+                      <a:endParaRPr lang="zh-CN" altLang="en-US"/>
+                    </a:p>
+                  </a:txBody>
+                  <a:tcPr>
+                    <a:lnL w="12700" cmpd="sng">
+                      <a:solidFill>
+                        <a:schemeClr val="tx1"/>
+                      </a:solidFill>
+                      <a:prstDash val="solid"/>
+                    </a:lnL>
+                    <a:lnR w="12700" cmpd="sng">
+                      <a:solidFill>
+                        <a:schemeClr val="tx1"/>
+                      </a:solidFill>
+                      <a:prstDash val="solid"/>
+                    </a:lnR>
+                    <a:lnT w="12700" cmpd="sng">
+                      <a:solidFill>
+                        <a:schemeClr val="tx1"/>
+                      </a:solidFill>
+                      <a:prstDash val="solid"/>
+                    </a:lnT>
+                    <a:lnB w="12700" cmpd="sng">
+                      <a:solidFill>
+                        <a:schemeClr val="tx1"/>
+                      </a:solidFill>
+                      <a:prstDash val="solid"/>
+                    </a:lnB>
+                    <a:solidFill>
+                      <a:schemeClr val="accent1">
+                        <a:lumMod val="40000"/>
+                        <a:lumOff val="60000"/>
+                      </a:schemeClr>
+                    </a:solidFill>
+                  </a:tcPr>
+                </a:tc>
+                <a:tc>
+                  <a:txBody>
+                    <a:bodyPr/>
+                    <a:p>
+                      <a:pPr>
+                        <a:buNone/>
+                      </a:pPr>
+                      <a:endParaRPr lang="zh-CN" altLang="en-US"/>
+                    </a:p>
+                  </a:txBody>
+                  <a:tcPr>
+                    <a:lnL w="12700" cmpd="sng">
+                      <a:solidFill>
+                        <a:schemeClr val="tx1"/>
+                      </a:solidFill>
+                      <a:prstDash val="solid"/>
+                    </a:lnL>
+                    <a:lnR w="12700" cmpd="sng">
+                      <a:solidFill>
+                        <a:schemeClr val="tx1"/>
+                      </a:solidFill>
+                      <a:prstDash val="solid"/>
+                    </a:lnR>
+                    <a:lnT w="12700" cmpd="sng">
+                      <a:solidFill>
+                        <a:schemeClr val="tx1"/>
+                      </a:solidFill>
+                      <a:prstDash val="solid"/>
+                    </a:lnT>
+                    <a:lnB w="12700" cmpd="sng">
+                      <a:solidFill>
+                        <a:schemeClr val="tx1"/>
+                      </a:solidFill>
+                      <a:prstDash val="solid"/>
+                    </a:lnB>
+                    <a:solidFill>
+                      <a:schemeClr val="accent1">
+                        <a:lumMod val="40000"/>
+                        <a:lumOff val="60000"/>
+                      </a:schemeClr>
+                    </a:solidFill>
+                  </a:tcPr>
+                </a:tc>
+                <a:tc>
+                  <a:txBody>
+                    <a:bodyPr/>
+                    <a:p>
+                      <a:pPr>
+                        <a:buNone/>
+                      </a:pPr>
+                      <a:endParaRPr lang="zh-CN" altLang="en-US" b="0">
+                        <a:solidFill>
+                          <a:schemeClr val="dk1"/>
+                        </a:solidFill>
+                      </a:endParaRPr>
+                    </a:p>
+                  </a:txBody>
+                  <a:tcPr>
+                    <a:lnL w="12700" cmpd="sng">
+                      <a:solidFill>
+                        <a:schemeClr val="tx1"/>
+                      </a:solidFill>
+                      <a:prstDash val="solid"/>
+                    </a:lnL>
+                    <a:lnR w="12700" cmpd="sng">
+                      <a:solidFill>
+                        <a:schemeClr val="tx1"/>
+                      </a:solidFill>
+                      <a:prstDash val="solid"/>
+                    </a:lnR>
+                    <a:lnT w="12700" cmpd="sng">
+                      <a:solidFill>
+                        <a:schemeClr val="tx1"/>
+                      </a:solidFill>
+                      <a:prstDash val="solid"/>
+                    </a:lnT>
+                    <a:lnB w="12700" cmpd="sng">
+                      <a:solidFill>
+                        <a:schemeClr val="tx1"/>
+                      </a:solidFill>
+                      <a:prstDash val="solid"/>
+                    </a:lnB>
+                    <a:solidFill>
+                      <a:schemeClr val="accent1">
+                        <a:lumMod val="40000"/>
+                        <a:lumOff val="60000"/>
+                      </a:schemeClr>
+                    </a:solidFill>
+                  </a:tcPr>
+                </a:tc>
+                <a:tc>
+                  <a:txBody>
+                    <a:bodyPr/>
+                    <a:p>
+                      <a:pPr>
+                        <a:buNone/>
+                      </a:pPr>
+                      <a:endParaRPr lang="zh-CN" altLang="en-US"/>
+                    </a:p>
+                  </a:txBody>
+                  <a:tcPr>
+                    <a:lnL w="12700" cmpd="sng">
+                      <a:solidFill>
+                        <a:schemeClr val="tx1"/>
+                      </a:solidFill>
+                      <a:prstDash val="solid"/>
+                    </a:lnL>
+                    <a:lnR w="12700" cmpd="sng">
+                      <a:solidFill>
+                        <a:schemeClr val="tx1"/>
+                      </a:solidFill>
+                      <a:prstDash val="solid"/>
+                    </a:lnR>
+                    <a:lnT w="12700" cmpd="sng">
+                      <a:solidFill>
+                        <a:schemeClr val="tx1"/>
+                      </a:solidFill>
+                      <a:prstDash val="solid"/>
+                    </a:lnT>
+                    <a:lnB w="12700" cmpd="sng">
+                      <a:solidFill>
+                        <a:schemeClr val="tx1"/>
+                      </a:solidFill>
+                      <a:prstDash val="solid"/>
+                    </a:lnB>
+                    <a:solidFill>
+                      <a:schemeClr val="accent1">
+                        <a:lumMod val="40000"/>
+                        <a:lumOff val="60000"/>
+                      </a:schemeClr>
+                    </a:solidFill>
+                  </a:tcPr>
+                </a:tc>
+              </a:tr>
+              <a:tr h="367665">
+                <a:tc>
+                  <a:txBody>
+                    <a:bodyPr/>
+                    <a:p>
+                      <a:pPr>
+                        <a:buNone/>
+                      </a:pPr>
+                      <a:endParaRPr lang="zh-CN" altLang="en-US"/>
+                    </a:p>
+                  </a:txBody>
+                  <a:tcPr>
+                    <a:lnL w="12700" cmpd="sng">
+                      <a:solidFill>
+                        <a:schemeClr val="tx1"/>
+                      </a:solidFill>
+                      <a:prstDash val="solid"/>
+                    </a:lnL>
+                    <a:lnR w="12700" cmpd="sng">
+                      <a:solidFill>
+                        <a:schemeClr val="tx1"/>
+                      </a:solidFill>
+                      <a:prstDash val="solid"/>
+                    </a:lnR>
+                    <a:lnT w="12700" cmpd="sng">
+                      <a:solidFill>
+                        <a:schemeClr val="tx1"/>
+                      </a:solidFill>
+                      <a:prstDash val="solid"/>
+                    </a:lnT>
+                    <a:lnB w="12700" cmpd="sng">
+                      <a:solidFill>
+                        <a:schemeClr val="tx1"/>
+                      </a:solidFill>
+                      <a:prstDash val="solid"/>
+                    </a:lnB>
+                    <a:solidFill>
+                      <a:schemeClr val="accent1">
+                        <a:lumMod val="40000"/>
+                        <a:lumOff val="60000"/>
+                      </a:schemeClr>
+                    </a:solidFill>
+                  </a:tcPr>
+                </a:tc>
+                <a:tc>
+                  <a:txBody>
+                    <a:bodyPr/>
+                    <a:p>
+                      <a:pPr>
+                        <a:buNone/>
+                      </a:pPr>
+                      <a:endParaRPr lang="zh-CN" altLang="en-US"/>
+                    </a:p>
+                  </a:txBody>
+                  <a:tcPr>
+                    <a:lnL w="12700" cmpd="sng">
+                      <a:solidFill>
+                        <a:schemeClr val="tx1"/>
+                      </a:solidFill>
+                      <a:prstDash val="solid"/>
+                    </a:lnL>
+                    <a:lnR w="12700" cmpd="sng">
+                      <a:solidFill>
+                        <a:schemeClr val="tx1"/>
+                      </a:solidFill>
+                      <a:prstDash val="solid"/>
+                    </a:lnR>
+                    <a:lnT w="12700" cmpd="sng">
+                      <a:solidFill>
+                        <a:schemeClr val="tx1"/>
+                      </a:solidFill>
+                      <a:prstDash val="solid"/>
+                    </a:lnT>
+                    <a:lnB w="12700" cmpd="sng">
+                      <a:solidFill>
+                        <a:schemeClr val="tx1"/>
+                      </a:solidFill>
+                      <a:prstDash val="solid"/>
+                    </a:lnB>
+                    <a:solidFill>
+                      <a:schemeClr val="accent1">
+                        <a:lumMod val="40000"/>
+                        <a:lumOff val="60000"/>
+                      </a:schemeClr>
+                    </a:solidFill>
+                  </a:tcPr>
+                </a:tc>
+                <a:tc>
+                  <a:txBody>
+                    <a:bodyPr/>
+                    <a:p>
+                      <a:pPr>
+                        <a:buNone/>
+                      </a:pPr>
+                      <a:endParaRPr lang="zh-CN" altLang="en-US" b="0">
+                        <a:solidFill>
+                          <a:schemeClr val="dk1"/>
+                        </a:solidFill>
+                      </a:endParaRPr>
+                    </a:p>
+                  </a:txBody>
+                  <a:tcPr>
+                    <a:lnL w="12700" cmpd="sng">
+                      <a:solidFill>
+                        <a:schemeClr val="tx1"/>
+                      </a:solidFill>
+                      <a:prstDash val="solid"/>
+                    </a:lnL>
+                    <a:lnR w="12700" cmpd="sng">
+                      <a:solidFill>
+                        <a:schemeClr val="tx1"/>
+                      </a:solidFill>
+                      <a:prstDash val="solid"/>
+                    </a:lnR>
+                    <a:lnT w="12700" cmpd="sng">
+                      <a:solidFill>
+                        <a:schemeClr val="tx1"/>
+                      </a:solidFill>
+                      <a:prstDash val="solid"/>
+                    </a:lnT>
+                    <a:lnB w="12700" cmpd="sng">
+                      <a:solidFill>
+                        <a:schemeClr val="tx1"/>
+                      </a:solidFill>
+                      <a:prstDash val="solid"/>
+                    </a:lnB>
+                    <a:solidFill>
+                      <a:schemeClr val="accent1">
+                        <a:lumMod val="40000"/>
+                        <a:lumOff val="60000"/>
+                      </a:schemeClr>
+                    </a:solidFill>
+                  </a:tcPr>
+                </a:tc>
+                <a:tc>
+                  <a:txBody>
+                    <a:bodyPr/>
+                    <a:p>
+                      <a:pPr>
+                        <a:buNone/>
+                      </a:pPr>
+                      <a:endParaRPr lang="zh-CN" altLang="en-US"/>
+                    </a:p>
+                  </a:txBody>
+                  <a:tcPr>
+                    <a:lnL w="12700" cmpd="sng">
+                      <a:solidFill>
+                        <a:schemeClr val="tx1"/>
+                      </a:solidFill>
+                      <a:prstDash val="solid"/>
+                    </a:lnL>
+                    <a:lnR w="12700" cmpd="sng">
+                      <a:solidFill>
+                        <a:schemeClr val="tx1"/>
+                      </a:solidFill>
+                      <a:prstDash val="solid"/>
+                    </a:lnR>
+                    <a:lnT w="12700" cmpd="sng">
+                      <a:solidFill>
+                        <a:schemeClr val="tx1"/>
+                      </a:solidFill>
+                      <a:prstDash val="solid"/>
+                    </a:lnT>
+                    <a:lnB w="12700" cmpd="sng">
+                      <a:solidFill>
+                        <a:schemeClr val="tx1"/>
+                      </a:solidFill>
+                      <a:prstDash val="solid"/>
+                    </a:lnB>
+                    <a:solidFill>
+                      <a:schemeClr val="accent1">
+                        <a:lumMod val="40000"/>
+                        <a:lumOff val="60000"/>
+                      </a:schemeClr>
+                    </a:solidFill>
+                  </a:tcPr>
+                </a:tc>
+              </a:tr>
+              <a:tr h="367665">
+                <a:tc>
+                  <a:txBody>
+                    <a:bodyPr/>
+                    <a:p>
+                      <a:pPr>
+                        <a:buNone/>
+                      </a:pPr>
+                      <a:endParaRPr lang="zh-CN" altLang="en-US"/>
+                    </a:p>
+                  </a:txBody>
+                  <a:tcPr>
+                    <a:lnL w="12700" cmpd="sng">
+                      <a:solidFill>
+                        <a:schemeClr val="tx1"/>
+                      </a:solidFill>
+                      <a:prstDash val="solid"/>
+                    </a:lnL>
+                    <a:lnR w="12700" cmpd="sng">
+                      <a:solidFill>
+                        <a:schemeClr val="tx1"/>
+                      </a:solidFill>
+                      <a:prstDash val="solid"/>
+                    </a:lnR>
+                    <a:lnT w="12700" cmpd="sng">
+                      <a:solidFill>
+                        <a:schemeClr val="tx1"/>
+                      </a:solidFill>
+                      <a:prstDash val="solid"/>
+                    </a:lnT>
+                    <a:lnB w="12700" cmpd="sng">
+                      <a:solidFill>
+                        <a:schemeClr val="tx1"/>
+                      </a:solidFill>
+                      <a:prstDash val="solid"/>
+                    </a:lnB>
+                    <a:solidFill>
+                      <a:schemeClr val="accent1">
+                        <a:lumMod val="40000"/>
+                        <a:lumOff val="60000"/>
+                      </a:schemeClr>
+                    </a:solidFill>
+                  </a:tcPr>
+                </a:tc>
+                <a:tc>
+                  <a:txBody>
+                    <a:bodyPr/>
+                    <a:p>
+                      <a:pPr>
+                        <a:buNone/>
+                      </a:pPr>
+                      <a:endParaRPr lang="zh-CN" altLang="en-US"/>
+                    </a:p>
+                  </a:txBody>
+                  <a:tcPr>
+                    <a:lnL w="12700" cmpd="sng">
+                      <a:solidFill>
+                        <a:schemeClr val="tx1"/>
+                      </a:solidFill>
+                      <a:prstDash val="solid"/>
+                    </a:lnL>
+                    <a:lnR w="12700" cmpd="sng">
+                      <a:solidFill>
+                        <a:schemeClr val="tx1"/>
+                      </a:solidFill>
+                      <a:prstDash val="solid"/>
+                    </a:lnR>
+                    <a:lnT w="12700" cmpd="sng">
+                      <a:solidFill>
+                        <a:schemeClr val="tx1"/>
+                      </a:solidFill>
+                      <a:prstDash val="solid"/>
+                    </a:lnT>
+                    <a:lnB w="12700" cmpd="sng">
+                      <a:solidFill>
+                        <a:schemeClr val="tx1"/>
+                      </a:solidFill>
+                      <a:prstDash val="solid"/>
+                    </a:lnB>
+                    <a:solidFill>
+                      <a:schemeClr val="accent1">
+                        <a:lumMod val="40000"/>
+                        <a:lumOff val="60000"/>
+                      </a:schemeClr>
+                    </a:solidFill>
+                  </a:tcPr>
+                </a:tc>
+                <a:tc>
+                  <a:txBody>
+                    <a:bodyPr/>
+                    <a:p>
+                      <a:pPr>
+                        <a:buNone/>
+                      </a:pPr>
+                      <a:endParaRPr lang="zh-CN" altLang="en-US" b="0">
+                        <a:solidFill>
+                          <a:schemeClr val="dk1"/>
+                        </a:solidFill>
+                      </a:endParaRPr>
+                    </a:p>
+                  </a:txBody>
+                  <a:tcPr>
+                    <a:lnL w="12700" cmpd="sng">
+                      <a:solidFill>
+                        <a:schemeClr val="tx1"/>
+                      </a:solidFill>
+                      <a:prstDash val="solid"/>
+                    </a:lnL>
+                    <a:lnR w="12700" cmpd="sng">
+                      <a:solidFill>
+                        <a:schemeClr val="tx1"/>
+                      </a:solidFill>
+                      <a:prstDash val="solid"/>
+                    </a:lnR>
+                    <a:lnT w="12700" cmpd="sng">
+                      <a:solidFill>
+                        <a:schemeClr val="tx1"/>
+                      </a:solidFill>
+                      <a:prstDash val="solid"/>
+                    </a:lnT>
+                    <a:lnB w="12700" cmpd="sng">
+                      <a:solidFill>
+                        <a:schemeClr val="tx1"/>
+                      </a:solidFill>
+                      <a:prstDash val="solid"/>
+                    </a:lnB>
+                    <a:solidFill>
+                      <a:schemeClr val="accent1">
+                        <a:lumMod val="40000"/>
+                        <a:lumOff val="60000"/>
+                      </a:schemeClr>
+                    </a:solidFill>
+                  </a:tcPr>
+                </a:tc>
+                <a:tc>
+                  <a:txBody>
+                    <a:bodyPr/>
+                    <a:p>
+                      <a:pPr>
+                        <a:buNone/>
+                      </a:pPr>
+                      <a:endParaRPr lang="zh-CN" altLang="en-US"/>
+                    </a:p>
+                  </a:txBody>
+                  <a:tcPr>
+                    <a:lnL w="12700" cmpd="sng">
+                      <a:solidFill>
+                        <a:schemeClr val="tx1"/>
+                      </a:solidFill>
+                      <a:prstDash val="solid"/>
+                    </a:lnL>
+                    <a:lnR w="12700" cmpd="sng">
+                      <a:solidFill>
+                        <a:schemeClr val="tx1"/>
+                      </a:solidFill>
+                      <a:prstDash val="solid"/>
+                    </a:lnR>
+                    <a:lnT w="12700" cmpd="sng">
+                      <a:solidFill>
+                        <a:schemeClr val="tx1"/>
+                      </a:solidFill>
+                      <a:prstDash val="solid"/>
+                    </a:lnT>
+                    <a:lnB w="12700" cmpd="sng">
+                      <a:solidFill>
+                        <a:schemeClr val="tx1"/>
+                      </a:solidFill>
+                      <a:prstDash val="solid"/>
+                    </a:lnB>
+                    <a:solidFill>
+                      <a:schemeClr val="accent1">
+                        <a:lumMod val="40000"/>
+                        <a:lumOff val="60000"/>
+                      </a:schemeClr>
+                    </a:solidFill>
+                  </a:tcPr>
+                </a:tc>
+              </a:tr>
+              <a:tr h="367665">
+                <a:tc>
+                  <a:txBody>
+                    <a:bodyPr/>
+                    <a:p>
+                      <a:pPr>
+                        <a:buNone/>
+                      </a:pPr>
+                      <a:endParaRPr lang="zh-CN" altLang="en-US"/>
+                    </a:p>
+                  </a:txBody>
+                  <a:tcPr>
+                    <a:lnL w="12700" cmpd="sng">
+                      <a:solidFill>
+                        <a:schemeClr val="tx1"/>
+                      </a:solidFill>
+                      <a:prstDash val="solid"/>
+                    </a:lnL>
+                    <a:lnR w="12700" cmpd="sng">
+                      <a:solidFill>
+                        <a:schemeClr val="tx1"/>
+                      </a:solidFill>
+                      <a:prstDash val="solid"/>
+                    </a:lnR>
+                    <a:lnT w="12700" cmpd="sng">
+                      <a:solidFill>
+                        <a:schemeClr val="tx1"/>
+                      </a:solidFill>
+                      <a:prstDash val="solid"/>
+                    </a:lnT>
+                    <a:lnB w="12700" cmpd="sng">
+                      <a:solidFill>
+                        <a:schemeClr val="tx1"/>
+                      </a:solidFill>
+                      <a:prstDash val="solid"/>
+                    </a:lnB>
+                    <a:solidFill>
+                      <a:schemeClr val="accent1">
+                        <a:lumMod val="40000"/>
+                        <a:lumOff val="60000"/>
+                      </a:schemeClr>
+                    </a:solidFill>
+                  </a:tcPr>
+                </a:tc>
+                <a:tc>
+                  <a:txBody>
+                    <a:bodyPr/>
+                    <a:p>
+                      <a:pPr>
+                        <a:buNone/>
+                      </a:pPr>
+                      <a:endParaRPr lang="zh-CN" altLang="en-US"/>
+                    </a:p>
+                  </a:txBody>
+                  <a:tcPr>
+                    <a:lnL w="12700" cmpd="sng">
+                      <a:solidFill>
+                        <a:schemeClr val="tx1"/>
+                      </a:solidFill>
+                      <a:prstDash val="solid"/>
+                    </a:lnL>
+                    <a:lnR w="12700" cmpd="sng">
+                      <a:solidFill>
+                        <a:schemeClr val="tx1"/>
+                      </a:solidFill>
+                      <a:prstDash val="solid"/>
+                    </a:lnR>
+                    <a:lnT w="12700" cmpd="sng">
+                      <a:solidFill>
+                        <a:schemeClr val="tx1"/>
+                      </a:solidFill>
+                      <a:prstDash val="solid"/>
+                    </a:lnT>
+                    <a:lnB w="12700" cmpd="sng">
+                      <a:solidFill>
+                        <a:schemeClr val="tx1"/>
+                      </a:solidFill>
+                      <a:prstDash val="solid"/>
+                    </a:lnB>
+                    <a:solidFill>
+                      <a:schemeClr val="accent1">
+                        <a:lumMod val="40000"/>
+                        <a:lumOff val="60000"/>
+                      </a:schemeClr>
+                    </a:solidFill>
+                  </a:tcPr>
+                </a:tc>
+                <a:tc>
+                  <a:txBody>
+                    <a:bodyPr/>
+                    <a:p>
+                      <a:pPr>
+                        <a:buNone/>
+                      </a:pPr>
+                      <a:endParaRPr lang="zh-CN" altLang="en-US" b="0">
+                        <a:solidFill>
+                          <a:schemeClr val="dk1"/>
+                        </a:solidFill>
+                      </a:endParaRPr>
+                    </a:p>
+                  </a:txBody>
+                  <a:tcPr>
+                    <a:lnL w="12700" cmpd="sng">
+                      <a:solidFill>
+                        <a:schemeClr val="tx1"/>
+                      </a:solidFill>
+                      <a:prstDash val="solid"/>
+                    </a:lnL>
+                    <a:lnR w="12700" cmpd="sng">
+                      <a:solidFill>
+                        <a:schemeClr val="tx1"/>
+                      </a:solidFill>
+                      <a:prstDash val="solid"/>
+                    </a:lnR>
+                    <a:lnT w="12700" cmpd="sng">
+                      <a:solidFill>
+                        <a:schemeClr val="tx1"/>
+                      </a:solidFill>
+                      <a:prstDash val="solid"/>
+                    </a:lnT>
+                    <a:lnB w="12700" cmpd="sng">
+                      <a:solidFill>
+                        <a:schemeClr val="tx1"/>
+                      </a:solidFill>
+                      <a:prstDash val="solid"/>
+                    </a:lnB>
+                    <a:solidFill>
+                      <a:schemeClr val="accent1">
+                        <a:lumMod val="40000"/>
+                        <a:lumOff val="60000"/>
+                      </a:schemeClr>
+                    </a:solidFill>
+                  </a:tcPr>
+                </a:tc>
+                <a:tc>
+                  <a:txBody>
+                    <a:bodyPr/>
+                    <a:p>
+                      <a:pPr>
+                        <a:buNone/>
+                      </a:pPr>
+                      <a:endParaRPr lang="zh-CN" altLang="en-US"/>
+                    </a:p>
+                  </a:txBody>
+                  <a:tcPr>
+                    <a:lnL w="12700" cmpd="sng">
+                      <a:solidFill>
+                        <a:schemeClr val="tx1"/>
+                      </a:solidFill>
+                      <a:prstDash val="solid"/>
+                    </a:lnL>
+                    <a:lnR w="12700" cmpd="sng">
+                      <a:solidFill>
+                        <a:schemeClr val="tx1"/>
+                      </a:solidFill>
+                      <a:prstDash val="solid"/>
+                    </a:lnR>
+                    <a:lnT w="12700" cmpd="sng">
+                      <a:solidFill>
+                        <a:schemeClr val="tx1"/>
+                      </a:solidFill>
+                      <a:prstDash val="solid"/>
+                    </a:lnT>
+                    <a:lnB w="12700" cmpd="sng">
+                      <a:solidFill>
+                        <a:schemeClr val="tx1"/>
+                      </a:solidFill>
+                      <a:prstDash val="solid"/>
+                    </a:lnB>
+                    <a:solidFill>
+                      <a:schemeClr val="accent1">
+                        <a:lumMod val="40000"/>
+                        <a:lumOff val="60000"/>
+                      </a:schemeClr>
+                    </a:solidFill>
+                  </a:tcPr>
+                </a:tc>
+              </a:tr>
+            </a:tbl>
+          </a:graphicData>
+        </a:graphic>
+      </p:graphicFrame>
+      <p:sp>
+        <p:nvSpPr>
+          <p:cNvPr id="10" name="椭圆 9"/>
+          <p:cNvSpPr/>
+          <p:nvPr/>
+        </p:nvSpPr>
+        <p:spPr>
+          <a:xfrm flipH="1">
+            <a:off x="2055495" y="2529840"/>
+            <a:ext cx="92710" cy="76200"/>
+          </a:xfrm>
+          <a:prstGeom prst="ellipse">
+            <a:avLst/>
+          </a:prstGeom>
+          <a:solidFill>
+            <a:schemeClr val="tx1"/>
+          </a:solidFill>
+        </p:spPr>
+        <p:style>
+          <a:lnRef idx="2">
+            <a:schemeClr val="accent1">
+              <a:lumMod val="75000"/>
+            </a:schemeClr>
+          </a:lnRef>
+          <a:fillRef idx="1">
+            <a:schemeClr val="accent1"/>
+          </a:fillRef>
+          <a:effectRef idx="0">
+            <a:srgbClr val="FFFFFF"/>
+          </a:effectRef>
+          <a:fontRef idx="minor">
+            <a:schemeClr val="lt1"/>
+          </a:fontRef>
+        </p:style>
+        <p:txBody>
+          <a:bodyPr rtlCol="0" anchor="ctr"/>
+          <a:p>
+            <a:pPr algn="ctr"/>
+            <a:endParaRPr lang="zh-CN" altLang="en-US"/>
+          </a:p>
+        </p:txBody>
+      </p:sp>
+      <p:pic>
+        <p:nvPicPr>
+          <p:cNvPr id="11" name="图片 10" descr="等于"/>
+          <p:cNvPicPr>
+            <a:picLocks noChangeAspect="1"/>
+          </p:cNvPicPr>
+          <p:nvPr/>
+        </p:nvPicPr>
+        <p:blipFill>
+          <a:blip r:embed="rId4">
+            <a:extLst>
+              <a:ext uri="{96DAC541-7B7A-43D3-8B79-37D633B846F1}">
+                <asvg:svgBlip xmlns:asvg="http://schemas.microsoft.com/office/drawing/2016/SVG/main" r:embed="rId5"/>
+              </a:ext>
+            </a:extLst>
+          </a:blip>
+          <a:stretch>
+            <a:fillRect/>
+          </a:stretch>
+        </p:blipFill>
+        <p:spPr>
+          <a:xfrm>
+            <a:off x="4053205" y="2364740"/>
+            <a:ext cx="318770" cy="318770"/>
+          </a:xfrm>
+          <a:prstGeom prst="rect">
+            <a:avLst/>
+          </a:prstGeom>
+        </p:spPr>
+      </p:pic>
+      <p:graphicFrame>
+        <p:nvGraphicFramePr>
+          <p:cNvPr id="12" name="表格 11"/>
+          <p:cNvGraphicFramePr/>
+          <p:nvPr>
+            <p:custDataLst>
+              <p:tags r:id="rId6"/>
+            </p:custDataLst>
+          </p:nvPr>
+        </p:nvGraphicFramePr>
+        <p:xfrm>
+          <a:off x="1349375" y="4182745"/>
+          <a:ext cx="1508760" cy="1470660"/>
+        </p:xfrm>
+        <a:graphic>
+          <a:graphicData uri="http://schemas.openxmlformats.org/drawingml/2006/table">
+            <a:tbl>
+              <a:tblPr firstRow="1" bandRow="1">
+                <a:tableStyleId>{5C22544A-7EE6-4342-B048-85BDC9FD1C3A}</a:tableStyleId>
+              </a:tblPr>
+              <a:tblGrid>
+                <a:gridCol w="377190"/>
+                <a:gridCol w="377190"/>
+                <a:gridCol w="377190"/>
+                <a:gridCol w="377190"/>
+              </a:tblGrid>
+              <a:tr h="367665">
+                <a:tc>
+                  <a:txBody>
+                    <a:bodyPr/>
+                    <a:p>
+                      <a:pPr>
+                        <a:buNone/>
+                      </a:pPr>
+                      <a:endParaRPr lang="zh-CN" altLang="en-US"/>
+                    </a:p>
+                  </a:txBody>
+                  <a:tcPr>
+                    <a:lnL w="12700" cmpd="sng">
+                      <a:solidFill>
+                        <a:schemeClr val="tx1"/>
+                      </a:solidFill>
+                      <a:prstDash val="solid"/>
+                    </a:lnL>
+                    <a:lnR w="12700" cmpd="sng">
+                      <a:solidFill>
+                        <a:schemeClr val="tx1"/>
+                      </a:solidFill>
+                      <a:prstDash val="solid"/>
+                    </a:lnR>
+                    <a:lnT w="12700" cmpd="sng">
+                      <a:solidFill>
+                        <a:schemeClr val="tx1"/>
+                      </a:solidFill>
+                      <a:prstDash val="solid"/>
+                    </a:lnT>
+                    <a:lnB w="12700" cmpd="sng">
+                      <a:solidFill>
+                        <a:schemeClr val="tx1"/>
+                      </a:solidFill>
+                      <a:prstDash val="solid"/>
+                    </a:lnB>
+                    <a:solidFill>
+                      <a:schemeClr val="accent1">
+                        <a:lumMod val="40000"/>
+                        <a:lumOff val="60000"/>
+                      </a:schemeClr>
+                    </a:solidFill>
+                  </a:tcPr>
+                </a:tc>
+                <a:tc>
+                  <a:txBody>
+                    <a:bodyPr/>
+                    <a:p>
+                      <a:pPr>
+                        <a:buNone/>
+                      </a:pPr>
+                      <a:endParaRPr lang="zh-CN" altLang="en-US"/>
+                    </a:p>
+                  </a:txBody>
+                  <a:tcPr>
+                    <a:lnL w="12700" cmpd="sng">
+                      <a:solidFill>
+                        <a:schemeClr val="tx1"/>
+                      </a:solidFill>
+                      <a:prstDash val="solid"/>
+                    </a:lnL>
+                    <a:lnR w="12700" cmpd="sng">
+                      <a:solidFill>
+                        <a:schemeClr val="tx1"/>
+                      </a:solidFill>
+                      <a:prstDash val="solid"/>
+                    </a:lnR>
+                    <a:lnT w="12700" cmpd="sng">
+                      <a:solidFill>
+                        <a:schemeClr val="tx1"/>
+                      </a:solidFill>
+                      <a:prstDash val="solid"/>
+                    </a:lnT>
+                    <a:lnB w="12700" cmpd="sng">
+                      <a:solidFill>
+                        <a:schemeClr val="tx1"/>
+                      </a:solidFill>
+                      <a:prstDash val="solid"/>
+                    </a:lnB>
+                    <a:solidFill>
+                      <a:schemeClr val="accent1">
+                        <a:lumMod val="40000"/>
+                        <a:lumOff val="60000"/>
+                      </a:schemeClr>
+                    </a:solidFill>
+                  </a:tcPr>
+                </a:tc>
+                <a:tc>
+                  <a:txBody>
+                    <a:bodyPr/>
+                    <a:p>
+                      <a:pPr>
+                        <a:buNone/>
+                      </a:pPr>
+                      <a:endParaRPr lang="zh-CN" altLang="en-US" b="0">
+                        <a:solidFill>
+                          <a:schemeClr val="dk1"/>
+                        </a:solidFill>
+                      </a:endParaRPr>
+                    </a:p>
+                  </a:txBody>
+                  <a:tcPr>
+                    <a:lnL w="12700" cmpd="sng">
+                      <a:solidFill>
+                        <a:schemeClr val="tx1"/>
+                      </a:solidFill>
+                      <a:prstDash val="solid"/>
+                    </a:lnL>
+                    <a:lnR w="12700" cmpd="sng">
+                      <a:solidFill>
+                        <a:schemeClr val="tx1"/>
+                      </a:solidFill>
+                      <a:prstDash val="solid"/>
+                    </a:lnR>
+                    <a:lnT w="12700" cmpd="sng">
+                      <a:solidFill>
+                        <a:schemeClr val="tx1"/>
+                      </a:solidFill>
+                      <a:prstDash val="solid"/>
+                    </a:lnT>
+                    <a:lnB w="12700" cmpd="sng">
+                      <a:solidFill>
+                        <a:schemeClr val="tx1"/>
+                      </a:solidFill>
+                      <a:prstDash val="solid"/>
+                    </a:lnB>
+                    <a:solidFill>
+                      <a:schemeClr val="accent1">
+                        <a:lumMod val="40000"/>
+                        <a:lumOff val="60000"/>
+                      </a:schemeClr>
+                    </a:solidFill>
+                  </a:tcPr>
+                </a:tc>
+                <a:tc>
+                  <a:txBody>
+                    <a:bodyPr/>
+                    <a:p>
+                      <a:pPr>
+                        <a:buNone/>
+                      </a:pPr>
+                      <a:endParaRPr lang="zh-CN" altLang="en-US"/>
+                    </a:p>
+                  </a:txBody>
+                  <a:tcPr>
+                    <a:lnL w="12700" cmpd="sng">
+                      <a:solidFill>
+                        <a:schemeClr val="tx1"/>
+                      </a:solidFill>
+                      <a:prstDash val="solid"/>
+                    </a:lnL>
+                    <a:lnR w="12700" cmpd="sng">
+                      <a:solidFill>
+                        <a:schemeClr val="tx1"/>
+                      </a:solidFill>
+                      <a:prstDash val="solid"/>
+                    </a:lnR>
+                    <a:lnT w="12700" cmpd="sng">
+                      <a:solidFill>
+                        <a:schemeClr val="tx1"/>
+                      </a:solidFill>
+                      <a:prstDash val="solid"/>
+                    </a:lnT>
+                    <a:lnB w="12700" cmpd="sng">
+                      <a:solidFill>
+                        <a:schemeClr val="tx1"/>
+                      </a:solidFill>
+                      <a:prstDash val="solid"/>
+                    </a:lnB>
+                    <a:solidFill>
+                      <a:schemeClr val="accent1">
+                        <a:lumMod val="40000"/>
+                        <a:lumOff val="60000"/>
+                      </a:schemeClr>
+                    </a:solidFill>
+                  </a:tcPr>
+                </a:tc>
+              </a:tr>
+              <a:tr h="367665">
+                <a:tc>
+                  <a:txBody>
+                    <a:bodyPr/>
+                    <a:p>
+                      <a:pPr>
+                        <a:buNone/>
+                      </a:pPr>
+                      <a:endParaRPr lang="zh-CN" altLang="en-US"/>
+                    </a:p>
+                  </a:txBody>
+                  <a:tcPr>
+                    <a:lnL w="12700" cmpd="sng">
+                      <a:solidFill>
+                        <a:schemeClr val="tx1"/>
+                      </a:solidFill>
+                      <a:prstDash val="solid"/>
+                    </a:lnL>
+                    <a:lnR w="12700" cmpd="sng">
+                      <a:solidFill>
+                        <a:schemeClr val="tx1"/>
+                      </a:solidFill>
+                      <a:prstDash val="solid"/>
+                    </a:lnR>
+                    <a:lnT w="12700" cmpd="sng">
+                      <a:solidFill>
+                        <a:schemeClr val="tx1"/>
+                      </a:solidFill>
+                      <a:prstDash val="solid"/>
+                    </a:lnT>
+                    <a:lnB w="12700" cmpd="sng">
+                      <a:solidFill>
+                        <a:schemeClr val="tx1"/>
+                      </a:solidFill>
+                      <a:prstDash val="solid"/>
+                    </a:lnB>
+                    <a:solidFill>
+                      <a:schemeClr val="accent1">
+                        <a:lumMod val="40000"/>
+                        <a:lumOff val="60000"/>
+                      </a:schemeClr>
+                    </a:solidFill>
+                  </a:tcPr>
+                </a:tc>
+                <a:tc>
+                  <a:txBody>
+                    <a:bodyPr/>
+                    <a:p>
+                      <a:pPr>
+                        <a:buNone/>
+                      </a:pPr>
+                      <a:endParaRPr lang="zh-CN" altLang="en-US"/>
+                    </a:p>
+                  </a:txBody>
+                  <a:tcPr>
+                    <a:lnL w="12700" cmpd="sng">
+                      <a:solidFill>
+                        <a:schemeClr val="tx1"/>
+                      </a:solidFill>
+                      <a:prstDash val="solid"/>
+                    </a:lnL>
+                    <a:lnR w="12700" cmpd="sng">
+                      <a:solidFill>
+                        <a:schemeClr val="tx1"/>
+                      </a:solidFill>
+                      <a:prstDash val="solid"/>
+                    </a:lnR>
+                    <a:lnT w="12700" cmpd="sng">
+                      <a:solidFill>
+                        <a:schemeClr val="tx1"/>
+                      </a:solidFill>
+                      <a:prstDash val="solid"/>
+                    </a:lnT>
+                    <a:lnB w="12700" cmpd="sng">
+                      <a:solidFill>
+                        <a:schemeClr val="tx1"/>
+                      </a:solidFill>
+                      <a:prstDash val="solid"/>
+                    </a:lnB>
+                    <a:solidFill>
+                      <a:schemeClr val="accent1">
+                        <a:lumMod val="40000"/>
+                        <a:lumOff val="60000"/>
+                      </a:schemeClr>
+                    </a:solidFill>
+                  </a:tcPr>
+                </a:tc>
+                <a:tc>
+                  <a:txBody>
+                    <a:bodyPr/>
+                    <a:p>
+                      <a:pPr>
+                        <a:buNone/>
+                      </a:pPr>
+                      <a:endParaRPr lang="zh-CN" altLang="en-US" b="0">
+                        <a:solidFill>
+                          <a:schemeClr val="dk1"/>
+                        </a:solidFill>
+                      </a:endParaRPr>
+                    </a:p>
+                  </a:txBody>
+                  <a:tcPr>
+                    <a:lnL w="12700" cmpd="sng">
+                      <a:solidFill>
+                        <a:schemeClr val="tx1"/>
+                      </a:solidFill>
+                      <a:prstDash val="solid"/>
+                    </a:lnL>
+                    <a:lnR w="12700" cmpd="sng">
+                      <a:solidFill>
+                        <a:schemeClr val="tx1"/>
+                      </a:solidFill>
+                      <a:prstDash val="solid"/>
+                    </a:lnR>
+                    <a:lnT w="12700" cmpd="sng">
+                      <a:solidFill>
+                        <a:schemeClr val="tx1"/>
+                      </a:solidFill>
+                      <a:prstDash val="solid"/>
+                    </a:lnT>
+                    <a:lnB w="12700" cmpd="sng">
+                      <a:solidFill>
+                        <a:schemeClr val="tx1"/>
+                      </a:solidFill>
+                      <a:prstDash val="solid"/>
+                    </a:lnB>
+                    <a:solidFill>
+                      <a:schemeClr val="accent1">
+                        <a:lumMod val="40000"/>
+                        <a:lumOff val="60000"/>
+                      </a:schemeClr>
+                    </a:solidFill>
+                  </a:tcPr>
+                </a:tc>
+                <a:tc>
+                  <a:txBody>
+                    <a:bodyPr/>
+                    <a:p>
+                      <a:pPr>
+                        <a:buNone/>
+                      </a:pPr>
+                      <a:endParaRPr lang="zh-CN" altLang="en-US"/>
+                    </a:p>
+                  </a:txBody>
+                  <a:tcPr>
+                    <a:lnL w="12700" cmpd="sng">
+                      <a:solidFill>
+                        <a:schemeClr val="tx1"/>
+                      </a:solidFill>
+                      <a:prstDash val="solid"/>
+                    </a:lnL>
+                    <a:lnR w="12700" cmpd="sng">
+                      <a:solidFill>
+                        <a:schemeClr val="tx1"/>
+                      </a:solidFill>
+                      <a:prstDash val="solid"/>
+                    </a:lnR>
+                    <a:lnT w="12700" cmpd="sng">
+                      <a:solidFill>
+                        <a:schemeClr val="tx1"/>
+                      </a:solidFill>
+                      <a:prstDash val="solid"/>
+                    </a:lnT>
+                    <a:lnB w="12700" cmpd="sng">
+                      <a:solidFill>
+                        <a:schemeClr val="tx1"/>
+                      </a:solidFill>
+                      <a:prstDash val="solid"/>
+                    </a:lnB>
+                    <a:solidFill>
+                      <a:schemeClr val="accent1">
+                        <a:lumMod val="40000"/>
+                        <a:lumOff val="60000"/>
+                      </a:schemeClr>
+                    </a:solidFill>
+                  </a:tcPr>
+                </a:tc>
+              </a:tr>
+              <a:tr h="367665">
+                <a:tc>
+                  <a:txBody>
+                    <a:bodyPr/>
+                    <a:p>
+                      <a:pPr>
+                        <a:buNone/>
+                      </a:pPr>
+                      <a:endParaRPr lang="zh-CN" altLang="en-US"/>
+                    </a:p>
+                  </a:txBody>
+                  <a:tcPr>
+                    <a:lnL w="12700" cmpd="sng">
+                      <a:solidFill>
+                        <a:schemeClr val="tx1"/>
+                      </a:solidFill>
+                      <a:prstDash val="solid"/>
+                    </a:lnL>
+                    <a:lnR w="12700" cmpd="sng">
+                      <a:solidFill>
+                        <a:schemeClr val="tx1"/>
+                      </a:solidFill>
+                      <a:prstDash val="solid"/>
+                    </a:lnR>
+                    <a:lnT w="12700" cmpd="sng">
+                      <a:solidFill>
+                        <a:schemeClr val="tx1"/>
+                      </a:solidFill>
+                      <a:prstDash val="solid"/>
+                    </a:lnT>
+                    <a:lnB w="12700" cmpd="sng">
+                      <a:solidFill>
+                        <a:schemeClr val="tx1"/>
+                      </a:solidFill>
+                      <a:prstDash val="solid"/>
+                    </a:lnB>
+                    <a:solidFill>
+                      <a:schemeClr val="accent1">
+                        <a:lumMod val="40000"/>
+                        <a:lumOff val="60000"/>
+                      </a:schemeClr>
+                    </a:solidFill>
+                  </a:tcPr>
+                </a:tc>
+                <a:tc>
+                  <a:txBody>
+                    <a:bodyPr/>
+                    <a:p>
+                      <a:pPr>
+                        <a:buNone/>
+                      </a:pPr>
+                      <a:endParaRPr lang="zh-CN" altLang="en-US"/>
+                    </a:p>
+                  </a:txBody>
+                  <a:tcPr>
+                    <a:lnL w="12700" cmpd="sng">
+                      <a:solidFill>
+                        <a:schemeClr val="tx1"/>
+                      </a:solidFill>
+                      <a:prstDash val="solid"/>
+                    </a:lnL>
+                    <a:lnR w="12700" cmpd="sng">
+                      <a:solidFill>
+                        <a:schemeClr val="tx1"/>
+                      </a:solidFill>
+                      <a:prstDash val="solid"/>
+                    </a:lnR>
+                    <a:lnT w="12700" cmpd="sng">
+                      <a:solidFill>
+                        <a:schemeClr val="tx1"/>
+                      </a:solidFill>
+                      <a:prstDash val="solid"/>
+                    </a:lnT>
+                    <a:lnB w="12700" cmpd="sng">
+                      <a:solidFill>
+                        <a:schemeClr val="tx1"/>
+                      </a:solidFill>
+                      <a:prstDash val="solid"/>
+                    </a:lnB>
+                    <a:solidFill>
+                      <a:schemeClr val="accent1">
+                        <a:lumMod val="40000"/>
+                        <a:lumOff val="60000"/>
+                      </a:schemeClr>
+                    </a:solidFill>
+                  </a:tcPr>
+                </a:tc>
+                <a:tc>
+                  <a:txBody>
+                    <a:bodyPr/>
+                    <a:p>
+                      <a:pPr>
+                        <a:buNone/>
+                      </a:pPr>
+                      <a:endParaRPr lang="zh-CN" altLang="en-US" b="0">
+                        <a:solidFill>
+                          <a:schemeClr val="dk1"/>
+                        </a:solidFill>
+                      </a:endParaRPr>
+                    </a:p>
+                  </a:txBody>
+                  <a:tcPr>
+                    <a:lnL w="12700" cmpd="sng">
+                      <a:solidFill>
+                        <a:schemeClr val="tx1"/>
+                      </a:solidFill>
+                      <a:prstDash val="solid"/>
+                    </a:lnL>
+                    <a:lnR w="12700" cmpd="sng">
+                      <a:solidFill>
+                        <a:schemeClr val="tx1"/>
+                      </a:solidFill>
+                      <a:prstDash val="solid"/>
+                    </a:lnR>
+                    <a:lnT w="12700" cmpd="sng">
+                      <a:solidFill>
+                        <a:schemeClr val="tx1"/>
+                      </a:solidFill>
+                      <a:prstDash val="solid"/>
+                    </a:lnT>
+                    <a:lnB w="12700" cmpd="sng">
+                      <a:solidFill>
+                        <a:schemeClr val="tx1"/>
+                      </a:solidFill>
+                      <a:prstDash val="solid"/>
+                    </a:lnB>
+                    <a:solidFill>
+                      <a:schemeClr val="accent1">
+                        <a:lumMod val="40000"/>
+                        <a:lumOff val="60000"/>
+                      </a:schemeClr>
+                    </a:solidFill>
+                  </a:tcPr>
+                </a:tc>
+                <a:tc>
+                  <a:txBody>
+                    <a:bodyPr/>
+                    <a:p>
+                      <a:pPr>
+                        <a:buNone/>
+                      </a:pPr>
+                      <a:endParaRPr lang="zh-CN" altLang="en-US"/>
+                    </a:p>
+                  </a:txBody>
+                  <a:tcPr>
+                    <a:lnL w="12700" cmpd="sng">
+                      <a:solidFill>
+                        <a:schemeClr val="tx1"/>
+                      </a:solidFill>
+                      <a:prstDash val="solid"/>
+                    </a:lnL>
+                    <a:lnR w="12700" cmpd="sng">
+                      <a:solidFill>
+                        <a:schemeClr val="tx1"/>
+                      </a:solidFill>
+                      <a:prstDash val="solid"/>
+                    </a:lnR>
+                    <a:lnT w="12700" cmpd="sng">
+                      <a:solidFill>
+                        <a:schemeClr val="tx1"/>
+                      </a:solidFill>
+                      <a:prstDash val="solid"/>
+                    </a:lnT>
+                    <a:lnB w="12700" cmpd="sng">
+                      <a:solidFill>
+                        <a:schemeClr val="tx1"/>
+                      </a:solidFill>
+                      <a:prstDash val="solid"/>
+                    </a:lnB>
+                    <a:solidFill>
+                      <a:schemeClr val="accent1">
+                        <a:lumMod val="40000"/>
+                        <a:lumOff val="60000"/>
+                      </a:schemeClr>
+                    </a:solidFill>
+                  </a:tcPr>
+                </a:tc>
+              </a:tr>
+              <a:tr h="367665">
+                <a:tc>
+                  <a:txBody>
+                    <a:bodyPr/>
+                    <a:p>
+                      <a:pPr>
+                        <a:buNone/>
+                      </a:pPr>
+                      <a:endParaRPr lang="zh-CN" altLang="en-US"/>
+                    </a:p>
+                  </a:txBody>
+                  <a:tcPr>
+                    <a:lnL w="12700" cmpd="sng">
+                      <a:solidFill>
+                        <a:schemeClr val="tx1"/>
+                      </a:solidFill>
+                      <a:prstDash val="solid"/>
+                    </a:lnL>
+                    <a:lnR w="12700" cmpd="sng">
+                      <a:solidFill>
+                        <a:schemeClr val="tx1"/>
+                      </a:solidFill>
+                      <a:prstDash val="solid"/>
+                    </a:lnR>
+                    <a:lnT w="12700" cmpd="sng">
+                      <a:solidFill>
+                        <a:schemeClr val="tx1"/>
+                      </a:solidFill>
+                      <a:prstDash val="solid"/>
+                    </a:lnT>
+                    <a:lnB w="12700" cmpd="sng">
+                      <a:solidFill>
+                        <a:schemeClr val="tx1"/>
+                      </a:solidFill>
+                      <a:prstDash val="solid"/>
+                    </a:lnB>
+                    <a:solidFill>
+                      <a:schemeClr val="accent1">
+                        <a:lumMod val="40000"/>
+                        <a:lumOff val="60000"/>
+                      </a:schemeClr>
+                    </a:solidFill>
+                  </a:tcPr>
+                </a:tc>
+                <a:tc>
+                  <a:txBody>
+                    <a:bodyPr/>
+                    <a:p>
+                      <a:pPr>
+                        <a:buNone/>
+                      </a:pPr>
+                      <a:endParaRPr lang="zh-CN" altLang="en-US"/>
+                    </a:p>
+                  </a:txBody>
+                  <a:tcPr>
+                    <a:lnL w="12700" cmpd="sng">
+                      <a:solidFill>
+                        <a:schemeClr val="tx1"/>
+                      </a:solidFill>
+                      <a:prstDash val="solid"/>
+                    </a:lnL>
+                    <a:lnR w="12700" cmpd="sng">
+                      <a:solidFill>
+                        <a:schemeClr val="tx1"/>
+                      </a:solidFill>
+                      <a:prstDash val="solid"/>
+                    </a:lnR>
+                    <a:lnT w="12700" cmpd="sng">
+                      <a:solidFill>
+                        <a:schemeClr val="tx1"/>
+                      </a:solidFill>
+                      <a:prstDash val="solid"/>
+                    </a:lnT>
+                    <a:lnB w="12700" cmpd="sng">
+                      <a:solidFill>
+                        <a:schemeClr val="tx1"/>
+                      </a:solidFill>
+                      <a:prstDash val="solid"/>
+                    </a:lnB>
+                    <a:solidFill>
+                      <a:schemeClr val="accent1">
+                        <a:lumMod val="40000"/>
+                        <a:lumOff val="60000"/>
+                      </a:schemeClr>
+                    </a:solidFill>
+                  </a:tcPr>
+                </a:tc>
+                <a:tc>
+                  <a:txBody>
+                    <a:bodyPr/>
+                    <a:p>
+                      <a:pPr>
+                        <a:buNone/>
+                      </a:pPr>
+                      <a:endParaRPr lang="zh-CN" altLang="en-US" b="0">
+                        <a:solidFill>
+                          <a:schemeClr val="dk1"/>
+                        </a:solidFill>
+                      </a:endParaRPr>
+                    </a:p>
+                  </a:txBody>
+                  <a:tcPr>
+                    <a:lnL w="12700" cmpd="sng">
+                      <a:solidFill>
+                        <a:schemeClr val="tx1"/>
+                      </a:solidFill>
+                      <a:prstDash val="solid"/>
+                    </a:lnL>
+                    <a:lnR w="12700" cmpd="sng">
+                      <a:solidFill>
+                        <a:schemeClr val="tx1"/>
+                      </a:solidFill>
+                      <a:prstDash val="solid"/>
+                    </a:lnR>
+                    <a:lnT w="12700" cmpd="sng">
+                      <a:solidFill>
+                        <a:schemeClr val="tx1"/>
+                      </a:solidFill>
+                      <a:prstDash val="solid"/>
+                    </a:lnT>
+                    <a:lnB w="12700" cmpd="sng">
+                      <a:solidFill>
+                        <a:schemeClr val="tx1"/>
+                      </a:solidFill>
+                      <a:prstDash val="solid"/>
+                    </a:lnB>
+                    <a:solidFill>
+                      <a:schemeClr val="accent1">
+                        <a:lumMod val="40000"/>
+                        <a:lumOff val="60000"/>
+                      </a:schemeClr>
+                    </a:solidFill>
+                  </a:tcPr>
+                </a:tc>
+                <a:tc>
+                  <a:txBody>
+                    <a:bodyPr/>
+                    <a:p>
+                      <a:pPr>
+                        <a:buNone/>
+                      </a:pPr>
+                      <a:endParaRPr lang="zh-CN" altLang="en-US"/>
+                    </a:p>
+                  </a:txBody>
+                  <a:tcPr>
+                    <a:lnL w="12700" cmpd="sng">
+                      <a:solidFill>
+                        <a:schemeClr val="tx1"/>
+                      </a:solidFill>
+                      <a:prstDash val="solid"/>
+                    </a:lnL>
+                    <a:lnR w="12700" cmpd="sng">
+                      <a:solidFill>
+                        <a:schemeClr val="tx1"/>
+                      </a:solidFill>
+                      <a:prstDash val="solid"/>
+                    </a:lnR>
+                    <a:lnT w="12700" cmpd="sng">
+                      <a:solidFill>
+                        <a:schemeClr val="tx1"/>
+                      </a:solidFill>
+                      <a:prstDash val="solid"/>
+                    </a:lnT>
+                    <a:lnB w="12700" cmpd="sng">
+                      <a:solidFill>
+                        <a:schemeClr val="tx1"/>
+                      </a:solidFill>
+                      <a:prstDash val="solid"/>
+                    </a:lnB>
+                    <a:solidFill>
+                      <a:schemeClr val="accent1">
+                        <a:lumMod val="40000"/>
+                        <a:lumOff val="60000"/>
+                      </a:schemeClr>
+                    </a:solidFill>
+                  </a:tcPr>
+                </a:tc>
+              </a:tr>
+            </a:tbl>
+          </a:graphicData>
+        </a:graphic>
+      </p:graphicFrame>
+      <p:graphicFrame>
+        <p:nvGraphicFramePr>
+          <p:cNvPr id="13" name="表格 12"/>
+          <p:cNvGraphicFramePr/>
+          <p:nvPr>
+            <p:custDataLst>
+              <p:tags r:id="rId7"/>
+            </p:custDataLst>
+          </p:nvPr>
+        </p:nvGraphicFramePr>
+        <p:xfrm>
+          <a:off x="3458845" y="4182745"/>
+          <a:ext cx="365760" cy="1470660"/>
+        </p:xfrm>
+        <a:graphic>
+          <a:graphicData uri="http://schemas.openxmlformats.org/drawingml/2006/table">
+            <a:tbl>
+              <a:tblPr firstRow="1" bandRow="1">
+                <a:tableStyleId>{5C22544A-7EE6-4342-B048-85BDC9FD1C3A}</a:tableStyleId>
+              </a:tblPr>
+              <a:tblGrid>
+                <a:gridCol w="365760"/>
+              </a:tblGrid>
+              <a:tr h="367665">
+                <a:tc>
+                  <a:txBody>
+                    <a:bodyPr/>
+                    <a:p>
+                      <a:pPr>
+                        <a:buNone/>
+                      </a:pPr>
+                      <a:endParaRPr lang="zh-CN" altLang="en-US"/>
+                    </a:p>
+                  </a:txBody>
+                  <a:tcPr>
+                    <a:lnL w="12700">
+                      <a:solidFill>
+                        <a:schemeClr val="tx1"/>
+                      </a:solidFill>
+                      <a:prstDash val="solid"/>
+                    </a:lnL>
+                    <a:lnR w="12700">
+                      <a:solidFill>
+                        <a:schemeClr val="tx1"/>
+                      </a:solidFill>
+                      <a:prstDash val="solid"/>
+                    </a:lnR>
+                    <a:lnT w="12700">
+                      <a:solidFill>
+                        <a:schemeClr val="tx1"/>
+                      </a:solidFill>
+                      <a:prstDash val="solid"/>
+                    </a:lnT>
+                    <a:lnB w="12700">
+                      <a:solidFill>
+                        <a:schemeClr val="tx1"/>
+                      </a:solidFill>
+                      <a:prstDash val="solid"/>
+                    </a:lnB>
+                    <a:solidFill>
+                      <a:schemeClr val="accent1">
+                        <a:lumMod val="40000"/>
+                        <a:lumOff val="60000"/>
+                      </a:schemeClr>
+                    </a:solidFill>
+                  </a:tcPr>
+                </a:tc>
+              </a:tr>
+              <a:tr h="367665">
+                <a:tc>
+                  <a:txBody>
+                    <a:bodyPr/>
+                    <a:p>
+                      <a:pPr>
+                        <a:buNone/>
+                      </a:pPr>
+                      <a:endParaRPr lang="zh-CN" altLang="en-US"/>
+                    </a:p>
+                  </a:txBody>
+                  <a:tcPr>
+                    <a:lnL w="12700">
+                      <a:solidFill>
+                        <a:schemeClr val="tx1"/>
+                      </a:solidFill>
+                      <a:prstDash val="solid"/>
+                    </a:lnL>
+                    <a:lnR w="12700">
+                      <a:solidFill>
+                        <a:schemeClr val="tx1"/>
+                      </a:solidFill>
+                      <a:prstDash val="solid"/>
+                    </a:lnR>
+                    <a:lnT w="12700">
+                      <a:solidFill>
+                        <a:schemeClr val="tx1"/>
+                      </a:solidFill>
+                      <a:prstDash val="solid"/>
+                    </a:lnT>
+                    <a:lnB w="12700">
+                      <a:solidFill>
+                        <a:schemeClr val="tx1"/>
+                      </a:solidFill>
+                      <a:prstDash val="solid"/>
+                    </a:lnB>
+                    <a:solidFill>
+                      <a:schemeClr val="accent1">
+                        <a:lumMod val="40000"/>
+                        <a:lumOff val="60000"/>
+                      </a:schemeClr>
+                    </a:solidFill>
+                  </a:tcPr>
+                </a:tc>
+              </a:tr>
+              <a:tr h="367665">
+                <a:tc>
+                  <a:txBody>
+                    <a:bodyPr/>
+                    <a:p>
+                      <a:pPr>
+                        <a:buNone/>
+                      </a:pPr>
+                      <a:endParaRPr lang="zh-CN" altLang="en-US"/>
+                    </a:p>
+                  </a:txBody>
+                  <a:tcPr>
+                    <a:lnL w="12700">
+                      <a:solidFill>
+                        <a:schemeClr val="tx1"/>
+                      </a:solidFill>
+                      <a:prstDash val="solid"/>
+                    </a:lnL>
+                    <a:lnR w="12700">
+                      <a:solidFill>
+                        <a:schemeClr val="tx1"/>
+                      </a:solidFill>
+                      <a:prstDash val="solid"/>
+                    </a:lnR>
+                    <a:lnT w="12700">
+                      <a:solidFill>
+                        <a:schemeClr val="tx1"/>
+                      </a:solidFill>
+                      <a:prstDash val="solid"/>
+                    </a:lnT>
+                    <a:lnB w="12700">
+                      <a:solidFill>
+                        <a:schemeClr val="tx1"/>
+                      </a:solidFill>
+                      <a:prstDash val="solid"/>
+                    </a:lnB>
+                    <a:solidFill>
+                      <a:schemeClr val="accent1">
+                        <a:lumMod val="40000"/>
+                        <a:lumOff val="60000"/>
+                      </a:schemeClr>
+                    </a:solidFill>
+                  </a:tcPr>
+                </a:tc>
+              </a:tr>
+              <a:tr h="367665">
+                <a:tc>
+                  <a:txBody>
+                    <a:bodyPr/>
+                    <a:p>
+                      <a:pPr>
+                        <a:buNone/>
+                      </a:pPr>
+                      <a:endParaRPr lang="zh-CN" altLang="en-US"/>
+                    </a:p>
+                  </a:txBody>
+                  <a:tcPr>
+                    <a:lnL w="12700">
+                      <a:solidFill>
+                        <a:schemeClr val="tx1"/>
+                      </a:solidFill>
+                      <a:prstDash val="solid"/>
+                    </a:lnL>
+                    <a:lnR w="12700">
+                      <a:solidFill>
+                        <a:schemeClr val="tx1"/>
+                      </a:solidFill>
+                      <a:prstDash val="solid"/>
+                    </a:lnR>
+                    <a:lnT w="12700">
+                      <a:solidFill>
+                        <a:schemeClr val="tx1"/>
+                      </a:solidFill>
+                      <a:prstDash val="solid"/>
+                    </a:lnT>
+                    <a:lnB w="12700">
+                      <a:solidFill>
+                        <a:schemeClr val="tx1"/>
+                      </a:solidFill>
+                      <a:prstDash val="solid"/>
+                    </a:lnB>
+                    <a:solidFill>
+                      <a:schemeClr val="accent1">
+                        <a:lumMod val="40000"/>
+                        <a:lumOff val="60000"/>
+                      </a:schemeClr>
+                    </a:solidFill>
+                  </a:tcPr>
+                </a:tc>
+              </a:tr>
+            </a:tbl>
+          </a:graphicData>
+        </a:graphic>
+      </p:graphicFrame>
+      <p:sp>
+        <p:nvSpPr>
+          <p:cNvPr id="14" name="椭圆 13"/>
+          <p:cNvSpPr/>
+          <p:nvPr/>
+        </p:nvSpPr>
+        <p:spPr>
+          <a:xfrm flipH="1">
+            <a:off x="3086735" y="4879975"/>
+            <a:ext cx="92710" cy="76200"/>
+          </a:xfrm>
+          <a:prstGeom prst="ellipse">
+            <a:avLst/>
+          </a:prstGeom>
+          <a:solidFill>
+            <a:schemeClr val="tx1"/>
+          </a:solidFill>
+        </p:spPr>
+        <p:style>
+          <a:lnRef idx="2">
+            <a:schemeClr val="accent1">
+              <a:lumMod val="75000"/>
+            </a:schemeClr>
+          </a:lnRef>
+          <a:fillRef idx="1">
+            <a:schemeClr val="accent1"/>
+          </a:fillRef>
+          <a:effectRef idx="0">
+            <a:srgbClr val="FFFFFF"/>
+          </a:effectRef>
+          <a:fontRef idx="minor">
+            <a:schemeClr val="lt1"/>
+          </a:fontRef>
+        </p:style>
+        <p:txBody>
+          <a:bodyPr rtlCol="0" anchor="ctr"/>
+          <a:p>
+            <a:pPr algn="ctr"/>
+            <a:endParaRPr lang="zh-CN" altLang="en-US"/>
+          </a:p>
+        </p:txBody>
+      </p:sp>
+      <p:pic>
+        <p:nvPicPr>
+          <p:cNvPr id="16" name="图片 15" descr="等于"/>
+          <p:cNvPicPr>
+            <a:picLocks noChangeAspect="1"/>
+          </p:cNvPicPr>
+          <p:nvPr/>
+        </p:nvPicPr>
+        <p:blipFill>
+          <a:blip r:embed="rId4">
+            <a:extLst>
+              <a:ext uri="{96DAC541-7B7A-43D3-8B79-37D633B846F1}">
+                <asvg:svgBlip xmlns:asvg="http://schemas.microsoft.com/office/drawing/2016/SVG/main" r:embed="rId8"/>
+              </a:ext>
+            </a:extLst>
+          </a:blip>
+          <a:stretch>
+            <a:fillRect/>
+          </a:stretch>
+        </p:blipFill>
+        <p:spPr>
+          <a:xfrm>
+            <a:off x="4047490" y="4758690"/>
+            <a:ext cx="318770" cy="318770"/>
+          </a:xfrm>
+          <a:prstGeom prst="rect">
+            <a:avLst/>
+          </a:prstGeom>
+        </p:spPr>
+      </p:pic>
+      <p:graphicFrame>
+        <p:nvGraphicFramePr>
+          <p:cNvPr id="17" name="表格 16"/>
+          <p:cNvGraphicFramePr/>
+          <p:nvPr>
+            <p:custDataLst>
+              <p:tags r:id="rId9"/>
+            </p:custDataLst>
+          </p:nvPr>
+        </p:nvGraphicFramePr>
+        <p:xfrm>
+          <a:off x="4679315" y="4182745"/>
+          <a:ext cx="365760" cy="1470660"/>
+        </p:xfrm>
+        <a:graphic>
+          <a:graphicData uri="http://schemas.openxmlformats.org/drawingml/2006/table">
+            <a:tbl>
+              <a:tblPr firstRow="1" bandRow="1">
+                <a:tableStyleId>{5C22544A-7EE6-4342-B048-85BDC9FD1C3A}</a:tableStyleId>
+              </a:tblPr>
+              <a:tblGrid>
+                <a:gridCol w="365760"/>
+              </a:tblGrid>
+              <a:tr h="367665">
+                <a:tc>
+                  <a:txBody>
+                    <a:bodyPr/>
+                    <a:p>
+                      <a:pPr>
+                        <a:buNone/>
+                      </a:pPr>
+                      <a:endParaRPr lang="zh-CN" altLang="en-US"/>
+                    </a:p>
+                  </a:txBody>
+                  <a:tcPr>
+                    <a:lnL w="12700">
+                      <a:solidFill>
+                        <a:schemeClr val="tx1"/>
+                      </a:solidFill>
+                      <a:prstDash val="solid"/>
+                    </a:lnL>
+                    <a:lnR w="12700">
+                      <a:solidFill>
+                        <a:schemeClr val="tx1"/>
+                      </a:solidFill>
+                      <a:prstDash val="solid"/>
+                    </a:lnR>
+                    <a:lnT w="12700">
+                      <a:solidFill>
+                        <a:schemeClr val="tx1"/>
+                      </a:solidFill>
+                      <a:prstDash val="solid"/>
+                    </a:lnT>
+                    <a:lnB w="12700">
+                      <a:solidFill>
+                        <a:schemeClr val="tx1"/>
+                      </a:solidFill>
+                      <a:prstDash val="solid"/>
+                    </a:lnB>
+                    <a:solidFill>
+                      <a:schemeClr val="accent1">
+                        <a:lumMod val="40000"/>
+                        <a:lumOff val="60000"/>
+                      </a:schemeClr>
+                    </a:solidFill>
+                  </a:tcPr>
+                </a:tc>
+              </a:tr>
+              <a:tr h="367665">
+                <a:tc>
+                  <a:txBody>
+                    <a:bodyPr/>
+                    <a:p>
+                      <a:pPr>
+                        <a:buNone/>
+                      </a:pPr>
+                      <a:endParaRPr lang="zh-CN" altLang="en-US"/>
+                    </a:p>
+                  </a:txBody>
+                  <a:tcPr>
+                    <a:lnL w="12700">
+                      <a:solidFill>
+                        <a:schemeClr val="tx1"/>
+                      </a:solidFill>
+                      <a:prstDash val="solid"/>
+                    </a:lnL>
+                    <a:lnR w="12700">
+                      <a:solidFill>
+                        <a:schemeClr val="tx1"/>
+                      </a:solidFill>
+                      <a:prstDash val="solid"/>
+                    </a:lnR>
+                    <a:lnT w="12700">
+                      <a:solidFill>
+                        <a:schemeClr val="tx1"/>
+                      </a:solidFill>
+                      <a:prstDash val="solid"/>
+                    </a:lnT>
+                    <a:lnB w="12700">
+                      <a:solidFill>
+                        <a:schemeClr val="tx1"/>
+                      </a:solidFill>
+                      <a:prstDash val="solid"/>
+                    </a:lnB>
+                    <a:solidFill>
+                      <a:schemeClr val="accent1">
+                        <a:lumMod val="40000"/>
+                        <a:lumOff val="60000"/>
+                      </a:schemeClr>
+                    </a:solidFill>
+                  </a:tcPr>
+                </a:tc>
+              </a:tr>
+              <a:tr h="367665">
+                <a:tc>
+                  <a:txBody>
+                    <a:bodyPr/>
+                    <a:p>
+                      <a:pPr>
+                        <a:buNone/>
+                      </a:pPr>
+                      <a:endParaRPr lang="zh-CN" altLang="en-US"/>
+                    </a:p>
+                  </a:txBody>
+                  <a:tcPr>
+                    <a:lnL w="12700">
+                      <a:solidFill>
+                        <a:schemeClr val="tx1"/>
+                      </a:solidFill>
+                      <a:prstDash val="solid"/>
+                    </a:lnL>
+                    <a:lnR w="12700">
+                      <a:solidFill>
+                        <a:schemeClr val="tx1"/>
+                      </a:solidFill>
+                      <a:prstDash val="solid"/>
+                    </a:lnR>
+                    <a:lnT w="12700">
+                      <a:solidFill>
+                        <a:schemeClr val="tx1"/>
+                      </a:solidFill>
+                      <a:prstDash val="solid"/>
+                    </a:lnT>
+                    <a:lnB w="12700">
+                      <a:solidFill>
+                        <a:schemeClr val="tx1"/>
+                      </a:solidFill>
+                      <a:prstDash val="solid"/>
+                    </a:lnB>
+                    <a:solidFill>
+                      <a:schemeClr val="accent1">
+                        <a:lumMod val="40000"/>
+                        <a:lumOff val="60000"/>
+                      </a:schemeClr>
+                    </a:solidFill>
+                  </a:tcPr>
+                </a:tc>
+              </a:tr>
+              <a:tr h="367665">
+                <a:tc>
+                  <a:txBody>
+                    <a:bodyPr/>
+                    <a:p>
+                      <a:pPr>
+                        <a:buNone/>
+                      </a:pPr>
+                      <a:endParaRPr lang="zh-CN" altLang="en-US"/>
+                    </a:p>
+                  </a:txBody>
+                  <a:tcPr>
+                    <a:lnL w="12700">
+                      <a:solidFill>
+                        <a:schemeClr val="tx1"/>
+                      </a:solidFill>
+                      <a:prstDash val="solid"/>
+                    </a:lnL>
+                    <a:lnR w="12700">
+                      <a:solidFill>
+                        <a:schemeClr val="tx1"/>
+                      </a:solidFill>
+                      <a:prstDash val="solid"/>
+                    </a:lnR>
+                    <a:lnT w="12700">
+                      <a:solidFill>
+                        <a:schemeClr val="tx1"/>
+                      </a:solidFill>
+                      <a:prstDash val="solid"/>
+                    </a:lnT>
+                    <a:lnB w="12700">
+                      <a:solidFill>
+                        <a:schemeClr val="tx1"/>
+                      </a:solidFill>
+                      <a:prstDash val="solid"/>
+                    </a:lnB>
+                    <a:solidFill>
+                      <a:schemeClr val="accent1">
+                        <a:lumMod val="40000"/>
+                        <a:lumOff val="60000"/>
+                      </a:schemeClr>
+                    </a:solidFill>
+                  </a:tcPr>
+                </a:tc>
+              </a:tr>
+            </a:tbl>
+          </a:graphicData>
+        </a:graphic>
+      </p:graphicFrame>
+      <p:sp>
+        <p:nvSpPr>
+          <p:cNvPr id="18" name="文本框 17"/>
+          <p:cNvSpPr txBox="1"/>
+          <p:nvPr/>
+        </p:nvSpPr>
+        <p:spPr>
+          <a:xfrm>
+            <a:off x="344805" y="2346960"/>
+            <a:ext cx="3703320" cy="398780"/>
+          </a:xfrm>
+          <a:prstGeom prst="rect">
+            <a:avLst/>
+          </a:prstGeom>
+          <a:noFill/>
+        </p:spPr>
+        <p:txBody>
+          <a:bodyPr wrap="square" rtlCol="0">
+            <a:spAutoFit/>
+          </a:bodyPr>
+          <a:p>
+            <a:r>
+              <a:rPr lang="en-US" altLang="zh-CN" sz="2000" b="1"/>
+              <a:t>Softmax(                                            )</a:t>
+            </a:r>
+            <a:endParaRPr lang="en-US" altLang="zh-CN" sz="2000" b="1"/>
+          </a:p>
+        </p:txBody>
+      </p:sp>
+      <p:sp>
+        <p:nvSpPr>
+          <p:cNvPr id="19" name="文本框 18"/>
+          <p:cNvSpPr txBox="1"/>
+          <p:nvPr/>
+        </p:nvSpPr>
+        <p:spPr>
+          <a:xfrm>
+            <a:off x="1461135" y="1308100"/>
+            <a:ext cx="407670" cy="368300"/>
+          </a:xfrm>
+          <a:prstGeom prst="rect">
+            <a:avLst/>
+          </a:prstGeom>
+          <a:noFill/>
+        </p:spPr>
+        <p:txBody>
+          <a:bodyPr wrap="square" rtlCol="0">
+            <a:spAutoFit/>
+          </a:bodyPr>
+          <a:p>
+            <a:r>
+              <a:rPr lang="en-US" altLang="zh-CN" b="1"/>
+              <a:t>Q</a:t>
+            </a:r>
+            <a:endParaRPr lang="en-US" altLang="zh-CN" b="1"/>
+          </a:p>
+        </p:txBody>
+      </p:sp>
+      <p:sp>
+        <p:nvSpPr>
+          <p:cNvPr id="20" name="文本框 19"/>
+          <p:cNvSpPr txBox="1"/>
+          <p:nvPr/>
+        </p:nvSpPr>
+        <p:spPr>
+          <a:xfrm>
+            <a:off x="2929255" y="1836420"/>
+            <a:ext cx="407670" cy="368300"/>
+          </a:xfrm>
+          <a:prstGeom prst="rect">
+            <a:avLst/>
+          </a:prstGeom>
+          <a:noFill/>
+        </p:spPr>
+        <p:txBody>
+          <a:bodyPr wrap="square" rtlCol="0">
+            <a:spAutoFit/>
+          </a:bodyPr>
+          <a:p>
+            <a:r>
+              <a:rPr lang="en-US" altLang="zh-CN" b="1"/>
+              <a:t>K</a:t>
+            </a:r>
+            <a:endParaRPr lang="en-US" altLang="zh-CN" b="1"/>
+          </a:p>
+        </p:txBody>
+      </p:sp>
+      <p:sp>
+        <p:nvSpPr>
+          <p:cNvPr id="21" name="文本框 20"/>
+          <p:cNvSpPr txBox="1"/>
+          <p:nvPr/>
+        </p:nvSpPr>
+        <p:spPr>
+          <a:xfrm>
+            <a:off x="3458845" y="3718560"/>
+            <a:ext cx="407670" cy="368300"/>
+          </a:xfrm>
+          <a:prstGeom prst="rect">
+            <a:avLst/>
+          </a:prstGeom>
+          <a:noFill/>
+        </p:spPr>
+        <p:txBody>
+          <a:bodyPr wrap="square" rtlCol="0">
+            <a:spAutoFit/>
+          </a:bodyPr>
+          <a:p>
+            <a:r>
+              <a:rPr lang="en-US" altLang="zh-CN" b="1"/>
+              <a:t>V</a:t>
+            </a:r>
+            <a:endParaRPr lang="en-US" altLang="zh-CN" b="1"/>
+          </a:p>
+        </p:txBody>
+      </p:sp>
+      <p:sp>
+        <p:nvSpPr>
+          <p:cNvPr id="22" name="文本框 21"/>
+          <p:cNvSpPr txBox="1"/>
+          <p:nvPr/>
+        </p:nvSpPr>
+        <p:spPr>
+          <a:xfrm>
+            <a:off x="4366260" y="1308100"/>
+            <a:ext cx="2491105" cy="368300"/>
+          </a:xfrm>
+          <a:prstGeom prst="rect">
+            <a:avLst/>
+          </a:prstGeom>
+          <a:noFill/>
+        </p:spPr>
+        <p:txBody>
+          <a:bodyPr wrap="square" rtlCol="0">
+            <a:spAutoFit/>
+          </a:bodyPr>
+          <a:p>
+            <a:r>
+              <a:rPr lang="en-US" altLang="zh-CN" b="1"/>
+              <a:t>Possibilities matrix</a:t>
+            </a:r>
+            <a:endParaRPr lang="en-US" altLang="zh-CN" b="1"/>
+          </a:p>
+        </p:txBody>
+      </p:sp>
+      <p:sp>
+        <p:nvSpPr>
+          <p:cNvPr id="23" name="文本框 22"/>
+          <p:cNvSpPr txBox="1"/>
+          <p:nvPr/>
+        </p:nvSpPr>
+        <p:spPr>
+          <a:xfrm>
+            <a:off x="4558665" y="3718560"/>
+            <a:ext cx="934085" cy="368300"/>
+          </a:xfrm>
+          <a:prstGeom prst="rect">
+            <a:avLst/>
+          </a:prstGeom>
+          <a:noFill/>
+        </p:spPr>
+        <p:txBody>
+          <a:bodyPr wrap="square" rtlCol="0">
+            <a:spAutoFit/>
+          </a:bodyPr>
+          <a:p>
+            <a:r>
+              <a:rPr lang="en-US" altLang="zh-CN" b="1"/>
+              <a:t>Output</a:t>
+            </a:r>
+            <a:endParaRPr lang="en-US" altLang="zh-CN" b="1"/>
           </a:p>
         </p:txBody>
       </p:sp>
@@ -18281,7 +20932,14 @@
                               <a:latin typeface="Cambria Math" panose="02040503050406030204" charset="0"/>
                               <a:cs typeface="Cambria Math" panose="02040503050406030204" charset="0"/>
                             </a:rPr>
-                            <m:t>𝑙−</m:t>
+                            <m:t>𝑙</m:t>
+                          </m:r>
+                          <m:r>
+                            <a:rPr lang="en-US" altLang="zh-CN" sz="1200" i="1">
+                              <a:latin typeface="Cambria Math" panose="02040503050406030204" charset="0"/>
+                              <a:cs typeface="Cambria Math" panose="02040503050406030204" charset="0"/>
+                            </a:rPr>
+                            <m:t>−</m:t>
                           </m:r>
                           <m:r>
                             <a:rPr lang="en-US" altLang="zh-CN" sz="1200" i="1">
@@ -18851,6 +21509,2252 @@
 </p:sld>
 </file>
 
+<file path=ppt/slides/slide9.xml><?xml version="1.0" encoding="utf-8"?>
+<p:sld xmlns:a="http://schemas.openxmlformats.org/drawingml/2006/main" xmlns:r="http://schemas.openxmlformats.org/officeDocument/2006/relationships" xmlns:p="http://schemas.openxmlformats.org/presentationml/2006/main">
+  <p:cSld>
+    <p:spTree>
+      <p:nvGrpSpPr>
+        <p:cNvPr id="1" name=""/>
+        <p:cNvGrpSpPr/>
+        <p:nvPr/>
+      </p:nvGrpSpPr>
+      <p:grpSpPr/>
+      <p:graphicFrame>
+        <p:nvGraphicFramePr>
+          <p:cNvPr id="9" name="表格 8"/>
+          <p:cNvGraphicFramePr/>
+          <p:nvPr>
+            <p:custDataLst>
+              <p:tags r:id="rId1"/>
+            </p:custDataLst>
+          </p:nvPr>
+        </p:nvGraphicFramePr>
+        <p:xfrm>
+          <a:off x="1828800" y="2520315"/>
+          <a:ext cx="3568700" cy="3081020"/>
+        </p:xfrm>
+        <a:graphic>
+          <a:graphicData uri="http://schemas.openxmlformats.org/drawingml/2006/table">
+            <a:tbl>
+              <a:tblPr firstRow="1" bandRow="1">
+                <a:tableStyleId>{5C22544A-7EE6-4342-B048-85BDC9FD1C3A}</a:tableStyleId>
+              </a:tblPr>
+              <a:tblGrid>
+                <a:gridCol w="892175"/>
+                <a:gridCol w="892175"/>
+                <a:gridCol w="892175"/>
+                <a:gridCol w="892175"/>
+              </a:tblGrid>
+              <a:tr h="770255">
+                <a:tc>
+                  <a:txBody>
+                    <a:bodyPr/>
+                    <a:p>
+                      <a:pPr algn="ctr">
+                        <a:buNone/>
+                      </a:pPr>
+                      <a:r>
+                        <a:rPr lang="en-US" altLang="zh-CN" b="0">
+                          <a:solidFill>
+                            <a:schemeClr val="tx1"/>
+                          </a:solidFill>
+                        </a:rPr>
+                        <a:t>90</a:t>
+                      </a:r>
+                      <a:endParaRPr lang="en-US" altLang="zh-CN" b="0">
+                        <a:solidFill>
+                          <a:schemeClr val="tx1"/>
+                        </a:solidFill>
+                      </a:endParaRPr>
+                    </a:p>
+                  </a:txBody>
+                  <a:tcPr anchor="ctr" anchorCtr="1">
+                    <a:lnL w="38100">
+                      <a:solidFill>
+                        <a:schemeClr val="tx1"/>
+                      </a:solidFill>
+                      <a:prstDash val="solid"/>
+                    </a:lnL>
+                    <a:lnR w="38100">
+                      <a:solidFill>
+                        <a:schemeClr val="tx1"/>
+                      </a:solidFill>
+                      <a:prstDash val="solid"/>
+                    </a:lnR>
+                    <a:lnT w="38100">
+                      <a:solidFill>
+                        <a:schemeClr val="tx1"/>
+                      </a:solidFill>
+                      <a:prstDash val="solid"/>
+                    </a:lnT>
+                    <a:lnB w="38100">
+                      <a:solidFill>
+                        <a:schemeClr val="tx1"/>
+                      </a:solidFill>
+                      <a:prstDash val="solid"/>
+                    </a:lnB>
+                    <a:solidFill>
+                      <a:schemeClr val="bg1"/>
+                    </a:solidFill>
+                  </a:tcPr>
+                </a:tc>
+                <a:tc>
+                  <a:txBody>
+                    <a:bodyPr/>
+                    <a:p>
+                      <a:pPr>
+                        <a:buNone/>
+                      </a:pPr>
+                      <a:r>
+                        <a:rPr lang="en-US" altLang="zh-CN" b="0">
+                          <a:solidFill>
+                            <a:schemeClr val="tx1"/>
+                          </a:solidFill>
+                        </a:rPr>
+                        <a:t>77</a:t>
+                      </a:r>
+                      <a:endParaRPr lang="en-US" altLang="zh-CN" b="0">
+                        <a:solidFill>
+                          <a:schemeClr val="tx1"/>
+                        </a:solidFill>
+                      </a:endParaRPr>
+                    </a:p>
+                  </a:txBody>
+                  <a:tcPr anchor="ctr" anchorCtr="1">
+                    <a:lnL w="38100">
+                      <a:solidFill>
+                        <a:schemeClr val="tx1"/>
+                      </a:solidFill>
+                      <a:prstDash val="solid"/>
+                    </a:lnL>
+                    <a:lnR w="38100">
+                      <a:solidFill>
+                        <a:schemeClr val="tx1"/>
+                      </a:solidFill>
+                      <a:prstDash val="solid"/>
+                    </a:lnR>
+                    <a:lnT w="38100">
+                      <a:solidFill>
+                        <a:schemeClr val="tx1"/>
+                      </a:solidFill>
+                      <a:prstDash val="solid"/>
+                    </a:lnT>
+                    <a:lnB w="38100">
+                      <a:solidFill>
+                        <a:schemeClr val="tx1"/>
+                      </a:solidFill>
+                      <a:prstDash val="solid"/>
+                    </a:lnB>
+                    <a:solidFill>
+                      <a:schemeClr val="bg1"/>
+                    </a:solidFill>
+                  </a:tcPr>
+                </a:tc>
+                <a:tc>
+                  <a:txBody>
+                    <a:bodyPr/>
+                    <a:p>
+                      <a:pPr>
+                        <a:buNone/>
+                      </a:pPr>
+                      <a:r>
+                        <a:rPr lang="en-US" altLang="zh-CN" b="0">
+                          <a:solidFill>
+                            <a:schemeClr val="tx1"/>
+                          </a:solidFill>
+                        </a:rPr>
+                        <a:t>52</a:t>
+                      </a:r>
+                      <a:endParaRPr lang="en-US" altLang="zh-CN" b="0">
+                        <a:solidFill>
+                          <a:schemeClr val="tx1"/>
+                        </a:solidFill>
+                      </a:endParaRPr>
+                    </a:p>
+                  </a:txBody>
+                  <a:tcPr anchor="ctr" anchorCtr="1">
+                    <a:lnL w="38100">
+                      <a:solidFill>
+                        <a:schemeClr val="tx1"/>
+                      </a:solidFill>
+                      <a:prstDash val="solid"/>
+                    </a:lnL>
+                    <a:lnR w="38100">
+                      <a:solidFill>
+                        <a:schemeClr val="tx1"/>
+                      </a:solidFill>
+                      <a:prstDash val="solid"/>
+                    </a:lnR>
+                    <a:lnT w="38100">
+                      <a:solidFill>
+                        <a:schemeClr val="tx1"/>
+                      </a:solidFill>
+                      <a:prstDash val="solid"/>
+                    </a:lnT>
+                    <a:lnB w="38100">
+                      <a:solidFill>
+                        <a:schemeClr val="tx1"/>
+                      </a:solidFill>
+                      <a:prstDash val="solid"/>
+                    </a:lnB>
+                    <a:solidFill>
+                      <a:schemeClr val="bg1"/>
+                    </a:solidFill>
+                  </a:tcPr>
+                </a:tc>
+                <a:tc>
+                  <a:txBody>
+                    <a:bodyPr/>
+                    <a:p>
+                      <a:pPr>
+                        <a:buNone/>
+                      </a:pPr>
+                      <a:r>
+                        <a:rPr lang="en-US" altLang="zh-CN" b="0">
+                          <a:solidFill>
+                            <a:schemeClr val="tx1"/>
+                          </a:solidFill>
+                        </a:rPr>
+                        <a:t>50</a:t>
+                      </a:r>
+                      <a:endParaRPr lang="en-US" altLang="zh-CN" b="0">
+                        <a:ln w="28575" cmpd="sng">
+                          <a:solidFill>
+                            <a:schemeClr val="tx1"/>
+                          </a:solidFill>
+                          <a:prstDash val="solid"/>
+                        </a:ln>
+                        <a:solidFill>
+                          <a:schemeClr val="tx1"/>
+                        </a:solidFill>
+                      </a:endParaRPr>
+                    </a:p>
+                  </a:txBody>
+                  <a:tcPr anchor="ctr" anchorCtr="1">
+                    <a:lnL w="38100">
+                      <a:solidFill>
+                        <a:schemeClr val="tx1"/>
+                      </a:solidFill>
+                      <a:prstDash val="solid"/>
+                    </a:lnL>
+                    <a:lnR w="38100">
+                      <a:solidFill>
+                        <a:schemeClr val="tx1"/>
+                      </a:solidFill>
+                      <a:prstDash val="solid"/>
+                    </a:lnR>
+                    <a:lnT w="38100">
+                      <a:solidFill>
+                        <a:schemeClr val="tx1"/>
+                      </a:solidFill>
+                      <a:prstDash val="solid"/>
+                    </a:lnT>
+                    <a:lnB w="38100">
+                      <a:solidFill>
+                        <a:schemeClr val="tx1"/>
+                      </a:solidFill>
+                      <a:prstDash val="solid"/>
+                    </a:lnB>
+                    <a:solidFill>
+                      <a:schemeClr val="bg1"/>
+                    </a:solidFill>
+                  </a:tcPr>
+                </a:tc>
+              </a:tr>
+              <a:tr h="770255">
+                <a:tc>
+                  <a:txBody>
+                    <a:bodyPr/>
+                    <a:p>
+                      <a:pPr>
+                        <a:buNone/>
+                      </a:pPr>
+                      <a:r>
+                        <a:rPr lang="en-US" altLang="zh-CN" b="0">
+                          <a:solidFill>
+                            <a:schemeClr val="tx1"/>
+                          </a:solidFill>
+                        </a:rPr>
+                        <a:t>73</a:t>
+                      </a:r>
+                      <a:endParaRPr lang="en-US" altLang="zh-CN" b="0">
+                        <a:solidFill>
+                          <a:schemeClr val="tx1"/>
+                        </a:solidFill>
+                      </a:endParaRPr>
+                    </a:p>
+                  </a:txBody>
+                  <a:tcPr anchor="ctr" anchorCtr="1">
+                    <a:lnL w="38100">
+                      <a:solidFill>
+                        <a:schemeClr val="tx1"/>
+                      </a:solidFill>
+                      <a:prstDash val="solid"/>
+                    </a:lnL>
+                    <a:lnR w="38100">
+                      <a:solidFill>
+                        <a:schemeClr val="tx1"/>
+                      </a:solidFill>
+                      <a:prstDash val="solid"/>
+                    </a:lnR>
+                    <a:lnT w="38100">
+                      <a:solidFill>
+                        <a:schemeClr val="tx1"/>
+                      </a:solidFill>
+                      <a:prstDash val="solid"/>
+                    </a:lnT>
+                    <a:lnB w="38100">
+                      <a:solidFill>
+                        <a:schemeClr val="tx1"/>
+                      </a:solidFill>
+                      <a:prstDash val="solid"/>
+                    </a:lnB>
+                    <a:solidFill>
+                      <a:schemeClr val="bg1"/>
+                    </a:solidFill>
+                  </a:tcPr>
+                </a:tc>
+                <a:tc>
+                  <a:txBody>
+                    <a:bodyPr/>
+                    <a:p>
+                      <a:pPr>
+                        <a:buNone/>
+                      </a:pPr>
+                      <a:r>
+                        <a:rPr lang="en-US" altLang="zh-CN" b="0">
+                          <a:solidFill>
+                            <a:schemeClr val="tx1"/>
+                          </a:solidFill>
+                        </a:rPr>
+                        <a:t>92</a:t>
+                      </a:r>
+                      <a:endParaRPr lang="en-US" altLang="zh-CN" b="0">
+                        <a:solidFill>
+                          <a:schemeClr val="tx1"/>
+                        </a:solidFill>
+                      </a:endParaRPr>
+                    </a:p>
+                  </a:txBody>
+                  <a:tcPr anchor="ctr" anchorCtr="1">
+                    <a:lnL w="38100">
+                      <a:solidFill>
+                        <a:schemeClr val="tx1"/>
+                      </a:solidFill>
+                      <a:prstDash val="solid"/>
+                    </a:lnL>
+                    <a:lnR w="38100">
+                      <a:solidFill>
+                        <a:schemeClr val="tx1"/>
+                      </a:solidFill>
+                      <a:prstDash val="solid"/>
+                    </a:lnR>
+                    <a:lnT w="38100">
+                      <a:solidFill>
+                        <a:schemeClr val="tx1"/>
+                      </a:solidFill>
+                      <a:prstDash val="solid"/>
+                    </a:lnT>
+                    <a:lnB w="38100">
+                      <a:solidFill>
+                        <a:schemeClr val="tx1"/>
+                      </a:solidFill>
+                      <a:prstDash val="solid"/>
+                    </a:lnB>
+                    <a:solidFill>
+                      <a:schemeClr val="bg1"/>
+                    </a:solidFill>
+                  </a:tcPr>
+                </a:tc>
+                <a:tc>
+                  <a:txBody>
+                    <a:bodyPr/>
+                    <a:p>
+                      <a:pPr>
+                        <a:buNone/>
+                      </a:pPr>
+                      <a:r>
+                        <a:rPr lang="en-US" altLang="zh-CN" b="0">
+                          <a:solidFill>
+                            <a:schemeClr val="tx1"/>
+                          </a:solidFill>
+                        </a:rPr>
+                        <a:t>82</a:t>
+                      </a:r>
+                      <a:endParaRPr lang="en-US" altLang="zh-CN" b="0">
+                        <a:solidFill>
+                          <a:schemeClr val="tx1"/>
+                        </a:solidFill>
+                      </a:endParaRPr>
+                    </a:p>
+                  </a:txBody>
+                  <a:tcPr anchor="ctr" anchorCtr="1">
+                    <a:lnL w="38100">
+                      <a:solidFill>
+                        <a:schemeClr val="tx1"/>
+                      </a:solidFill>
+                      <a:prstDash val="solid"/>
+                    </a:lnL>
+                    <a:lnR w="38100">
+                      <a:solidFill>
+                        <a:schemeClr val="tx1"/>
+                      </a:solidFill>
+                      <a:prstDash val="solid"/>
+                    </a:lnR>
+                    <a:lnT w="38100">
+                      <a:solidFill>
+                        <a:schemeClr val="tx1"/>
+                      </a:solidFill>
+                      <a:prstDash val="solid"/>
+                    </a:lnT>
+                    <a:lnB w="38100">
+                      <a:solidFill>
+                        <a:schemeClr val="tx1"/>
+                      </a:solidFill>
+                      <a:prstDash val="solid"/>
+                    </a:lnB>
+                    <a:solidFill>
+                      <a:schemeClr val="bg1"/>
+                    </a:solidFill>
+                  </a:tcPr>
+                </a:tc>
+                <a:tc>
+                  <a:txBody>
+                    <a:bodyPr/>
+                    <a:p>
+                      <a:pPr>
+                        <a:buNone/>
+                      </a:pPr>
+                      <a:r>
+                        <a:rPr lang="en-US" altLang="zh-CN" b="0">
+                          <a:solidFill>
+                            <a:schemeClr val="tx1"/>
+                          </a:solidFill>
+                        </a:rPr>
+                        <a:t>58</a:t>
+                      </a:r>
+                      <a:endParaRPr lang="en-US" altLang="zh-CN" b="0">
+                        <a:solidFill>
+                          <a:schemeClr val="tx1"/>
+                        </a:solidFill>
+                      </a:endParaRPr>
+                    </a:p>
+                  </a:txBody>
+                  <a:tcPr anchor="ctr" anchorCtr="1">
+                    <a:lnL w="38100">
+                      <a:solidFill>
+                        <a:schemeClr val="tx1"/>
+                      </a:solidFill>
+                      <a:prstDash val="solid"/>
+                    </a:lnL>
+                    <a:lnR w="38100">
+                      <a:solidFill>
+                        <a:schemeClr val="tx1"/>
+                      </a:solidFill>
+                      <a:prstDash val="solid"/>
+                    </a:lnR>
+                    <a:lnT w="38100">
+                      <a:solidFill>
+                        <a:schemeClr val="tx1"/>
+                      </a:solidFill>
+                      <a:prstDash val="solid"/>
+                    </a:lnT>
+                    <a:lnB w="38100">
+                      <a:solidFill>
+                        <a:schemeClr val="tx1"/>
+                      </a:solidFill>
+                      <a:prstDash val="solid"/>
+                    </a:lnB>
+                    <a:solidFill>
+                      <a:schemeClr val="bg1"/>
+                    </a:solidFill>
+                  </a:tcPr>
+                </a:tc>
+              </a:tr>
+              <a:tr h="770255">
+                <a:tc>
+                  <a:txBody>
+                    <a:bodyPr/>
+                    <a:p>
+                      <a:pPr>
+                        <a:buNone/>
+                      </a:pPr>
+                      <a:r>
+                        <a:rPr lang="en-US" altLang="zh-CN" b="0">
+                          <a:solidFill>
+                            <a:schemeClr val="tx1"/>
+                          </a:solidFill>
+                        </a:rPr>
+                        <a:t>50</a:t>
+                      </a:r>
+                      <a:endParaRPr lang="en-US" altLang="zh-CN" b="0">
+                        <a:solidFill>
+                          <a:schemeClr val="tx1"/>
+                        </a:solidFill>
+                      </a:endParaRPr>
+                    </a:p>
+                  </a:txBody>
+                  <a:tcPr anchor="ctr" anchorCtr="1">
+                    <a:lnL w="38100">
+                      <a:solidFill>
+                        <a:schemeClr val="tx1"/>
+                      </a:solidFill>
+                      <a:prstDash val="solid"/>
+                    </a:lnL>
+                    <a:lnR w="38100">
+                      <a:solidFill>
+                        <a:schemeClr val="tx1"/>
+                      </a:solidFill>
+                      <a:prstDash val="solid"/>
+                    </a:lnR>
+                    <a:lnT w="38100">
+                      <a:solidFill>
+                        <a:schemeClr val="tx1"/>
+                      </a:solidFill>
+                      <a:prstDash val="solid"/>
+                    </a:lnT>
+                    <a:lnB w="38100">
+                      <a:solidFill>
+                        <a:schemeClr val="tx1"/>
+                      </a:solidFill>
+                      <a:prstDash val="solid"/>
+                    </a:lnB>
+                    <a:solidFill>
+                      <a:schemeClr val="bg1"/>
+                    </a:solidFill>
+                  </a:tcPr>
+                </a:tc>
+                <a:tc>
+                  <a:txBody>
+                    <a:bodyPr/>
+                    <a:p>
+                      <a:pPr>
+                        <a:buNone/>
+                      </a:pPr>
+                      <a:r>
+                        <a:rPr lang="en-US" altLang="zh-CN" b="0">
+                          <a:solidFill>
+                            <a:schemeClr val="tx1"/>
+                          </a:solidFill>
+                        </a:rPr>
+                        <a:t>61</a:t>
+                      </a:r>
+                      <a:endParaRPr lang="en-US" altLang="zh-CN" b="0">
+                        <a:solidFill>
+                          <a:schemeClr val="tx1"/>
+                        </a:solidFill>
+                      </a:endParaRPr>
+                    </a:p>
+                  </a:txBody>
+                  <a:tcPr anchor="ctr" anchorCtr="1">
+                    <a:lnL w="38100">
+                      <a:solidFill>
+                        <a:schemeClr val="tx1"/>
+                      </a:solidFill>
+                      <a:prstDash val="solid"/>
+                    </a:lnL>
+                    <a:lnR w="38100">
+                      <a:solidFill>
+                        <a:schemeClr val="tx1"/>
+                      </a:solidFill>
+                      <a:prstDash val="solid"/>
+                    </a:lnR>
+                    <a:lnT w="38100">
+                      <a:solidFill>
+                        <a:schemeClr val="tx1"/>
+                      </a:solidFill>
+                      <a:prstDash val="solid"/>
+                    </a:lnT>
+                    <a:lnB w="38100">
+                      <a:solidFill>
+                        <a:schemeClr val="tx1"/>
+                      </a:solidFill>
+                      <a:prstDash val="solid"/>
+                    </a:lnB>
+                    <a:solidFill>
+                      <a:schemeClr val="bg1"/>
+                    </a:solidFill>
+                  </a:tcPr>
+                </a:tc>
+                <a:tc>
+                  <a:txBody>
+                    <a:bodyPr/>
+                    <a:p>
+                      <a:pPr>
+                        <a:buNone/>
+                      </a:pPr>
+                      <a:r>
+                        <a:rPr lang="en-US" altLang="zh-CN" b="0">
+                          <a:solidFill>
+                            <a:schemeClr val="tx1"/>
+                          </a:solidFill>
+                        </a:rPr>
+                        <a:t>90</a:t>
+                      </a:r>
+                      <a:endParaRPr lang="en-US" altLang="zh-CN" b="0">
+                        <a:solidFill>
+                          <a:schemeClr val="tx1"/>
+                        </a:solidFill>
+                      </a:endParaRPr>
+                    </a:p>
+                  </a:txBody>
+                  <a:tcPr anchor="ctr" anchorCtr="1">
+                    <a:lnL w="38100">
+                      <a:solidFill>
+                        <a:schemeClr val="tx1"/>
+                      </a:solidFill>
+                      <a:prstDash val="solid"/>
+                    </a:lnL>
+                    <a:lnR w="38100">
+                      <a:solidFill>
+                        <a:schemeClr val="tx1"/>
+                      </a:solidFill>
+                      <a:prstDash val="solid"/>
+                    </a:lnR>
+                    <a:lnT w="38100">
+                      <a:solidFill>
+                        <a:schemeClr val="tx1"/>
+                      </a:solidFill>
+                      <a:prstDash val="solid"/>
+                    </a:lnT>
+                    <a:lnB w="38100">
+                      <a:solidFill>
+                        <a:schemeClr val="tx1"/>
+                      </a:solidFill>
+                      <a:prstDash val="solid"/>
+                    </a:lnB>
+                    <a:solidFill>
+                      <a:schemeClr val="bg1"/>
+                    </a:solidFill>
+                  </a:tcPr>
+                </a:tc>
+                <a:tc>
+                  <a:txBody>
+                    <a:bodyPr/>
+                    <a:p>
+                      <a:pPr>
+                        <a:buNone/>
+                      </a:pPr>
+                      <a:r>
+                        <a:rPr lang="en-US" altLang="zh-CN" b="0">
+                          <a:solidFill>
+                            <a:schemeClr val="tx1"/>
+                          </a:solidFill>
+                        </a:rPr>
+                        <a:t>82</a:t>
+                      </a:r>
+                      <a:endParaRPr lang="en-US" altLang="zh-CN" b="0">
+                        <a:solidFill>
+                          <a:schemeClr val="tx1"/>
+                        </a:solidFill>
+                      </a:endParaRPr>
+                    </a:p>
+                  </a:txBody>
+                  <a:tcPr anchor="ctr" anchorCtr="1">
+                    <a:lnL w="38100">
+                      <a:solidFill>
+                        <a:schemeClr val="tx1"/>
+                      </a:solidFill>
+                      <a:prstDash val="solid"/>
+                    </a:lnL>
+                    <a:lnR w="38100">
+                      <a:solidFill>
+                        <a:schemeClr val="tx1"/>
+                      </a:solidFill>
+                      <a:prstDash val="solid"/>
+                    </a:lnR>
+                    <a:lnT w="38100">
+                      <a:solidFill>
+                        <a:schemeClr val="tx1"/>
+                      </a:solidFill>
+                      <a:prstDash val="solid"/>
+                    </a:lnT>
+                    <a:lnB w="38100">
+                      <a:solidFill>
+                        <a:schemeClr val="tx1"/>
+                      </a:solidFill>
+                      <a:prstDash val="solid"/>
+                    </a:lnB>
+                    <a:lnTlToBr>
+                      <a:noFill/>
+                    </a:lnTlToBr>
+                    <a:lnBlToTr>
+                      <a:noFill/>
+                    </a:lnBlToTr>
+                    <a:solidFill>
+                      <a:schemeClr val="bg1"/>
+                    </a:solidFill>
+                  </a:tcPr>
+                </a:tc>
+              </a:tr>
+              <a:tr h="770255">
+                <a:tc>
+                  <a:txBody>
+                    <a:bodyPr/>
+                    <a:p>
+                      <a:pPr>
+                        <a:buNone/>
+                      </a:pPr>
+                      <a:r>
+                        <a:rPr lang="en-US" altLang="zh-CN" b="0">
+                          <a:solidFill>
+                            <a:schemeClr val="tx1"/>
+                          </a:solidFill>
+                        </a:rPr>
+                        <a:t>52</a:t>
+                      </a:r>
+                      <a:endParaRPr lang="en-US" altLang="zh-CN" b="0">
+                        <a:solidFill>
+                          <a:schemeClr val="tx1"/>
+                        </a:solidFill>
+                      </a:endParaRPr>
+                    </a:p>
+                  </a:txBody>
+                  <a:tcPr anchor="ctr" anchorCtr="1">
+                    <a:lnL w="38100">
+                      <a:solidFill>
+                        <a:schemeClr val="tx1"/>
+                      </a:solidFill>
+                      <a:prstDash val="solid"/>
+                    </a:lnL>
+                    <a:lnR w="38100">
+                      <a:solidFill>
+                        <a:schemeClr val="tx1"/>
+                      </a:solidFill>
+                      <a:prstDash val="solid"/>
+                    </a:lnR>
+                    <a:lnT w="38100">
+                      <a:solidFill>
+                        <a:schemeClr val="tx1"/>
+                      </a:solidFill>
+                      <a:prstDash val="solid"/>
+                    </a:lnT>
+                    <a:lnB w="38100">
+                      <a:solidFill>
+                        <a:schemeClr val="tx1"/>
+                      </a:solidFill>
+                      <a:prstDash val="solid"/>
+                    </a:lnB>
+                    <a:solidFill>
+                      <a:schemeClr val="bg1"/>
+                    </a:solidFill>
+                  </a:tcPr>
+                </a:tc>
+                <a:tc>
+                  <a:txBody>
+                    <a:bodyPr/>
+                    <a:p>
+                      <a:pPr>
+                        <a:buNone/>
+                      </a:pPr>
+                      <a:r>
+                        <a:rPr lang="en-US" altLang="zh-CN" b="0">
+                          <a:solidFill>
+                            <a:schemeClr val="tx1"/>
+                          </a:solidFill>
+                        </a:rPr>
+                        <a:t>57</a:t>
+                      </a:r>
+                      <a:endParaRPr lang="en-US" altLang="zh-CN" b="0">
+                        <a:solidFill>
+                          <a:schemeClr val="tx1"/>
+                        </a:solidFill>
+                      </a:endParaRPr>
+                    </a:p>
+                  </a:txBody>
+                  <a:tcPr anchor="ctr" anchorCtr="1">
+                    <a:lnL w="38100">
+                      <a:solidFill>
+                        <a:schemeClr val="tx1"/>
+                      </a:solidFill>
+                      <a:prstDash val="solid"/>
+                    </a:lnL>
+                    <a:lnR w="38100">
+                      <a:solidFill>
+                        <a:schemeClr val="tx1"/>
+                      </a:solidFill>
+                      <a:prstDash val="solid"/>
+                    </a:lnR>
+                    <a:lnT w="38100">
+                      <a:solidFill>
+                        <a:schemeClr val="tx1"/>
+                      </a:solidFill>
+                      <a:prstDash val="solid"/>
+                    </a:lnT>
+                    <a:lnB w="38100">
+                      <a:solidFill>
+                        <a:schemeClr val="tx1"/>
+                      </a:solidFill>
+                      <a:prstDash val="solid"/>
+                    </a:lnB>
+                    <a:solidFill>
+                      <a:schemeClr val="bg1"/>
+                    </a:solidFill>
+                  </a:tcPr>
+                </a:tc>
+                <a:tc>
+                  <a:txBody>
+                    <a:bodyPr/>
+                    <a:p>
+                      <a:pPr>
+                        <a:buNone/>
+                      </a:pPr>
+                      <a:r>
+                        <a:rPr lang="en-US" altLang="zh-CN" b="0">
+                          <a:solidFill>
+                            <a:schemeClr val="tx1"/>
+                          </a:solidFill>
+                        </a:rPr>
+                        <a:t>86</a:t>
+                      </a:r>
+                      <a:endParaRPr lang="en-US" altLang="zh-CN" b="0">
+                        <a:solidFill>
+                          <a:schemeClr val="tx1"/>
+                        </a:solidFill>
+                      </a:endParaRPr>
+                    </a:p>
+                  </a:txBody>
+                  <a:tcPr anchor="ctr" anchorCtr="1">
+                    <a:lnL w="38100">
+                      <a:solidFill>
+                        <a:schemeClr val="tx1"/>
+                      </a:solidFill>
+                      <a:prstDash val="solid"/>
+                    </a:lnL>
+                    <a:lnR w="38100">
+                      <a:solidFill>
+                        <a:schemeClr val="tx1"/>
+                      </a:solidFill>
+                      <a:prstDash val="solid"/>
+                    </a:lnR>
+                    <a:lnT w="38100">
+                      <a:solidFill>
+                        <a:schemeClr val="tx1"/>
+                      </a:solidFill>
+                      <a:prstDash val="solid"/>
+                    </a:lnT>
+                    <a:lnB w="38100">
+                      <a:solidFill>
+                        <a:schemeClr val="tx1"/>
+                      </a:solidFill>
+                      <a:prstDash val="solid"/>
+                    </a:lnB>
+                    <a:solidFill>
+                      <a:schemeClr val="bg1"/>
+                    </a:solidFill>
+                  </a:tcPr>
+                </a:tc>
+                <a:tc>
+                  <a:txBody>
+                    <a:bodyPr/>
+                    <a:p>
+                      <a:pPr>
+                        <a:buNone/>
+                      </a:pPr>
+                      <a:r>
+                        <a:rPr lang="en-US" altLang="zh-CN" b="0">
+                          <a:solidFill>
+                            <a:schemeClr val="tx1"/>
+                          </a:solidFill>
+                        </a:rPr>
+                        <a:t>93</a:t>
+                      </a:r>
+                      <a:endParaRPr lang="en-US" altLang="zh-CN" b="0">
+                        <a:solidFill>
+                          <a:schemeClr val="tx1"/>
+                        </a:solidFill>
+                      </a:endParaRPr>
+                    </a:p>
+                  </a:txBody>
+                  <a:tcPr anchor="ctr" anchorCtr="1">
+                    <a:lnL w="38100">
+                      <a:solidFill>
+                        <a:schemeClr val="tx1"/>
+                      </a:solidFill>
+                      <a:prstDash val="solid"/>
+                    </a:lnL>
+                    <a:lnR w="38100">
+                      <a:solidFill>
+                        <a:schemeClr val="tx1"/>
+                      </a:solidFill>
+                      <a:prstDash val="solid"/>
+                    </a:lnR>
+                    <a:lnT w="38100">
+                      <a:solidFill>
+                        <a:schemeClr val="tx1"/>
+                      </a:solidFill>
+                      <a:prstDash val="solid"/>
+                    </a:lnT>
+                    <a:lnB w="38100">
+                      <a:solidFill>
+                        <a:schemeClr val="tx1"/>
+                      </a:solidFill>
+                      <a:prstDash val="solid"/>
+                    </a:lnB>
+                    <a:solidFill>
+                      <a:schemeClr val="bg1"/>
+                    </a:solidFill>
+                  </a:tcPr>
+                </a:tc>
+              </a:tr>
+            </a:tbl>
+          </a:graphicData>
+        </a:graphic>
+      </p:graphicFrame>
+      <p:sp>
+        <p:nvSpPr>
+          <p:cNvPr id="11" name="文本框 10"/>
+          <p:cNvSpPr txBox="1"/>
+          <p:nvPr/>
+        </p:nvSpPr>
+        <p:spPr>
+          <a:xfrm>
+            <a:off x="2132965" y="2058670"/>
+            <a:ext cx="560705" cy="368300"/>
+          </a:xfrm>
+          <a:prstGeom prst="rect">
+            <a:avLst/>
+          </a:prstGeom>
+          <a:noFill/>
+        </p:spPr>
+        <p:txBody>
+          <a:bodyPr wrap="square" rtlCol="0">
+            <a:spAutoFit/>
+          </a:bodyPr>
+          <a:p>
+            <a:r>
+              <a:rPr lang="en-US" altLang="zh-CN" b="1"/>
+              <a:t>I</a:t>
+            </a:r>
+            <a:endParaRPr lang="en-US" altLang="zh-CN" b="1"/>
+          </a:p>
+        </p:txBody>
+      </p:sp>
+      <p:sp>
+        <p:nvSpPr>
+          <p:cNvPr id="12" name="文本框 11"/>
+          <p:cNvSpPr txBox="1"/>
+          <p:nvPr/>
+        </p:nvSpPr>
+        <p:spPr>
+          <a:xfrm>
+            <a:off x="2858770" y="2058670"/>
+            <a:ext cx="560705" cy="368300"/>
+          </a:xfrm>
+          <a:prstGeom prst="rect">
+            <a:avLst/>
+          </a:prstGeom>
+          <a:noFill/>
+        </p:spPr>
+        <p:txBody>
+          <a:bodyPr wrap="square" rtlCol="0">
+            <a:spAutoFit/>
+          </a:bodyPr>
+          <a:p>
+            <a:r>
+              <a:rPr lang="en-US" altLang="zh-CN" b="1"/>
+              <a:t>am</a:t>
+            </a:r>
+            <a:endParaRPr lang="en-US" altLang="zh-CN" b="1"/>
+          </a:p>
+        </p:txBody>
+      </p:sp>
+      <p:sp>
+        <p:nvSpPr>
+          <p:cNvPr id="13" name="文本框 12"/>
+          <p:cNvSpPr txBox="1"/>
+          <p:nvPr/>
+        </p:nvSpPr>
+        <p:spPr>
+          <a:xfrm>
+            <a:off x="3840480" y="2058670"/>
+            <a:ext cx="560705" cy="368300"/>
+          </a:xfrm>
+          <a:prstGeom prst="rect">
+            <a:avLst/>
+          </a:prstGeom>
+          <a:noFill/>
+        </p:spPr>
+        <p:txBody>
+          <a:bodyPr wrap="square" rtlCol="0">
+            <a:spAutoFit/>
+          </a:bodyPr>
+          <a:p>
+            <a:r>
+              <a:rPr lang="en-US" altLang="zh-CN" b="1"/>
+              <a:t>a</a:t>
+            </a:r>
+            <a:endParaRPr lang="en-US" altLang="zh-CN" b="1"/>
+          </a:p>
+        </p:txBody>
+      </p:sp>
+      <p:sp>
+        <p:nvSpPr>
+          <p:cNvPr id="14" name="文本框 13"/>
+          <p:cNvSpPr txBox="1"/>
+          <p:nvPr/>
+        </p:nvSpPr>
+        <p:spPr>
+          <a:xfrm>
+            <a:off x="4502785" y="2058670"/>
+            <a:ext cx="965835" cy="368300"/>
+          </a:xfrm>
+          <a:prstGeom prst="rect">
+            <a:avLst/>
+          </a:prstGeom>
+          <a:noFill/>
+        </p:spPr>
+        <p:txBody>
+          <a:bodyPr wrap="square" rtlCol="0">
+            <a:spAutoFit/>
+          </a:bodyPr>
+          <a:p>
+            <a:r>
+              <a:rPr lang="en-US" altLang="zh-CN" b="1"/>
+              <a:t>student</a:t>
+            </a:r>
+            <a:endParaRPr lang="en-US" altLang="zh-CN" b="1"/>
+          </a:p>
+        </p:txBody>
+      </p:sp>
+      <p:sp>
+        <p:nvSpPr>
+          <p:cNvPr id="15" name="文本框 14"/>
+          <p:cNvSpPr txBox="1"/>
+          <p:nvPr/>
+        </p:nvSpPr>
+        <p:spPr>
+          <a:xfrm>
+            <a:off x="1419860" y="2688590"/>
+            <a:ext cx="311785" cy="368300"/>
+          </a:xfrm>
+          <a:prstGeom prst="rect">
+            <a:avLst/>
+          </a:prstGeom>
+          <a:noFill/>
+        </p:spPr>
+        <p:txBody>
+          <a:bodyPr wrap="square" rtlCol="0">
+            <a:spAutoFit/>
+          </a:bodyPr>
+          <a:p>
+            <a:r>
+              <a:rPr lang="en-US" altLang="zh-CN" b="1"/>
+              <a:t>I</a:t>
+            </a:r>
+            <a:endParaRPr lang="en-US" altLang="zh-CN" b="1"/>
+          </a:p>
+        </p:txBody>
+      </p:sp>
+      <p:sp>
+        <p:nvSpPr>
+          <p:cNvPr id="16" name="文本框 15"/>
+          <p:cNvSpPr txBox="1"/>
+          <p:nvPr/>
+        </p:nvSpPr>
+        <p:spPr>
+          <a:xfrm>
+            <a:off x="1307465" y="3429000"/>
+            <a:ext cx="519430" cy="368300"/>
+          </a:xfrm>
+          <a:prstGeom prst="rect">
+            <a:avLst/>
+          </a:prstGeom>
+          <a:noFill/>
+        </p:spPr>
+        <p:txBody>
+          <a:bodyPr wrap="square" rtlCol="0">
+            <a:spAutoFit/>
+          </a:bodyPr>
+          <a:p>
+            <a:r>
+              <a:rPr lang="en-US" altLang="zh-CN" b="1"/>
+              <a:t>am</a:t>
+            </a:r>
+            <a:endParaRPr lang="en-US" altLang="zh-CN" b="1"/>
+          </a:p>
+        </p:txBody>
+      </p:sp>
+      <p:sp>
+        <p:nvSpPr>
+          <p:cNvPr id="17" name="文本框 16"/>
+          <p:cNvSpPr txBox="1"/>
+          <p:nvPr/>
+        </p:nvSpPr>
+        <p:spPr>
+          <a:xfrm>
+            <a:off x="1402715" y="4284980"/>
+            <a:ext cx="328930" cy="376555"/>
+          </a:xfrm>
+          <a:prstGeom prst="rect">
+            <a:avLst/>
+          </a:prstGeom>
+          <a:noFill/>
+        </p:spPr>
+        <p:txBody>
+          <a:bodyPr wrap="square" rtlCol="0">
+            <a:noAutofit/>
+          </a:bodyPr>
+          <a:p>
+            <a:r>
+              <a:rPr lang="en-US" altLang="zh-CN" b="1"/>
+              <a:t>a</a:t>
+            </a:r>
+            <a:endParaRPr lang="en-US" altLang="zh-CN" b="1"/>
+          </a:p>
+        </p:txBody>
+      </p:sp>
+      <p:sp>
+        <p:nvSpPr>
+          <p:cNvPr id="18" name="文本框 17"/>
+          <p:cNvSpPr txBox="1"/>
+          <p:nvPr/>
+        </p:nvSpPr>
+        <p:spPr>
+          <a:xfrm>
+            <a:off x="870585" y="5083810"/>
+            <a:ext cx="958215" cy="368300"/>
+          </a:xfrm>
+          <a:prstGeom prst="rect">
+            <a:avLst/>
+          </a:prstGeom>
+          <a:noFill/>
+        </p:spPr>
+        <p:txBody>
+          <a:bodyPr wrap="square" rtlCol="0">
+            <a:spAutoFit/>
+          </a:bodyPr>
+          <a:p>
+            <a:r>
+              <a:rPr lang="en-US" altLang="zh-CN" b="1"/>
+              <a:t>student</a:t>
+            </a:r>
+            <a:endParaRPr lang="en-US" altLang="zh-CN" b="1"/>
+          </a:p>
+        </p:txBody>
+      </p:sp>
+      <p:graphicFrame>
+        <p:nvGraphicFramePr>
+          <p:cNvPr id="19" name="表格 18"/>
+          <p:cNvGraphicFramePr/>
+          <p:nvPr>
+            <p:custDataLst>
+              <p:tags r:id="rId2"/>
+            </p:custDataLst>
+          </p:nvPr>
+        </p:nvGraphicFramePr>
+        <p:xfrm>
+          <a:off x="6865620" y="2520315"/>
+          <a:ext cx="3568700" cy="3081020"/>
+        </p:xfrm>
+        <a:graphic>
+          <a:graphicData uri="http://schemas.openxmlformats.org/drawingml/2006/table">
+            <a:tbl>
+              <a:tblPr firstRow="1" bandRow="1">
+                <a:tableStyleId>{5C22544A-7EE6-4342-B048-85BDC9FD1C3A}</a:tableStyleId>
+              </a:tblPr>
+              <a:tblGrid>
+                <a:gridCol w="892175"/>
+                <a:gridCol w="892175"/>
+                <a:gridCol w="892175"/>
+                <a:gridCol w="892175"/>
+              </a:tblGrid>
+              <a:tr h="770255">
+                <a:tc>
+                  <a:txBody>
+                    <a:bodyPr/>
+                    <a:p>
+                      <a:pPr algn="ctr">
+                        <a:buNone/>
+                      </a:pPr>
+                      <a:r>
+                        <a:rPr lang="en-US" altLang="zh-CN" b="0">
+                          <a:solidFill>
+                            <a:schemeClr val="tx1"/>
+                          </a:solidFill>
+                        </a:rPr>
+                        <a:t>0.6</a:t>
+                      </a:r>
+                      <a:endParaRPr lang="en-US" altLang="zh-CN" b="0">
+                        <a:solidFill>
+                          <a:schemeClr val="tx1"/>
+                        </a:solidFill>
+                      </a:endParaRPr>
+                    </a:p>
+                  </a:txBody>
+                  <a:tcPr anchor="ctr" anchorCtr="1">
+                    <a:lnL w="38100">
+                      <a:solidFill>
+                        <a:schemeClr val="tx1"/>
+                      </a:solidFill>
+                      <a:prstDash val="solid"/>
+                    </a:lnL>
+                    <a:lnR w="38100">
+                      <a:solidFill>
+                        <a:schemeClr val="tx1"/>
+                      </a:solidFill>
+                      <a:prstDash val="solid"/>
+                    </a:lnR>
+                    <a:lnT w="38100">
+                      <a:solidFill>
+                        <a:schemeClr val="tx1"/>
+                      </a:solidFill>
+                      <a:prstDash val="solid"/>
+                    </a:lnT>
+                    <a:lnB w="38100">
+                      <a:solidFill>
+                        <a:schemeClr val="tx1"/>
+                      </a:solidFill>
+                      <a:prstDash val="solid"/>
+                    </a:lnB>
+                    <a:solidFill>
+                      <a:schemeClr val="bg1"/>
+                    </a:solidFill>
+                  </a:tcPr>
+                </a:tc>
+                <a:tc>
+                  <a:txBody>
+                    <a:bodyPr/>
+                    <a:p>
+                      <a:pPr>
+                        <a:buNone/>
+                      </a:pPr>
+                      <a:r>
+                        <a:rPr lang="en-US" altLang="zh-CN" b="0">
+                          <a:solidFill>
+                            <a:schemeClr val="tx1"/>
+                          </a:solidFill>
+                        </a:rPr>
+                        <a:t>0.3</a:t>
+                      </a:r>
+                      <a:endParaRPr lang="en-US" altLang="zh-CN" b="0">
+                        <a:solidFill>
+                          <a:schemeClr val="tx1"/>
+                        </a:solidFill>
+                      </a:endParaRPr>
+                    </a:p>
+                  </a:txBody>
+                  <a:tcPr anchor="ctr" anchorCtr="1">
+                    <a:lnL w="38100">
+                      <a:solidFill>
+                        <a:schemeClr val="tx1"/>
+                      </a:solidFill>
+                      <a:prstDash val="solid"/>
+                    </a:lnL>
+                    <a:lnR w="38100">
+                      <a:solidFill>
+                        <a:schemeClr val="tx1"/>
+                      </a:solidFill>
+                      <a:prstDash val="solid"/>
+                    </a:lnR>
+                    <a:lnT w="38100">
+                      <a:solidFill>
+                        <a:schemeClr val="tx1"/>
+                      </a:solidFill>
+                      <a:prstDash val="solid"/>
+                    </a:lnT>
+                    <a:lnB w="38100">
+                      <a:solidFill>
+                        <a:schemeClr val="tx1"/>
+                      </a:solidFill>
+                      <a:prstDash val="solid"/>
+                    </a:lnB>
+                    <a:solidFill>
+                      <a:schemeClr val="bg1"/>
+                    </a:solidFill>
+                  </a:tcPr>
+                </a:tc>
+                <a:tc>
+                  <a:txBody>
+                    <a:bodyPr/>
+                    <a:p>
+                      <a:pPr>
+                        <a:buNone/>
+                      </a:pPr>
+                      <a:r>
+                        <a:rPr lang="en-US" altLang="zh-CN" b="0">
+                          <a:solidFill>
+                            <a:schemeClr val="tx1"/>
+                          </a:solidFill>
+                        </a:rPr>
+                        <a:t>0.15</a:t>
+                      </a:r>
+                      <a:endParaRPr lang="en-US" altLang="zh-CN" b="0">
+                        <a:solidFill>
+                          <a:schemeClr val="tx1"/>
+                        </a:solidFill>
+                      </a:endParaRPr>
+                    </a:p>
+                  </a:txBody>
+                  <a:tcPr anchor="ctr" anchorCtr="1">
+                    <a:lnL w="38100">
+                      <a:solidFill>
+                        <a:schemeClr val="tx1"/>
+                      </a:solidFill>
+                      <a:prstDash val="solid"/>
+                    </a:lnL>
+                    <a:lnR w="38100">
+                      <a:solidFill>
+                        <a:schemeClr val="tx1"/>
+                      </a:solidFill>
+                      <a:prstDash val="solid"/>
+                    </a:lnR>
+                    <a:lnT w="38100">
+                      <a:solidFill>
+                        <a:schemeClr val="tx1"/>
+                      </a:solidFill>
+                      <a:prstDash val="solid"/>
+                    </a:lnT>
+                    <a:lnB w="38100">
+                      <a:solidFill>
+                        <a:schemeClr val="tx1"/>
+                      </a:solidFill>
+                      <a:prstDash val="solid"/>
+                    </a:lnB>
+                    <a:solidFill>
+                      <a:schemeClr val="bg1"/>
+                    </a:solidFill>
+                  </a:tcPr>
+                </a:tc>
+                <a:tc>
+                  <a:txBody>
+                    <a:bodyPr/>
+                    <a:p>
+                      <a:pPr>
+                        <a:buNone/>
+                      </a:pPr>
+                      <a:r>
+                        <a:rPr lang="en-US" altLang="zh-CN" b="0">
+                          <a:solidFill>
+                            <a:schemeClr val="tx1"/>
+                          </a:solidFill>
+                        </a:rPr>
+                        <a:t>0.15</a:t>
+                      </a:r>
+                      <a:endParaRPr lang="en-US" altLang="zh-CN" b="0">
+                        <a:ln w="28575" cmpd="sng">
+                          <a:solidFill>
+                            <a:schemeClr val="tx1"/>
+                          </a:solidFill>
+                          <a:prstDash val="solid"/>
+                        </a:ln>
+                        <a:solidFill>
+                          <a:schemeClr val="tx1"/>
+                        </a:solidFill>
+                      </a:endParaRPr>
+                    </a:p>
+                  </a:txBody>
+                  <a:tcPr anchor="ctr" anchorCtr="1">
+                    <a:lnL w="38100">
+                      <a:solidFill>
+                        <a:schemeClr val="tx1"/>
+                      </a:solidFill>
+                      <a:prstDash val="solid"/>
+                    </a:lnL>
+                    <a:lnR w="38100">
+                      <a:solidFill>
+                        <a:schemeClr val="tx1"/>
+                      </a:solidFill>
+                      <a:prstDash val="solid"/>
+                    </a:lnR>
+                    <a:lnT w="38100">
+                      <a:solidFill>
+                        <a:schemeClr val="tx1"/>
+                      </a:solidFill>
+                      <a:prstDash val="solid"/>
+                    </a:lnT>
+                    <a:lnB w="38100">
+                      <a:solidFill>
+                        <a:schemeClr val="tx1"/>
+                      </a:solidFill>
+                      <a:prstDash val="solid"/>
+                    </a:lnB>
+                    <a:solidFill>
+                      <a:schemeClr val="bg1"/>
+                    </a:solidFill>
+                  </a:tcPr>
+                </a:tc>
+              </a:tr>
+              <a:tr h="770255">
+                <a:tc>
+                  <a:txBody>
+                    <a:bodyPr/>
+                    <a:p>
+                      <a:pPr>
+                        <a:buNone/>
+                      </a:pPr>
+                      <a:r>
+                        <a:rPr lang="en-US" altLang="zh-CN" b="0">
+                          <a:solidFill>
+                            <a:schemeClr val="tx1"/>
+                          </a:solidFill>
+                        </a:rPr>
+                        <a:t>0.24</a:t>
+                      </a:r>
+                      <a:endParaRPr lang="en-US" altLang="zh-CN" b="0">
+                        <a:solidFill>
+                          <a:schemeClr val="tx1"/>
+                        </a:solidFill>
+                      </a:endParaRPr>
+                    </a:p>
+                  </a:txBody>
+                  <a:tcPr anchor="ctr" anchorCtr="1">
+                    <a:lnL w="38100">
+                      <a:solidFill>
+                        <a:schemeClr val="tx1"/>
+                      </a:solidFill>
+                      <a:prstDash val="solid"/>
+                    </a:lnL>
+                    <a:lnR w="38100">
+                      <a:solidFill>
+                        <a:schemeClr val="tx1"/>
+                      </a:solidFill>
+                      <a:prstDash val="solid"/>
+                    </a:lnR>
+                    <a:lnT w="38100">
+                      <a:solidFill>
+                        <a:schemeClr val="tx1"/>
+                      </a:solidFill>
+                      <a:prstDash val="solid"/>
+                    </a:lnT>
+                    <a:lnB w="38100">
+                      <a:solidFill>
+                        <a:schemeClr val="tx1"/>
+                      </a:solidFill>
+                      <a:prstDash val="solid"/>
+                    </a:lnB>
+                    <a:solidFill>
+                      <a:schemeClr val="bg1"/>
+                    </a:solidFill>
+                  </a:tcPr>
+                </a:tc>
+                <a:tc>
+                  <a:txBody>
+                    <a:bodyPr/>
+                    <a:p>
+                      <a:pPr>
+                        <a:buNone/>
+                      </a:pPr>
+                      <a:r>
+                        <a:rPr lang="en-US" altLang="zh-CN" b="0">
+                          <a:solidFill>
+                            <a:schemeClr val="tx1"/>
+                          </a:solidFill>
+                        </a:rPr>
+                        <a:t>92</a:t>
+                      </a:r>
+                      <a:endParaRPr lang="en-US" altLang="zh-CN" b="0">
+                        <a:solidFill>
+                          <a:schemeClr val="tx1"/>
+                        </a:solidFill>
+                      </a:endParaRPr>
+                    </a:p>
+                  </a:txBody>
+                  <a:tcPr anchor="ctr" anchorCtr="1">
+                    <a:lnL w="38100">
+                      <a:solidFill>
+                        <a:schemeClr val="tx1"/>
+                      </a:solidFill>
+                      <a:prstDash val="solid"/>
+                    </a:lnL>
+                    <a:lnR w="38100">
+                      <a:solidFill>
+                        <a:schemeClr val="tx1"/>
+                      </a:solidFill>
+                      <a:prstDash val="solid"/>
+                    </a:lnR>
+                    <a:lnT w="38100">
+                      <a:solidFill>
+                        <a:schemeClr val="tx1"/>
+                      </a:solidFill>
+                      <a:prstDash val="solid"/>
+                    </a:lnT>
+                    <a:lnB w="38100">
+                      <a:solidFill>
+                        <a:schemeClr val="tx1"/>
+                      </a:solidFill>
+                      <a:prstDash val="solid"/>
+                    </a:lnB>
+                    <a:solidFill>
+                      <a:schemeClr val="bg1"/>
+                    </a:solidFill>
+                  </a:tcPr>
+                </a:tc>
+                <a:tc>
+                  <a:txBody>
+                    <a:bodyPr/>
+                    <a:p>
+                      <a:pPr>
+                        <a:buNone/>
+                      </a:pPr>
+                      <a:r>
+                        <a:rPr lang="en-US" altLang="zh-CN" b="0">
+                          <a:solidFill>
+                            <a:schemeClr val="tx1"/>
+                          </a:solidFill>
+                        </a:rPr>
+                        <a:t>82</a:t>
+                      </a:r>
+                      <a:endParaRPr lang="en-US" altLang="zh-CN" b="0">
+                        <a:solidFill>
+                          <a:schemeClr val="tx1"/>
+                        </a:solidFill>
+                      </a:endParaRPr>
+                    </a:p>
+                  </a:txBody>
+                  <a:tcPr anchor="ctr" anchorCtr="1">
+                    <a:lnL w="38100">
+                      <a:solidFill>
+                        <a:schemeClr val="tx1"/>
+                      </a:solidFill>
+                      <a:prstDash val="solid"/>
+                    </a:lnL>
+                    <a:lnR w="38100">
+                      <a:solidFill>
+                        <a:schemeClr val="tx1"/>
+                      </a:solidFill>
+                      <a:prstDash val="solid"/>
+                    </a:lnR>
+                    <a:lnT w="38100">
+                      <a:solidFill>
+                        <a:schemeClr val="tx1"/>
+                      </a:solidFill>
+                      <a:prstDash val="solid"/>
+                    </a:lnT>
+                    <a:lnB w="38100">
+                      <a:solidFill>
+                        <a:schemeClr val="tx1"/>
+                      </a:solidFill>
+                      <a:prstDash val="solid"/>
+                    </a:lnB>
+                    <a:solidFill>
+                      <a:schemeClr val="bg1"/>
+                    </a:solidFill>
+                  </a:tcPr>
+                </a:tc>
+                <a:tc>
+                  <a:txBody>
+                    <a:bodyPr/>
+                    <a:p>
+                      <a:pPr>
+                        <a:buNone/>
+                      </a:pPr>
+                      <a:r>
+                        <a:rPr lang="en-US" altLang="zh-CN" b="0">
+                          <a:solidFill>
+                            <a:schemeClr val="tx1"/>
+                          </a:solidFill>
+                        </a:rPr>
+                        <a:t>58</a:t>
+                      </a:r>
+                      <a:endParaRPr lang="en-US" altLang="zh-CN" b="0">
+                        <a:solidFill>
+                          <a:schemeClr val="tx1"/>
+                        </a:solidFill>
+                      </a:endParaRPr>
+                    </a:p>
+                  </a:txBody>
+                  <a:tcPr anchor="ctr" anchorCtr="1">
+                    <a:lnL w="38100">
+                      <a:solidFill>
+                        <a:schemeClr val="tx1"/>
+                      </a:solidFill>
+                      <a:prstDash val="solid"/>
+                    </a:lnL>
+                    <a:lnR w="38100">
+                      <a:solidFill>
+                        <a:schemeClr val="tx1"/>
+                      </a:solidFill>
+                      <a:prstDash val="solid"/>
+                    </a:lnR>
+                    <a:lnT w="38100">
+                      <a:solidFill>
+                        <a:schemeClr val="tx1"/>
+                      </a:solidFill>
+                      <a:prstDash val="solid"/>
+                    </a:lnT>
+                    <a:lnB w="38100">
+                      <a:solidFill>
+                        <a:schemeClr val="tx1"/>
+                      </a:solidFill>
+                      <a:prstDash val="solid"/>
+                    </a:lnB>
+                    <a:solidFill>
+                      <a:schemeClr val="bg1"/>
+                    </a:solidFill>
+                  </a:tcPr>
+                </a:tc>
+              </a:tr>
+              <a:tr h="770255">
+                <a:tc>
+                  <a:txBody>
+                    <a:bodyPr/>
+                    <a:p>
+                      <a:pPr>
+                        <a:buNone/>
+                      </a:pPr>
+                      <a:r>
+                        <a:rPr lang="en-US" altLang="zh-CN" b="0">
+                          <a:solidFill>
+                            <a:schemeClr val="tx1"/>
+                          </a:solidFill>
+                        </a:rPr>
+                        <a:t>50</a:t>
+                      </a:r>
+                      <a:endParaRPr lang="en-US" altLang="zh-CN" b="0">
+                        <a:solidFill>
+                          <a:schemeClr val="tx1"/>
+                        </a:solidFill>
+                      </a:endParaRPr>
+                    </a:p>
+                  </a:txBody>
+                  <a:tcPr anchor="ctr" anchorCtr="1">
+                    <a:lnL w="38100">
+                      <a:solidFill>
+                        <a:schemeClr val="tx1"/>
+                      </a:solidFill>
+                      <a:prstDash val="solid"/>
+                    </a:lnL>
+                    <a:lnR w="38100">
+                      <a:solidFill>
+                        <a:schemeClr val="tx1"/>
+                      </a:solidFill>
+                      <a:prstDash val="solid"/>
+                    </a:lnR>
+                    <a:lnT w="38100">
+                      <a:solidFill>
+                        <a:schemeClr val="tx1"/>
+                      </a:solidFill>
+                      <a:prstDash val="solid"/>
+                    </a:lnT>
+                    <a:lnB w="38100">
+                      <a:solidFill>
+                        <a:schemeClr val="tx1"/>
+                      </a:solidFill>
+                      <a:prstDash val="solid"/>
+                    </a:lnB>
+                    <a:solidFill>
+                      <a:schemeClr val="bg1"/>
+                    </a:solidFill>
+                  </a:tcPr>
+                </a:tc>
+                <a:tc>
+                  <a:txBody>
+                    <a:bodyPr/>
+                    <a:p>
+                      <a:pPr>
+                        <a:buNone/>
+                      </a:pPr>
+                      <a:r>
+                        <a:rPr lang="en-US" altLang="zh-CN" b="0">
+                          <a:solidFill>
+                            <a:schemeClr val="tx1"/>
+                          </a:solidFill>
+                        </a:rPr>
+                        <a:t>61</a:t>
+                      </a:r>
+                      <a:endParaRPr lang="en-US" altLang="zh-CN" b="0">
+                        <a:solidFill>
+                          <a:schemeClr val="tx1"/>
+                        </a:solidFill>
+                      </a:endParaRPr>
+                    </a:p>
+                  </a:txBody>
+                  <a:tcPr anchor="ctr" anchorCtr="1">
+                    <a:lnL w="38100">
+                      <a:solidFill>
+                        <a:schemeClr val="tx1"/>
+                      </a:solidFill>
+                      <a:prstDash val="solid"/>
+                    </a:lnL>
+                    <a:lnR w="38100">
+                      <a:solidFill>
+                        <a:schemeClr val="tx1"/>
+                      </a:solidFill>
+                      <a:prstDash val="solid"/>
+                    </a:lnR>
+                    <a:lnT w="38100">
+                      <a:solidFill>
+                        <a:schemeClr val="tx1"/>
+                      </a:solidFill>
+                      <a:prstDash val="solid"/>
+                    </a:lnT>
+                    <a:lnB w="38100">
+                      <a:solidFill>
+                        <a:schemeClr val="tx1"/>
+                      </a:solidFill>
+                      <a:prstDash val="solid"/>
+                    </a:lnB>
+                    <a:solidFill>
+                      <a:schemeClr val="bg1"/>
+                    </a:solidFill>
+                  </a:tcPr>
+                </a:tc>
+                <a:tc>
+                  <a:txBody>
+                    <a:bodyPr/>
+                    <a:p>
+                      <a:pPr>
+                        <a:buNone/>
+                      </a:pPr>
+                      <a:r>
+                        <a:rPr lang="en-US" altLang="zh-CN" b="0">
+                          <a:solidFill>
+                            <a:schemeClr val="tx1"/>
+                          </a:solidFill>
+                        </a:rPr>
+                        <a:t>90</a:t>
+                      </a:r>
+                      <a:endParaRPr lang="en-US" altLang="zh-CN" b="0">
+                        <a:solidFill>
+                          <a:schemeClr val="tx1"/>
+                        </a:solidFill>
+                      </a:endParaRPr>
+                    </a:p>
+                  </a:txBody>
+                  <a:tcPr anchor="ctr" anchorCtr="1">
+                    <a:lnL w="38100">
+                      <a:solidFill>
+                        <a:schemeClr val="tx1"/>
+                      </a:solidFill>
+                      <a:prstDash val="solid"/>
+                    </a:lnL>
+                    <a:lnR w="38100">
+                      <a:solidFill>
+                        <a:schemeClr val="tx1"/>
+                      </a:solidFill>
+                      <a:prstDash val="solid"/>
+                    </a:lnR>
+                    <a:lnT w="38100">
+                      <a:solidFill>
+                        <a:schemeClr val="tx1"/>
+                      </a:solidFill>
+                      <a:prstDash val="solid"/>
+                    </a:lnT>
+                    <a:lnB w="38100">
+                      <a:solidFill>
+                        <a:schemeClr val="tx1"/>
+                      </a:solidFill>
+                      <a:prstDash val="solid"/>
+                    </a:lnB>
+                    <a:solidFill>
+                      <a:schemeClr val="bg1"/>
+                    </a:solidFill>
+                  </a:tcPr>
+                </a:tc>
+                <a:tc>
+                  <a:txBody>
+                    <a:bodyPr/>
+                    <a:p>
+                      <a:pPr>
+                        <a:buNone/>
+                      </a:pPr>
+                      <a:r>
+                        <a:rPr lang="en-US" altLang="zh-CN" b="0">
+                          <a:solidFill>
+                            <a:schemeClr val="tx1"/>
+                          </a:solidFill>
+                        </a:rPr>
+                        <a:t>82</a:t>
+                      </a:r>
+                      <a:endParaRPr lang="en-US" altLang="zh-CN" b="0">
+                        <a:solidFill>
+                          <a:schemeClr val="tx1"/>
+                        </a:solidFill>
+                      </a:endParaRPr>
+                    </a:p>
+                  </a:txBody>
+                  <a:tcPr anchor="ctr" anchorCtr="1">
+                    <a:lnL w="38100">
+                      <a:solidFill>
+                        <a:schemeClr val="tx1"/>
+                      </a:solidFill>
+                      <a:prstDash val="solid"/>
+                    </a:lnL>
+                    <a:lnR w="38100">
+                      <a:solidFill>
+                        <a:schemeClr val="tx1"/>
+                      </a:solidFill>
+                      <a:prstDash val="solid"/>
+                    </a:lnR>
+                    <a:lnT w="38100">
+                      <a:solidFill>
+                        <a:schemeClr val="tx1"/>
+                      </a:solidFill>
+                      <a:prstDash val="solid"/>
+                    </a:lnT>
+                    <a:lnB w="38100">
+                      <a:solidFill>
+                        <a:schemeClr val="tx1"/>
+                      </a:solidFill>
+                      <a:prstDash val="solid"/>
+                    </a:lnB>
+                    <a:lnTlToBr>
+                      <a:noFill/>
+                    </a:lnTlToBr>
+                    <a:lnBlToTr>
+                      <a:noFill/>
+                    </a:lnBlToTr>
+                    <a:solidFill>
+                      <a:schemeClr val="bg1"/>
+                    </a:solidFill>
+                  </a:tcPr>
+                </a:tc>
+              </a:tr>
+              <a:tr h="770255">
+                <a:tc>
+                  <a:txBody>
+                    <a:bodyPr/>
+                    <a:p>
+                      <a:pPr>
+                        <a:buNone/>
+                      </a:pPr>
+                      <a:r>
+                        <a:rPr lang="en-US" altLang="zh-CN" b="0">
+                          <a:solidFill>
+                            <a:schemeClr val="tx1"/>
+                          </a:solidFill>
+                        </a:rPr>
+                        <a:t>52</a:t>
+                      </a:r>
+                      <a:endParaRPr lang="en-US" altLang="zh-CN" b="0">
+                        <a:solidFill>
+                          <a:schemeClr val="tx1"/>
+                        </a:solidFill>
+                      </a:endParaRPr>
+                    </a:p>
+                  </a:txBody>
+                  <a:tcPr anchor="ctr" anchorCtr="1">
+                    <a:lnL w="38100">
+                      <a:solidFill>
+                        <a:schemeClr val="tx1"/>
+                      </a:solidFill>
+                      <a:prstDash val="solid"/>
+                    </a:lnL>
+                    <a:lnR w="38100">
+                      <a:solidFill>
+                        <a:schemeClr val="tx1"/>
+                      </a:solidFill>
+                      <a:prstDash val="solid"/>
+                    </a:lnR>
+                    <a:lnT w="38100">
+                      <a:solidFill>
+                        <a:schemeClr val="tx1"/>
+                      </a:solidFill>
+                      <a:prstDash val="solid"/>
+                    </a:lnT>
+                    <a:lnB w="38100">
+                      <a:solidFill>
+                        <a:schemeClr val="tx1"/>
+                      </a:solidFill>
+                      <a:prstDash val="solid"/>
+                    </a:lnB>
+                    <a:solidFill>
+                      <a:schemeClr val="bg1"/>
+                    </a:solidFill>
+                  </a:tcPr>
+                </a:tc>
+                <a:tc>
+                  <a:txBody>
+                    <a:bodyPr/>
+                    <a:p>
+                      <a:pPr>
+                        <a:buNone/>
+                      </a:pPr>
+                      <a:r>
+                        <a:rPr lang="en-US" altLang="zh-CN" b="0">
+                          <a:solidFill>
+                            <a:schemeClr val="tx1"/>
+                          </a:solidFill>
+                        </a:rPr>
+                        <a:t>57</a:t>
+                      </a:r>
+                      <a:endParaRPr lang="en-US" altLang="zh-CN" b="0">
+                        <a:solidFill>
+                          <a:schemeClr val="tx1"/>
+                        </a:solidFill>
+                      </a:endParaRPr>
+                    </a:p>
+                  </a:txBody>
+                  <a:tcPr anchor="ctr" anchorCtr="1">
+                    <a:lnL w="38100">
+                      <a:solidFill>
+                        <a:schemeClr val="tx1"/>
+                      </a:solidFill>
+                      <a:prstDash val="solid"/>
+                    </a:lnL>
+                    <a:lnR w="38100">
+                      <a:solidFill>
+                        <a:schemeClr val="tx1"/>
+                      </a:solidFill>
+                      <a:prstDash val="solid"/>
+                    </a:lnR>
+                    <a:lnT w="38100">
+                      <a:solidFill>
+                        <a:schemeClr val="tx1"/>
+                      </a:solidFill>
+                      <a:prstDash val="solid"/>
+                    </a:lnT>
+                    <a:lnB w="38100">
+                      <a:solidFill>
+                        <a:schemeClr val="tx1"/>
+                      </a:solidFill>
+                      <a:prstDash val="solid"/>
+                    </a:lnB>
+                    <a:solidFill>
+                      <a:schemeClr val="bg1"/>
+                    </a:solidFill>
+                  </a:tcPr>
+                </a:tc>
+                <a:tc>
+                  <a:txBody>
+                    <a:bodyPr/>
+                    <a:p>
+                      <a:pPr>
+                        <a:buNone/>
+                      </a:pPr>
+                      <a:r>
+                        <a:rPr lang="en-US" altLang="zh-CN" b="0">
+                          <a:solidFill>
+                            <a:schemeClr val="tx1"/>
+                          </a:solidFill>
+                        </a:rPr>
+                        <a:t>86</a:t>
+                      </a:r>
+                      <a:endParaRPr lang="en-US" altLang="zh-CN" b="0">
+                        <a:solidFill>
+                          <a:schemeClr val="tx1"/>
+                        </a:solidFill>
+                      </a:endParaRPr>
+                    </a:p>
+                  </a:txBody>
+                  <a:tcPr anchor="ctr" anchorCtr="1">
+                    <a:lnL w="38100">
+                      <a:solidFill>
+                        <a:schemeClr val="tx1"/>
+                      </a:solidFill>
+                      <a:prstDash val="solid"/>
+                    </a:lnL>
+                    <a:lnR w="38100">
+                      <a:solidFill>
+                        <a:schemeClr val="tx1"/>
+                      </a:solidFill>
+                      <a:prstDash val="solid"/>
+                    </a:lnR>
+                    <a:lnT w="38100">
+                      <a:solidFill>
+                        <a:schemeClr val="tx1"/>
+                      </a:solidFill>
+                      <a:prstDash val="solid"/>
+                    </a:lnT>
+                    <a:lnB w="38100">
+                      <a:solidFill>
+                        <a:schemeClr val="tx1"/>
+                      </a:solidFill>
+                      <a:prstDash val="solid"/>
+                    </a:lnB>
+                    <a:solidFill>
+                      <a:schemeClr val="bg1"/>
+                    </a:solidFill>
+                  </a:tcPr>
+                </a:tc>
+                <a:tc>
+                  <a:txBody>
+                    <a:bodyPr/>
+                    <a:p>
+                      <a:pPr>
+                        <a:buNone/>
+                      </a:pPr>
+                      <a:r>
+                        <a:rPr lang="en-US" altLang="zh-CN" b="0">
+                          <a:solidFill>
+                            <a:schemeClr val="tx1"/>
+                          </a:solidFill>
+                        </a:rPr>
+                        <a:t>93</a:t>
+                      </a:r>
+                      <a:endParaRPr lang="en-US" altLang="zh-CN" b="0">
+                        <a:solidFill>
+                          <a:schemeClr val="tx1"/>
+                        </a:solidFill>
+                      </a:endParaRPr>
+                    </a:p>
+                  </a:txBody>
+                  <a:tcPr anchor="ctr" anchorCtr="1">
+                    <a:lnL w="38100">
+                      <a:solidFill>
+                        <a:schemeClr val="tx1"/>
+                      </a:solidFill>
+                      <a:prstDash val="solid"/>
+                    </a:lnL>
+                    <a:lnR w="38100">
+                      <a:solidFill>
+                        <a:schemeClr val="tx1"/>
+                      </a:solidFill>
+                      <a:prstDash val="solid"/>
+                    </a:lnR>
+                    <a:lnT w="38100">
+                      <a:solidFill>
+                        <a:schemeClr val="tx1"/>
+                      </a:solidFill>
+                      <a:prstDash val="solid"/>
+                    </a:lnT>
+                    <a:lnB w="38100">
+                      <a:solidFill>
+                        <a:schemeClr val="tx1"/>
+                      </a:solidFill>
+                      <a:prstDash val="solid"/>
+                    </a:lnB>
+                    <a:solidFill>
+                      <a:schemeClr val="bg1"/>
+                    </a:solidFill>
+                  </a:tcPr>
+                </a:tc>
+              </a:tr>
+            </a:tbl>
+          </a:graphicData>
+        </a:graphic>
+      </p:graphicFrame>
+      <p:sp>
+        <p:nvSpPr>
+          <p:cNvPr id="20" name="文本框 19"/>
+          <p:cNvSpPr txBox="1"/>
+          <p:nvPr/>
+        </p:nvSpPr>
+        <p:spPr>
+          <a:xfrm>
+            <a:off x="7169785" y="2058670"/>
+            <a:ext cx="560705" cy="368300"/>
+          </a:xfrm>
+          <a:prstGeom prst="rect">
+            <a:avLst/>
+          </a:prstGeom>
+          <a:noFill/>
+        </p:spPr>
+        <p:txBody>
+          <a:bodyPr wrap="square" rtlCol="0">
+            <a:spAutoFit/>
+          </a:bodyPr>
+          <a:p>
+            <a:r>
+              <a:rPr lang="en-US" altLang="zh-CN" b="1"/>
+              <a:t>I</a:t>
+            </a:r>
+            <a:endParaRPr lang="en-US" altLang="zh-CN" b="1"/>
+          </a:p>
+        </p:txBody>
+      </p:sp>
+      <p:sp>
+        <p:nvSpPr>
+          <p:cNvPr id="21" name="文本框 20"/>
+          <p:cNvSpPr txBox="1"/>
+          <p:nvPr/>
+        </p:nvSpPr>
+        <p:spPr>
+          <a:xfrm>
+            <a:off x="7895590" y="2058670"/>
+            <a:ext cx="560705" cy="368300"/>
+          </a:xfrm>
+          <a:prstGeom prst="rect">
+            <a:avLst/>
+          </a:prstGeom>
+          <a:noFill/>
+        </p:spPr>
+        <p:txBody>
+          <a:bodyPr wrap="square" rtlCol="0">
+            <a:spAutoFit/>
+          </a:bodyPr>
+          <a:p>
+            <a:r>
+              <a:rPr lang="en-US" altLang="zh-CN" b="1"/>
+              <a:t>am</a:t>
+            </a:r>
+            <a:endParaRPr lang="en-US" altLang="zh-CN" b="1"/>
+          </a:p>
+        </p:txBody>
+      </p:sp>
+      <p:sp>
+        <p:nvSpPr>
+          <p:cNvPr id="22" name="文本框 21"/>
+          <p:cNvSpPr txBox="1"/>
+          <p:nvPr/>
+        </p:nvSpPr>
+        <p:spPr>
+          <a:xfrm>
+            <a:off x="8877300" y="2058670"/>
+            <a:ext cx="560705" cy="368300"/>
+          </a:xfrm>
+          <a:prstGeom prst="rect">
+            <a:avLst/>
+          </a:prstGeom>
+          <a:noFill/>
+        </p:spPr>
+        <p:txBody>
+          <a:bodyPr wrap="square" rtlCol="0">
+            <a:spAutoFit/>
+          </a:bodyPr>
+          <a:p>
+            <a:r>
+              <a:rPr lang="en-US" altLang="zh-CN" b="1"/>
+              <a:t>a</a:t>
+            </a:r>
+            <a:endParaRPr lang="en-US" altLang="zh-CN" b="1"/>
+          </a:p>
+        </p:txBody>
+      </p:sp>
+      <p:sp>
+        <p:nvSpPr>
+          <p:cNvPr id="23" name="文本框 22"/>
+          <p:cNvSpPr txBox="1"/>
+          <p:nvPr/>
+        </p:nvSpPr>
+        <p:spPr>
+          <a:xfrm>
+            <a:off x="9539605" y="2058670"/>
+            <a:ext cx="965835" cy="368300"/>
+          </a:xfrm>
+          <a:prstGeom prst="rect">
+            <a:avLst/>
+          </a:prstGeom>
+          <a:noFill/>
+        </p:spPr>
+        <p:txBody>
+          <a:bodyPr wrap="square" rtlCol="0">
+            <a:spAutoFit/>
+          </a:bodyPr>
+          <a:p>
+            <a:r>
+              <a:rPr lang="en-US" altLang="zh-CN" b="1"/>
+              <a:t>student</a:t>
+            </a:r>
+            <a:endParaRPr lang="en-US" altLang="zh-CN" b="1"/>
+          </a:p>
+        </p:txBody>
+      </p:sp>
+      <p:sp>
+        <p:nvSpPr>
+          <p:cNvPr id="24" name="文本框 23"/>
+          <p:cNvSpPr txBox="1"/>
+          <p:nvPr/>
+        </p:nvSpPr>
+        <p:spPr>
+          <a:xfrm>
+            <a:off x="6456680" y="2688590"/>
+            <a:ext cx="311785" cy="368300"/>
+          </a:xfrm>
+          <a:prstGeom prst="rect">
+            <a:avLst/>
+          </a:prstGeom>
+          <a:noFill/>
+        </p:spPr>
+        <p:txBody>
+          <a:bodyPr wrap="square" rtlCol="0">
+            <a:spAutoFit/>
+          </a:bodyPr>
+          <a:p>
+            <a:r>
+              <a:rPr lang="en-US" altLang="zh-CN" b="1"/>
+              <a:t>I</a:t>
+            </a:r>
+            <a:endParaRPr lang="en-US" altLang="zh-CN" b="1"/>
+          </a:p>
+        </p:txBody>
+      </p:sp>
+      <p:sp>
+        <p:nvSpPr>
+          <p:cNvPr id="25" name="文本框 24"/>
+          <p:cNvSpPr txBox="1"/>
+          <p:nvPr/>
+        </p:nvSpPr>
+        <p:spPr>
+          <a:xfrm>
+            <a:off x="6344285" y="3429000"/>
+            <a:ext cx="519430" cy="368300"/>
+          </a:xfrm>
+          <a:prstGeom prst="rect">
+            <a:avLst/>
+          </a:prstGeom>
+          <a:noFill/>
+        </p:spPr>
+        <p:txBody>
+          <a:bodyPr wrap="square" rtlCol="0">
+            <a:spAutoFit/>
+          </a:bodyPr>
+          <a:p>
+            <a:r>
+              <a:rPr lang="en-US" altLang="zh-CN" b="1"/>
+              <a:t>am</a:t>
+            </a:r>
+            <a:endParaRPr lang="en-US" altLang="zh-CN" b="1"/>
+          </a:p>
+        </p:txBody>
+      </p:sp>
+      <p:sp>
+        <p:nvSpPr>
+          <p:cNvPr id="26" name="文本框 25"/>
+          <p:cNvSpPr txBox="1"/>
+          <p:nvPr/>
+        </p:nvSpPr>
+        <p:spPr>
+          <a:xfrm>
+            <a:off x="6439535" y="4284980"/>
+            <a:ext cx="328930" cy="376555"/>
+          </a:xfrm>
+          <a:prstGeom prst="rect">
+            <a:avLst/>
+          </a:prstGeom>
+          <a:noFill/>
+        </p:spPr>
+        <p:txBody>
+          <a:bodyPr wrap="square" rtlCol="0">
+            <a:noAutofit/>
+          </a:bodyPr>
+          <a:p>
+            <a:r>
+              <a:rPr lang="en-US" altLang="zh-CN" b="1"/>
+              <a:t>a</a:t>
+            </a:r>
+            <a:endParaRPr lang="en-US" altLang="zh-CN" b="1"/>
+          </a:p>
+        </p:txBody>
+      </p:sp>
+      <p:sp>
+        <p:nvSpPr>
+          <p:cNvPr id="27" name="文本框 26"/>
+          <p:cNvSpPr txBox="1"/>
+          <p:nvPr/>
+        </p:nvSpPr>
+        <p:spPr>
+          <a:xfrm>
+            <a:off x="5907405" y="5083810"/>
+            <a:ext cx="958215" cy="368300"/>
+          </a:xfrm>
+          <a:prstGeom prst="rect">
+            <a:avLst/>
+          </a:prstGeom>
+          <a:noFill/>
+        </p:spPr>
+        <p:txBody>
+          <a:bodyPr wrap="square" rtlCol="0">
+            <a:spAutoFit/>
+          </a:bodyPr>
+          <a:p>
+            <a:r>
+              <a:rPr lang="en-US" altLang="zh-CN" b="1"/>
+              <a:t>student</a:t>
+            </a:r>
+            <a:endParaRPr lang="en-US" altLang="zh-CN" b="1"/>
+          </a:p>
+        </p:txBody>
+      </p:sp>
+    </p:spTree>
+  </p:cSld>
+  <p:clrMapOvr>
+    <a:masterClrMapping/>
+  </p:clrMapOvr>
+</p:sld>
+</file>
+
 <file path=ppt/tags/tag1.xml><?xml version="1.0" encoding="utf-8"?>
 <p:tagLst xmlns:p="http://schemas.openxmlformats.org/presentationml/2006/main">
   <p:tag name="KSO_WM_DIAGRAM_VIRTUALLY_FRAME" val="{&quot;height&quot;:174.8,&quot;left&quot;:259.7,&quot;top&quot;:148.1,&quot;width&quot;:348.65}"/>
@@ -19122,6 +24026,62 @@
 </file>
 
 <file path=ppt/tags/tag50.xml><?xml version="1.0" encoding="utf-8"?>
+<p:tagLst xmlns:p="http://schemas.openxmlformats.org/presentationml/2006/main">
+  <p:tag name="TABLE_ENDDRAG_ORIGIN_RECT" val="280*242"/>
+  <p:tag name="TABLE_ENDDRAG_RECT" val="144*198*280*242"/>
+</p:tagLst>
+</file>
+
+<file path=ppt/tags/tag51.xml><?xml version="1.0" encoding="utf-8"?>
+<p:tagLst xmlns:p="http://schemas.openxmlformats.org/presentationml/2006/main">
+  <p:tag name="TABLE_ENDDRAG_ORIGIN_RECT" val="280*242"/>
+  <p:tag name="TABLE_ENDDRAG_RECT" val="144*198*280*242"/>
+</p:tagLst>
+</file>
+
+<file path=ppt/tags/tag52.xml><?xml version="1.0" encoding="utf-8"?>
+<p:tagLst xmlns:p="http://schemas.openxmlformats.org/presentationml/2006/main">
+  <p:tag name="TABLE_ENDDRAG_ORIGIN_RECT" val="28*115"/>
+  <p:tag name="TABLE_ENDDRAG_RECT" val="318*18*28*115"/>
+</p:tagLst>
+</file>
+
+<file path=ppt/tags/tag53.xml><?xml version="1.0" encoding="utf-8"?>
+<p:tagLst xmlns:p="http://schemas.openxmlformats.org/presentationml/2006/main">
+  <p:tag name="TABLE_ENDDRAG_ORIGIN_RECT" val="113*30"/>
+  <p:tag name="TABLE_ENDDRAG_RECT" val="115*104*113*30"/>
+</p:tagLst>
+</file>
+
+<file path=ppt/tags/tag54.xml><?xml version="1.0" encoding="utf-8"?>
+<p:tagLst xmlns:p="http://schemas.openxmlformats.org/presentationml/2006/main">
+  <p:tag name="TABLE_ENDDRAG_ORIGIN_RECT" val="118*115"/>
+  <p:tag name="TABLE_ENDDRAG_RECT" val="318*143*118*115"/>
+</p:tagLst>
+</file>
+
+<file path=ppt/tags/tag55.xml><?xml version="1.0" encoding="utf-8"?>
+<p:tagLst xmlns:p="http://schemas.openxmlformats.org/presentationml/2006/main">
+  <p:tag name="TABLE_ENDDRAG_ORIGIN_RECT" val="118*115"/>
+  <p:tag name="TABLE_ENDDRAG_RECT" val="318*143*118*115"/>
+</p:tagLst>
+</file>
+
+<file path=ppt/tags/tag56.xml><?xml version="1.0" encoding="utf-8"?>
+<p:tagLst xmlns:p="http://schemas.openxmlformats.org/presentationml/2006/main">
+  <p:tag name="TABLE_ENDDRAG_ORIGIN_RECT" val="28*115"/>
+  <p:tag name="TABLE_ENDDRAG_RECT" val="318*18*28*115"/>
+</p:tagLst>
+</file>
+
+<file path=ppt/tags/tag57.xml><?xml version="1.0" encoding="utf-8"?>
+<p:tagLst xmlns:p="http://schemas.openxmlformats.org/presentationml/2006/main">
+  <p:tag name="TABLE_ENDDRAG_ORIGIN_RECT" val="28*115"/>
+  <p:tag name="TABLE_ENDDRAG_RECT" val="318*18*28*115"/>
+</p:tagLst>
+</file>
+
+<file path=ppt/tags/tag58.xml><?xml version="1.0" encoding="utf-8"?>
 <p:tagLst xmlns:p="http://schemas.openxmlformats.org/presentationml/2006/main">
   <p:tag name="commondata" val="eyJoZGlkIjoiZjcyMjcxMTdiYTllMjE2YzMzOTRjODU0MWE0MzFhOTkifQ=="/>
   <p:tag name="resource_record_key" val="{&quot;13&quot;:[4364974]}"/>

--- a/插图制作.pptx
+++ b/插图制作.pptx
@@ -15,11 +15,12 @@
     <p:sldId id="267" r:id="rId10"/>
     <p:sldId id="268" r:id="rId11"/>
     <p:sldId id="269" r:id="rId12"/>
+    <p:sldId id="270" r:id="rId13"/>
   </p:sldIdLst>
   <p:sldSz cx="12192000" cy="6858000"/>
   <p:notesSz cx="6858000" cy="9144000"/>
   <p:custDataLst>
-    <p:tags r:id="rId16"/>
+    <p:tags r:id="rId17"/>
   </p:custDataLst>
   <p:defaultTextStyle>
     <a:defPPr>
@@ -6988,6 +6989,778 @@
           </a:p>
         </p:txBody>
       </p:sp>
+    </p:spTree>
+  </p:cSld>
+  <p:clrMapOvr>
+    <a:masterClrMapping/>
+  </p:clrMapOvr>
+</p:sld>
+</file>
+
+<file path=ppt/slides/slide11.xml><?xml version="1.0" encoding="utf-8"?>
+<p:sld xmlns:a="http://schemas.openxmlformats.org/drawingml/2006/main" xmlns:r="http://schemas.openxmlformats.org/officeDocument/2006/relationships" xmlns:p="http://schemas.openxmlformats.org/presentationml/2006/main">
+  <p:cSld>
+    <p:spTree>
+      <p:nvGrpSpPr>
+        <p:cNvPr id="1" name=""/>
+        <p:cNvGrpSpPr/>
+        <p:nvPr/>
+      </p:nvGrpSpPr>
+      <p:grpSpPr/>
+      <p:graphicFrame>
+        <p:nvGraphicFramePr>
+          <p:cNvPr id="19" name="表格 18"/>
+          <p:cNvGraphicFramePr/>
+          <p:nvPr>
+            <p:custDataLst>
+              <p:tags r:id="rId1"/>
+            </p:custDataLst>
+          </p:nvPr>
+        </p:nvGraphicFramePr>
+        <p:xfrm>
+          <a:off x="2953385" y="1897380"/>
+          <a:ext cx="3568700" cy="3081020"/>
+        </p:xfrm>
+        <a:graphic>
+          <a:graphicData uri="http://schemas.openxmlformats.org/drawingml/2006/table">
+            <a:tbl>
+              <a:tblPr firstRow="1" bandRow="1">
+                <a:tableStyleId>{5C22544A-7EE6-4342-B048-85BDC9FD1C3A}</a:tableStyleId>
+              </a:tblPr>
+              <a:tblGrid>
+                <a:gridCol w="892175"/>
+                <a:gridCol w="892175"/>
+              </a:tblGrid>
+              <a:tr h="770255">
+                <a:tc>
+                  <a:txBody>
+                    <a:bodyPr/>
+                    <a:p>
+                      <a:pPr>
+                        <a:buNone/>
+                      </a:pPr>
+                      <a:r>
+                        <a:rPr lang="en-US" altLang="zh-CN" b="0">
+                          <a:solidFill>
+                            <a:schemeClr val="tx1"/>
+                          </a:solidFill>
+                        </a:rPr>
+                        <a:t>TP</a:t>
+                      </a:r>
+                      <a:endParaRPr lang="en-US" altLang="zh-CN" b="0">
+                        <a:solidFill>
+                          <a:schemeClr val="tx1"/>
+                        </a:solidFill>
+                      </a:endParaRPr>
+                    </a:p>
+                  </a:txBody>
+                  <a:tcPr anchor="ctr" anchorCtr="1">
+                    <a:lnL w="38100">
+                      <a:solidFill>
+                        <a:schemeClr val="tx1"/>
+                      </a:solidFill>
+                      <a:prstDash val="solid"/>
+                    </a:lnL>
+                    <a:lnR w="38100">
+                      <a:solidFill>
+                        <a:schemeClr val="tx1"/>
+                      </a:solidFill>
+                      <a:prstDash val="solid"/>
+                    </a:lnR>
+                    <a:lnT w="38100">
+                      <a:solidFill>
+                        <a:schemeClr val="tx1"/>
+                      </a:solidFill>
+                      <a:prstDash val="solid"/>
+                    </a:lnT>
+                    <a:lnB w="38100">
+                      <a:solidFill>
+                        <a:schemeClr val="tx1"/>
+                      </a:solidFill>
+                      <a:prstDash val="solid"/>
+                    </a:lnB>
+                    <a:solidFill>
+                      <a:schemeClr val="bg1"/>
+                    </a:solidFill>
+                  </a:tcPr>
+                </a:tc>
+                <a:tc>
+                  <a:txBody>
+                    <a:bodyPr/>
+                    <a:p>
+                      <a:pPr>
+                        <a:buNone/>
+                      </a:pPr>
+                      <a:r>
+                        <a:rPr lang="en-US" altLang="zh-CN" b="0">
+                          <a:solidFill>
+                            <a:schemeClr val="tx1"/>
+                          </a:solidFill>
+                        </a:rPr>
+                        <a:t>FP</a:t>
+                      </a:r>
+                      <a:endParaRPr lang="en-US" altLang="zh-CN" b="0">
+                        <a:solidFill>
+                          <a:schemeClr val="tx1"/>
+                        </a:solidFill>
+                      </a:endParaRPr>
+                    </a:p>
+                  </a:txBody>
+                  <a:tcPr anchor="ctr" anchorCtr="1">
+                    <a:lnL w="38100">
+                      <a:solidFill>
+                        <a:schemeClr val="tx1"/>
+                      </a:solidFill>
+                      <a:prstDash val="solid"/>
+                    </a:lnL>
+                    <a:lnR w="38100">
+                      <a:solidFill>
+                        <a:schemeClr val="tx1"/>
+                      </a:solidFill>
+                      <a:prstDash val="solid"/>
+                    </a:lnR>
+                    <a:lnT w="38100">
+                      <a:solidFill>
+                        <a:schemeClr val="tx1"/>
+                      </a:solidFill>
+                      <a:prstDash val="solid"/>
+                    </a:lnT>
+                    <a:lnB w="38100">
+                      <a:solidFill>
+                        <a:schemeClr val="tx1"/>
+                      </a:solidFill>
+                      <a:prstDash val="solid"/>
+                    </a:lnB>
+                    <a:solidFill>
+                      <a:schemeClr val="bg1"/>
+                    </a:solidFill>
+                  </a:tcPr>
+                </a:tc>
+              </a:tr>
+              <a:tr h="770255">
+                <a:tc>
+                  <a:txBody>
+                    <a:bodyPr/>
+                    <a:p>
+                      <a:pPr>
+                        <a:buNone/>
+                      </a:pPr>
+                      <a:r>
+                        <a:rPr lang="en-US" altLang="zh-CN" b="0">
+                          <a:solidFill>
+                            <a:schemeClr val="tx1"/>
+                          </a:solidFill>
+                        </a:rPr>
+                        <a:t>FN</a:t>
+                      </a:r>
+                      <a:endParaRPr lang="en-US" altLang="zh-CN" b="0">
+                        <a:solidFill>
+                          <a:schemeClr val="tx1"/>
+                        </a:solidFill>
+                      </a:endParaRPr>
+                    </a:p>
+                  </a:txBody>
+                  <a:tcPr anchor="ctr" anchorCtr="1">
+                    <a:lnL w="38100">
+                      <a:solidFill>
+                        <a:schemeClr val="tx1"/>
+                      </a:solidFill>
+                      <a:prstDash val="solid"/>
+                    </a:lnL>
+                    <a:lnR w="38100">
+                      <a:solidFill>
+                        <a:schemeClr val="tx1"/>
+                      </a:solidFill>
+                      <a:prstDash val="solid"/>
+                    </a:lnR>
+                    <a:lnT w="38100">
+                      <a:solidFill>
+                        <a:schemeClr val="tx1"/>
+                      </a:solidFill>
+                      <a:prstDash val="solid"/>
+                    </a:lnT>
+                    <a:lnB w="38100">
+                      <a:solidFill>
+                        <a:schemeClr val="tx1"/>
+                      </a:solidFill>
+                      <a:prstDash val="solid"/>
+                    </a:lnB>
+                    <a:solidFill>
+                      <a:schemeClr val="bg1"/>
+                    </a:solidFill>
+                  </a:tcPr>
+                </a:tc>
+                <a:tc>
+                  <a:txBody>
+                    <a:bodyPr/>
+                    <a:p>
+                      <a:pPr>
+                        <a:buNone/>
+                      </a:pPr>
+                      <a:r>
+                        <a:rPr lang="en-US" altLang="zh-CN" b="0">
+                          <a:solidFill>
+                            <a:schemeClr val="tx1"/>
+                          </a:solidFill>
+                        </a:rPr>
+                        <a:t>TN</a:t>
+                      </a:r>
+                      <a:endParaRPr lang="en-US" altLang="zh-CN" b="0">
+                        <a:solidFill>
+                          <a:schemeClr val="tx1"/>
+                        </a:solidFill>
+                      </a:endParaRPr>
+                    </a:p>
+                  </a:txBody>
+                  <a:tcPr anchor="ctr" anchorCtr="1">
+                    <a:lnL w="38100">
+                      <a:solidFill>
+                        <a:schemeClr val="tx1"/>
+                      </a:solidFill>
+                      <a:prstDash val="solid"/>
+                    </a:lnL>
+                    <a:lnR w="38100">
+                      <a:solidFill>
+                        <a:schemeClr val="tx1"/>
+                      </a:solidFill>
+                      <a:prstDash val="solid"/>
+                    </a:lnR>
+                    <a:lnT w="38100">
+                      <a:solidFill>
+                        <a:schemeClr val="tx1"/>
+                      </a:solidFill>
+                      <a:prstDash val="solid"/>
+                    </a:lnT>
+                    <a:lnB w="38100">
+                      <a:solidFill>
+                        <a:schemeClr val="tx1"/>
+                      </a:solidFill>
+                      <a:prstDash val="solid"/>
+                    </a:lnB>
+                    <a:solidFill>
+                      <a:schemeClr val="bg1"/>
+                    </a:solidFill>
+                  </a:tcPr>
+                </a:tc>
+              </a:tr>
+            </a:tbl>
+          </a:graphicData>
+        </a:graphic>
+      </p:graphicFrame>
+      <mc:AlternateContent xmlns:mc="http://schemas.openxmlformats.org/markup-compatibility/2006">
+        <mc:Choice xmlns:a14="http://schemas.microsoft.com/office/drawing/2010/main" Requires="a14">
+          <p:sp>
+            <p:nvSpPr>
+              <p:cNvPr id="20" name="文本框 19"/>
+              <p:cNvSpPr txBox="1"/>
+              <p:nvPr/>
+            </p:nvSpPr>
+            <p:spPr>
+              <a:xfrm>
+                <a:off x="3257550" y="1435735"/>
+                <a:ext cx="560705" cy="368300"/>
+              </a:xfrm>
+              <a:prstGeom prst="rect">
+                <a:avLst/>
+              </a:prstGeom>
+              <a:noFill/>
+            </p:spPr>
+            <p:txBody>
+              <a:bodyPr wrap="square" rtlCol="0">
+                <a:spAutoFit/>
+              </a:bodyPr>
+              <a:p>
+                <a14:m>
+                  <m:oMathPara xmlns:m="http://schemas.openxmlformats.org/officeDocument/2006/math">
+                    <m:oMathParaPr>
+                      <m:jc m:val="centerGroup"/>
+                    </m:oMathParaPr>
+                    <m:oMath xmlns:m="http://schemas.openxmlformats.org/officeDocument/2006/math">
+                      <m:sSub>
+                        <m:sSubPr>
+                          <m:ctrlPr>
+                            <a:rPr lang="en-US" altLang="zh-CN" b="1" i="1">
+                              <a:latin typeface="Cambria Math" panose="02040503050406030204" charset="0"/>
+                              <a:cs typeface="Cambria Math" panose="02040503050406030204" charset="0"/>
+                            </a:rPr>
+                          </m:ctrlPr>
+                        </m:sSubPr>
+                        <m:e>
+                          <m:r>
+                            <a:rPr lang="en-US" altLang="zh-CN" b="1" i="1">
+                              <a:latin typeface="Cambria Math" panose="02040503050406030204" charset="0"/>
+                              <a:cs typeface="Cambria Math" panose="02040503050406030204" charset="0"/>
+                            </a:rPr>
+                            <m:t>𝑯</m:t>
+                          </m:r>
+                        </m:e>
+                        <m:sub>
+                          <m:r>
+                            <a:rPr lang="en-US" altLang="zh-CN" b="1" i="1">
+                              <a:latin typeface="Cambria Math" panose="02040503050406030204" charset="0"/>
+                              <a:cs typeface="Cambria Math" panose="02040503050406030204" charset="0"/>
+                            </a:rPr>
+                            <m:t>𝟏</m:t>
+                          </m:r>
+                        </m:sub>
+                      </m:sSub>
+                    </m:oMath>
+                  </m:oMathPara>
+                </a14:m>
+                <a:endParaRPr lang="en-US" altLang="zh-CN" b="1"/>
+              </a:p>
+            </p:txBody>
+          </p:sp>
+        </mc:Choice>
+        <mc:Fallback>
+          <p:sp>
+            <p:nvSpPr>
+              <p:cNvPr id="20" name="文本框 19"/>
+              <p:cNvSpPr txBox="1">
+                <a:spLocks noRot="1" noChangeAspect="1" noMove="1" noResize="1" noEditPoints="1" noAdjustHandles="1" noChangeArrowheads="1" noChangeShapeType="1" noTextEdit="1"/>
+              </p:cNvSpPr>
+              <p:nvPr/>
+            </p:nvSpPr>
+            <p:spPr>
+              <a:xfrm>
+                <a:off x="3257550" y="1435735"/>
+                <a:ext cx="560705" cy="368300"/>
+              </a:xfrm>
+              <a:prstGeom prst="rect">
+                <a:avLst/>
+              </a:prstGeom>
+              <a:blipFill rotWithShape="1">
+                <a:blip r:embed="rId2"/>
+                <a:stretch>
+                  <a:fillRect/>
+                </a:stretch>
+              </a:blipFill>
+            </p:spPr>
+            <p:txBody>
+              <a:bodyPr/>
+              <a:lstStyle/>
+              <a:p>
+                <a:r>
+                  <a:rPr lang="zh-CN" altLang="en-US">
+                    <a:noFill/>
+                  </a:rPr>
+                  <a:t> </a:t>
+                </a:r>
+              </a:p>
+            </p:txBody>
+          </p:sp>
+        </mc:Fallback>
+      </mc:AlternateContent>
+      <mc:AlternateContent xmlns:mc="http://schemas.openxmlformats.org/markup-compatibility/2006">
+        <mc:Choice xmlns:a14="http://schemas.microsoft.com/office/drawing/2010/main" Requires="a14">
+          <p:sp>
+            <p:nvSpPr>
+              <p:cNvPr id="21" name="文本框 20"/>
+              <p:cNvSpPr txBox="1"/>
+              <p:nvPr/>
+            </p:nvSpPr>
+            <p:spPr>
+              <a:xfrm>
+                <a:off x="3983355" y="1435735"/>
+                <a:ext cx="560705" cy="368300"/>
+              </a:xfrm>
+              <a:prstGeom prst="rect">
+                <a:avLst/>
+              </a:prstGeom>
+              <a:noFill/>
+            </p:spPr>
+            <p:txBody>
+              <a:bodyPr wrap="square" rtlCol="0">
+                <a:spAutoFit/>
+              </a:bodyPr>
+              <a:p>
+                <a14:m>
+                  <m:oMathPara xmlns:m="http://schemas.openxmlformats.org/officeDocument/2006/math">
+                    <m:oMathParaPr>
+                      <m:jc m:val="centerGroup"/>
+                    </m:oMathParaPr>
+                    <m:oMath xmlns:m="http://schemas.openxmlformats.org/officeDocument/2006/math">
+                      <m:sSub>
+                        <m:sSubPr>
+                          <m:ctrlPr>
+                            <a:rPr lang="en-US" altLang="zh-CN" b="1" i="1">
+                              <a:latin typeface="Cambria Math" panose="02040503050406030204" charset="0"/>
+                              <a:cs typeface="Cambria Math" panose="02040503050406030204" charset="0"/>
+                            </a:rPr>
+                          </m:ctrlPr>
+                        </m:sSubPr>
+                        <m:e>
+                          <m:r>
+                            <a:rPr lang="en-US" altLang="zh-CN" b="1" i="1">
+                              <a:latin typeface="Cambria Math" panose="02040503050406030204" charset="0"/>
+                              <a:cs typeface="Cambria Math" panose="02040503050406030204" charset="0"/>
+                            </a:rPr>
+                            <m:t>𝑯</m:t>
+                          </m:r>
+                        </m:e>
+                        <m:sub>
+                          <m:r>
+                            <a:rPr lang="en-US" altLang="zh-CN" b="1" i="1">
+                              <a:latin typeface="Cambria Math" panose="02040503050406030204" charset="0"/>
+                              <a:cs typeface="Cambria Math" panose="02040503050406030204" charset="0"/>
+                            </a:rPr>
+                            <m:t>𝟏</m:t>
+                          </m:r>
+                        </m:sub>
+                      </m:sSub>
+                    </m:oMath>
+                  </m:oMathPara>
+                </a14:m>
+                <a:endParaRPr lang="en-US" altLang="zh-CN" b="1"/>
+              </a:p>
+            </p:txBody>
+          </p:sp>
+        </mc:Choice>
+        <mc:Fallback>
+          <p:sp>
+            <p:nvSpPr>
+              <p:cNvPr id="21" name="文本框 20"/>
+              <p:cNvSpPr txBox="1">
+                <a:spLocks noRot="1" noChangeAspect="1" noMove="1" noResize="1" noEditPoints="1" noAdjustHandles="1" noChangeArrowheads="1" noChangeShapeType="1" noTextEdit="1"/>
+              </p:cNvSpPr>
+              <p:nvPr/>
+            </p:nvSpPr>
+            <p:spPr>
+              <a:xfrm>
+                <a:off x="3983355" y="1435735"/>
+                <a:ext cx="560705" cy="368300"/>
+              </a:xfrm>
+              <a:prstGeom prst="rect">
+                <a:avLst/>
+              </a:prstGeom>
+              <a:blipFill rotWithShape="1">
+                <a:blip r:embed="rId2"/>
+                <a:stretch>
+                  <a:fillRect/>
+                </a:stretch>
+              </a:blipFill>
+            </p:spPr>
+            <p:txBody>
+              <a:bodyPr/>
+              <a:lstStyle/>
+              <a:p>
+                <a:r>
+                  <a:rPr lang="zh-CN" altLang="en-US">
+                    <a:noFill/>
+                  </a:rPr>
+                  <a:t> </a:t>
+                </a:r>
+              </a:p>
+            </p:txBody>
+          </p:sp>
+        </mc:Fallback>
+      </mc:AlternateContent>
+      <mc:AlternateContent xmlns:mc="http://schemas.openxmlformats.org/markup-compatibility/2006">
+        <mc:Choice xmlns:a14="http://schemas.microsoft.com/office/drawing/2010/main" Requires="a14">
+          <p:sp>
+            <p:nvSpPr>
+              <p:cNvPr id="24" name="文本框 23"/>
+              <p:cNvSpPr txBox="1"/>
+              <p:nvPr/>
+            </p:nvSpPr>
+            <p:spPr>
+              <a:xfrm>
+                <a:off x="1819910" y="2065655"/>
+                <a:ext cx="1133475" cy="392430"/>
+              </a:xfrm>
+              <a:prstGeom prst="rect">
+                <a:avLst/>
+              </a:prstGeom>
+              <a:noFill/>
+            </p:spPr>
+            <p:txBody>
+              <a:bodyPr wrap="square" rtlCol="0">
+                <a:noAutofit/>
+              </a:bodyPr>
+              <a:p>
+                <a14:m>
+                  <m:oMathPara xmlns:m="http://schemas.openxmlformats.org/officeDocument/2006/math">
+                    <m:oMathParaPr>
+                      <m:jc m:val="centerGroup"/>
+                    </m:oMathParaPr>
+                    <m:oMath xmlns:m="http://schemas.openxmlformats.org/officeDocument/2006/math">
+                      <m:sSub>
+                        <m:sSubPr>
+                          <m:ctrlPr>
+                            <a:rPr lang="en-US" altLang="zh-CN" b="1" i="1">
+                              <a:latin typeface="Cambria Math" panose="02040503050406030204" charset="0"/>
+                              <a:cs typeface="Cambria Math" panose="02040503050406030204" charset="0"/>
+                            </a:rPr>
+                          </m:ctrlPr>
+                        </m:sSubPr>
+                        <m:e>
+                          <m:sSub>
+                            <m:sSubPr>
+                              <m:ctrlPr>
+                                <a:rPr lang="en-US" altLang="zh-CN" b="1" i="1">
+                                  <a:latin typeface="Cambria Math" panose="02040503050406030204" charset="0"/>
+                                  <a:cs typeface="Cambria Math" panose="02040503050406030204" charset="0"/>
+                                </a:rPr>
+                              </m:ctrlPr>
+                            </m:sSubPr>
+                            <m:e>
+                              <m:acc>
+                                <m:accPr>
+                                  <m:ctrlPr>
+                                    <a:rPr lang="en-US" altLang="zh-CN" b="1" i="1">
+                                      <a:latin typeface="Cambria Math" panose="02040503050406030204" charset="0"/>
+                                      <a:cs typeface="Cambria Math" panose="02040503050406030204" charset="0"/>
+                                    </a:rPr>
+                                  </m:ctrlPr>
+                                </m:accPr>
+                                <m:e>
+                                  <m:r>
+                                    <a:rPr lang="en-US" altLang="zh-CN" b="1" i="1">
+                                      <a:latin typeface="Cambria Math" panose="02040503050406030204" charset="0"/>
+                                      <a:cs typeface="Cambria Math" panose="02040503050406030204" charset="0"/>
+                                    </a:rPr>
+                                    <m:t>𝑯</m:t>
+                                  </m:r>
+                                </m:e>
+                              </m:acc>
+                            </m:e>
+                            <m:sub>
+                              <m:r>
+                                <a:rPr lang="en-US" altLang="zh-CN" b="1" i="1">
+                                  <a:latin typeface="Cambria Math" panose="02040503050406030204" charset="0"/>
+                                  <a:cs typeface="Cambria Math" panose="02040503050406030204" charset="0"/>
+                                </a:rPr>
+                                <m:t>𝟏</m:t>
+                              </m:r>
+                            </m:sub>
+                          </m:sSub>
+                          <m:r>
+                            <a:rPr lang="en-US" altLang="zh-CN" b="1">
+                              <a:latin typeface="Cambria Math" panose="02040503050406030204" charset="0"/>
+                            </a:rPr>
+                            <m:t>= </m:t>
+                          </m:r>
+                          <m:r>
+                            <a:rPr lang="en-US" altLang="zh-CN" b="1" i="1">
+                              <a:latin typeface="Cambria Math" panose="02040503050406030204" charset="0"/>
+                              <a:cs typeface="Cambria Math" panose="02040503050406030204" charset="0"/>
+                            </a:rPr>
+                            <m:t>𝑯</m:t>
+                          </m:r>
+                        </m:e>
+                        <m:sub>
+                          <m:r>
+                            <a:rPr lang="en-US" altLang="zh-CN" b="1" i="1">
+                              <a:latin typeface="Cambria Math" panose="02040503050406030204" charset="0"/>
+                              <a:cs typeface="Cambria Math" panose="02040503050406030204" charset="0"/>
+                            </a:rPr>
+                            <m:t>𝟏</m:t>
+                          </m:r>
+                        </m:sub>
+                      </m:sSub>
+                    </m:oMath>
+                  </m:oMathPara>
+                </a14:m>
+                <a:endParaRPr lang="en-US" altLang="zh-CN" b="1"/>
+              </a:p>
+            </p:txBody>
+          </p:sp>
+        </mc:Choice>
+        <mc:Fallback>
+          <p:sp>
+            <p:nvSpPr>
+              <p:cNvPr id="24" name="文本框 23"/>
+              <p:cNvSpPr txBox="1">
+                <a:spLocks noRot="1" noChangeAspect="1" noMove="1" noResize="1" noEditPoints="1" noAdjustHandles="1" noChangeArrowheads="1" noChangeShapeType="1" noTextEdit="1"/>
+              </p:cNvSpPr>
+              <p:nvPr/>
+            </p:nvSpPr>
+            <p:spPr>
+              <a:xfrm>
+                <a:off x="1819910" y="2065655"/>
+                <a:ext cx="1133475" cy="392430"/>
+              </a:xfrm>
+              <a:prstGeom prst="rect">
+                <a:avLst/>
+              </a:prstGeom>
+              <a:blipFill rotWithShape="1">
+                <a:blip r:embed="rId3"/>
+                <a:stretch>
+                  <a:fillRect/>
+                </a:stretch>
+              </a:blipFill>
+            </p:spPr>
+            <p:txBody>
+              <a:bodyPr/>
+              <a:lstStyle/>
+              <a:p>
+                <a:r>
+                  <a:rPr lang="zh-CN" altLang="en-US">
+                    <a:noFill/>
+                  </a:rPr>
+                  <a:t> </a:t>
+                </a:r>
+              </a:p>
+            </p:txBody>
+          </p:sp>
+        </mc:Fallback>
+      </mc:AlternateContent>
+      <mc:AlternateContent xmlns:mc="http://schemas.openxmlformats.org/markup-compatibility/2006">
+        <mc:Choice xmlns:a14="http://schemas.microsoft.com/office/drawing/2010/main" Requires="a14">
+          <p:sp>
+            <p:nvSpPr>
+              <p:cNvPr id="4" name="文本框 3"/>
+              <p:cNvSpPr txBox="1"/>
+              <p:nvPr/>
+            </p:nvSpPr>
+            <p:spPr>
+              <a:xfrm>
+                <a:off x="1819910" y="2887345"/>
+                <a:ext cx="1133475" cy="392430"/>
+              </a:xfrm>
+              <a:prstGeom prst="rect">
+                <a:avLst/>
+              </a:prstGeom>
+              <a:noFill/>
+            </p:spPr>
+            <p:txBody>
+              <a:bodyPr wrap="square" rtlCol="0">
+                <a:noAutofit/>
+              </a:bodyPr>
+              <a:p>
+                <a14:m>
+                  <m:oMathPara xmlns:m="http://schemas.openxmlformats.org/officeDocument/2006/math">
+                    <m:oMathParaPr>
+                      <m:jc m:val="centerGroup"/>
+                    </m:oMathParaPr>
+                    <m:oMath xmlns:m="http://schemas.openxmlformats.org/officeDocument/2006/math">
+                      <m:sSub>
+                        <m:sSubPr>
+                          <m:ctrlPr>
+                            <a:rPr lang="en-US" altLang="zh-CN" b="1" i="1">
+                              <a:latin typeface="Cambria Math" panose="02040503050406030204" charset="0"/>
+                              <a:cs typeface="Cambria Math" panose="02040503050406030204" charset="0"/>
+                            </a:rPr>
+                          </m:ctrlPr>
+                        </m:sSubPr>
+                        <m:e>
+                          <m:sSub>
+                            <m:sSubPr>
+                              <m:ctrlPr>
+                                <a:rPr lang="en-US" altLang="zh-CN" b="1" i="1">
+                                  <a:latin typeface="Cambria Math" panose="02040503050406030204" charset="0"/>
+                                  <a:cs typeface="Cambria Math" panose="02040503050406030204" charset="0"/>
+                                </a:rPr>
+                              </m:ctrlPr>
+                            </m:sSubPr>
+                            <m:e>
+                              <m:acc>
+                                <m:accPr>
+                                  <m:ctrlPr>
+                                    <a:rPr lang="en-US" altLang="zh-CN" b="1" i="1">
+                                      <a:latin typeface="Cambria Math" panose="02040503050406030204" charset="0"/>
+                                      <a:cs typeface="Cambria Math" panose="02040503050406030204" charset="0"/>
+                                    </a:rPr>
+                                  </m:ctrlPr>
+                                </m:accPr>
+                                <m:e>
+                                  <m:r>
+                                    <a:rPr lang="en-US" altLang="zh-CN" b="1" i="1">
+                                      <a:latin typeface="Cambria Math" panose="02040503050406030204" charset="0"/>
+                                      <a:cs typeface="Cambria Math" panose="02040503050406030204" charset="0"/>
+                                    </a:rPr>
+                                    <m:t>𝑯</m:t>
+                                  </m:r>
+                                </m:e>
+                              </m:acc>
+                            </m:e>
+                            <m:sub>
+                              <m:r>
+                                <a:rPr lang="en-US" altLang="zh-CN" b="1" i="1">
+                                  <a:latin typeface="Cambria Math" panose="02040503050406030204" charset="0"/>
+                                  <a:cs typeface="Cambria Math" panose="02040503050406030204" charset="0"/>
+                                </a:rPr>
+                                <m:t>𝟐</m:t>
+                              </m:r>
+                            </m:sub>
+                          </m:sSub>
+                          <m:r>
+                            <a:rPr lang="en-US" altLang="zh-CN" b="1">
+                              <a:latin typeface="Cambria Math" panose="02040503050406030204" charset="0"/>
+                            </a:rPr>
+                            <m:t>=</m:t>
+                          </m:r>
+                          <m:r>
+                            <a:rPr lang="en-US" altLang="zh-CN" b="1">
+                              <a:latin typeface="Cambria Math" panose="02040503050406030204" charset="0"/>
+                            </a:rPr>
+                            <m:t> </m:t>
+                          </m:r>
+                          <m:r>
+                            <a:rPr lang="en-US" altLang="zh-CN" b="1" i="1">
+                              <a:latin typeface="Cambria Math" panose="02040503050406030204" charset="0"/>
+                              <a:cs typeface="Cambria Math" panose="02040503050406030204" charset="0"/>
+                            </a:rPr>
+                            <m:t>𝑯</m:t>
+                          </m:r>
+                        </m:e>
+                        <m:sub>
+                          <m:r>
+                            <a:rPr lang="en-US" altLang="zh-CN" b="1" i="1">
+                              <a:latin typeface="Cambria Math" panose="02040503050406030204" charset="0"/>
+                              <a:cs typeface="Cambria Math" panose="02040503050406030204" charset="0"/>
+                            </a:rPr>
+                            <m:t>𝟐</m:t>
+                          </m:r>
+                        </m:sub>
+                      </m:sSub>
+                    </m:oMath>
+                  </m:oMathPara>
+                </a14:m>
+                <a:endParaRPr lang="en-US" altLang="zh-CN" b="1"/>
+              </a:p>
+            </p:txBody>
+          </p:sp>
+        </mc:Choice>
+        <mc:Fallback>
+          <p:sp>
+            <p:nvSpPr>
+              <p:cNvPr id="4" name="文本框 3"/>
+              <p:cNvSpPr txBox="1">
+                <a:spLocks noRot="1" noChangeAspect="1" noMove="1" noResize="1" noEditPoints="1" noAdjustHandles="1" noChangeArrowheads="1" noChangeShapeType="1" noTextEdit="1"/>
+              </p:cNvSpPr>
+              <p:nvPr/>
+            </p:nvSpPr>
+            <p:spPr>
+              <a:xfrm>
+                <a:off x="1819910" y="2887345"/>
+                <a:ext cx="1133475" cy="392430"/>
+              </a:xfrm>
+              <a:prstGeom prst="rect">
+                <a:avLst/>
+              </a:prstGeom>
+              <a:blipFill rotWithShape="1">
+                <a:blip r:embed="rId4"/>
+                <a:stretch>
+                  <a:fillRect/>
+                </a:stretch>
+              </a:blipFill>
+            </p:spPr>
+            <p:txBody>
+              <a:bodyPr/>
+              <a:lstStyle/>
+              <a:p>
+                <a:r>
+                  <a:rPr lang="zh-CN" altLang="en-US">
+                    <a:noFill/>
+                  </a:rPr>
+                  <a:t> </a:t>
+                </a:r>
+              </a:p>
+            </p:txBody>
+          </p:sp>
+        </mc:Fallback>
+      </mc:AlternateContent>
     </p:spTree>
   </p:cSld>
   <p:clrMapOvr>
@@ -24083,6 +24856,13 @@
 
 <file path=ppt/tags/tag58.xml><?xml version="1.0" encoding="utf-8"?>
 <p:tagLst xmlns:p="http://schemas.openxmlformats.org/presentationml/2006/main">
+  <p:tag name="TABLE_ENDDRAG_ORIGIN_RECT" val="280*242"/>
+  <p:tag name="TABLE_ENDDRAG_RECT" val="144*198*280*242"/>
+</p:tagLst>
+</file>
+
+<file path=ppt/tags/tag59.xml><?xml version="1.0" encoding="utf-8"?>
+<p:tagLst xmlns:p="http://schemas.openxmlformats.org/presentationml/2006/main">
   <p:tag name="commondata" val="eyJoZGlkIjoiZjcyMjcxMTdiYTllMjE2YzMzOTRjODU0MWE0MzFhOTkifQ=="/>
   <p:tag name="resource_record_key" val="{&quot;13&quot;:[4364974]}"/>
 </p:tagLst>

--- a/插图制作.pptx
+++ b/插图制作.pptx
@@ -16,11 +16,12 @@
     <p:sldId id="268" r:id="rId11"/>
     <p:sldId id="269" r:id="rId12"/>
     <p:sldId id="270" r:id="rId13"/>
+    <p:sldId id="271" r:id="rId14"/>
   </p:sldIdLst>
   <p:sldSz cx="12192000" cy="6858000"/>
   <p:notesSz cx="6858000" cy="9144000"/>
   <p:custDataLst>
-    <p:tags r:id="rId17"/>
+    <p:tags r:id="rId18"/>
   </p:custDataLst>
   <p:defaultTextStyle>
     <a:defPPr>
@@ -7761,6 +7762,945 @@
           </p:sp>
         </mc:Fallback>
       </mc:AlternateContent>
+    </p:spTree>
+  </p:cSld>
+  <p:clrMapOvr>
+    <a:masterClrMapping/>
+  </p:clrMapOvr>
+</p:sld>
+</file>
+
+<file path=ppt/slides/slide12.xml><?xml version="1.0" encoding="utf-8"?>
+<p:sld xmlns:a="http://schemas.openxmlformats.org/drawingml/2006/main" xmlns:r="http://schemas.openxmlformats.org/officeDocument/2006/relationships" xmlns:p="http://schemas.openxmlformats.org/presentationml/2006/main">
+  <p:cSld>
+    <p:spTree>
+      <p:nvGrpSpPr>
+        <p:cNvPr id="1" name=""/>
+        <p:cNvGrpSpPr/>
+        <p:nvPr/>
+      </p:nvGrpSpPr>
+      <p:grpSpPr/>
+      <p:sp>
+        <p:nvSpPr>
+          <p:cNvPr id="2" name="矩形 1"/>
+          <p:cNvSpPr/>
+          <p:nvPr/>
+        </p:nvSpPr>
+        <p:spPr>
+          <a:xfrm>
+            <a:off x="2035810" y="1515745"/>
+            <a:ext cx="2794635" cy="2611120"/>
+          </a:xfrm>
+          <a:prstGeom prst="rect">
+            <a:avLst/>
+          </a:prstGeom>
+          <a:gradFill>
+            <a:gsLst>
+              <a:gs pos="50000">
+                <a:schemeClr val="accent6"/>
+              </a:gs>
+              <a:gs pos="0">
+                <a:schemeClr val="accent6">
+                  <a:lumMod val="25000"/>
+                  <a:lumOff val="75000"/>
+                </a:schemeClr>
+              </a:gs>
+              <a:gs pos="100000">
+                <a:schemeClr val="accent6">
+                  <a:lumMod val="85000"/>
+                </a:schemeClr>
+              </a:gs>
+            </a:gsLst>
+            <a:lin ang="5400000" scaled="1"/>
+          </a:gradFill>
+          <a:ln w="28575" cmpd="sng">
+            <a:gradFill>
+              <a:gsLst>
+                <a:gs pos="0">
+                  <a:schemeClr val="accent1">
+                    <a:lumMod val="5000"/>
+                    <a:lumOff val="95000"/>
+                  </a:schemeClr>
+                </a:gs>
+                <a:gs pos="74000">
+                  <a:schemeClr val="accent1">
+                    <a:lumMod val="45000"/>
+                    <a:lumOff val="55000"/>
+                  </a:schemeClr>
+                </a:gs>
+                <a:gs pos="83000">
+                  <a:schemeClr val="accent1">
+                    <a:lumMod val="45000"/>
+                    <a:lumOff val="55000"/>
+                  </a:schemeClr>
+                </a:gs>
+                <a:gs pos="100000">
+                  <a:schemeClr val="accent1">
+                    <a:lumMod val="30000"/>
+                    <a:lumOff val="70000"/>
+                  </a:schemeClr>
+                </a:gs>
+              </a:gsLst>
+              <a:lin ang="5400000" scaled="1"/>
+            </a:gradFill>
+            <a:prstDash val="solid"/>
+          </a:ln>
+        </p:spPr>
+        <p:style>
+          <a:lnRef idx="2">
+            <a:schemeClr val="accent1">
+              <a:lumMod val="75000"/>
+            </a:schemeClr>
+          </a:lnRef>
+          <a:fillRef idx="1">
+            <a:schemeClr val="accent1"/>
+          </a:fillRef>
+          <a:effectRef idx="0">
+            <a:srgbClr val="FFFFFF"/>
+          </a:effectRef>
+          <a:fontRef idx="minor">
+            <a:schemeClr val="lt1"/>
+          </a:fontRef>
+        </p:style>
+        <p:txBody>
+          <a:bodyPr rtlCol="0" anchor="ctr"/>
+          <a:p>
+            <a:pPr algn="ctr"/>
+            <a:endParaRPr lang="zh-CN" altLang="en-US"/>
+          </a:p>
+        </p:txBody>
+      </p:sp>
+      <p:sp>
+        <p:nvSpPr>
+          <p:cNvPr id="3" name="矩形 2"/>
+          <p:cNvSpPr/>
+          <p:nvPr/>
+        </p:nvSpPr>
+        <p:spPr>
+          <a:xfrm>
+            <a:off x="3721100" y="2002790"/>
+            <a:ext cx="846455" cy="750570"/>
+          </a:xfrm>
+          <a:prstGeom prst="rect">
+            <a:avLst/>
+          </a:prstGeom>
+          <a:solidFill>
+            <a:schemeClr val="accent1">
+              <a:lumMod val="40000"/>
+              <a:lumOff val="60000"/>
+            </a:schemeClr>
+          </a:solidFill>
+        </p:spPr>
+        <p:style>
+          <a:lnRef idx="2">
+            <a:schemeClr val="accent1">
+              <a:lumMod val="75000"/>
+            </a:schemeClr>
+          </a:lnRef>
+          <a:fillRef idx="1">
+            <a:schemeClr val="accent1"/>
+          </a:fillRef>
+          <a:effectRef idx="0">
+            <a:srgbClr val="FFFFFF"/>
+          </a:effectRef>
+          <a:fontRef idx="minor">
+            <a:schemeClr val="lt1"/>
+          </a:fontRef>
+        </p:style>
+        <p:txBody>
+          <a:bodyPr rtlCol="0" anchor="ctr"/>
+          <a:p>
+            <a:pPr algn="ctr"/>
+            <a:endParaRPr lang="zh-CN" altLang="en-US"/>
+          </a:p>
+        </p:txBody>
+      </p:sp>
+      <p:sp>
+        <p:nvSpPr>
+          <p:cNvPr id="6" name="文本框 5"/>
+          <p:cNvSpPr txBox="1"/>
+          <p:nvPr/>
+        </p:nvSpPr>
+        <p:spPr>
+          <a:xfrm>
+            <a:off x="2738755" y="1029970"/>
+            <a:ext cx="1588770" cy="368300"/>
+          </a:xfrm>
+          <a:prstGeom prst="rect">
+            <a:avLst/>
+          </a:prstGeom>
+          <a:noFill/>
+        </p:spPr>
+        <p:txBody>
+          <a:bodyPr wrap="square" rtlCol="0">
+            <a:spAutoFit/>
+          </a:bodyPr>
+          <a:p>
+            <a:r>
+              <a:rPr lang="en-US" altLang="zh-CN"/>
+              <a:t>Feature Map</a:t>
+            </a:r>
+            <a:endParaRPr lang="en-US" altLang="zh-CN"/>
+          </a:p>
+        </p:txBody>
+      </p:sp>
+      <p:sp>
+        <p:nvSpPr>
+          <p:cNvPr id="7" name="文本框 6"/>
+          <p:cNvSpPr txBox="1"/>
+          <p:nvPr/>
+        </p:nvSpPr>
+        <p:spPr>
+          <a:xfrm>
+            <a:off x="3056255" y="1612265"/>
+            <a:ext cx="953770" cy="368300"/>
+          </a:xfrm>
+          <a:prstGeom prst="rect">
+            <a:avLst/>
+          </a:prstGeom>
+          <a:noFill/>
+        </p:spPr>
+        <p:txBody>
+          <a:bodyPr wrap="square" rtlCol="0">
+            <a:spAutoFit/>
+          </a:bodyPr>
+          <a:p>
+            <a:r>
+              <a:rPr lang="en-US" altLang="zh-CN">
+                <a:solidFill>
+                  <a:schemeClr val="accent1">
+                    <a:lumMod val="75000"/>
+                  </a:schemeClr>
+                </a:solidFill>
+              </a:rPr>
+              <a:t>Sliding </a:t>
+            </a:r>
+            <a:endParaRPr lang="en-US" altLang="zh-CN">
+              <a:solidFill>
+                <a:schemeClr val="accent1">
+                  <a:lumMod val="75000"/>
+                </a:schemeClr>
+              </a:solidFill>
+            </a:endParaRPr>
+          </a:p>
+        </p:txBody>
+      </p:sp>
+      <p:sp>
+        <p:nvSpPr>
+          <p:cNvPr id="8" name="右箭头 7"/>
+          <p:cNvSpPr/>
+          <p:nvPr/>
+        </p:nvSpPr>
+        <p:spPr>
+          <a:xfrm>
+            <a:off x="3281045" y="2314575"/>
+            <a:ext cx="343535" cy="167640"/>
+          </a:xfrm>
+          <a:prstGeom prst="rightArrow">
+            <a:avLst/>
+          </a:prstGeom>
+          <a:solidFill>
+            <a:schemeClr val="accent1">
+              <a:lumMod val="60000"/>
+              <a:lumOff val="40000"/>
+            </a:schemeClr>
+          </a:solidFill>
+          <a:ln>
+            <a:gradFill>
+              <a:gsLst>
+                <a:gs pos="0">
+                  <a:schemeClr val="accent1">
+                    <a:lumMod val="5000"/>
+                    <a:lumOff val="95000"/>
+                  </a:schemeClr>
+                </a:gs>
+                <a:gs pos="74000">
+                  <a:schemeClr val="accent1">
+                    <a:lumMod val="45000"/>
+                    <a:lumOff val="55000"/>
+                  </a:schemeClr>
+                </a:gs>
+                <a:gs pos="83000">
+                  <a:schemeClr val="accent1">
+                    <a:lumMod val="45000"/>
+                    <a:lumOff val="55000"/>
+                  </a:schemeClr>
+                </a:gs>
+                <a:gs pos="100000">
+                  <a:schemeClr val="accent1">
+                    <a:lumMod val="30000"/>
+                    <a:lumOff val="70000"/>
+                  </a:schemeClr>
+                </a:gs>
+              </a:gsLst>
+              <a:lin ang="5400000" scaled="1"/>
+            </a:gradFill>
+          </a:ln>
+        </p:spPr>
+        <p:style>
+          <a:lnRef idx="2">
+            <a:schemeClr val="accent1">
+              <a:lumMod val="75000"/>
+            </a:schemeClr>
+          </a:lnRef>
+          <a:fillRef idx="1">
+            <a:schemeClr val="accent1"/>
+          </a:fillRef>
+          <a:effectRef idx="0">
+            <a:srgbClr val="FFFFFF"/>
+          </a:effectRef>
+          <a:fontRef idx="minor">
+            <a:schemeClr val="lt1"/>
+          </a:fontRef>
+        </p:style>
+        <p:txBody>
+          <a:bodyPr rtlCol="0" anchor="ctr"/>
+          <a:p>
+            <a:pPr algn="ctr"/>
+            <a:endParaRPr lang="zh-CN" altLang="en-US"/>
+          </a:p>
+        </p:txBody>
+      </p:sp>
+      <p:sp>
+        <p:nvSpPr>
+          <p:cNvPr id="10" name="矩形 9"/>
+          <p:cNvSpPr/>
+          <p:nvPr/>
+        </p:nvSpPr>
+        <p:spPr>
+          <a:xfrm>
+            <a:off x="2338070" y="2002790"/>
+            <a:ext cx="846455" cy="750570"/>
+          </a:xfrm>
+          <a:prstGeom prst="rect">
+            <a:avLst/>
+          </a:prstGeom>
+          <a:gradFill>
+            <a:gsLst>
+              <a:gs pos="42000">
+                <a:srgbClr val="D2DCF2">
+                  <a:alpha val="35000"/>
+                </a:srgbClr>
+              </a:gs>
+              <a:gs pos="0">
+                <a:schemeClr val="accent1">
+                  <a:lumMod val="5000"/>
+                  <a:lumOff val="95000"/>
+                </a:schemeClr>
+              </a:gs>
+              <a:gs pos="74000">
+                <a:schemeClr val="accent1">
+                  <a:lumMod val="45000"/>
+                  <a:lumOff val="55000"/>
+                </a:schemeClr>
+              </a:gs>
+              <a:gs pos="83000">
+                <a:schemeClr val="accent1">
+                  <a:lumMod val="45000"/>
+                  <a:lumOff val="55000"/>
+                </a:schemeClr>
+              </a:gs>
+              <a:gs pos="100000">
+                <a:schemeClr val="accent1">
+                  <a:lumMod val="30000"/>
+                  <a:lumOff val="70000"/>
+                </a:schemeClr>
+              </a:gs>
+            </a:gsLst>
+            <a:lin ang="5400000" scaled="0"/>
+          </a:gradFill>
+          <a:ln>
+            <a:gradFill>
+              <a:gsLst>
+                <a:gs pos="0">
+                  <a:schemeClr val="accent1">
+                    <a:lumMod val="5000"/>
+                    <a:lumOff val="95000"/>
+                  </a:schemeClr>
+                </a:gs>
+                <a:gs pos="74000">
+                  <a:schemeClr val="accent1">
+                    <a:lumMod val="45000"/>
+                    <a:lumOff val="55000"/>
+                  </a:schemeClr>
+                </a:gs>
+                <a:gs pos="83000">
+                  <a:schemeClr val="accent1">
+                    <a:lumMod val="45000"/>
+                    <a:lumOff val="55000"/>
+                  </a:schemeClr>
+                </a:gs>
+                <a:gs pos="100000">
+                  <a:schemeClr val="accent1">
+                    <a:lumMod val="30000"/>
+                    <a:lumOff val="70000"/>
+                  </a:schemeClr>
+                </a:gs>
+              </a:gsLst>
+              <a:lin ang="5400000" scaled="1"/>
+            </a:gradFill>
+          </a:ln>
+        </p:spPr>
+        <p:style>
+          <a:lnRef idx="2">
+            <a:schemeClr val="accent1">
+              <a:lumMod val="75000"/>
+            </a:schemeClr>
+          </a:lnRef>
+          <a:fillRef idx="1">
+            <a:schemeClr val="accent1"/>
+          </a:fillRef>
+          <a:effectRef idx="0">
+            <a:srgbClr val="FFFFFF"/>
+          </a:effectRef>
+          <a:fontRef idx="minor">
+            <a:schemeClr val="lt1"/>
+          </a:fontRef>
+        </p:style>
+        <p:txBody>
+          <a:bodyPr rtlCol="0" anchor="ctr"/>
+          <a:p>
+            <a:pPr algn="ctr"/>
+            <a:endParaRPr lang="zh-CN" altLang="en-US"/>
+          </a:p>
+        </p:txBody>
+      </p:sp>
+      <p:sp>
+        <p:nvSpPr>
+          <p:cNvPr id="11" name="右箭头 10"/>
+          <p:cNvSpPr/>
+          <p:nvPr/>
+        </p:nvSpPr>
+        <p:spPr>
+          <a:xfrm>
+            <a:off x="5104130" y="2529840"/>
+            <a:ext cx="622935" cy="223520"/>
+          </a:xfrm>
+          <a:prstGeom prst="rightArrow">
+            <a:avLst/>
+          </a:prstGeom>
+          <a:solidFill>
+            <a:schemeClr val="tx1">
+              <a:lumMod val="75000"/>
+              <a:lumOff val="25000"/>
+            </a:schemeClr>
+          </a:solidFill>
+          <a:ln>
+            <a:gradFill>
+              <a:gsLst>
+                <a:gs pos="0">
+                  <a:schemeClr val="accent1">
+                    <a:lumMod val="5000"/>
+                    <a:lumOff val="95000"/>
+                  </a:schemeClr>
+                </a:gs>
+                <a:gs pos="74000">
+                  <a:schemeClr val="accent1">
+                    <a:lumMod val="45000"/>
+                    <a:lumOff val="55000"/>
+                  </a:schemeClr>
+                </a:gs>
+                <a:gs pos="83000">
+                  <a:schemeClr val="accent1">
+                    <a:lumMod val="45000"/>
+                    <a:lumOff val="55000"/>
+                  </a:schemeClr>
+                </a:gs>
+                <a:gs pos="100000">
+                  <a:schemeClr val="accent1">
+                    <a:lumMod val="30000"/>
+                    <a:lumOff val="70000"/>
+                  </a:schemeClr>
+                </a:gs>
+              </a:gsLst>
+              <a:lin ang="5400000" scaled="1"/>
+            </a:gradFill>
+          </a:ln>
+        </p:spPr>
+        <p:style>
+          <a:lnRef idx="2">
+            <a:schemeClr val="accent1">
+              <a:lumMod val="75000"/>
+            </a:schemeClr>
+          </a:lnRef>
+          <a:fillRef idx="1">
+            <a:schemeClr val="accent1"/>
+          </a:fillRef>
+          <a:effectRef idx="0">
+            <a:srgbClr val="FFFFFF"/>
+          </a:effectRef>
+          <a:fontRef idx="minor">
+            <a:schemeClr val="lt1"/>
+          </a:fontRef>
+        </p:style>
+        <p:txBody>
+          <a:bodyPr rtlCol="0" anchor="ctr"/>
+          <a:p>
+            <a:pPr algn="ctr"/>
+            <a:endParaRPr lang="zh-CN" altLang="en-US"/>
+          </a:p>
+        </p:txBody>
+      </p:sp>
+      <p:sp>
+        <p:nvSpPr>
+          <p:cNvPr id="12" name="矩形 11"/>
+          <p:cNvSpPr/>
+          <p:nvPr/>
+        </p:nvSpPr>
+        <p:spPr>
+          <a:xfrm>
+            <a:off x="5897245" y="2314575"/>
+            <a:ext cx="846455" cy="750570"/>
+          </a:xfrm>
+          <a:prstGeom prst="rect">
+            <a:avLst/>
+          </a:prstGeom>
+          <a:solidFill>
+            <a:schemeClr val="accent1">
+              <a:lumMod val="40000"/>
+              <a:lumOff val="60000"/>
+            </a:schemeClr>
+          </a:solidFill>
+        </p:spPr>
+        <p:style>
+          <a:lnRef idx="2">
+            <a:schemeClr val="accent1">
+              <a:lumMod val="75000"/>
+            </a:schemeClr>
+          </a:lnRef>
+          <a:fillRef idx="1">
+            <a:schemeClr val="accent1"/>
+          </a:fillRef>
+          <a:effectRef idx="0">
+            <a:srgbClr val="FFFFFF"/>
+          </a:effectRef>
+          <a:fontRef idx="minor">
+            <a:schemeClr val="lt1"/>
+          </a:fontRef>
+        </p:style>
+        <p:txBody>
+          <a:bodyPr rtlCol="0" anchor="ctr"/>
+          <a:p>
+            <a:pPr algn="ctr"/>
+            <a:endParaRPr lang="zh-CN" altLang="en-US"/>
+          </a:p>
+        </p:txBody>
+      </p:sp>
+      <p:sp>
+        <p:nvSpPr>
+          <p:cNvPr id="13" name="右箭头 12"/>
+          <p:cNvSpPr/>
+          <p:nvPr/>
+        </p:nvSpPr>
+        <p:spPr>
+          <a:xfrm rot="19680000">
+            <a:off x="6879590" y="2429510"/>
+            <a:ext cx="622935" cy="223520"/>
+          </a:xfrm>
+          <a:prstGeom prst="rightArrow">
+            <a:avLst/>
+          </a:prstGeom>
+          <a:solidFill>
+            <a:schemeClr val="tx1">
+              <a:lumMod val="65000"/>
+              <a:lumOff val="35000"/>
+            </a:schemeClr>
+          </a:solidFill>
+          <a:ln>
+            <a:gradFill>
+              <a:gsLst>
+                <a:gs pos="0">
+                  <a:schemeClr val="accent1">
+                    <a:lumMod val="5000"/>
+                    <a:lumOff val="95000"/>
+                  </a:schemeClr>
+                </a:gs>
+                <a:gs pos="74000">
+                  <a:schemeClr val="accent1">
+                    <a:lumMod val="45000"/>
+                    <a:lumOff val="55000"/>
+                  </a:schemeClr>
+                </a:gs>
+                <a:gs pos="83000">
+                  <a:schemeClr val="accent1">
+                    <a:lumMod val="45000"/>
+                    <a:lumOff val="55000"/>
+                  </a:schemeClr>
+                </a:gs>
+                <a:gs pos="100000">
+                  <a:schemeClr val="accent1">
+                    <a:lumMod val="30000"/>
+                    <a:lumOff val="70000"/>
+                  </a:schemeClr>
+                </a:gs>
+              </a:gsLst>
+              <a:lin ang="5400000" scaled="1"/>
+            </a:gradFill>
+          </a:ln>
+        </p:spPr>
+        <p:style>
+          <a:lnRef idx="2">
+            <a:schemeClr val="accent1">
+              <a:lumMod val="75000"/>
+            </a:schemeClr>
+          </a:lnRef>
+          <a:fillRef idx="1">
+            <a:schemeClr val="accent1"/>
+          </a:fillRef>
+          <a:effectRef idx="0">
+            <a:srgbClr val="FFFFFF"/>
+          </a:effectRef>
+          <a:fontRef idx="minor">
+            <a:schemeClr val="lt1"/>
+          </a:fontRef>
+        </p:style>
+        <p:txBody>
+          <a:bodyPr rtlCol="0" anchor="ctr"/>
+          <a:p>
+            <a:pPr algn="ctr"/>
+            <a:endParaRPr lang="zh-CN" altLang="en-US"/>
+          </a:p>
+        </p:txBody>
+      </p:sp>
+      <p:sp>
+        <p:nvSpPr>
+          <p:cNvPr id="15" name="右箭头 14"/>
+          <p:cNvSpPr/>
+          <p:nvPr/>
+        </p:nvSpPr>
+        <p:spPr>
+          <a:xfrm rot="2700000">
+            <a:off x="6890385" y="2947670"/>
+            <a:ext cx="641350" cy="223520"/>
+          </a:xfrm>
+          <a:prstGeom prst="rightArrow">
+            <a:avLst/>
+          </a:prstGeom>
+          <a:solidFill>
+            <a:schemeClr val="tx1">
+              <a:lumMod val="65000"/>
+              <a:lumOff val="35000"/>
+            </a:schemeClr>
+          </a:solidFill>
+          <a:ln>
+            <a:gradFill>
+              <a:gsLst>
+                <a:gs pos="0">
+                  <a:schemeClr val="accent1">
+                    <a:lumMod val="5000"/>
+                    <a:lumOff val="95000"/>
+                  </a:schemeClr>
+                </a:gs>
+                <a:gs pos="74000">
+                  <a:schemeClr val="accent1">
+                    <a:lumMod val="45000"/>
+                    <a:lumOff val="55000"/>
+                  </a:schemeClr>
+                </a:gs>
+                <a:gs pos="83000">
+                  <a:schemeClr val="accent1">
+                    <a:lumMod val="45000"/>
+                    <a:lumOff val="55000"/>
+                  </a:schemeClr>
+                </a:gs>
+                <a:gs pos="100000">
+                  <a:schemeClr val="accent1">
+                    <a:lumMod val="30000"/>
+                    <a:lumOff val="70000"/>
+                  </a:schemeClr>
+                </a:gs>
+              </a:gsLst>
+              <a:lin ang="5400000" scaled="1"/>
+            </a:gradFill>
+          </a:ln>
+        </p:spPr>
+        <p:style>
+          <a:lnRef idx="2">
+            <a:schemeClr val="accent1">
+              <a:lumMod val="75000"/>
+            </a:schemeClr>
+          </a:lnRef>
+          <a:fillRef idx="1">
+            <a:schemeClr val="accent1"/>
+          </a:fillRef>
+          <a:effectRef idx="0">
+            <a:srgbClr val="FFFFFF"/>
+          </a:effectRef>
+          <a:fontRef idx="minor">
+            <a:schemeClr val="lt1"/>
+          </a:fontRef>
+        </p:style>
+        <p:txBody>
+          <a:bodyPr rtlCol="0" anchor="ctr"/>
+          <a:p>
+            <a:pPr algn="ctr"/>
+            <a:endParaRPr lang="zh-CN" altLang="en-US"/>
+          </a:p>
+        </p:txBody>
+      </p:sp>
+      <p:sp>
+        <p:nvSpPr>
+          <p:cNvPr id="17" name="文本框 16"/>
+          <p:cNvSpPr txBox="1"/>
+          <p:nvPr/>
+        </p:nvSpPr>
+        <p:spPr>
+          <a:xfrm>
+            <a:off x="7518400" y="2161540"/>
+            <a:ext cx="2944495" cy="636270"/>
+          </a:xfrm>
+          <a:prstGeom prst="rect">
+            <a:avLst/>
+          </a:prstGeom>
+          <a:noFill/>
+        </p:spPr>
+        <p:txBody>
+          <a:bodyPr wrap="square" rtlCol="0">
+            <a:noAutofit/>
+          </a:bodyPr>
+          <a:p>
+            <a:r>
+              <a:rPr lang="en-US" altLang="zh-CN"/>
+              <a:t>Scores, e.g. box1  95% rabit</a:t>
+            </a:r>
+            <a:endParaRPr lang="en-US" altLang="zh-CN"/>
+          </a:p>
+          <a:p>
+            <a:r>
+              <a:rPr lang="en-US" altLang="zh-CN"/>
+              <a:t>                      box2  10%rabit</a:t>
+            </a:r>
+            <a:endParaRPr lang="en-US" altLang="zh-CN"/>
+          </a:p>
+          <a:p>
+            <a:r>
+              <a:rPr lang="en-US" altLang="zh-CN"/>
+              <a:t>               </a:t>
+            </a:r>
+            <a:r>
+              <a:rPr lang="en-US" altLang="zh-CN" b="1"/>
+              <a:t>       </a:t>
+            </a:r>
+            <a:endParaRPr lang="zh-CN" altLang="en-US" b="1"/>
+          </a:p>
+        </p:txBody>
+      </p:sp>
+      <p:sp>
+        <p:nvSpPr>
+          <p:cNvPr id="22" name="矩形 21"/>
+          <p:cNvSpPr/>
+          <p:nvPr/>
+        </p:nvSpPr>
+        <p:spPr>
+          <a:xfrm>
+            <a:off x="7677785" y="3317240"/>
+            <a:ext cx="383540" cy="756920"/>
+          </a:xfrm>
+          <a:prstGeom prst="rect">
+            <a:avLst/>
+          </a:prstGeom>
+          <a:solidFill>
+            <a:schemeClr val="accent1">
+              <a:lumMod val="40000"/>
+              <a:lumOff val="60000"/>
+            </a:schemeClr>
+          </a:solidFill>
+        </p:spPr>
+        <p:style>
+          <a:lnRef idx="2">
+            <a:schemeClr val="accent1">
+              <a:lumMod val="75000"/>
+            </a:schemeClr>
+          </a:lnRef>
+          <a:fillRef idx="1">
+            <a:schemeClr val="accent1"/>
+          </a:fillRef>
+          <a:effectRef idx="0">
+            <a:srgbClr val="FFFFFF"/>
+          </a:effectRef>
+          <a:fontRef idx="minor">
+            <a:schemeClr val="lt1"/>
+          </a:fontRef>
+        </p:style>
+        <p:txBody>
+          <a:bodyPr rtlCol="0" anchor="ctr"/>
+          <a:p>
+            <a:pPr algn="ctr"/>
+            <a:endParaRPr lang="zh-CN" altLang="en-US"/>
+          </a:p>
+        </p:txBody>
+      </p:sp>
+      <p:pic>
+        <p:nvPicPr>
+          <p:cNvPr id="23" name="图片 22" descr="兔子"/>
+          <p:cNvPicPr>
+            <a:picLocks noChangeAspect="1"/>
+          </p:cNvPicPr>
+          <p:nvPr/>
+        </p:nvPicPr>
+        <p:blipFill>
+          <a:blip r:embed="rId1">
+            <a:extLst>
+              <a:ext uri="{96DAC541-7B7A-43D3-8B79-37D633B846F1}">
+                <asvg:svgBlip xmlns:asvg="http://schemas.microsoft.com/office/drawing/2016/SVG/main" r:embed="rId2"/>
+              </a:ext>
+            </a:extLst>
+          </a:blip>
+          <a:stretch>
+            <a:fillRect/>
+          </a:stretch>
+        </p:blipFill>
+        <p:spPr>
+          <a:xfrm>
+            <a:off x="7553960" y="3365500"/>
+            <a:ext cx="631190" cy="631190"/>
+          </a:xfrm>
+          <a:prstGeom prst="rect">
+            <a:avLst/>
+          </a:prstGeom>
+        </p:spPr>
+      </p:pic>
+      <p:sp>
+        <p:nvSpPr>
+          <p:cNvPr id="25" name="文本框 24"/>
+          <p:cNvSpPr txBox="1"/>
+          <p:nvPr/>
+        </p:nvSpPr>
+        <p:spPr>
+          <a:xfrm>
+            <a:off x="7602855" y="2940685"/>
+            <a:ext cx="789940" cy="368300"/>
+          </a:xfrm>
+          <a:prstGeom prst="rect">
+            <a:avLst/>
+          </a:prstGeom>
+          <a:noFill/>
+        </p:spPr>
+        <p:txBody>
+          <a:bodyPr wrap="square" rtlCol="0">
+            <a:spAutoFit/>
+          </a:bodyPr>
+          <a:p>
+            <a:r>
+              <a:rPr lang="en-US" altLang="zh-CN"/>
+              <a:t>B</a:t>
+            </a:r>
+            <a:r>
+              <a:rPr lang="en-US" altLang="zh-CN"/>
+              <a:t>ox1</a:t>
+            </a:r>
+            <a:endParaRPr lang="en-US" altLang="zh-CN"/>
+          </a:p>
+        </p:txBody>
+      </p:sp>
+      <p:sp>
+        <p:nvSpPr>
+          <p:cNvPr id="26" name="矩形 25"/>
+          <p:cNvSpPr/>
+          <p:nvPr/>
+        </p:nvSpPr>
+        <p:spPr>
+          <a:xfrm>
+            <a:off x="8317230" y="3308985"/>
+            <a:ext cx="655320" cy="756285"/>
+          </a:xfrm>
+          <a:prstGeom prst="rect">
+            <a:avLst/>
+          </a:prstGeom>
+          <a:solidFill>
+            <a:schemeClr val="accent1">
+              <a:lumMod val="40000"/>
+              <a:lumOff val="60000"/>
+            </a:schemeClr>
+          </a:solidFill>
+        </p:spPr>
+        <p:style>
+          <a:lnRef idx="2">
+            <a:schemeClr val="accent1">
+              <a:lumMod val="75000"/>
+            </a:schemeClr>
+          </a:lnRef>
+          <a:fillRef idx="1">
+            <a:schemeClr val="accent1"/>
+          </a:fillRef>
+          <a:effectRef idx="0">
+            <a:srgbClr val="FFFFFF"/>
+          </a:effectRef>
+          <a:fontRef idx="minor">
+            <a:schemeClr val="lt1"/>
+          </a:fontRef>
+        </p:style>
+        <p:txBody>
+          <a:bodyPr rtlCol="0" anchor="ctr"/>
+          <a:p>
+            <a:pPr algn="ctr"/>
+            <a:endParaRPr lang="zh-CN" altLang="en-US"/>
+          </a:p>
+        </p:txBody>
+      </p:sp>
+      <p:sp>
+        <p:nvSpPr>
+          <p:cNvPr id="27" name="文本框 26"/>
+          <p:cNvSpPr txBox="1"/>
+          <p:nvPr/>
+        </p:nvSpPr>
+        <p:spPr>
+          <a:xfrm>
+            <a:off x="8317230" y="2932430"/>
+            <a:ext cx="789940" cy="368300"/>
+          </a:xfrm>
+          <a:prstGeom prst="rect">
+            <a:avLst/>
+          </a:prstGeom>
+          <a:noFill/>
+        </p:spPr>
+        <p:txBody>
+          <a:bodyPr wrap="square" rtlCol="0">
+            <a:spAutoFit/>
+          </a:bodyPr>
+          <a:p>
+            <a:r>
+              <a:rPr lang="en-US" altLang="zh-CN"/>
+              <a:t>B</a:t>
+            </a:r>
+            <a:r>
+              <a:rPr lang="en-US" altLang="zh-CN"/>
+              <a:t>ox2</a:t>
+            </a:r>
+            <a:endParaRPr lang="en-US" altLang="zh-CN"/>
+          </a:p>
+        </p:txBody>
+      </p:sp>
+      <p:pic>
+        <p:nvPicPr>
+          <p:cNvPr id="28" name="图片 27" descr="狗狗"/>
+          <p:cNvPicPr>
+            <a:picLocks noChangeAspect="1"/>
+          </p:cNvPicPr>
+          <p:nvPr/>
+        </p:nvPicPr>
+        <p:blipFill>
+          <a:blip r:embed="rId3">
+            <a:extLst>
+              <a:ext uri="{96DAC541-7B7A-43D3-8B79-37D633B846F1}">
+                <asvg:svgBlip xmlns:asvg="http://schemas.microsoft.com/office/drawing/2016/SVG/main" r:embed="rId4"/>
+              </a:ext>
+            </a:extLst>
+          </a:blip>
+          <a:stretch>
+            <a:fillRect/>
+          </a:stretch>
+        </p:blipFill>
+        <p:spPr>
+          <a:xfrm>
+            <a:off x="8385175" y="3435350"/>
+            <a:ext cx="507365" cy="507365"/>
+          </a:xfrm>
+          <a:prstGeom prst="rect">
+            <a:avLst/>
+          </a:prstGeom>
+        </p:spPr>
+      </p:pic>
     </p:spTree>
   </p:cSld>
   <p:clrMapOvr>
